--- a/lectures/14/2_Review.pptx
+++ b/lectures/14/2_Review.pptx
@@ -6,10 +6,10 @@
     <p:sldMasterId id="2147483660" r:id="rId5"/>
   </p:sldMasterIdLst>
   <p:notesMasterIdLst>
-    <p:notesMasterId r:id="rId22"/>
+    <p:notesMasterId r:id="rId29"/>
   </p:notesMasterIdLst>
   <p:handoutMasterIdLst>
-    <p:handoutMasterId r:id="rId23"/>
+    <p:handoutMasterId r:id="rId30"/>
   </p:handoutMasterIdLst>
   <p:sldIdLst>
     <p:sldId id="256" r:id="rId6"/>
@@ -23,11 +23,18 @@
     <p:sldId id="268" r:id="rId14"/>
     <p:sldId id="269" r:id="rId15"/>
     <p:sldId id="281" r:id="rId16"/>
-    <p:sldId id="299" r:id="rId17"/>
-    <p:sldId id="300" r:id="rId18"/>
-    <p:sldId id="261" r:id="rId19"/>
-    <p:sldId id="313" r:id="rId20"/>
-    <p:sldId id="315" r:id="rId21"/>
+    <p:sldId id="316" r:id="rId17"/>
+    <p:sldId id="299" r:id="rId18"/>
+    <p:sldId id="317" r:id="rId19"/>
+    <p:sldId id="300" r:id="rId20"/>
+    <p:sldId id="261" r:id="rId21"/>
+    <p:sldId id="318" r:id="rId22"/>
+    <p:sldId id="313" r:id="rId23"/>
+    <p:sldId id="319" r:id="rId24"/>
+    <p:sldId id="320" r:id="rId25"/>
+    <p:sldId id="321" r:id="rId26"/>
+    <p:sldId id="322" r:id="rId27"/>
+    <p:sldId id="315" r:id="rId28"/>
   </p:sldIdLst>
   <p:sldSz cx="12192000" cy="6858000"/>
   <p:notesSz cx="6858000" cy="9144000"/>
@@ -3219,7 +3226,7 @@
           <a:p>
             <a:fld id="{73B2889B-A0AC-4482-8592-5C96F2309420}" type="datetimeFigureOut">
               <a:rPr lang="en-US" smtClean="0"/>
-              <a:t>11/1/2021</a:t>
+              <a:t>11/6/2021</a:t>
             </a:fld>
             <a:endParaRPr lang="en-US"/>
           </a:p>
@@ -3396,7 +3403,7 @@
           <a:p>
             <a:fld id="{830EB223-FFC0-462A-A3B8-EAA7CE0F8CBD}" type="datetimeFigureOut">
               <a:rPr lang="en-US" smtClean="0"/>
-              <a:t>11/1/2021</a:t>
+              <a:t>11/6/2021</a:t>
             </a:fld>
             <a:endParaRPr lang="en-US" dirty="0"/>
           </a:p>
@@ -3845,7 +3852,7 @@
           <a:p>
             <a:fld id="{BC849E9A-41F7-4779-A581-48A7C374A227}" type="slidenum">
               <a:rPr lang="en-US" smtClean="0"/>
-              <a:t>13</a:t>
+              <a:t>15</a:t>
             </a:fld>
             <a:endParaRPr lang="en-US" dirty="0"/>
           </a:p>
@@ -4039,7 +4046,7 @@
                 <a:tabLst/>
                 <a:defRPr/>
               </a:pPr>
-              <a:t>14</a:t>
+              <a:t>16</a:t>
             </a:fld>
             <a:endParaRPr kumimoji="0" lang="en-US" sz="1200" b="0" i="0" u="none" strike="noStrike" kern="1200" cap="none" spc="0" normalizeH="0" baseline="0" noProof="0" dirty="0">
               <a:ln>
@@ -4062,6 +4069,96 @@
     <p:extLst>
       <p:ext uri="{BB962C8B-B14F-4D97-AF65-F5344CB8AC3E}">
         <p14:creationId xmlns:p14="http://schemas.microsoft.com/office/powerpoint/2010/main" val="3036239250"/>
+      </p:ext>
+    </p:extLst>
+  </p:cSld>
+  <p:clrMapOvr>
+    <a:masterClrMapping/>
+  </p:clrMapOvr>
+</p:notes>
+</file>
+
+<file path=ppt/notesSlides/notesSlide12.xml><?xml version="1.0" encoding="utf-8"?>
+<p:notes xmlns:a="http://schemas.openxmlformats.org/drawingml/2006/main" xmlns:r="http://schemas.openxmlformats.org/officeDocument/2006/relationships" xmlns:p="http://schemas.openxmlformats.org/presentationml/2006/main">
+  <p:cSld>
+    <p:spTree>
+      <p:nvGrpSpPr>
+        <p:cNvPr id="1" name=""/>
+        <p:cNvGrpSpPr/>
+        <p:nvPr/>
+      </p:nvGrpSpPr>
+      <p:grpSpPr>
+        <a:xfrm>
+          <a:off x="0" y="0"/>
+          <a:ext cx="0" cy="0"/>
+          <a:chOff x="0" y="0"/>
+          <a:chExt cx="0" cy="0"/>
+        </a:xfrm>
+      </p:grpSpPr>
+      <p:sp>
+        <p:nvSpPr>
+          <p:cNvPr id="2" name="Slide Image Placeholder 1"/>
+          <p:cNvSpPr>
+            <a:spLocks noGrp="1" noRot="1" noChangeAspect="1"/>
+          </p:cNvSpPr>
+          <p:nvPr>
+            <p:ph type="sldImg"/>
+          </p:nvPr>
+        </p:nvSpPr>
+        <p:spPr/>
+      </p:sp>
+      <p:sp>
+        <p:nvSpPr>
+          <p:cNvPr id="3" name="Notes Placeholder 2"/>
+          <p:cNvSpPr>
+            <a:spLocks noGrp="1"/>
+          </p:cNvSpPr>
+          <p:nvPr>
+            <p:ph type="body" idx="1"/>
+          </p:nvPr>
+        </p:nvSpPr>
+        <p:spPr/>
+        <p:txBody>
+          <a:bodyPr/>
+          <a:lstStyle/>
+          <a:p>
+            <a:r>
+              <a:rPr lang="en-US" dirty="0"/>
+              <a:t>Go over 7-Correlation and regression practice</a:t>
+            </a:r>
+          </a:p>
+          <a:p>
+            <a:endParaRPr lang="en-US" dirty="0"/>
+          </a:p>
+        </p:txBody>
+      </p:sp>
+      <p:sp>
+        <p:nvSpPr>
+          <p:cNvPr id="4" name="Slide Number Placeholder 3"/>
+          <p:cNvSpPr>
+            <a:spLocks noGrp="1"/>
+          </p:cNvSpPr>
+          <p:nvPr>
+            <p:ph type="sldNum" sz="quarter" idx="5"/>
+          </p:nvPr>
+        </p:nvSpPr>
+        <p:spPr/>
+        <p:txBody>
+          <a:bodyPr/>
+          <a:lstStyle/>
+          <a:p>
+            <a:fld id="{BC849E9A-41F7-4779-A581-48A7C374A227}" type="slidenum">
+              <a:rPr lang="en-US" smtClean="0"/>
+              <a:t>18</a:t>
+            </a:fld>
+            <a:endParaRPr lang="en-US" dirty="0"/>
+          </a:p>
+        </p:txBody>
+      </p:sp>
+    </p:spTree>
+    <p:extLst>
+      <p:ext uri="{BB962C8B-B14F-4D97-AF65-F5344CB8AC3E}">
+        <p14:creationId xmlns:p14="http://schemas.microsoft.com/office/powerpoint/2010/main" val="1853139413"/>
       </p:ext>
     </p:extLst>
   </p:cSld>
@@ -5631,7 +5728,7 @@
           <a:p>
             <a:fld id="{BC849E9A-41F7-4779-A581-48A7C374A227}" type="slidenum">
               <a:rPr lang="en-US" smtClean="0"/>
-              <a:t>12</a:t>
+              <a:t>13</a:t>
             </a:fld>
             <a:endParaRPr lang="en-US" dirty="0"/>
           </a:p>
@@ -5797,7 +5894,7 @@
           <a:p>
             <a:fld id="{C4EC3E89-068C-4484-9196-39A80941A297}" type="datetime1">
               <a:rPr lang="en-US" smtClean="0"/>
-              <a:t>11/1/2021</a:t>
+              <a:t>11/6/2021</a:t>
             </a:fld>
             <a:endParaRPr lang="en-US" dirty="0"/>
           </a:p>
@@ -5999,7 +6096,7 @@
           <a:p>
             <a:fld id="{73EFB051-9B18-4EBA-99FC-F11C30E36AD1}" type="datetime1">
               <a:rPr lang="en-US" smtClean="0"/>
-              <a:t>11/1/2021</a:t>
+              <a:t>11/6/2021</a:t>
             </a:fld>
             <a:endParaRPr lang="en-US" dirty="0"/>
           </a:p>
@@ -6211,7 +6308,7 @@
           <a:p>
             <a:fld id="{120625ED-9EF1-4810-B41C-101ECA886138}" type="datetime1">
               <a:rPr lang="en-US" smtClean="0"/>
-              <a:t>11/1/2021</a:t>
+              <a:t>11/6/2021</a:t>
             </a:fld>
             <a:endParaRPr lang="en-US" dirty="0"/>
           </a:p>
@@ -6435,7 +6532,7 @@
           <a:p>
             <a:fld id="{DECF21A4-E71B-4D3A-AF45-E989C23A7BB1}" type="datetimeFigureOut">
               <a:rPr lang="en-US" smtClean="0"/>
-              <a:t>11/1/2021</a:t>
+              <a:t>11/6/2021</a:t>
             </a:fld>
             <a:endParaRPr lang="en-US" dirty="0"/>
           </a:p>
@@ -6633,7 +6730,7 @@
           <a:p>
             <a:fld id="{DECF21A4-E71B-4D3A-AF45-E989C23A7BB1}" type="datetimeFigureOut">
               <a:rPr lang="en-US" smtClean="0"/>
-              <a:t>11/1/2021</a:t>
+              <a:t>11/6/2021</a:t>
             </a:fld>
             <a:endParaRPr lang="en-US" dirty="0"/>
           </a:p>
@@ -6908,7 +7005,7 @@
           <a:p>
             <a:fld id="{DECF21A4-E71B-4D3A-AF45-E989C23A7BB1}" type="datetimeFigureOut">
               <a:rPr lang="en-US" smtClean="0"/>
-              <a:t>11/1/2021</a:t>
+              <a:t>11/6/2021</a:t>
             </a:fld>
             <a:endParaRPr lang="en-US" dirty="0"/>
           </a:p>
@@ -7173,7 +7270,7 @@
           <a:p>
             <a:fld id="{DECF21A4-E71B-4D3A-AF45-E989C23A7BB1}" type="datetimeFigureOut">
               <a:rPr lang="en-US" smtClean="0"/>
-              <a:t>11/1/2021</a:t>
+              <a:t>11/6/2021</a:t>
             </a:fld>
             <a:endParaRPr lang="en-US" dirty="0"/>
           </a:p>
@@ -7585,7 +7682,7 @@
           <a:p>
             <a:fld id="{DECF21A4-E71B-4D3A-AF45-E989C23A7BB1}" type="datetimeFigureOut">
               <a:rPr lang="en-US" smtClean="0"/>
-              <a:t>11/1/2021</a:t>
+              <a:t>11/6/2021</a:t>
             </a:fld>
             <a:endParaRPr lang="en-US" dirty="0"/>
           </a:p>
@@ -7726,7 +7823,7 @@
           <a:p>
             <a:fld id="{DECF21A4-E71B-4D3A-AF45-E989C23A7BB1}" type="datetimeFigureOut">
               <a:rPr lang="en-US" smtClean="0"/>
-              <a:t>11/1/2021</a:t>
+              <a:t>11/6/2021</a:t>
             </a:fld>
             <a:endParaRPr lang="en-US" dirty="0"/>
           </a:p>
@@ -7839,7 +7936,7 @@
           <a:p>
             <a:fld id="{DECF21A4-E71B-4D3A-AF45-E989C23A7BB1}" type="datetimeFigureOut">
               <a:rPr lang="en-US" smtClean="0"/>
-              <a:t>11/1/2021</a:t>
+              <a:t>11/6/2021</a:t>
             </a:fld>
             <a:endParaRPr lang="en-US" dirty="0"/>
           </a:p>
@@ -8150,7 +8247,7 @@
           <a:p>
             <a:fld id="{DECF21A4-E71B-4D3A-AF45-E989C23A7BB1}" type="datetimeFigureOut">
               <a:rPr lang="en-US" smtClean="0"/>
-              <a:t>11/1/2021</a:t>
+              <a:t>11/6/2021</a:t>
             </a:fld>
             <a:endParaRPr lang="en-US" dirty="0"/>
           </a:p>
@@ -8348,7 +8445,7 @@
           <a:p>
             <a:fld id="{31CD2D0A-5039-42EF-8D8E-F064A3687C00}" type="datetime1">
               <a:rPr lang="en-US" smtClean="0"/>
-              <a:t>11/1/2021</a:t>
+              <a:t>11/6/2021</a:t>
             </a:fld>
             <a:endParaRPr lang="en-US" dirty="0"/>
           </a:p>
@@ -8644,7 +8741,7 @@
           <a:p>
             <a:fld id="{DECF21A4-E71B-4D3A-AF45-E989C23A7BB1}" type="datetimeFigureOut">
               <a:rPr lang="en-US" smtClean="0"/>
-              <a:t>11/1/2021</a:t>
+              <a:t>11/6/2021</a:t>
             </a:fld>
             <a:endParaRPr lang="en-US" dirty="0"/>
           </a:p>
@@ -8842,7 +8939,7 @@
           <a:p>
             <a:fld id="{DECF21A4-E71B-4D3A-AF45-E989C23A7BB1}" type="datetimeFigureOut">
               <a:rPr lang="en-US" smtClean="0"/>
-              <a:t>11/1/2021</a:t>
+              <a:t>11/6/2021</a:t>
             </a:fld>
             <a:endParaRPr lang="en-US" dirty="0"/>
           </a:p>
@@ -9050,7 +9147,7 @@
           <a:p>
             <a:fld id="{DECF21A4-E71B-4D3A-AF45-E989C23A7BB1}" type="datetimeFigureOut">
               <a:rPr lang="en-US" smtClean="0"/>
-              <a:t>11/1/2021</a:t>
+              <a:t>11/6/2021</a:t>
             </a:fld>
             <a:endParaRPr lang="en-US" dirty="0"/>
           </a:p>
@@ -9325,7 +9422,7 @@
           <a:p>
             <a:fld id="{8FD408BA-41E9-4BCF-9F5C-C15089E959BA}" type="datetime1">
               <a:rPr lang="en-US" smtClean="0"/>
-              <a:t>11/1/2021</a:t>
+              <a:t>11/6/2021</a:t>
             </a:fld>
             <a:endParaRPr lang="en-US" dirty="0"/>
           </a:p>
@@ -9594,7 +9691,7 @@
           <a:p>
             <a:fld id="{2BD15DB2-BF2C-46E7-9567-A1A0C8FC64A0}" type="datetime1">
               <a:rPr lang="en-US" smtClean="0"/>
-              <a:t>11/1/2021</a:t>
+              <a:t>11/6/2021</a:t>
             </a:fld>
             <a:endParaRPr lang="en-US" dirty="0"/>
           </a:p>
@@ -10010,7 +10107,7 @@
           <a:p>
             <a:fld id="{E833F933-0CF2-4BD2-9145-D3413AD5F497}" type="datetime1">
               <a:rPr lang="en-US" smtClean="0"/>
-              <a:t>11/1/2021</a:t>
+              <a:t>11/6/2021</a:t>
             </a:fld>
             <a:endParaRPr lang="en-US" dirty="0"/>
           </a:p>
@@ -10155,7 +10252,7 @@
           <a:p>
             <a:fld id="{4C51D8B2-ED70-41EF-8095-15E2AE5F160E}" type="datetime1">
               <a:rPr lang="en-US" smtClean="0"/>
-              <a:t>11/1/2021</a:t>
+              <a:t>11/6/2021</a:t>
             </a:fld>
             <a:endParaRPr lang="en-US" dirty="0"/>
           </a:p>
@@ -10272,7 +10369,7 @@
           <a:p>
             <a:fld id="{CBF21E01-DAB8-4692-879D-9B95AEAA41E6}" type="datetime1">
               <a:rPr lang="en-US" smtClean="0"/>
-              <a:t>11/1/2021</a:t>
+              <a:t>11/6/2021</a:t>
             </a:fld>
             <a:endParaRPr lang="en-US" dirty="0"/>
           </a:p>
@@ -10587,7 +10684,7 @@
           <a:p>
             <a:fld id="{0A510A22-882F-492D-9EE7-C26A7DFBC6E6}" type="datetime1">
               <a:rPr lang="en-US" smtClean="0"/>
-              <a:t>11/1/2021</a:t>
+              <a:t>11/6/2021</a:t>
             </a:fld>
             <a:endParaRPr lang="en-US" dirty="0"/>
           </a:p>
@@ -10883,7 +10980,7 @@
           <a:p>
             <a:fld id="{A1004D0D-B6F0-47E4-BBF3-1951C00F9D16}" type="datetime1">
               <a:rPr lang="en-US" smtClean="0"/>
-              <a:t>11/1/2021</a:t>
+              <a:t>11/6/2021</a:t>
             </a:fld>
             <a:endParaRPr lang="en-US" dirty="0"/>
           </a:p>
@@ -11128,7 +11225,7 @@
           <a:p>
             <a:fld id="{48D89660-51FF-4216-9F24-A2AFA2D4F958}" type="datetime1">
               <a:rPr lang="en-US" smtClean="0"/>
-              <a:t>11/1/2021</a:t>
+              <a:t>11/6/2021</a:t>
             </a:fld>
             <a:endParaRPr lang="en-US" dirty="0"/>
           </a:p>
@@ -11701,7 +11798,7 @@
           <a:p>
             <a:fld id="{DECF21A4-E71B-4D3A-AF45-E989C23A7BB1}" type="datetimeFigureOut">
               <a:rPr lang="en-US" smtClean="0"/>
-              <a:t>11/1/2021</a:t>
+              <a:t>11/6/2021</a:t>
             </a:fld>
             <a:endParaRPr lang="en-US" dirty="0"/>
           </a:p>
@@ -14822,6 +14919,89 @@
           <p:cNvPr id="2" name="Title 1">
             <a:extLst>
               <a:ext uri="{FF2B5EF4-FFF2-40B4-BE49-F238E27FC236}">
+                <a16:creationId xmlns:a16="http://schemas.microsoft.com/office/drawing/2014/main" id="{3D9BA234-56A6-49E2-9A15-2A406AB3A914}"/>
+              </a:ext>
+            </a:extLst>
+          </p:cNvPr>
+          <p:cNvSpPr>
+            <a:spLocks noGrp="1"/>
+          </p:cNvSpPr>
+          <p:nvPr>
+            <p:ph type="title"/>
+          </p:nvPr>
+        </p:nvSpPr>
+        <p:spPr/>
+        <p:txBody>
+          <a:bodyPr/>
+          <a:lstStyle/>
+          <a:p>
+            <a:r>
+              <a:rPr lang="en-US" dirty="0"/>
+              <a:t>iClicker</a:t>
+            </a:r>
+          </a:p>
+        </p:txBody>
+      </p:sp>
+      <p:sp>
+        <p:nvSpPr>
+          <p:cNvPr id="3" name="Content Placeholder 2">
+            <a:extLst>
+              <a:ext uri="{FF2B5EF4-FFF2-40B4-BE49-F238E27FC236}">
+                <a16:creationId xmlns:a16="http://schemas.microsoft.com/office/drawing/2014/main" id="{0D84E982-12F8-4BAE-9F81-30587EE1162B}"/>
+              </a:ext>
+            </a:extLst>
+          </p:cNvPr>
+          <p:cNvSpPr>
+            <a:spLocks noGrp="1"/>
+          </p:cNvSpPr>
+          <p:nvPr>
+            <p:ph idx="1"/>
+          </p:nvPr>
+        </p:nvSpPr>
+        <p:spPr/>
+        <p:txBody>
+          <a:bodyPr/>
+          <a:lstStyle/>
+          <a:p>
+            <a:endParaRPr lang="en-US"/>
+          </a:p>
+        </p:txBody>
+      </p:sp>
+    </p:spTree>
+    <p:extLst>
+      <p:ext uri="{BB962C8B-B14F-4D97-AF65-F5344CB8AC3E}">
+        <p14:creationId xmlns:p14="http://schemas.microsoft.com/office/powerpoint/2010/main" val="2363282602"/>
+      </p:ext>
+    </p:extLst>
+  </p:cSld>
+  <p:clrMapOvr>
+    <a:masterClrMapping/>
+  </p:clrMapOvr>
+</p:sld>
+</file>
+
+<file path=ppt/slides/slide13.xml><?xml version="1.0" encoding="utf-8"?>
+<p:sld xmlns:a="http://schemas.openxmlformats.org/drawingml/2006/main" xmlns:r="http://schemas.openxmlformats.org/officeDocument/2006/relationships" xmlns:p="http://schemas.openxmlformats.org/presentationml/2006/main">
+  <p:cSld>
+    <p:spTree>
+      <p:nvGrpSpPr>
+        <p:cNvPr id="1" name=""/>
+        <p:cNvGrpSpPr/>
+        <p:nvPr/>
+      </p:nvGrpSpPr>
+      <p:grpSpPr>
+        <a:xfrm>
+          <a:off x="0" y="0"/>
+          <a:ext cx="0" cy="0"/>
+          <a:chOff x="0" y="0"/>
+          <a:chExt cx="0" cy="0"/>
+        </a:xfrm>
+      </p:grpSpPr>
+      <p:sp>
+        <p:nvSpPr>
+          <p:cNvPr id="2" name="Title 1">
+            <a:extLst>
+              <a:ext uri="{FF2B5EF4-FFF2-40B4-BE49-F238E27FC236}">
                 <a16:creationId xmlns:a16="http://schemas.microsoft.com/office/drawing/2014/main" id="{9DE44975-097F-43CA-B464-1AE371D59C49}"/>
               </a:ext>
             </a:extLst>
@@ -15168,7 +15348,90 @@
 </p:sld>
 </file>
 
-<file path=ppt/slides/slide13.xml><?xml version="1.0" encoding="utf-8"?>
+<file path=ppt/slides/slide14.xml><?xml version="1.0" encoding="utf-8"?>
+<p:sld xmlns:a="http://schemas.openxmlformats.org/drawingml/2006/main" xmlns:r="http://schemas.openxmlformats.org/officeDocument/2006/relationships" xmlns:p="http://schemas.openxmlformats.org/presentationml/2006/main">
+  <p:cSld>
+    <p:spTree>
+      <p:nvGrpSpPr>
+        <p:cNvPr id="1" name=""/>
+        <p:cNvGrpSpPr/>
+        <p:nvPr/>
+      </p:nvGrpSpPr>
+      <p:grpSpPr>
+        <a:xfrm>
+          <a:off x="0" y="0"/>
+          <a:ext cx="0" cy="0"/>
+          <a:chOff x="0" y="0"/>
+          <a:chExt cx="0" cy="0"/>
+        </a:xfrm>
+      </p:grpSpPr>
+      <p:sp>
+        <p:nvSpPr>
+          <p:cNvPr id="2" name="Title 1">
+            <a:extLst>
+              <a:ext uri="{FF2B5EF4-FFF2-40B4-BE49-F238E27FC236}">
+                <a16:creationId xmlns:a16="http://schemas.microsoft.com/office/drawing/2014/main" id="{3D9BA234-56A6-49E2-9A15-2A406AB3A914}"/>
+              </a:ext>
+            </a:extLst>
+          </p:cNvPr>
+          <p:cNvSpPr>
+            <a:spLocks noGrp="1"/>
+          </p:cNvSpPr>
+          <p:nvPr>
+            <p:ph type="title"/>
+          </p:nvPr>
+        </p:nvSpPr>
+        <p:spPr/>
+        <p:txBody>
+          <a:bodyPr/>
+          <a:lstStyle/>
+          <a:p>
+            <a:r>
+              <a:rPr lang="en-US" dirty="0"/>
+              <a:t>iClicker</a:t>
+            </a:r>
+          </a:p>
+        </p:txBody>
+      </p:sp>
+      <p:sp>
+        <p:nvSpPr>
+          <p:cNvPr id="3" name="Content Placeholder 2">
+            <a:extLst>
+              <a:ext uri="{FF2B5EF4-FFF2-40B4-BE49-F238E27FC236}">
+                <a16:creationId xmlns:a16="http://schemas.microsoft.com/office/drawing/2014/main" id="{0D84E982-12F8-4BAE-9F81-30587EE1162B}"/>
+              </a:ext>
+            </a:extLst>
+          </p:cNvPr>
+          <p:cNvSpPr>
+            <a:spLocks noGrp="1"/>
+          </p:cNvSpPr>
+          <p:nvPr>
+            <p:ph idx="1"/>
+          </p:nvPr>
+        </p:nvSpPr>
+        <p:spPr/>
+        <p:txBody>
+          <a:bodyPr/>
+          <a:lstStyle/>
+          <a:p>
+            <a:endParaRPr lang="en-US"/>
+          </a:p>
+        </p:txBody>
+      </p:sp>
+    </p:spTree>
+    <p:extLst>
+      <p:ext uri="{BB962C8B-B14F-4D97-AF65-F5344CB8AC3E}">
+        <p14:creationId xmlns:p14="http://schemas.microsoft.com/office/powerpoint/2010/main" val="1714220672"/>
+      </p:ext>
+    </p:extLst>
+  </p:cSld>
+  <p:clrMapOvr>
+    <a:masterClrMapping/>
+  </p:clrMapOvr>
+</p:sld>
+</file>
+
+<file path=ppt/slides/slide15.xml><?xml version="1.0" encoding="utf-8"?>
 <p:sld xmlns:a="http://schemas.openxmlformats.org/drawingml/2006/main" xmlns:r="http://schemas.openxmlformats.org/officeDocument/2006/relationships" xmlns:p="http://schemas.openxmlformats.org/presentationml/2006/main">
   <p:cSld>
     <p:spTree>
@@ -15488,7 +15751,7 @@
 </p:sld>
 </file>
 
-<file path=ppt/slides/slide14.xml><?xml version="1.0" encoding="utf-8"?>
+<file path=ppt/slides/slide16.xml><?xml version="1.0" encoding="utf-8"?>
 <p:sld xmlns:a="http://schemas.openxmlformats.org/drawingml/2006/main" xmlns:r="http://schemas.openxmlformats.org/officeDocument/2006/relationships" xmlns:p="http://schemas.openxmlformats.org/presentationml/2006/main">
   <p:cSld>
     <p:bg>
@@ -16583,7 +16846,7 @@
 </p:sld>
 </file>
 
-<file path=ppt/slides/slide15.xml><?xml version="1.0" encoding="utf-8"?>
+<file path=ppt/slides/slide17.xml><?xml version="1.0" encoding="utf-8"?>
 <p:sld xmlns:a="http://schemas.openxmlformats.org/drawingml/2006/main" xmlns:r="http://schemas.openxmlformats.org/officeDocument/2006/relationships" xmlns:p="http://schemas.openxmlformats.org/presentationml/2006/main">
   <p:cSld>
     <p:spTree>
@@ -16605,7 +16868,7 @@
           <p:cNvPr id="2" name="Title 1">
             <a:extLst>
               <a:ext uri="{FF2B5EF4-FFF2-40B4-BE49-F238E27FC236}">
-                <a16:creationId xmlns:a16="http://schemas.microsoft.com/office/drawing/2014/main" id="{173747B3-2073-4EC2-B75C-C2411686D7EB}"/>
+                <a16:creationId xmlns:a16="http://schemas.microsoft.com/office/drawing/2014/main" id="{3D9BA234-56A6-49E2-9A15-2A406AB3A914}"/>
               </a:ext>
             </a:extLst>
           </p:cNvPr>
@@ -16623,7 +16886,7 @@
           <a:p>
             <a:r>
               <a:rPr lang="en-US" dirty="0"/>
-              <a:t>Regression</a:t>
+              <a:t>iClicker</a:t>
             </a:r>
           </a:p>
         </p:txBody>
@@ -16633,7 +16896,7 @@
           <p:cNvPr id="3" name="Content Placeholder 2">
             <a:extLst>
               <a:ext uri="{FF2B5EF4-FFF2-40B4-BE49-F238E27FC236}">
-                <a16:creationId xmlns:a16="http://schemas.microsoft.com/office/drawing/2014/main" id="{E92122FD-93EF-4647-BA1E-056C7A41D815}"/>
+                <a16:creationId xmlns:a16="http://schemas.microsoft.com/office/drawing/2014/main" id="{0D84E982-12F8-4BAE-9F81-30587EE1162B}"/>
               </a:ext>
             </a:extLst>
           </p:cNvPr>
@@ -16650,71 +16913,13 @@
           <a:lstStyle/>
           <a:p>
             <a:endParaRPr lang="en-US"/>
-          </a:p>
-        </p:txBody>
-      </p:sp>
-      <p:sp>
-        <p:nvSpPr>
-          <p:cNvPr id="4" name="Footer Placeholder 3">
-            <a:extLst>
-              <a:ext uri="{FF2B5EF4-FFF2-40B4-BE49-F238E27FC236}">
-                <a16:creationId xmlns:a16="http://schemas.microsoft.com/office/drawing/2014/main" id="{7F1E192C-031B-4E4A-A8F2-984EC547DC83}"/>
-              </a:ext>
-            </a:extLst>
-          </p:cNvPr>
-          <p:cNvSpPr>
-            <a:spLocks noGrp="1"/>
-          </p:cNvSpPr>
-          <p:nvPr>
-            <p:ph type="ftr" sz="quarter" idx="11"/>
-          </p:nvPr>
-        </p:nvSpPr>
-        <p:spPr/>
-        <p:txBody>
-          <a:bodyPr/>
-          <a:lstStyle/>
-          <a:p>
-            <a:r>
-              <a:rPr lang="en-US"/>
-              <a:t>Mike Nguyen</a:t>
-            </a:r>
-            <a:endParaRPr lang="en-US" dirty="0"/>
-          </a:p>
-        </p:txBody>
-      </p:sp>
-      <p:sp>
-        <p:nvSpPr>
-          <p:cNvPr id="5" name="Slide Number Placeholder 4">
-            <a:extLst>
-              <a:ext uri="{FF2B5EF4-FFF2-40B4-BE49-F238E27FC236}">
-                <a16:creationId xmlns:a16="http://schemas.microsoft.com/office/drawing/2014/main" id="{A950C673-CF10-4B05-975D-D3F53922BADC}"/>
-              </a:ext>
-            </a:extLst>
-          </p:cNvPr>
-          <p:cNvSpPr>
-            <a:spLocks noGrp="1"/>
-          </p:cNvSpPr>
-          <p:nvPr>
-            <p:ph type="sldNum" sz="quarter" idx="12"/>
-          </p:nvPr>
-        </p:nvSpPr>
-        <p:spPr/>
-        <p:txBody>
-          <a:bodyPr/>
-          <a:lstStyle/>
-          <a:p>
-            <a:fld id="{A6AF1B4E-90EC-4A51-B6E5-B702C054ECB0}" type="slidenum">
-              <a:rPr lang="en-US" smtClean="0"/>
-              <a:t>15</a:t>
-            </a:fld>
-            <a:endParaRPr lang="en-US" dirty="0"/>
           </a:p>
         </p:txBody>
       </p:sp>
     </p:spTree>
     <p:extLst>
       <p:ext uri="{BB962C8B-B14F-4D97-AF65-F5344CB8AC3E}">
-        <p14:creationId xmlns:p14="http://schemas.microsoft.com/office/powerpoint/2010/main" val="507336661"/>
+        <p14:creationId xmlns:p14="http://schemas.microsoft.com/office/powerpoint/2010/main" val="2649204256"/>
       </p:ext>
     </p:extLst>
   </p:cSld>
@@ -16724,7 +16929,7 @@
 </p:sld>
 </file>
 
-<file path=ppt/slides/slide16.xml><?xml version="1.0" encoding="utf-8"?>
+<file path=ppt/slides/slide18.xml><?xml version="1.0" encoding="utf-8"?>
 <p:sld xmlns:a="http://schemas.openxmlformats.org/drawingml/2006/main" xmlns:r="http://schemas.openxmlformats.org/officeDocument/2006/relationships" xmlns:p="http://schemas.openxmlformats.org/presentationml/2006/main">
   <p:cSld>
     <p:spTree>
@@ -16746,7 +16951,7 @@
           <p:cNvPr id="2" name="Title 1">
             <a:extLst>
               <a:ext uri="{FF2B5EF4-FFF2-40B4-BE49-F238E27FC236}">
-                <a16:creationId xmlns:a16="http://schemas.microsoft.com/office/drawing/2014/main" id="{DC44333D-7F09-433E-8720-513BEE7BC1C0}"/>
+                <a16:creationId xmlns:a16="http://schemas.microsoft.com/office/drawing/2014/main" id="{173747B3-2073-4EC2-B75C-C2411686D7EB}"/>
               </a:ext>
             </a:extLst>
           </p:cNvPr>
@@ -16764,7 +16969,7 @@
           <a:p>
             <a:r>
               <a:rPr lang="en-US" dirty="0"/>
-              <a:t>What you get out of this class</a:t>
+              <a:t>Simple Regression</a:t>
             </a:r>
           </a:p>
         </p:txBody>
@@ -16774,7 +16979,7 @@
           <p:cNvPr id="3" name="Content Placeholder 2">
             <a:extLst>
               <a:ext uri="{FF2B5EF4-FFF2-40B4-BE49-F238E27FC236}">
-                <a16:creationId xmlns:a16="http://schemas.microsoft.com/office/drawing/2014/main" id="{F00DCB32-F70C-4756-856F-AF3ABA94189A}"/>
+                <a16:creationId xmlns:a16="http://schemas.microsoft.com/office/drawing/2014/main" id="{E92122FD-93EF-4647-BA1E-056C7A41D815}"/>
               </a:ext>
             </a:extLst>
           </p:cNvPr>
@@ -16790,33 +16995,7 @@
           <a:bodyPr/>
           <a:lstStyle/>
           <a:p>
-            <a:r>
-              <a:rPr lang="en-US" dirty="0"/>
-              <a:t>Correlation is not causation </a:t>
-            </a:r>
-          </a:p>
-          <a:p>
-            <a:r>
-              <a:rPr lang="en-US" dirty="0"/>
-              <a:t>The difference between constructs and variables </a:t>
-            </a:r>
-          </a:p>
-          <a:p>
-            <a:r>
-              <a:rPr lang="en-US" dirty="0"/>
-              <a:t>Descriptive, Correlation, Regression Analysis </a:t>
-            </a:r>
-          </a:p>
-          <a:p>
-            <a:r>
-              <a:rPr lang="en-US" dirty="0"/>
-              <a:t>Bar plot</a:t>
-            </a:r>
-            <a:r>
-              <a:rPr lang="en-US"/>
-              <a:t>, scatterplot, box plot</a:t>
-            </a:r>
-            <a:endParaRPr lang="en-US" dirty="0"/>
+            <a:endParaRPr lang="en-US"/>
           </a:p>
         </p:txBody>
       </p:sp>
@@ -16825,7 +17004,7 @@
           <p:cNvPr id="4" name="Footer Placeholder 3">
             <a:extLst>
               <a:ext uri="{FF2B5EF4-FFF2-40B4-BE49-F238E27FC236}">
-                <a16:creationId xmlns:a16="http://schemas.microsoft.com/office/drawing/2014/main" id="{371346CD-B61D-4AA1-AE90-D1C53F871781}"/>
+                <a16:creationId xmlns:a16="http://schemas.microsoft.com/office/drawing/2014/main" id="{7F1E192C-031B-4E4A-A8F2-984EC547DC83}"/>
               </a:ext>
             </a:extLst>
           </p:cNvPr>
@@ -16854,7 +17033,7 @@
           <p:cNvPr id="5" name="Slide Number Placeholder 4">
             <a:extLst>
               <a:ext uri="{FF2B5EF4-FFF2-40B4-BE49-F238E27FC236}">
-                <a16:creationId xmlns:a16="http://schemas.microsoft.com/office/drawing/2014/main" id="{1FE8E7A6-B29B-4B97-9945-CB5B5684C92A}"/>
+                <a16:creationId xmlns:a16="http://schemas.microsoft.com/office/drawing/2014/main" id="{A950C673-CF10-4B05-975D-D3F53922BADC}"/>
               </a:ext>
             </a:extLst>
           </p:cNvPr>
@@ -16872,7 +17051,7 @@
           <a:p>
             <a:fld id="{A6AF1B4E-90EC-4A51-B6E5-B702C054ECB0}" type="slidenum">
               <a:rPr lang="en-US" smtClean="0"/>
-              <a:t>16</a:t>
+              <a:t>18</a:t>
             </a:fld>
             <a:endParaRPr lang="en-US" dirty="0"/>
           </a:p>
@@ -16881,7 +17060,90 @@
     </p:spTree>
     <p:extLst>
       <p:ext uri="{BB962C8B-B14F-4D97-AF65-F5344CB8AC3E}">
-        <p14:creationId xmlns:p14="http://schemas.microsoft.com/office/powerpoint/2010/main" val="2212217400"/>
+        <p14:creationId xmlns:p14="http://schemas.microsoft.com/office/powerpoint/2010/main" val="507336661"/>
+      </p:ext>
+    </p:extLst>
+  </p:cSld>
+  <p:clrMapOvr>
+    <a:masterClrMapping/>
+  </p:clrMapOvr>
+</p:sld>
+</file>
+
+<file path=ppt/slides/slide19.xml><?xml version="1.0" encoding="utf-8"?>
+<p:sld xmlns:a="http://schemas.openxmlformats.org/drawingml/2006/main" xmlns:r="http://schemas.openxmlformats.org/officeDocument/2006/relationships" xmlns:p="http://schemas.openxmlformats.org/presentationml/2006/main">
+  <p:cSld>
+    <p:spTree>
+      <p:nvGrpSpPr>
+        <p:cNvPr id="1" name=""/>
+        <p:cNvGrpSpPr/>
+        <p:nvPr/>
+      </p:nvGrpSpPr>
+      <p:grpSpPr>
+        <a:xfrm>
+          <a:off x="0" y="0"/>
+          <a:ext cx="0" cy="0"/>
+          <a:chOff x="0" y="0"/>
+          <a:chExt cx="0" cy="0"/>
+        </a:xfrm>
+      </p:grpSpPr>
+      <p:sp>
+        <p:nvSpPr>
+          <p:cNvPr id="2" name="Title 1">
+            <a:extLst>
+              <a:ext uri="{FF2B5EF4-FFF2-40B4-BE49-F238E27FC236}">
+                <a16:creationId xmlns:a16="http://schemas.microsoft.com/office/drawing/2014/main" id="{3D9BA234-56A6-49E2-9A15-2A406AB3A914}"/>
+              </a:ext>
+            </a:extLst>
+          </p:cNvPr>
+          <p:cNvSpPr>
+            <a:spLocks noGrp="1"/>
+          </p:cNvSpPr>
+          <p:nvPr>
+            <p:ph type="title"/>
+          </p:nvPr>
+        </p:nvSpPr>
+        <p:spPr/>
+        <p:txBody>
+          <a:bodyPr/>
+          <a:lstStyle/>
+          <a:p>
+            <a:r>
+              <a:rPr lang="en-US" dirty="0"/>
+              <a:t>iClicker</a:t>
+            </a:r>
+          </a:p>
+        </p:txBody>
+      </p:sp>
+      <p:sp>
+        <p:nvSpPr>
+          <p:cNvPr id="3" name="Content Placeholder 2">
+            <a:extLst>
+              <a:ext uri="{FF2B5EF4-FFF2-40B4-BE49-F238E27FC236}">
+                <a16:creationId xmlns:a16="http://schemas.microsoft.com/office/drawing/2014/main" id="{0D84E982-12F8-4BAE-9F81-30587EE1162B}"/>
+              </a:ext>
+            </a:extLst>
+          </p:cNvPr>
+          <p:cNvSpPr>
+            <a:spLocks noGrp="1"/>
+          </p:cNvSpPr>
+          <p:nvPr>
+            <p:ph idx="1"/>
+          </p:nvPr>
+        </p:nvSpPr>
+        <p:spPr/>
+        <p:txBody>
+          <a:bodyPr/>
+          <a:lstStyle/>
+          <a:p>
+            <a:endParaRPr lang="en-US"/>
+          </a:p>
+        </p:txBody>
+      </p:sp>
+    </p:spTree>
+    <p:extLst>
+      <p:ext uri="{BB962C8B-B14F-4D97-AF65-F5344CB8AC3E}">
+        <p14:creationId xmlns:p14="http://schemas.microsoft.com/office/powerpoint/2010/main" val="3026458527"/>
       </p:ext>
     </p:extLst>
   </p:cSld>
@@ -17391,6 +17653,989 @@
     <p:extLst>
       <p:ext uri="{BB962C8B-B14F-4D97-AF65-F5344CB8AC3E}">
         <p14:creationId xmlns:p14="http://schemas.microsoft.com/office/powerpoint/2010/main" val="3738535367"/>
+      </p:ext>
+    </p:extLst>
+  </p:cSld>
+  <p:clrMapOvr>
+    <a:masterClrMapping/>
+  </p:clrMapOvr>
+</p:sld>
+</file>
+
+<file path=ppt/slides/slide20.xml><?xml version="1.0" encoding="utf-8"?>
+<p:sld xmlns:a="http://schemas.openxmlformats.org/drawingml/2006/main" xmlns:r="http://schemas.openxmlformats.org/officeDocument/2006/relationships" xmlns:p="http://schemas.openxmlformats.org/presentationml/2006/main">
+  <p:cSld>
+    <p:spTree>
+      <p:nvGrpSpPr>
+        <p:cNvPr id="1" name=""/>
+        <p:cNvGrpSpPr/>
+        <p:nvPr/>
+      </p:nvGrpSpPr>
+      <p:grpSpPr>
+        <a:xfrm>
+          <a:off x="0" y="0"/>
+          <a:ext cx="0" cy="0"/>
+          <a:chOff x="0" y="0"/>
+          <a:chExt cx="0" cy="0"/>
+        </a:xfrm>
+      </p:grpSpPr>
+      <p:sp>
+        <p:nvSpPr>
+          <p:cNvPr id="2" name="Title 1">
+            <a:extLst>
+              <a:ext uri="{FF2B5EF4-FFF2-40B4-BE49-F238E27FC236}">
+                <a16:creationId xmlns:a16="http://schemas.microsoft.com/office/drawing/2014/main" id="{EA77BBD8-F37F-45BC-A7BC-69AFBA242602}"/>
+              </a:ext>
+            </a:extLst>
+          </p:cNvPr>
+          <p:cNvSpPr>
+            <a:spLocks noGrp="1"/>
+          </p:cNvSpPr>
+          <p:nvPr>
+            <p:ph type="title"/>
+          </p:nvPr>
+        </p:nvSpPr>
+        <p:spPr/>
+        <p:txBody>
+          <a:bodyPr/>
+          <a:lstStyle/>
+          <a:p>
+            <a:r>
+              <a:rPr lang="en-US" dirty="0"/>
+              <a:t>Multiple Regression</a:t>
+            </a:r>
+          </a:p>
+        </p:txBody>
+      </p:sp>
+      <p:sp>
+        <p:nvSpPr>
+          <p:cNvPr id="3" name="Content Placeholder 2">
+            <a:extLst>
+              <a:ext uri="{FF2B5EF4-FFF2-40B4-BE49-F238E27FC236}">
+                <a16:creationId xmlns:a16="http://schemas.microsoft.com/office/drawing/2014/main" id="{5B5E27C4-613E-4B50-975E-834B9B716EE3}"/>
+              </a:ext>
+            </a:extLst>
+          </p:cNvPr>
+          <p:cNvSpPr>
+            <a:spLocks noGrp="1"/>
+          </p:cNvSpPr>
+          <p:nvPr>
+            <p:ph idx="1"/>
+          </p:nvPr>
+        </p:nvSpPr>
+        <p:spPr/>
+        <p:txBody>
+          <a:bodyPr/>
+          <a:lstStyle/>
+          <a:p>
+            <a:endParaRPr lang="en-US"/>
+          </a:p>
+        </p:txBody>
+      </p:sp>
+      <p:sp>
+        <p:nvSpPr>
+          <p:cNvPr id="4" name="Footer Placeholder 3">
+            <a:extLst>
+              <a:ext uri="{FF2B5EF4-FFF2-40B4-BE49-F238E27FC236}">
+                <a16:creationId xmlns:a16="http://schemas.microsoft.com/office/drawing/2014/main" id="{4587F4FF-020D-43D7-9C9D-F71D44D9A585}"/>
+              </a:ext>
+            </a:extLst>
+          </p:cNvPr>
+          <p:cNvSpPr>
+            <a:spLocks noGrp="1"/>
+          </p:cNvSpPr>
+          <p:nvPr>
+            <p:ph type="ftr" sz="quarter" idx="11"/>
+          </p:nvPr>
+        </p:nvSpPr>
+        <p:spPr/>
+        <p:txBody>
+          <a:bodyPr/>
+          <a:lstStyle/>
+          <a:p>
+            <a:r>
+              <a:rPr lang="en-US"/>
+              <a:t>Mike Nguyen</a:t>
+            </a:r>
+            <a:endParaRPr lang="en-US" dirty="0"/>
+          </a:p>
+        </p:txBody>
+      </p:sp>
+      <p:sp>
+        <p:nvSpPr>
+          <p:cNvPr id="5" name="Slide Number Placeholder 4">
+            <a:extLst>
+              <a:ext uri="{FF2B5EF4-FFF2-40B4-BE49-F238E27FC236}">
+                <a16:creationId xmlns:a16="http://schemas.microsoft.com/office/drawing/2014/main" id="{F2F05B5D-EE4A-4E54-8AD2-3CF6EB8BFAC4}"/>
+              </a:ext>
+            </a:extLst>
+          </p:cNvPr>
+          <p:cNvSpPr>
+            <a:spLocks noGrp="1"/>
+          </p:cNvSpPr>
+          <p:nvPr>
+            <p:ph type="sldNum" sz="quarter" idx="12"/>
+          </p:nvPr>
+        </p:nvSpPr>
+        <p:spPr/>
+        <p:txBody>
+          <a:bodyPr/>
+          <a:lstStyle/>
+          <a:p>
+            <a:fld id="{A6AF1B4E-90EC-4A51-B6E5-B702C054ECB0}" type="slidenum">
+              <a:rPr lang="en-US" smtClean="0"/>
+              <a:t>20</a:t>
+            </a:fld>
+            <a:endParaRPr lang="en-US" dirty="0"/>
+          </a:p>
+        </p:txBody>
+      </p:sp>
+    </p:spTree>
+    <p:extLst>
+      <p:ext uri="{BB962C8B-B14F-4D97-AF65-F5344CB8AC3E}">
+        <p14:creationId xmlns:p14="http://schemas.microsoft.com/office/powerpoint/2010/main" val="3533767477"/>
+      </p:ext>
+    </p:extLst>
+  </p:cSld>
+  <p:clrMapOvr>
+    <a:masterClrMapping/>
+  </p:clrMapOvr>
+</p:sld>
+</file>
+
+<file path=ppt/slides/slide21.xml><?xml version="1.0" encoding="utf-8"?>
+<p:sld xmlns:a="http://schemas.openxmlformats.org/drawingml/2006/main" xmlns:r="http://schemas.openxmlformats.org/officeDocument/2006/relationships" xmlns:p="http://schemas.openxmlformats.org/presentationml/2006/main">
+  <p:cSld>
+    <p:spTree>
+      <p:nvGrpSpPr>
+        <p:cNvPr id="1" name=""/>
+        <p:cNvGrpSpPr/>
+        <p:nvPr/>
+      </p:nvGrpSpPr>
+      <p:grpSpPr>
+        <a:xfrm>
+          <a:off x="0" y="0"/>
+          <a:ext cx="0" cy="0"/>
+          <a:chOff x="0" y="0"/>
+          <a:chExt cx="0" cy="0"/>
+        </a:xfrm>
+      </p:grpSpPr>
+      <p:sp>
+        <p:nvSpPr>
+          <p:cNvPr id="2" name="Title 1">
+            <a:extLst>
+              <a:ext uri="{FF2B5EF4-FFF2-40B4-BE49-F238E27FC236}">
+                <a16:creationId xmlns:a16="http://schemas.microsoft.com/office/drawing/2014/main" id="{926C5A68-3D4F-41F0-B846-BF0C72EC2410}"/>
+              </a:ext>
+            </a:extLst>
+          </p:cNvPr>
+          <p:cNvSpPr>
+            <a:spLocks noGrp="1"/>
+          </p:cNvSpPr>
+          <p:nvPr>
+            <p:ph type="title"/>
+          </p:nvPr>
+        </p:nvSpPr>
+        <p:spPr/>
+        <p:txBody>
+          <a:bodyPr/>
+          <a:lstStyle/>
+          <a:p>
+            <a:endParaRPr lang="en-US" dirty="0"/>
+          </a:p>
+        </p:txBody>
+      </p:sp>
+      <p:sp>
+        <p:nvSpPr>
+          <p:cNvPr id="3" name="Content Placeholder 2">
+            <a:extLst>
+              <a:ext uri="{FF2B5EF4-FFF2-40B4-BE49-F238E27FC236}">
+                <a16:creationId xmlns:a16="http://schemas.microsoft.com/office/drawing/2014/main" id="{CAE80E34-1510-4468-BF98-28AC62D722D4}"/>
+              </a:ext>
+            </a:extLst>
+          </p:cNvPr>
+          <p:cNvSpPr>
+            <a:spLocks noGrp="1"/>
+          </p:cNvSpPr>
+          <p:nvPr>
+            <p:ph idx="1"/>
+          </p:nvPr>
+        </p:nvSpPr>
+        <p:spPr/>
+        <p:txBody>
+          <a:bodyPr/>
+          <a:lstStyle/>
+          <a:p>
+            <a:endParaRPr lang="en-US"/>
+          </a:p>
+        </p:txBody>
+      </p:sp>
+      <p:sp>
+        <p:nvSpPr>
+          <p:cNvPr id="4" name="Footer Placeholder 3">
+            <a:extLst>
+              <a:ext uri="{FF2B5EF4-FFF2-40B4-BE49-F238E27FC236}">
+                <a16:creationId xmlns:a16="http://schemas.microsoft.com/office/drawing/2014/main" id="{5CDFF294-B3BE-47A6-BA04-616905313231}"/>
+              </a:ext>
+            </a:extLst>
+          </p:cNvPr>
+          <p:cNvSpPr>
+            <a:spLocks noGrp="1"/>
+          </p:cNvSpPr>
+          <p:nvPr>
+            <p:ph type="ftr" sz="quarter" idx="11"/>
+          </p:nvPr>
+        </p:nvSpPr>
+        <p:spPr/>
+        <p:txBody>
+          <a:bodyPr/>
+          <a:lstStyle/>
+          <a:p>
+            <a:r>
+              <a:rPr lang="en-US"/>
+              <a:t>Mike Nguyen</a:t>
+            </a:r>
+            <a:endParaRPr lang="en-US" dirty="0"/>
+          </a:p>
+        </p:txBody>
+      </p:sp>
+      <p:sp>
+        <p:nvSpPr>
+          <p:cNvPr id="5" name="Slide Number Placeholder 4">
+            <a:extLst>
+              <a:ext uri="{FF2B5EF4-FFF2-40B4-BE49-F238E27FC236}">
+                <a16:creationId xmlns:a16="http://schemas.microsoft.com/office/drawing/2014/main" id="{C07B6458-99E4-4C14-83CD-6FA1F050F13D}"/>
+              </a:ext>
+            </a:extLst>
+          </p:cNvPr>
+          <p:cNvSpPr>
+            <a:spLocks noGrp="1"/>
+          </p:cNvSpPr>
+          <p:nvPr>
+            <p:ph type="sldNum" sz="quarter" idx="12"/>
+          </p:nvPr>
+        </p:nvSpPr>
+        <p:spPr/>
+        <p:txBody>
+          <a:bodyPr/>
+          <a:lstStyle/>
+          <a:p>
+            <a:fld id="{A6AF1B4E-90EC-4A51-B6E5-B702C054ECB0}" type="slidenum">
+              <a:rPr lang="en-US" smtClean="0"/>
+              <a:t>21</a:t>
+            </a:fld>
+            <a:endParaRPr lang="en-US" dirty="0"/>
+          </a:p>
+        </p:txBody>
+      </p:sp>
+    </p:spTree>
+    <p:extLst>
+      <p:ext uri="{BB962C8B-B14F-4D97-AF65-F5344CB8AC3E}">
+        <p14:creationId xmlns:p14="http://schemas.microsoft.com/office/powerpoint/2010/main" val="2417500520"/>
+      </p:ext>
+    </p:extLst>
+  </p:cSld>
+  <p:clrMapOvr>
+    <a:masterClrMapping/>
+  </p:clrMapOvr>
+</p:sld>
+</file>
+
+<file path=ppt/slides/slide22.xml><?xml version="1.0" encoding="utf-8"?>
+<p:sld xmlns:a="http://schemas.openxmlformats.org/drawingml/2006/main" xmlns:r="http://schemas.openxmlformats.org/officeDocument/2006/relationships" xmlns:p="http://schemas.openxmlformats.org/presentationml/2006/main">
+  <p:cSld>
+    <p:spTree>
+      <p:nvGrpSpPr>
+        <p:cNvPr id="1" name=""/>
+        <p:cNvGrpSpPr/>
+        <p:nvPr/>
+      </p:nvGrpSpPr>
+      <p:grpSpPr>
+        <a:xfrm>
+          <a:off x="0" y="0"/>
+          <a:ext cx="0" cy="0"/>
+          <a:chOff x="0" y="0"/>
+          <a:chExt cx="0" cy="0"/>
+        </a:xfrm>
+      </p:grpSpPr>
+      <p:sp>
+        <p:nvSpPr>
+          <p:cNvPr id="2" name="Title 1">
+            <a:extLst>
+              <a:ext uri="{FF2B5EF4-FFF2-40B4-BE49-F238E27FC236}">
+                <a16:creationId xmlns:a16="http://schemas.microsoft.com/office/drawing/2014/main" id="{3D9BA234-56A6-49E2-9A15-2A406AB3A914}"/>
+              </a:ext>
+            </a:extLst>
+          </p:cNvPr>
+          <p:cNvSpPr>
+            <a:spLocks noGrp="1"/>
+          </p:cNvSpPr>
+          <p:nvPr>
+            <p:ph type="title"/>
+          </p:nvPr>
+        </p:nvSpPr>
+        <p:spPr/>
+        <p:txBody>
+          <a:bodyPr/>
+          <a:lstStyle/>
+          <a:p>
+            <a:r>
+              <a:rPr lang="en-US" dirty="0"/>
+              <a:t>iClicker</a:t>
+            </a:r>
+          </a:p>
+        </p:txBody>
+      </p:sp>
+      <p:sp>
+        <p:nvSpPr>
+          <p:cNvPr id="3" name="Content Placeholder 2">
+            <a:extLst>
+              <a:ext uri="{FF2B5EF4-FFF2-40B4-BE49-F238E27FC236}">
+                <a16:creationId xmlns:a16="http://schemas.microsoft.com/office/drawing/2014/main" id="{0D84E982-12F8-4BAE-9F81-30587EE1162B}"/>
+              </a:ext>
+            </a:extLst>
+          </p:cNvPr>
+          <p:cNvSpPr>
+            <a:spLocks noGrp="1"/>
+          </p:cNvSpPr>
+          <p:nvPr>
+            <p:ph idx="1"/>
+          </p:nvPr>
+        </p:nvSpPr>
+        <p:spPr/>
+        <p:txBody>
+          <a:bodyPr/>
+          <a:lstStyle/>
+          <a:p>
+            <a:endParaRPr lang="en-US"/>
+          </a:p>
+        </p:txBody>
+      </p:sp>
+    </p:spTree>
+    <p:extLst>
+      <p:ext uri="{BB962C8B-B14F-4D97-AF65-F5344CB8AC3E}">
+        <p14:creationId xmlns:p14="http://schemas.microsoft.com/office/powerpoint/2010/main" val="3313004688"/>
+      </p:ext>
+    </p:extLst>
+  </p:cSld>
+  <p:clrMapOvr>
+    <a:masterClrMapping/>
+  </p:clrMapOvr>
+</p:sld>
+</file>
+
+<file path=ppt/slides/slide23.xml><?xml version="1.0" encoding="utf-8"?>
+<p:sld xmlns:a="http://schemas.openxmlformats.org/drawingml/2006/main" xmlns:r="http://schemas.openxmlformats.org/officeDocument/2006/relationships" xmlns:p="http://schemas.openxmlformats.org/presentationml/2006/main">
+  <p:cSld>
+    <p:bg>
+      <p:bgPr>
+        <a:solidFill>
+          <a:schemeClr val="bg1"/>
+        </a:solidFill>
+        <a:effectLst/>
+      </p:bgPr>
+    </p:bg>
+    <p:spTree>
+      <p:nvGrpSpPr>
+        <p:cNvPr id="1" name=""/>
+        <p:cNvGrpSpPr/>
+        <p:nvPr/>
+      </p:nvGrpSpPr>
+      <p:grpSpPr>
+        <a:xfrm>
+          <a:off x="0" y="0"/>
+          <a:ext cx="0" cy="0"/>
+          <a:chOff x="0" y="0"/>
+          <a:chExt cx="0" cy="0"/>
+        </a:xfrm>
+      </p:grpSpPr>
+      <p:sp useBgFill="1">
+        <p:nvSpPr>
+          <p:cNvPr id="10" name="Rectangle 9">
+            <a:extLst>
+              <a:ext uri="{FF2B5EF4-FFF2-40B4-BE49-F238E27FC236}">
+                <a16:creationId xmlns:a16="http://schemas.microsoft.com/office/drawing/2014/main" id="{777A147A-9ED8-46B4-8660-1B3C2AA880B5}"/>
+              </a:ext>
+              <a:ext uri="{C183D7F6-B498-43B3-948B-1728B52AA6E4}">
+                <adec:decorative xmlns:adec="http://schemas.microsoft.com/office/drawing/2017/decorative" val="1"/>
+              </a:ext>
+            </a:extLst>
+          </p:cNvPr>
+          <p:cNvSpPr>
+            <a:spLocks noGrp="1" noRot="1" noChangeAspect="1" noMove="1" noResize="1" noEditPoints="1" noAdjustHandles="1" noChangeArrowheads="1" noChangeShapeType="1" noTextEdit="1"/>
+          </p:cNvSpPr>
+          <p:nvPr>
+            <p:extLst>
+              <p:ext uri="{386F3935-93C4-4BCD-93E2-E3B085C9AB24}">
+                <p16:designElem xmlns:p16="http://schemas.microsoft.com/office/powerpoint/2015/main" val="1"/>
+              </p:ext>
+            </p:extLst>
+          </p:nvPr>
+        </p:nvSpPr>
+        <p:spPr>
+          <a:xfrm>
+            <a:off x="0" y="0"/>
+            <a:ext cx="12188952" cy="6858000"/>
+          </a:xfrm>
+          <a:prstGeom prst="rect">
+            <a:avLst/>
+          </a:prstGeom>
+          <a:ln>
+            <a:noFill/>
+          </a:ln>
+        </p:spPr>
+        <p:style>
+          <a:lnRef idx="2">
+            <a:schemeClr val="accent1">
+              <a:shade val="50000"/>
+            </a:schemeClr>
+          </a:lnRef>
+          <a:fillRef idx="1">
+            <a:schemeClr val="accent1"/>
+          </a:fillRef>
+          <a:effectRef idx="0">
+            <a:schemeClr val="accent1"/>
+          </a:effectRef>
+          <a:fontRef idx="minor">
+            <a:schemeClr val="lt1"/>
+          </a:fontRef>
+        </p:style>
+        <p:txBody>
+          <a:bodyPr rtlCol="0" anchor="ctr"/>
+          <a:lstStyle/>
+          <a:p>
+            <a:pPr algn="ctr"/>
+            <a:endParaRPr lang="en-US"/>
+          </a:p>
+        </p:txBody>
+      </p:sp>
+      <p:sp>
+        <p:nvSpPr>
+          <p:cNvPr id="2" name="Title 1">
+            <a:extLst>
+              <a:ext uri="{FF2B5EF4-FFF2-40B4-BE49-F238E27FC236}">
+                <a16:creationId xmlns:a16="http://schemas.microsoft.com/office/drawing/2014/main" id="{DC44333D-7F09-433E-8720-513BEE7BC1C0}"/>
+              </a:ext>
+            </a:extLst>
+          </p:cNvPr>
+          <p:cNvSpPr>
+            <a:spLocks noGrp="1"/>
+          </p:cNvSpPr>
+          <p:nvPr>
+            <p:ph type="title"/>
+          </p:nvPr>
+        </p:nvSpPr>
+        <p:spPr>
+          <a:xfrm>
+            <a:off x="841248" y="548640"/>
+            <a:ext cx="3600860" cy="5431536"/>
+          </a:xfrm>
+        </p:spPr>
+        <p:txBody>
+          <a:bodyPr>
+            <a:normAutofit/>
+          </a:bodyPr>
+          <a:lstStyle/>
+          <a:p>
+            <a:r>
+              <a:rPr lang="en-US" sz="5400"/>
+              <a:t>What you get out of this class</a:t>
+            </a:r>
+          </a:p>
+        </p:txBody>
+      </p:sp>
+      <p:sp>
+        <p:nvSpPr>
+          <p:cNvPr id="12" name="sketch line">
+            <a:extLst>
+              <a:ext uri="{FF2B5EF4-FFF2-40B4-BE49-F238E27FC236}">
+                <a16:creationId xmlns:a16="http://schemas.microsoft.com/office/drawing/2014/main" id="{5D6C15A0-C087-4593-8414-2B4EC1CDC3DE}"/>
+              </a:ext>
+              <a:ext uri="{C183D7F6-B498-43B3-948B-1728B52AA6E4}">
+                <adec:decorative xmlns:adec="http://schemas.microsoft.com/office/drawing/2017/decorative" val="1"/>
+              </a:ext>
+            </a:extLst>
+          </p:cNvPr>
+          <p:cNvSpPr>
+            <a:spLocks noGrp="1" noRot="1" noChangeAspect="1" noMove="1" noResize="1" noEditPoints="1" noAdjustHandles="1" noChangeArrowheads="1" noChangeShapeType="1" noTextEdit="1"/>
+          </p:cNvSpPr>
+          <p:nvPr>
+            <p:extLst>
+              <p:ext uri="{386F3935-93C4-4BCD-93E2-E3B085C9AB24}">
+                <p16:designElem xmlns:p16="http://schemas.microsoft.com/office/powerpoint/2015/main" val="1"/>
+              </p:ext>
+            </p:extLst>
+          </p:nvPr>
+        </p:nvSpPr>
+        <p:spPr>
+          <a:xfrm rot="5400000">
+            <a:off x="2543983" y="3258715"/>
+            <a:ext cx="4480560" cy="18288"/>
+          </a:xfrm>
+          <a:custGeom>
+            <a:avLst/>
+            <a:gdLst>
+              <a:gd name="connsiteX0" fmla="*/ 0 w 4480560"/>
+              <a:gd name="connsiteY0" fmla="*/ 0 h 18288"/>
+              <a:gd name="connsiteX1" fmla="*/ 595274 w 4480560"/>
+              <a:gd name="connsiteY1" fmla="*/ 0 h 18288"/>
+              <a:gd name="connsiteX2" fmla="*/ 1100938 w 4480560"/>
+              <a:gd name="connsiteY2" fmla="*/ 0 h 18288"/>
+              <a:gd name="connsiteX3" fmla="*/ 1651406 w 4480560"/>
+              <a:gd name="connsiteY3" fmla="*/ 0 h 18288"/>
+              <a:gd name="connsiteX4" fmla="*/ 2336292 w 4480560"/>
+              <a:gd name="connsiteY4" fmla="*/ 0 h 18288"/>
+              <a:gd name="connsiteX5" fmla="*/ 2931566 w 4480560"/>
+              <a:gd name="connsiteY5" fmla="*/ 0 h 18288"/>
+              <a:gd name="connsiteX6" fmla="*/ 3482035 w 4480560"/>
+              <a:gd name="connsiteY6" fmla="*/ 0 h 18288"/>
+              <a:gd name="connsiteX7" fmla="*/ 4480560 w 4480560"/>
+              <a:gd name="connsiteY7" fmla="*/ 0 h 18288"/>
+              <a:gd name="connsiteX8" fmla="*/ 4480560 w 4480560"/>
+              <a:gd name="connsiteY8" fmla="*/ 18288 h 18288"/>
+              <a:gd name="connsiteX9" fmla="*/ 3840480 w 4480560"/>
+              <a:gd name="connsiteY9" fmla="*/ 18288 h 18288"/>
+              <a:gd name="connsiteX10" fmla="*/ 3290011 w 4480560"/>
+              <a:gd name="connsiteY10" fmla="*/ 18288 h 18288"/>
+              <a:gd name="connsiteX11" fmla="*/ 2560320 w 4480560"/>
+              <a:gd name="connsiteY11" fmla="*/ 18288 h 18288"/>
+              <a:gd name="connsiteX12" fmla="*/ 1965046 w 4480560"/>
+              <a:gd name="connsiteY12" fmla="*/ 18288 h 18288"/>
+              <a:gd name="connsiteX13" fmla="*/ 1459382 w 4480560"/>
+              <a:gd name="connsiteY13" fmla="*/ 18288 h 18288"/>
+              <a:gd name="connsiteX14" fmla="*/ 774497 w 4480560"/>
+              <a:gd name="connsiteY14" fmla="*/ 18288 h 18288"/>
+              <a:gd name="connsiteX15" fmla="*/ 0 w 4480560"/>
+              <a:gd name="connsiteY15" fmla="*/ 18288 h 18288"/>
+              <a:gd name="connsiteX16" fmla="*/ 0 w 4480560"/>
+              <a:gd name="connsiteY16" fmla="*/ 0 h 18288"/>
+            </a:gdLst>
+            <a:ahLst/>
+            <a:cxnLst>
+              <a:cxn ang="0">
+                <a:pos x="connsiteX0" y="connsiteY0"/>
+              </a:cxn>
+              <a:cxn ang="0">
+                <a:pos x="connsiteX1" y="connsiteY1"/>
+              </a:cxn>
+              <a:cxn ang="0">
+                <a:pos x="connsiteX2" y="connsiteY2"/>
+              </a:cxn>
+              <a:cxn ang="0">
+                <a:pos x="connsiteX3" y="connsiteY3"/>
+              </a:cxn>
+              <a:cxn ang="0">
+                <a:pos x="connsiteX4" y="connsiteY4"/>
+              </a:cxn>
+              <a:cxn ang="0">
+                <a:pos x="connsiteX5" y="connsiteY5"/>
+              </a:cxn>
+              <a:cxn ang="0">
+                <a:pos x="connsiteX6" y="connsiteY6"/>
+              </a:cxn>
+              <a:cxn ang="0">
+                <a:pos x="connsiteX7" y="connsiteY7"/>
+              </a:cxn>
+              <a:cxn ang="0">
+                <a:pos x="connsiteX8" y="connsiteY8"/>
+              </a:cxn>
+              <a:cxn ang="0">
+                <a:pos x="connsiteX9" y="connsiteY9"/>
+              </a:cxn>
+              <a:cxn ang="0">
+                <a:pos x="connsiteX10" y="connsiteY10"/>
+              </a:cxn>
+              <a:cxn ang="0">
+                <a:pos x="connsiteX11" y="connsiteY11"/>
+              </a:cxn>
+              <a:cxn ang="0">
+                <a:pos x="connsiteX12" y="connsiteY12"/>
+              </a:cxn>
+              <a:cxn ang="0">
+                <a:pos x="connsiteX13" y="connsiteY13"/>
+              </a:cxn>
+              <a:cxn ang="0">
+                <a:pos x="connsiteX14" y="connsiteY14"/>
+              </a:cxn>
+              <a:cxn ang="0">
+                <a:pos x="connsiteX15" y="connsiteY15"/>
+              </a:cxn>
+              <a:cxn ang="0">
+                <a:pos x="connsiteX16" y="connsiteY16"/>
+              </a:cxn>
+            </a:cxnLst>
+            <a:rect l="l" t="t" r="r" b="b"/>
+            <a:pathLst>
+              <a:path w="4480560" h="18288" fill="none" extrusionOk="0">
+                <a:moveTo>
+                  <a:pt x="0" y="0"/>
+                </a:moveTo>
+                <a:cubicBezTo>
+                  <a:pt x="267821" y="8731"/>
+                  <a:pt x="334105" y="2629"/>
+                  <a:pt x="595274" y="0"/>
+                </a:cubicBezTo>
+                <a:cubicBezTo>
+                  <a:pt x="856443" y="-2629"/>
+                  <a:pt x="863808" y="-13353"/>
+                  <a:pt x="1100938" y="0"/>
+                </a:cubicBezTo>
+                <a:cubicBezTo>
+                  <a:pt x="1338068" y="13353"/>
+                  <a:pt x="1431663" y="-25862"/>
+                  <a:pt x="1651406" y="0"/>
+                </a:cubicBezTo>
+                <a:cubicBezTo>
+                  <a:pt x="1871149" y="25862"/>
+                  <a:pt x="2173163" y="23827"/>
+                  <a:pt x="2336292" y="0"/>
+                </a:cubicBezTo>
+                <a:cubicBezTo>
+                  <a:pt x="2499421" y="-23827"/>
+                  <a:pt x="2720589" y="28148"/>
+                  <a:pt x="2931566" y="0"/>
+                </a:cubicBezTo>
+                <a:cubicBezTo>
+                  <a:pt x="3142543" y="-28148"/>
+                  <a:pt x="3323630" y="27022"/>
+                  <a:pt x="3482035" y="0"/>
+                </a:cubicBezTo>
+                <a:cubicBezTo>
+                  <a:pt x="3640440" y="-27022"/>
+                  <a:pt x="4012110" y="-20118"/>
+                  <a:pt x="4480560" y="0"/>
+                </a:cubicBezTo>
+                <a:cubicBezTo>
+                  <a:pt x="4480958" y="7429"/>
+                  <a:pt x="4480540" y="10822"/>
+                  <a:pt x="4480560" y="18288"/>
+                </a:cubicBezTo>
+                <a:cubicBezTo>
+                  <a:pt x="4314132" y="14924"/>
+                  <a:pt x="4028383" y="36632"/>
+                  <a:pt x="3840480" y="18288"/>
+                </a:cubicBezTo>
+                <a:cubicBezTo>
+                  <a:pt x="3652577" y="-56"/>
+                  <a:pt x="3547615" y="2848"/>
+                  <a:pt x="3290011" y="18288"/>
+                </a:cubicBezTo>
+                <a:cubicBezTo>
+                  <a:pt x="3032407" y="33728"/>
+                  <a:pt x="2830268" y="8719"/>
+                  <a:pt x="2560320" y="18288"/>
+                </a:cubicBezTo>
+                <a:cubicBezTo>
+                  <a:pt x="2290372" y="27857"/>
+                  <a:pt x="2147422" y="6728"/>
+                  <a:pt x="1965046" y="18288"/>
+                </a:cubicBezTo>
+                <a:cubicBezTo>
+                  <a:pt x="1782670" y="29848"/>
+                  <a:pt x="1689791" y="40680"/>
+                  <a:pt x="1459382" y="18288"/>
+                </a:cubicBezTo>
+                <a:cubicBezTo>
+                  <a:pt x="1228973" y="-4104"/>
+                  <a:pt x="915486" y="36501"/>
+                  <a:pt x="774497" y="18288"/>
+                </a:cubicBezTo>
+                <a:cubicBezTo>
+                  <a:pt x="633508" y="75"/>
+                  <a:pt x="361442" y="-11107"/>
+                  <a:pt x="0" y="18288"/>
+                </a:cubicBezTo>
+                <a:cubicBezTo>
+                  <a:pt x="-591" y="13205"/>
+                  <a:pt x="-663" y="6329"/>
+                  <a:pt x="0" y="0"/>
+                </a:cubicBezTo>
+                <a:close/>
+              </a:path>
+              <a:path w="4480560" h="18288" stroke="0" extrusionOk="0">
+                <a:moveTo>
+                  <a:pt x="0" y="0"/>
+                </a:moveTo>
+                <a:cubicBezTo>
+                  <a:pt x="285465" y="225"/>
+                  <a:pt x="322691" y="16223"/>
+                  <a:pt x="595274" y="0"/>
+                </a:cubicBezTo>
+                <a:cubicBezTo>
+                  <a:pt x="867857" y="-16223"/>
+                  <a:pt x="989129" y="-11242"/>
+                  <a:pt x="1100938" y="0"/>
+                </a:cubicBezTo>
+                <a:cubicBezTo>
+                  <a:pt x="1212747" y="11242"/>
+                  <a:pt x="1574350" y="-36410"/>
+                  <a:pt x="1830629" y="0"/>
+                </a:cubicBezTo>
+                <a:cubicBezTo>
+                  <a:pt x="2086908" y="36410"/>
+                  <a:pt x="2180922" y="4645"/>
+                  <a:pt x="2425903" y="0"/>
+                </a:cubicBezTo>
+                <a:cubicBezTo>
+                  <a:pt x="2670884" y="-4645"/>
+                  <a:pt x="2782024" y="22929"/>
+                  <a:pt x="3021178" y="0"/>
+                </a:cubicBezTo>
+                <a:cubicBezTo>
+                  <a:pt x="3260332" y="-22929"/>
+                  <a:pt x="3456982" y="-1586"/>
+                  <a:pt x="3750869" y="0"/>
+                </a:cubicBezTo>
+                <a:cubicBezTo>
+                  <a:pt x="4044756" y="1586"/>
+                  <a:pt x="4302726" y="17043"/>
+                  <a:pt x="4480560" y="0"/>
+                </a:cubicBezTo>
+                <a:cubicBezTo>
+                  <a:pt x="4479674" y="5429"/>
+                  <a:pt x="4481381" y="14046"/>
+                  <a:pt x="4480560" y="18288"/>
+                </a:cubicBezTo>
+                <a:cubicBezTo>
+                  <a:pt x="4279652" y="-6850"/>
+                  <a:pt x="4200762" y="41566"/>
+                  <a:pt x="3930091" y="18288"/>
+                </a:cubicBezTo>
+                <a:cubicBezTo>
+                  <a:pt x="3659420" y="-4990"/>
+                  <a:pt x="3456052" y="22294"/>
+                  <a:pt x="3290011" y="18288"/>
+                </a:cubicBezTo>
+                <a:cubicBezTo>
+                  <a:pt x="3123970" y="14282"/>
+                  <a:pt x="2882392" y="32818"/>
+                  <a:pt x="2649931" y="18288"/>
+                </a:cubicBezTo>
+                <a:cubicBezTo>
+                  <a:pt x="2417470" y="3758"/>
+                  <a:pt x="2238426" y="7337"/>
+                  <a:pt x="2054657" y="18288"/>
+                </a:cubicBezTo>
+                <a:cubicBezTo>
+                  <a:pt x="1870888" y="29239"/>
+                  <a:pt x="1566368" y="45040"/>
+                  <a:pt x="1324966" y="18288"/>
+                </a:cubicBezTo>
+                <a:cubicBezTo>
+                  <a:pt x="1083564" y="-8464"/>
+                  <a:pt x="787410" y="10946"/>
+                  <a:pt x="595274" y="18288"/>
+                </a:cubicBezTo>
+                <a:cubicBezTo>
+                  <a:pt x="403138" y="25630"/>
+                  <a:pt x="169622" y="10499"/>
+                  <a:pt x="0" y="18288"/>
+                </a:cubicBezTo>
+                <a:cubicBezTo>
+                  <a:pt x="668" y="13665"/>
+                  <a:pt x="578" y="5675"/>
+                  <a:pt x="0" y="0"/>
+                </a:cubicBezTo>
+                <a:close/>
+              </a:path>
+            </a:pathLst>
+          </a:custGeom>
+          <a:solidFill>
+            <a:schemeClr val="accent2"/>
+          </a:solidFill>
+          <a:ln w="41275" cap="rnd">
+            <a:solidFill>
+              <a:schemeClr val="accent2"/>
+            </a:solidFill>
+            <a:round/>
+            <a:extLst>
+              <a:ext uri="{C807C97D-BFC1-408E-A445-0C87EB9F89A2}">
+                <ask:lineSketchStyleProps xmlns:ask="http://schemas.microsoft.com/office/drawing/2018/sketchyshapes" sd="1219033472">
+                  <a:prstGeom prst="rect">
+                    <a:avLst/>
+                  </a:prstGeom>
+                  <ask:type>
+                    <ask:lineSketchFreehand/>
+                  </ask:type>
+                </ask:lineSketchStyleProps>
+              </a:ext>
+            </a:extLst>
+          </a:ln>
+        </p:spPr>
+        <p:style>
+          <a:lnRef idx="2">
+            <a:schemeClr val="accent1">
+              <a:shade val="50000"/>
+            </a:schemeClr>
+          </a:lnRef>
+          <a:fillRef idx="1">
+            <a:schemeClr val="accent1"/>
+          </a:fillRef>
+          <a:effectRef idx="0">
+            <a:schemeClr val="accent1"/>
+          </a:effectRef>
+          <a:fontRef idx="minor">
+            <a:schemeClr val="lt1"/>
+          </a:fontRef>
+        </p:style>
+        <p:txBody>
+          <a:bodyPr rtlCol="0" anchor="ctr"/>
+          <a:lstStyle/>
+          <a:p>
+            <a:pPr algn="ctr"/>
+            <a:endParaRPr lang="en-US"/>
+          </a:p>
+        </p:txBody>
+      </p:sp>
+      <p:sp>
+        <p:nvSpPr>
+          <p:cNvPr id="3" name="Content Placeholder 2">
+            <a:extLst>
+              <a:ext uri="{FF2B5EF4-FFF2-40B4-BE49-F238E27FC236}">
+                <a16:creationId xmlns:a16="http://schemas.microsoft.com/office/drawing/2014/main" id="{F00DCB32-F70C-4756-856F-AF3ABA94189A}"/>
+              </a:ext>
+            </a:extLst>
+          </p:cNvPr>
+          <p:cNvSpPr>
+            <a:spLocks noGrp="1"/>
+          </p:cNvSpPr>
+          <p:nvPr>
+            <p:ph idx="1"/>
+          </p:nvPr>
+        </p:nvSpPr>
+        <p:spPr>
+          <a:xfrm>
+            <a:off x="5126418" y="552091"/>
+            <a:ext cx="6224335" cy="5431536"/>
+          </a:xfrm>
+        </p:spPr>
+        <p:txBody>
+          <a:bodyPr anchor="ctr">
+            <a:normAutofit/>
+          </a:bodyPr>
+          <a:lstStyle/>
+          <a:p>
+            <a:r>
+              <a:rPr lang="en-US" sz="2200" dirty="0"/>
+              <a:t>Correlation is not causation </a:t>
+            </a:r>
+          </a:p>
+          <a:p>
+            <a:r>
+              <a:rPr lang="en-US" sz="2200" dirty="0"/>
+              <a:t>The difference between constructs and variables </a:t>
+            </a:r>
+          </a:p>
+          <a:p>
+            <a:r>
+              <a:rPr lang="en-US" sz="2200" dirty="0"/>
+              <a:t>Descriptive, Correlation, Regression Analysis</a:t>
+            </a:r>
+          </a:p>
+          <a:p>
+            <a:r>
+              <a:rPr lang="en-US" sz="2200" dirty="0"/>
+              <a:t>F-test, independent t-test </a:t>
+            </a:r>
+          </a:p>
+          <a:p>
+            <a:r>
+              <a:rPr lang="en-US" sz="2200" dirty="0"/>
+              <a:t>Bar plot, scatterplot, box plot</a:t>
+            </a:r>
+          </a:p>
+        </p:txBody>
+      </p:sp>
+      <p:sp>
+        <p:nvSpPr>
+          <p:cNvPr id="4" name="Footer Placeholder 3">
+            <a:extLst>
+              <a:ext uri="{FF2B5EF4-FFF2-40B4-BE49-F238E27FC236}">
+                <a16:creationId xmlns:a16="http://schemas.microsoft.com/office/drawing/2014/main" id="{371346CD-B61D-4AA1-AE90-D1C53F871781}"/>
+              </a:ext>
+            </a:extLst>
+          </p:cNvPr>
+          <p:cNvSpPr>
+            <a:spLocks noGrp="1"/>
+          </p:cNvSpPr>
+          <p:nvPr>
+            <p:ph type="ftr" sz="quarter" idx="11"/>
+          </p:nvPr>
+        </p:nvSpPr>
+        <p:spPr>
+          <a:xfrm>
+            <a:off x="4038600" y="6356350"/>
+            <a:ext cx="4114800" cy="365125"/>
+          </a:xfrm>
+        </p:spPr>
+        <p:txBody>
+          <a:bodyPr>
+            <a:normAutofit/>
+          </a:bodyPr>
+          <a:lstStyle/>
+          <a:p>
+            <a:pPr>
+              <a:spcAft>
+                <a:spcPts val="600"/>
+              </a:spcAft>
+            </a:pPr>
+            <a:r>
+              <a:rPr lang="en-US"/>
+              <a:t>Mike Nguyen</a:t>
+            </a:r>
+          </a:p>
+        </p:txBody>
+      </p:sp>
+      <p:sp>
+        <p:nvSpPr>
+          <p:cNvPr id="5" name="Slide Number Placeholder 4">
+            <a:extLst>
+              <a:ext uri="{FF2B5EF4-FFF2-40B4-BE49-F238E27FC236}">
+                <a16:creationId xmlns:a16="http://schemas.microsoft.com/office/drawing/2014/main" id="{1FE8E7A6-B29B-4B97-9945-CB5B5684C92A}"/>
+              </a:ext>
+            </a:extLst>
+          </p:cNvPr>
+          <p:cNvSpPr>
+            <a:spLocks noGrp="1"/>
+          </p:cNvSpPr>
+          <p:nvPr>
+            <p:ph type="sldNum" sz="quarter" idx="12"/>
+          </p:nvPr>
+        </p:nvSpPr>
+        <p:spPr>
+          <a:xfrm>
+            <a:off x="8610600" y="6356350"/>
+            <a:ext cx="2743200" cy="365125"/>
+          </a:xfrm>
+        </p:spPr>
+        <p:txBody>
+          <a:bodyPr>
+            <a:normAutofit/>
+          </a:bodyPr>
+          <a:lstStyle/>
+          <a:p>
+            <a:pPr>
+              <a:spcAft>
+                <a:spcPts val="600"/>
+              </a:spcAft>
+            </a:pPr>
+            <a:fld id="{A6AF1B4E-90EC-4A51-B6E5-B702C054ECB0}" type="slidenum">
+              <a:rPr lang="en-US" smtClean="0"/>
+              <a:pPr>
+                <a:spcAft>
+                  <a:spcPts val="600"/>
+                </a:spcAft>
+              </a:pPr>
+              <a:t>23</a:t>
+            </a:fld>
+            <a:endParaRPr lang="en-US"/>
+          </a:p>
+        </p:txBody>
+      </p:sp>
+    </p:spTree>
+    <p:extLst>
+      <p:ext uri="{BB962C8B-B14F-4D97-AF65-F5344CB8AC3E}">
+        <p14:creationId xmlns:p14="http://schemas.microsoft.com/office/powerpoint/2010/main" val="2212217400"/>
       </p:ext>
     </p:extLst>
   </p:cSld>
@@ -18562,7 +19807,7 @@
           <a:p>
             <a:r>
               <a:rPr lang="en-US" sz="5400" dirty="0"/>
-              <a:t>Example 1</a:t>
+              <a:t>iClicker 1</a:t>
             </a:r>
           </a:p>
         </p:txBody>
@@ -20450,8 +21695,8 @@
           <a:lstStyle/>
           <a:p>
             <a:r>
-              <a:rPr lang="en-US" sz="5400"/>
-              <a:t>Example 2</a:t>
+              <a:rPr lang="en-US" sz="5400" dirty="0"/>
+              <a:t>iClicker 2</a:t>
             </a:r>
           </a:p>
         </p:txBody>

--- a/lectures/14/2_Review.pptx
+++ b/lectures/14/2_Review.pptx
@@ -6,10 +6,10 @@
     <p:sldMasterId id="2147483660" r:id="rId5"/>
   </p:sldMasterIdLst>
   <p:notesMasterIdLst>
-    <p:notesMasterId r:id="rId29"/>
+    <p:notesMasterId r:id="rId30"/>
   </p:notesMasterIdLst>
   <p:handoutMasterIdLst>
-    <p:handoutMasterId r:id="rId30"/>
+    <p:handoutMasterId r:id="rId31"/>
   </p:handoutMasterIdLst>
   <p:sldIdLst>
     <p:sldId id="256" r:id="rId6"/>
@@ -28,13 +28,14 @@
     <p:sldId id="317" r:id="rId19"/>
     <p:sldId id="300" r:id="rId20"/>
     <p:sldId id="261" r:id="rId21"/>
-    <p:sldId id="318" r:id="rId22"/>
-    <p:sldId id="313" r:id="rId23"/>
-    <p:sldId id="319" r:id="rId24"/>
-    <p:sldId id="320" r:id="rId25"/>
-    <p:sldId id="321" r:id="rId26"/>
-    <p:sldId id="322" r:id="rId27"/>
-    <p:sldId id="315" r:id="rId28"/>
+    <p:sldId id="323" r:id="rId22"/>
+    <p:sldId id="318" r:id="rId23"/>
+    <p:sldId id="313" r:id="rId24"/>
+    <p:sldId id="319" r:id="rId25"/>
+    <p:sldId id="320" r:id="rId26"/>
+    <p:sldId id="321" r:id="rId27"/>
+    <p:sldId id="322" r:id="rId28"/>
+    <p:sldId id="315" r:id="rId29"/>
   </p:sldIdLst>
   <p:sldSz cx="12192000" cy="6858000"/>
   <p:notesSz cx="6858000" cy="9144000"/>
@@ -3226,7 +3227,7 @@
           <a:p>
             <a:fld id="{73B2889B-A0AC-4482-8592-5C96F2309420}" type="datetimeFigureOut">
               <a:rPr lang="en-US" smtClean="0"/>
-              <a:t>11/6/2021</a:t>
+              <a:t>11/7/2021</a:t>
             </a:fld>
             <a:endParaRPr lang="en-US"/>
           </a:p>
@@ -3403,7 +3404,7 @@
           <a:p>
             <a:fld id="{830EB223-FFC0-462A-A3B8-EAA7CE0F8CBD}" type="datetimeFigureOut">
               <a:rPr lang="en-US" smtClean="0"/>
-              <a:t>11/6/2021</a:t>
+              <a:t>11/7/2021</a:t>
             </a:fld>
             <a:endParaRPr lang="en-US" dirty="0"/>
           </a:p>
@@ -4149,7 +4150,7 @@
           <a:p>
             <a:fld id="{BC849E9A-41F7-4779-A581-48A7C374A227}" type="slidenum">
               <a:rPr lang="en-US" smtClean="0"/>
-              <a:t>18</a:t>
+              <a:t>19</a:t>
             </a:fld>
             <a:endParaRPr lang="en-US" dirty="0"/>
           </a:p>
@@ -5894,7 +5895,7 @@
           <a:p>
             <a:fld id="{C4EC3E89-068C-4484-9196-39A80941A297}" type="datetime1">
               <a:rPr lang="en-US" smtClean="0"/>
-              <a:t>11/6/2021</a:t>
+              <a:t>11/7/2021</a:t>
             </a:fld>
             <a:endParaRPr lang="en-US" dirty="0"/>
           </a:p>
@@ -6096,7 +6097,7 @@
           <a:p>
             <a:fld id="{73EFB051-9B18-4EBA-99FC-F11C30E36AD1}" type="datetime1">
               <a:rPr lang="en-US" smtClean="0"/>
-              <a:t>11/6/2021</a:t>
+              <a:t>11/7/2021</a:t>
             </a:fld>
             <a:endParaRPr lang="en-US" dirty="0"/>
           </a:p>
@@ -6308,7 +6309,7 @@
           <a:p>
             <a:fld id="{120625ED-9EF1-4810-B41C-101ECA886138}" type="datetime1">
               <a:rPr lang="en-US" smtClean="0"/>
-              <a:t>11/6/2021</a:t>
+              <a:t>11/7/2021</a:t>
             </a:fld>
             <a:endParaRPr lang="en-US" dirty="0"/>
           </a:p>
@@ -6532,7 +6533,7 @@
           <a:p>
             <a:fld id="{DECF21A4-E71B-4D3A-AF45-E989C23A7BB1}" type="datetimeFigureOut">
               <a:rPr lang="en-US" smtClean="0"/>
-              <a:t>11/6/2021</a:t>
+              <a:t>11/7/2021</a:t>
             </a:fld>
             <a:endParaRPr lang="en-US" dirty="0"/>
           </a:p>
@@ -6730,7 +6731,7 @@
           <a:p>
             <a:fld id="{DECF21A4-E71B-4D3A-AF45-E989C23A7BB1}" type="datetimeFigureOut">
               <a:rPr lang="en-US" smtClean="0"/>
-              <a:t>11/6/2021</a:t>
+              <a:t>11/7/2021</a:t>
             </a:fld>
             <a:endParaRPr lang="en-US" dirty="0"/>
           </a:p>
@@ -7005,7 +7006,7 @@
           <a:p>
             <a:fld id="{DECF21A4-E71B-4D3A-AF45-E989C23A7BB1}" type="datetimeFigureOut">
               <a:rPr lang="en-US" smtClean="0"/>
-              <a:t>11/6/2021</a:t>
+              <a:t>11/7/2021</a:t>
             </a:fld>
             <a:endParaRPr lang="en-US" dirty="0"/>
           </a:p>
@@ -7270,7 +7271,7 @@
           <a:p>
             <a:fld id="{DECF21A4-E71B-4D3A-AF45-E989C23A7BB1}" type="datetimeFigureOut">
               <a:rPr lang="en-US" smtClean="0"/>
-              <a:t>11/6/2021</a:t>
+              <a:t>11/7/2021</a:t>
             </a:fld>
             <a:endParaRPr lang="en-US" dirty="0"/>
           </a:p>
@@ -7682,7 +7683,7 @@
           <a:p>
             <a:fld id="{DECF21A4-E71B-4D3A-AF45-E989C23A7BB1}" type="datetimeFigureOut">
               <a:rPr lang="en-US" smtClean="0"/>
-              <a:t>11/6/2021</a:t>
+              <a:t>11/7/2021</a:t>
             </a:fld>
             <a:endParaRPr lang="en-US" dirty="0"/>
           </a:p>
@@ -7823,7 +7824,7 @@
           <a:p>
             <a:fld id="{DECF21A4-E71B-4D3A-AF45-E989C23A7BB1}" type="datetimeFigureOut">
               <a:rPr lang="en-US" smtClean="0"/>
-              <a:t>11/6/2021</a:t>
+              <a:t>11/7/2021</a:t>
             </a:fld>
             <a:endParaRPr lang="en-US" dirty="0"/>
           </a:p>
@@ -7936,7 +7937,7 @@
           <a:p>
             <a:fld id="{DECF21A4-E71B-4D3A-AF45-E989C23A7BB1}" type="datetimeFigureOut">
               <a:rPr lang="en-US" smtClean="0"/>
-              <a:t>11/6/2021</a:t>
+              <a:t>11/7/2021</a:t>
             </a:fld>
             <a:endParaRPr lang="en-US" dirty="0"/>
           </a:p>
@@ -8247,7 +8248,7 @@
           <a:p>
             <a:fld id="{DECF21A4-E71B-4D3A-AF45-E989C23A7BB1}" type="datetimeFigureOut">
               <a:rPr lang="en-US" smtClean="0"/>
-              <a:t>11/6/2021</a:t>
+              <a:t>11/7/2021</a:t>
             </a:fld>
             <a:endParaRPr lang="en-US" dirty="0"/>
           </a:p>
@@ -8445,7 +8446,7 @@
           <a:p>
             <a:fld id="{31CD2D0A-5039-42EF-8D8E-F064A3687C00}" type="datetime1">
               <a:rPr lang="en-US" smtClean="0"/>
-              <a:t>11/6/2021</a:t>
+              <a:t>11/7/2021</a:t>
             </a:fld>
             <a:endParaRPr lang="en-US" dirty="0"/>
           </a:p>
@@ -8741,7 +8742,7 @@
           <a:p>
             <a:fld id="{DECF21A4-E71B-4D3A-AF45-E989C23A7BB1}" type="datetimeFigureOut">
               <a:rPr lang="en-US" smtClean="0"/>
-              <a:t>11/6/2021</a:t>
+              <a:t>11/7/2021</a:t>
             </a:fld>
             <a:endParaRPr lang="en-US" dirty="0"/>
           </a:p>
@@ -8939,7 +8940,7 @@
           <a:p>
             <a:fld id="{DECF21A4-E71B-4D3A-AF45-E989C23A7BB1}" type="datetimeFigureOut">
               <a:rPr lang="en-US" smtClean="0"/>
-              <a:t>11/6/2021</a:t>
+              <a:t>11/7/2021</a:t>
             </a:fld>
             <a:endParaRPr lang="en-US" dirty="0"/>
           </a:p>
@@ -9147,7 +9148,7 @@
           <a:p>
             <a:fld id="{DECF21A4-E71B-4D3A-AF45-E989C23A7BB1}" type="datetimeFigureOut">
               <a:rPr lang="en-US" smtClean="0"/>
-              <a:t>11/6/2021</a:t>
+              <a:t>11/7/2021</a:t>
             </a:fld>
             <a:endParaRPr lang="en-US" dirty="0"/>
           </a:p>
@@ -9422,7 +9423,7 @@
           <a:p>
             <a:fld id="{8FD408BA-41E9-4BCF-9F5C-C15089E959BA}" type="datetime1">
               <a:rPr lang="en-US" smtClean="0"/>
-              <a:t>11/6/2021</a:t>
+              <a:t>11/7/2021</a:t>
             </a:fld>
             <a:endParaRPr lang="en-US" dirty="0"/>
           </a:p>
@@ -9691,7 +9692,7 @@
           <a:p>
             <a:fld id="{2BD15DB2-BF2C-46E7-9567-A1A0C8FC64A0}" type="datetime1">
               <a:rPr lang="en-US" smtClean="0"/>
-              <a:t>11/6/2021</a:t>
+              <a:t>11/7/2021</a:t>
             </a:fld>
             <a:endParaRPr lang="en-US" dirty="0"/>
           </a:p>
@@ -10107,7 +10108,7 @@
           <a:p>
             <a:fld id="{E833F933-0CF2-4BD2-9145-D3413AD5F497}" type="datetime1">
               <a:rPr lang="en-US" smtClean="0"/>
-              <a:t>11/6/2021</a:t>
+              <a:t>11/7/2021</a:t>
             </a:fld>
             <a:endParaRPr lang="en-US" dirty="0"/>
           </a:p>
@@ -10252,7 +10253,7 @@
           <a:p>
             <a:fld id="{4C51D8B2-ED70-41EF-8095-15E2AE5F160E}" type="datetime1">
               <a:rPr lang="en-US" smtClean="0"/>
-              <a:t>11/6/2021</a:t>
+              <a:t>11/7/2021</a:t>
             </a:fld>
             <a:endParaRPr lang="en-US" dirty="0"/>
           </a:p>
@@ -10369,7 +10370,7 @@
           <a:p>
             <a:fld id="{CBF21E01-DAB8-4692-879D-9B95AEAA41E6}" type="datetime1">
               <a:rPr lang="en-US" smtClean="0"/>
-              <a:t>11/6/2021</a:t>
+              <a:t>11/7/2021</a:t>
             </a:fld>
             <a:endParaRPr lang="en-US" dirty="0"/>
           </a:p>
@@ -10684,7 +10685,7 @@
           <a:p>
             <a:fld id="{0A510A22-882F-492D-9EE7-C26A7DFBC6E6}" type="datetime1">
               <a:rPr lang="en-US" smtClean="0"/>
-              <a:t>11/6/2021</a:t>
+              <a:t>11/7/2021</a:t>
             </a:fld>
             <a:endParaRPr lang="en-US" dirty="0"/>
           </a:p>
@@ -10980,7 +10981,7 @@
           <a:p>
             <a:fld id="{A1004D0D-B6F0-47E4-BBF3-1951C00F9D16}" type="datetime1">
               <a:rPr lang="en-US" smtClean="0"/>
-              <a:t>11/6/2021</a:t>
+              <a:t>11/7/2021</a:t>
             </a:fld>
             <a:endParaRPr lang="en-US" dirty="0"/>
           </a:p>
@@ -11225,7 +11226,7 @@
           <a:p>
             <a:fld id="{48D89660-51FF-4216-9F24-A2AFA2D4F958}" type="datetime1">
               <a:rPr lang="en-US" smtClean="0"/>
-              <a:t>11/6/2021</a:t>
+              <a:t>11/7/2021</a:t>
             </a:fld>
             <a:endParaRPr lang="en-US" dirty="0"/>
           </a:p>
@@ -11798,7 +11799,7 @@
           <a:p>
             <a:fld id="{DECF21A4-E71B-4D3A-AF45-E989C23A7BB1}" type="datetimeFigureOut">
               <a:rPr lang="en-US" smtClean="0"/>
-              <a:t>11/6/2021</a:t>
+              <a:t>11/7/2021</a:t>
             </a:fld>
             <a:endParaRPr lang="en-US" dirty="0"/>
           </a:p>
@@ -16868,7 +16869,7 @@
           <p:cNvPr id="2" name="Title 1">
             <a:extLst>
               <a:ext uri="{FF2B5EF4-FFF2-40B4-BE49-F238E27FC236}">
-                <a16:creationId xmlns:a16="http://schemas.microsoft.com/office/drawing/2014/main" id="{3D9BA234-56A6-49E2-9A15-2A406AB3A914}"/>
+                <a16:creationId xmlns:a16="http://schemas.microsoft.com/office/drawing/2014/main" id="{8ADD8ADF-D473-4829-9D7E-F9AC2DABBE1D}"/>
               </a:ext>
             </a:extLst>
           </p:cNvPr>
@@ -16886,7 +16887,7 @@
           <a:p>
             <a:r>
               <a:rPr lang="en-US" dirty="0"/>
-              <a:t>iClicker</a:t>
+              <a:t>Correlation</a:t>
             </a:r>
           </a:p>
         </p:txBody>
@@ -16896,7 +16897,7 @@
           <p:cNvPr id="3" name="Content Placeholder 2">
             <a:extLst>
               <a:ext uri="{FF2B5EF4-FFF2-40B4-BE49-F238E27FC236}">
-                <a16:creationId xmlns:a16="http://schemas.microsoft.com/office/drawing/2014/main" id="{0D84E982-12F8-4BAE-9F81-30587EE1162B}"/>
+                <a16:creationId xmlns:a16="http://schemas.microsoft.com/office/drawing/2014/main" id="{9FCFCB80-A413-4E63-BC85-519BC6ACECF1}"/>
               </a:ext>
             </a:extLst>
           </p:cNvPr>
@@ -16912,14 +16913,38 @@
           <a:bodyPr/>
           <a:lstStyle/>
           <a:p>
-            <a:endParaRPr lang="en-US"/>
+            <a:r>
+              <a:rPr lang="en-US" dirty="0"/>
+              <a:t>a)	what a scatter plot looks like and what it represents</a:t>
+            </a:r>
+          </a:p>
+          <a:p>
+            <a:r>
+              <a:rPr lang="en-US" dirty="0"/>
+              <a:t>b)	what a nonlinear relationship looks like on a scatter plot</a:t>
+            </a:r>
+          </a:p>
+          <a:p>
+            <a:r>
+              <a:rPr lang="en-US" dirty="0"/>
+              <a:t>c)	how to interpret correlation coefficients when there is a positive association, negative association, or no association between two variables</a:t>
+            </a:r>
+          </a:p>
+          <a:p>
+            <a:r>
+              <a:rPr lang="en-US" dirty="0"/>
+              <a:t>d)	why correlation does not indicate causation</a:t>
+            </a:r>
+          </a:p>
+          <a:p>
+            <a:endParaRPr lang="en-US" dirty="0"/>
           </a:p>
         </p:txBody>
       </p:sp>
     </p:spTree>
     <p:extLst>
       <p:ext uri="{BB962C8B-B14F-4D97-AF65-F5344CB8AC3E}">
-        <p14:creationId xmlns:p14="http://schemas.microsoft.com/office/powerpoint/2010/main" val="2649204256"/>
+        <p14:creationId xmlns:p14="http://schemas.microsoft.com/office/powerpoint/2010/main" val="4267668659"/>
       </p:ext>
     </p:extLst>
   </p:cSld>
@@ -16951,7 +16976,7 @@
           <p:cNvPr id="2" name="Title 1">
             <a:extLst>
               <a:ext uri="{FF2B5EF4-FFF2-40B4-BE49-F238E27FC236}">
-                <a16:creationId xmlns:a16="http://schemas.microsoft.com/office/drawing/2014/main" id="{173747B3-2073-4EC2-B75C-C2411686D7EB}"/>
+                <a16:creationId xmlns:a16="http://schemas.microsoft.com/office/drawing/2014/main" id="{3D9BA234-56A6-49E2-9A15-2A406AB3A914}"/>
               </a:ext>
             </a:extLst>
           </p:cNvPr>
@@ -16969,7 +16994,7 @@
           <a:p>
             <a:r>
               <a:rPr lang="en-US" dirty="0"/>
-              <a:t>Simple Regression</a:t>
+              <a:t>iClicker</a:t>
             </a:r>
           </a:p>
         </p:txBody>
@@ -16979,7 +17004,7 @@
           <p:cNvPr id="3" name="Content Placeholder 2">
             <a:extLst>
               <a:ext uri="{FF2B5EF4-FFF2-40B4-BE49-F238E27FC236}">
-                <a16:creationId xmlns:a16="http://schemas.microsoft.com/office/drawing/2014/main" id="{E92122FD-93EF-4647-BA1E-056C7A41D815}"/>
+                <a16:creationId xmlns:a16="http://schemas.microsoft.com/office/drawing/2014/main" id="{0D84E982-12F8-4BAE-9F81-30587EE1162B}"/>
               </a:ext>
             </a:extLst>
           </p:cNvPr>
@@ -16996,71 +17021,13 @@
           <a:lstStyle/>
           <a:p>
             <a:endParaRPr lang="en-US"/>
-          </a:p>
-        </p:txBody>
-      </p:sp>
-      <p:sp>
-        <p:nvSpPr>
-          <p:cNvPr id="4" name="Footer Placeholder 3">
-            <a:extLst>
-              <a:ext uri="{FF2B5EF4-FFF2-40B4-BE49-F238E27FC236}">
-                <a16:creationId xmlns:a16="http://schemas.microsoft.com/office/drawing/2014/main" id="{7F1E192C-031B-4E4A-A8F2-984EC547DC83}"/>
-              </a:ext>
-            </a:extLst>
-          </p:cNvPr>
-          <p:cNvSpPr>
-            <a:spLocks noGrp="1"/>
-          </p:cNvSpPr>
-          <p:nvPr>
-            <p:ph type="ftr" sz="quarter" idx="11"/>
-          </p:nvPr>
-        </p:nvSpPr>
-        <p:spPr/>
-        <p:txBody>
-          <a:bodyPr/>
-          <a:lstStyle/>
-          <a:p>
-            <a:r>
-              <a:rPr lang="en-US"/>
-              <a:t>Mike Nguyen</a:t>
-            </a:r>
-            <a:endParaRPr lang="en-US" dirty="0"/>
-          </a:p>
-        </p:txBody>
-      </p:sp>
-      <p:sp>
-        <p:nvSpPr>
-          <p:cNvPr id="5" name="Slide Number Placeholder 4">
-            <a:extLst>
-              <a:ext uri="{FF2B5EF4-FFF2-40B4-BE49-F238E27FC236}">
-                <a16:creationId xmlns:a16="http://schemas.microsoft.com/office/drawing/2014/main" id="{A950C673-CF10-4B05-975D-D3F53922BADC}"/>
-              </a:ext>
-            </a:extLst>
-          </p:cNvPr>
-          <p:cNvSpPr>
-            <a:spLocks noGrp="1"/>
-          </p:cNvSpPr>
-          <p:nvPr>
-            <p:ph type="sldNum" sz="quarter" idx="12"/>
-          </p:nvPr>
-        </p:nvSpPr>
-        <p:spPr/>
-        <p:txBody>
-          <a:bodyPr/>
-          <a:lstStyle/>
-          <a:p>
-            <a:fld id="{A6AF1B4E-90EC-4A51-B6E5-B702C054ECB0}" type="slidenum">
-              <a:rPr lang="en-US" smtClean="0"/>
-              <a:t>18</a:t>
-            </a:fld>
-            <a:endParaRPr lang="en-US" dirty="0"/>
           </a:p>
         </p:txBody>
       </p:sp>
     </p:spTree>
     <p:extLst>
       <p:ext uri="{BB962C8B-B14F-4D97-AF65-F5344CB8AC3E}">
-        <p14:creationId xmlns:p14="http://schemas.microsoft.com/office/powerpoint/2010/main" val="507336661"/>
+        <p14:creationId xmlns:p14="http://schemas.microsoft.com/office/powerpoint/2010/main" val="2649204256"/>
       </p:ext>
     </p:extLst>
   </p:cSld>
@@ -17092,7 +17059,7 @@
           <p:cNvPr id="2" name="Title 1">
             <a:extLst>
               <a:ext uri="{FF2B5EF4-FFF2-40B4-BE49-F238E27FC236}">
-                <a16:creationId xmlns:a16="http://schemas.microsoft.com/office/drawing/2014/main" id="{3D9BA234-56A6-49E2-9A15-2A406AB3A914}"/>
+                <a16:creationId xmlns:a16="http://schemas.microsoft.com/office/drawing/2014/main" id="{173747B3-2073-4EC2-B75C-C2411686D7EB}"/>
               </a:ext>
             </a:extLst>
           </p:cNvPr>
@@ -17110,7 +17077,7 @@
           <a:p>
             <a:r>
               <a:rPr lang="en-US" dirty="0"/>
-              <a:t>iClicker</a:t>
+              <a:t>Simple Regression</a:t>
             </a:r>
           </a:p>
         </p:txBody>
@@ -17120,7 +17087,7 @@
           <p:cNvPr id="3" name="Content Placeholder 2">
             <a:extLst>
               <a:ext uri="{FF2B5EF4-FFF2-40B4-BE49-F238E27FC236}">
-                <a16:creationId xmlns:a16="http://schemas.microsoft.com/office/drawing/2014/main" id="{0D84E982-12F8-4BAE-9F81-30587EE1162B}"/>
+                <a16:creationId xmlns:a16="http://schemas.microsoft.com/office/drawing/2014/main" id="{E92122FD-93EF-4647-BA1E-056C7A41D815}"/>
               </a:ext>
             </a:extLst>
           </p:cNvPr>
@@ -17133,17 +17100,125 @@
         </p:nvSpPr>
         <p:spPr/>
         <p:txBody>
+          <a:bodyPr>
+            <a:normAutofit fontScale="85000" lnSpcReduction="10000"/>
+          </a:bodyPr>
+          <a:lstStyle/>
+          <a:p>
+            <a:r>
+              <a:rPr lang="en-US" dirty="0"/>
+              <a:t>e)	what the dependent and independent variables are in a regression model</a:t>
+            </a:r>
+          </a:p>
+          <a:p>
+            <a:r>
+              <a:rPr lang="en-US" dirty="0"/>
+              <a:t>f)	what a regression line is, and what it means that a regression line is “best fitting”</a:t>
+            </a:r>
+          </a:p>
+          <a:p>
+            <a:r>
+              <a:rPr lang="en-US" dirty="0"/>
+              <a:t>g)	what the intercept and slope coefficient in a regression model represent </a:t>
+            </a:r>
+          </a:p>
+          <a:p>
+            <a:r>
+              <a:rPr lang="en-US" dirty="0"/>
+              <a:t>h)	how to interpret the slope coefficient in a regression model </a:t>
+            </a:r>
+          </a:p>
+          <a:p>
+            <a:r>
+              <a:rPr lang="en-US" dirty="0"/>
+              <a:t>i)	understand that regression models don’t predict anything, but instead describe something that has already happened</a:t>
+            </a:r>
+          </a:p>
+          <a:p>
+            <a:r>
+              <a:rPr lang="en-US" dirty="0"/>
+              <a:t>j)	what the requirements are for a valid regression model </a:t>
+            </a:r>
+          </a:p>
+          <a:p>
+            <a:r>
+              <a:rPr lang="en-US" dirty="0"/>
+              <a:t>k)	why the relevant range for a model is important, and how it is determined</a:t>
+            </a:r>
+          </a:p>
+          <a:p>
+            <a:r>
+              <a:rPr lang="en-US" dirty="0"/>
+              <a:t>l)	what “error” is in a regression model, and how you can tell whether a model fits the actual data well</a:t>
+            </a:r>
+          </a:p>
+          <a:p>
+            <a:endParaRPr lang="en-US" dirty="0"/>
+          </a:p>
+        </p:txBody>
+      </p:sp>
+      <p:sp>
+        <p:nvSpPr>
+          <p:cNvPr id="4" name="Footer Placeholder 3">
+            <a:extLst>
+              <a:ext uri="{FF2B5EF4-FFF2-40B4-BE49-F238E27FC236}">
+                <a16:creationId xmlns:a16="http://schemas.microsoft.com/office/drawing/2014/main" id="{7F1E192C-031B-4E4A-A8F2-984EC547DC83}"/>
+              </a:ext>
+            </a:extLst>
+          </p:cNvPr>
+          <p:cNvSpPr>
+            <a:spLocks noGrp="1"/>
+          </p:cNvSpPr>
+          <p:nvPr>
+            <p:ph type="ftr" sz="quarter" idx="11"/>
+          </p:nvPr>
+        </p:nvSpPr>
+        <p:spPr/>
+        <p:txBody>
           <a:bodyPr/>
           <a:lstStyle/>
           <a:p>
-            <a:endParaRPr lang="en-US"/>
+            <a:r>
+              <a:rPr lang="en-US"/>
+              <a:t>Mike Nguyen</a:t>
+            </a:r>
+            <a:endParaRPr lang="en-US" dirty="0"/>
+          </a:p>
+        </p:txBody>
+      </p:sp>
+      <p:sp>
+        <p:nvSpPr>
+          <p:cNvPr id="5" name="Slide Number Placeholder 4">
+            <a:extLst>
+              <a:ext uri="{FF2B5EF4-FFF2-40B4-BE49-F238E27FC236}">
+                <a16:creationId xmlns:a16="http://schemas.microsoft.com/office/drawing/2014/main" id="{A950C673-CF10-4B05-975D-D3F53922BADC}"/>
+              </a:ext>
+            </a:extLst>
+          </p:cNvPr>
+          <p:cNvSpPr>
+            <a:spLocks noGrp="1"/>
+          </p:cNvSpPr>
+          <p:nvPr>
+            <p:ph type="sldNum" sz="quarter" idx="12"/>
+          </p:nvPr>
+        </p:nvSpPr>
+        <p:spPr/>
+        <p:txBody>
+          <a:bodyPr/>
+          <a:lstStyle/>
+          <a:p>
+            <a:fld id="{A6AF1B4E-90EC-4A51-B6E5-B702C054ECB0}" type="slidenum">
+              <a:rPr lang="en-US" smtClean="0"/>
+              <a:t>19</a:t>
+            </a:fld>
+            <a:endParaRPr lang="en-US" dirty="0"/>
           </a:p>
         </p:txBody>
       </p:sp>
     </p:spTree>
     <p:extLst>
       <p:ext uri="{BB962C8B-B14F-4D97-AF65-F5344CB8AC3E}">
-        <p14:creationId xmlns:p14="http://schemas.microsoft.com/office/powerpoint/2010/main" val="3026458527"/>
+        <p14:creationId xmlns:p14="http://schemas.microsoft.com/office/powerpoint/2010/main" val="507336661"/>
       </p:ext>
     </p:extLst>
   </p:cSld>
@@ -17684,7 +17759,7 @@
           <p:cNvPr id="2" name="Title 1">
             <a:extLst>
               <a:ext uri="{FF2B5EF4-FFF2-40B4-BE49-F238E27FC236}">
-                <a16:creationId xmlns:a16="http://schemas.microsoft.com/office/drawing/2014/main" id="{EA77BBD8-F37F-45BC-A7BC-69AFBA242602}"/>
+                <a16:creationId xmlns:a16="http://schemas.microsoft.com/office/drawing/2014/main" id="{3D9BA234-56A6-49E2-9A15-2A406AB3A914}"/>
               </a:ext>
             </a:extLst>
           </p:cNvPr>
@@ -17702,7 +17777,7 @@
           <a:p>
             <a:r>
               <a:rPr lang="en-US" dirty="0"/>
-              <a:t>Multiple Regression</a:t>
+              <a:t>iClicker</a:t>
             </a:r>
           </a:p>
         </p:txBody>
@@ -17712,7 +17787,7 @@
           <p:cNvPr id="3" name="Content Placeholder 2">
             <a:extLst>
               <a:ext uri="{FF2B5EF4-FFF2-40B4-BE49-F238E27FC236}">
-                <a16:creationId xmlns:a16="http://schemas.microsoft.com/office/drawing/2014/main" id="{5B5E27C4-613E-4B50-975E-834B9B716EE3}"/>
+                <a16:creationId xmlns:a16="http://schemas.microsoft.com/office/drawing/2014/main" id="{0D84E982-12F8-4BAE-9F81-30587EE1162B}"/>
               </a:ext>
             </a:extLst>
           </p:cNvPr>
@@ -17729,71 +17804,13 @@
           <a:lstStyle/>
           <a:p>
             <a:endParaRPr lang="en-US"/>
-          </a:p>
-        </p:txBody>
-      </p:sp>
-      <p:sp>
-        <p:nvSpPr>
-          <p:cNvPr id="4" name="Footer Placeholder 3">
-            <a:extLst>
-              <a:ext uri="{FF2B5EF4-FFF2-40B4-BE49-F238E27FC236}">
-                <a16:creationId xmlns:a16="http://schemas.microsoft.com/office/drawing/2014/main" id="{4587F4FF-020D-43D7-9C9D-F71D44D9A585}"/>
-              </a:ext>
-            </a:extLst>
-          </p:cNvPr>
-          <p:cNvSpPr>
-            <a:spLocks noGrp="1"/>
-          </p:cNvSpPr>
-          <p:nvPr>
-            <p:ph type="ftr" sz="quarter" idx="11"/>
-          </p:nvPr>
-        </p:nvSpPr>
-        <p:spPr/>
-        <p:txBody>
-          <a:bodyPr/>
-          <a:lstStyle/>
-          <a:p>
-            <a:r>
-              <a:rPr lang="en-US"/>
-              <a:t>Mike Nguyen</a:t>
-            </a:r>
-            <a:endParaRPr lang="en-US" dirty="0"/>
-          </a:p>
-        </p:txBody>
-      </p:sp>
-      <p:sp>
-        <p:nvSpPr>
-          <p:cNvPr id="5" name="Slide Number Placeholder 4">
-            <a:extLst>
-              <a:ext uri="{FF2B5EF4-FFF2-40B4-BE49-F238E27FC236}">
-                <a16:creationId xmlns:a16="http://schemas.microsoft.com/office/drawing/2014/main" id="{F2F05B5D-EE4A-4E54-8AD2-3CF6EB8BFAC4}"/>
-              </a:ext>
-            </a:extLst>
-          </p:cNvPr>
-          <p:cNvSpPr>
-            <a:spLocks noGrp="1"/>
-          </p:cNvSpPr>
-          <p:nvPr>
-            <p:ph type="sldNum" sz="quarter" idx="12"/>
-          </p:nvPr>
-        </p:nvSpPr>
-        <p:spPr/>
-        <p:txBody>
-          <a:bodyPr/>
-          <a:lstStyle/>
-          <a:p>
-            <a:fld id="{A6AF1B4E-90EC-4A51-B6E5-B702C054ECB0}" type="slidenum">
-              <a:rPr lang="en-US" smtClean="0"/>
-              <a:t>20</a:t>
-            </a:fld>
-            <a:endParaRPr lang="en-US" dirty="0"/>
           </a:p>
         </p:txBody>
       </p:sp>
     </p:spTree>
     <p:extLst>
       <p:ext uri="{BB962C8B-B14F-4D97-AF65-F5344CB8AC3E}">
-        <p14:creationId xmlns:p14="http://schemas.microsoft.com/office/powerpoint/2010/main" val="3533767477"/>
+        <p14:creationId xmlns:p14="http://schemas.microsoft.com/office/powerpoint/2010/main" val="3026458527"/>
       </p:ext>
     </p:extLst>
   </p:cSld>
@@ -17825,7 +17842,7 @@
           <p:cNvPr id="2" name="Title 1">
             <a:extLst>
               <a:ext uri="{FF2B5EF4-FFF2-40B4-BE49-F238E27FC236}">
-                <a16:creationId xmlns:a16="http://schemas.microsoft.com/office/drawing/2014/main" id="{926C5A68-3D4F-41F0-B846-BF0C72EC2410}"/>
+                <a16:creationId xmlns:a16="http://schemas.microsoft.com/office/drawing/2014/main" id="{EA77BBD8-F37F-45BC-A7BC-69AFBA242602}"/>
               </a:ext>
             </a:extLst>
           </p:cNvPr>
@@ -17841,7 +17858,10 @@
           <a:bodyPr/>
           <a:lstStyle/>
           <a:p>
-            <a:endParaRPr lang="en-US" dirty="0"/>
+            <a:r>
+              <a:rPr lang="en-US" dirty="0"/>
+              <a:t>Multiple Regression</a:t>
+            </a:r>
           </a:p>
         </p:txBody>
       </p:sp>
@@ -17850,7 +17870,7 @@
           <p:cNvPr id="3" name="Content Placeholder 2">
             <a:extLst>
               <a:ext uri="{FF2B5EF4-FFF2-40B4-BE49-F238E27FC236}">
-                <a16:creationId xmlns:a16="http://schemas.microsoft.com/office/drawing/2014/main" id="{CAE80E34-1510-4468-BF98-28AC62D722D4}"/>
+                <a16:creationId xmlns:a16="http://schemas.microsoft.com/office/drawing/2014/main" id="{5B5E27C4-613E-4B50-975E-834B9B716EE3}"/>
               </a:ext>
             </a:extLst>
           </p:cNvPr>
@@ -17863,10 +17883,50 @@
         </p:nvSpPr>
         <p:spPr/>
         <p:txBody>
-          <a:bodyPr/>
+          <a:bodyPr>
+            <a:normAutofit lnSpcReduction="10000"/>
+          </a:bodyPr>
           <a:lstStyle/>
           <a:p>
-            <a:endParaRPr lang="en-US"/>
+            <a:r>
+              <a:rPr lang="en-US" dirty="0"/>
+              <a:t>m)	what kind of variables (based on level of measurement) are eligible for inclusion in a regression model</a:t>
+            </a:r>
+          </a:p>
+          <a:p>
+            <a:r>
+              <a:rPr lang="en-US" dirty="0"/>
+              <a:t>n)	how to create estimates from a multiple regression model</a:t>
+            </a:r>
+          </a:p>
+          <a:p>
+            <a:r>
+              <a:rPr lang="en-US" dirty="0"/>
+              <a:t>o)	how to interpret multiple regression slope coefficients</a:t>
+            </a:r>
+          </a:p>
+          <a:p>
+            <a:r>
+              <a:rPr lang="en-US" dirty="0"/>
+              <a:t>p)	interpreting intercepts can be a little tricky sometimes—information about intercept interpretation has been provided, but it isn’t always easy to tell when it is or is not meaningful to interpret the intercept, so you won’t be tested on this</a:t>
+            </a:r>
+          </a:p>
+          <a:p>
+            <a:r>
+              <a:rPr lang="en-US" dirty="0"/>
+              <a:t>q)	how to interpret </a:t>
+            </a:r>
+            <a:r>
+              <a:rPr lang="en-US" dirty="0" err="1"/>
+              <a:t>R2</a:t>
+            </a:r>
+            <a:r>
+              <a:rPr lang="en-US" dirty="0"/>
+              <a:t> and “percentage of variation explained” means</a:t>
+            </a:r>
+          </a:p>
+          <a:p>
+            <a:endParaRPr lang="en-US" dirty="0"/>
           </a:p>
         </p:txBody>
       </p:sp>
@@ -17875,7 +17935,7 @@
           <p:cNvPr id="4" name="Footer Placeholder 3">
             <a:extLst>
               <a:ext uri="{FF2B5EF4-FFF2-40B4-BE49-F238E27FC236}">
-                <a16:creationId xmlns:a16="http://schemas.microsoft.com/office/drawing/2014/main" id="{5CDFF294-B3BE-47A6-BA04-616905313231}"/>
+                <a16:creationId xmlns:a16="http://schemas.microsoft.com/office/drawing/2014/main" id="{4587F4FF-020D-43D7-9C9D-F71D44D9A585}"/>
               </a:ext>
             </a:extLst>
           </p:cNvPr>
@@ -17904,7 +17964,7 @@
           <p:cNvPr id="5" name="Slide Number Placeholder 4">
             <a:extLst>
               <a:ext uri="{FF2B5EF4-FFF2-40B4-BE49-F238E27FC236}">
-                <a16:creationId xmlns:a16="http://schemas.microsoft.com/office/drawing/2014/main" id="{C07B6458-99E4-4C14-83CD-6FA1F050F13D}"/>
+                <a16:creationId xmlns:a16="http://schemas.microsoft.com/office/drawing/2014/main" id="{F2F05B5D-EE4A-4E54-8AD2-3CF6EB8BFAC4}"/>
               </a:ext>
             </a:extLst>
           </p:cNvPr>
@@ -17931,7 +17991,7 @@
     </p:spTree>
     <p:extLst>
       <p:ext uri="{BB962C8B-B14F-4D97-AF65-F5344CB8AC3E}">
-        <p14:creationId xmlns:p14="http://schemas.microsoft.com/office/powerpoint/2010/main" val="2417500520"/>
+        <p14:creationId xmlns:p14="http://schemas.microsoft.com/office/powerpoint/2010/main" val="3533767477"/>
       </p:ext>
     </p:extLst>
   </p:cSld>
@@ -17963,6 +18023,144 @@
           <p:cNvPr id="2" name="Title 1">
             <a:extLst>
               <a:ext uri="{FF2B5EF4-FFF2-40B4-BE49-F238E27FC236}">
+                <a16:creationId xmlns:a16="http://schemas.microsoft.com/office/drawing/2014/main" id="{926C5A68-3D4F-41F0-B846-BF0C72EC2410}"/>
+              </a:ext>
+            </a:extLst>
+          </p:cNvPr>
+          <p:cNvSpPr>
+            <a:spLocks noGrp="1"/>
+          </p:cNvSpPr>
+          <p:nvPr>
+            <p:ph type="title"/>
+          </p:nvPr>
+        </p:nvSpPr>
+        <p:spPr/>
+        <p:txBody>
+          <a:bodyPr/>
+          <a:lstStyle/>
+          <a:p>
+            <a:endParaRPr lang="en-US" dirty="0"/>
+          </a:p>
+        </p:txBody>
+      </p:sp>
+      <p:sp>
+        <p:nvSpPr>
+          <p:cNvPr id="3" name="Content Placeholder 2">
+            <a:extLst>
+              <a:ext uri="{FF2B5EF4-FFF2-40B4-BE49-F238E27FC236}">
+                <a16:creationId xmlns:a16="http://schemas.microsoft.com/office/drawing/2014/main" id="{CAE80E34-1510-4468-BF98-28AC62D722D4}"/>
+              </a:ext>
+            </a:extLst>
+          </p:cNvPr>
+          <p:cNvSpPr>
+            <a:spLocks noGrp="1"/>
+          </p:cNvSpPr>
+          <p:nvPr>
+            <p:ph idx="1"/>
+          </p:nvPr>
+        </p:nvSpPr>
+        <p:spPr/>
+        <p:txBody>
+          <a:bodyPr/>
+          <a:lstStyle/>
+          <a:p>
+            <a:endParaRPr lang="en-US"/>
+          </a:p>
+        </p:txBody>
+      </p:sp>
+      <p:sp>
+        <p:nvSpPr>
+          <p:cNvPr id="4" name="Footer Placeholder 3">
+            <a:extLst>
+              <a:ext uri="{FF2B5EF4-FFF2-40B4-BE49-F238E27FC236}">
+                <a16:creationId xmlns:a16="http://schemas.microsoft.com/office/drawing/2014/main" id="{5CDFF294-B3BE-47A6-BA04-616905313231}"/>
+              </a:ext>
+            </a:extLst>
+          </p:cNvPr>
+          <p:cNvSpPr>
+            <a:spLocks noGrp="1"/>
+          </p:cNvSpPr>
+          <p:nvPr>
+            <p:ph type="ftr" sz="quarter" idx="11"/>
+          </p:nvPr>
+        </p:nvSpPr>
+        <p:spPr/>
+        <p:txBody>
+          <a:bodyPr/>
+          <a:lstStyle/>
+          <a:p>
+            <a:r>
+              <a:rPr lang="en-US"/>
+              <a:t>Mike Nguyen</a:t>
+            </a:r>
+            <a:endParaRPr lang="en-US" dirty="0"/>
+          </a:p>
+        </p:txBody>
+      </p:sp>
+      <p:sp>
+        <p:nvSpPr>
+          <p:cNvPr id="5" name="Slide Number Placeholder 4">
+            <a:extLst>
+              <a:ext uri="{FF2B5EF4-FFF2-40B4-BE49-F238E27FC236}">
+                <a16:creationId xmlns:a16="http://schemas.microsoft.com/office/drawing/2014/main" id="{C07B6458-99E4-4C14-83CD-6FA1F050F13D}"/>
+              </a:ext>
+            </a:extLst>
+          </p:cNvPr>
+          <p:cNvSpPr>
+            <a:spLocks noGrp="1"/>
+          </p:cNvSpPr>
+          <p:nvPr>
+            <p:ph type="sldNum" sz="quarter" idx="12"/>
+          </p:nvPr>
+        </p:nvSpPr>
+        <p:spPr/>
+        <p:txBody>
+          <a:bodyPr/>
+          <a:lstStyle/>
+          <a:p>
+            <a:fld id="{A6AF1B4E-90EC-4A51-B6E5-B702C054ECB0}" type="slidenum">
+              <a:rPr lang="en-US" smtClean="0"/>
+              <a:t>22</a:t>
+            </a:fld>
+            <a:endParaRPr lang="en-US" dirty="0"/>
+          </a:p>
+        </p:txBody>
+      </p:sp>
+    </p:spTree>
+    <p:extLst>
+      <p:ext uri="{BB962C8B-B14F-4D97-AF65-F5344CB8AC3E}">
+        <p14:creationId xmlns:p14="http://schemas.microsoft.com/office/powerpoint/2010/main" val="2417500520"/>
+      </p:ext>
+    </p:extLst>
+  </p:cSld>
+  <p:clrMapOvr>
+    <a:masterClrMapping/>
+  </p:clrMapOvr>
+</p:sld>
+</file>
+
+<file path=ppt/slides/slide23.xml><?xml version="1.0" encoding="utf-8"?>
+<p:sld xmlns:a="http://schemas.openxmlformats.org/drawingml/2006/main" xmlns:r="http://schemas.openxmlformats.org/officeDocument/2006/relationships" xmlns:p="http://schemas.openxmlformats.org/presentationml/2006/main">
+  <p:cSld>
+    <p:spTree>
+      <p:nvGrpSpPr>
+        <p:cNvPr id="1" name=""/>
+        <p:cNvGrpSpPr/>
+        <p:nvPr/>
+      </p:nvGrpSpPr>
+      <p:grpSpPr>
+        <a:xfrm>
+          <a:off x="0" y="0"/>
+          <a:ext cx="0" cy="0"/>
+          <a:chOff x="0" y="0"/>
+          <a:chExt cx="0" cy="0"/>
+        </a:xfrm>
+      </p:grpSpPr>
+      <p:sp>
+        <p:nvSpPr>
+          <p:cNvPr id="2" name="Title 1">
+            <a:extLst>
+              <a:ext uri="{FF2B5EF4-FFF2-40B4-BE49-F238E27FC236}">
                 <a16:creationId xmlns:a16="http://schemas.microsoft.com/office/drawing/2014/main" id="{3D9BA234-56A6-49E2-9A15-2A406AB3A914}"/>
               </a:ext>
             </a:extLst>
@@ -18024,7 +18222,7 @@
 </p:sld>
 </file>
 
-<file path=ppt/slides/slide23.xml><?xml version="1.0" encoding="utf-8"?>
+<file path=ppt/slides/slide24.xml><?xml version="1.0" encoding="utf-8"?>
 <p:sld xmlns:a="http://schemas.openxmlformats.org/drawingml/2006/main" xmlns:r="http://schemas.openxmlformats.org/officeDocument/2006/relationships" xmlns:p="http://schemas.openxmlformats.org/presentationml/2006/main">
   <p:cSld>
     <p:bg>
@@ -18626,7 +18824,7 @@
                   <a:spcPts val="600"/>
                 </a:spcAft>
               </a:pPr>
-              <a:t>23</a:t>
+              <a:t>24</a:t>
             </a:fld>
             <a:endParaRPr lang="en-US"/>
           </a:p>
@@ -23615,6 +23813,15 @@
 </file>
 
 <file path=customXml/item1.xml><?xml version="1.0" encoding="utf-8"?>
+<?mso-contentType ?>
+<FormTemplates xmlns="http://schemas.microsoft.com/sharepoint/v3/contenttype/forms">
+  <Display>DocumentLibraryForm</Display>
+  <Edit>DocumentLibraryForm</Edit>
+  <New>DocumentLibraryForm</New>
+</FormTemplates>
+</file>
+
+<file path=customXml/item2.xml><?xml version="1.0" encoding="utf-8"?>
 <ct:contentTypeSchema xmlns:ct="http://schemas.microsoft.com/office/2006/metadata/contentType" xmlns:ma="http://schemas.microsoft.com/office/2006/metadata/properties/metaAttributes" ct:_="" ma:_="" ma:contentTypeName="Document" ma:contentTypeID="0x01010079F111ED35F8CC479449609E8A0923A6" ma:contentTypeVersion="11" ma:contentTypeDescription="Create a new document." ma:contentTypeScope="" ma:versionID="96291512c1ee715ab617f4c07df79fc1">
   <xsd:schema xmlns:xsd="http://www.w3.org/2001/XMLSchema" xmlns:xs="http://www.w3.org/2001/XMLSchema" xmlns:p="http://schemas.microsoft.com/office/2006/metadata/properties" xmlns:ns2="71af3243-3dd4-4a8d-8c0d-dd76da1f02a5" xmlns:ns3="16c05727-aa75-4e4a-9b5f-8a80a1165891" targetNamespace="http://schemas.microsoft.com/office/2006/metadata/properties" ma:root="true" ma:fieldsID="8256c27c40ca5c40ce1cf6c44f0205df" ns2:_="" ns3:_="">
     <xsd:import namespace="71af3243-3dd4-4a8d-8c0d-dd76da1f02a5"/>
@@ -23825,15 +24032,6 @@
 </ct:contentTypeSchema>
 </file>
 
-<file path=customXml/item2.xml><?xml version="1.0" encoding="utf-8"?>
-<?mso-contentType ?>
-<FormTemplates xmlns="http://schemas.microsoft.com/sharepoint/v3/contenttype/forms">
-  <Display>DocumentLibraryForm</Display>
-  <Edit>DocumentLibraryForm</Edit>
-  <New>DocumentLibraryForm</New>
-</FormTemplates>
-</file>
-
 <file path=customXml/item3.xml><?xml version="1.0" encoding="utf-8"?>
 <p:properties xmlns:p="http://schemas.microsoft.com/office/2006/metadata/properties" xmlns:xsi="http://www.w3.org/2001/XMLSchema-instance" xmlns:pc="http://schemas.microsoft.com/office/infopath/2007/PartnerControls">
   <documentManagement>
@@ -23843,6 +24041,14 @@
 </file>
 
 <file path=customXml/itemProps1.xml><?xml version="1.0" encoding="utf-8"?>
+<ds:datastoreItem xmlns:ds="http://schemas.openxmlformats.org/officeDocument/2006/customXml" ds:itemID="{5CA875DA-F9FD-4F83-A049-3B1027B542DE}">
+  <ds:schemaRefs>
+    <ds:schemaRef ds:uri="http://schemas.microsoft.com/sharepoint/v3/contenttype/forms"/>
+  </ds:schemaRefs>
+</ds:datastoreItem>
+</file>
+
+<file path=customXml/itemProps2.xml><?xml version="1.0" encoding="utf-8"?>
 <ds:datastoreItem xmlns:ds="http://schemas.openxmlformats.org/officeDocument/2006/customXml" ds:itemID="{B2AB02E3-5ADF-4BF0-9C1B-35CDF3FE95B0}">
   <ds:schemaRefs>
     <ds:schemaRef ds:uri="http://schemas.microsoft.com/office/2006/metadata/contentType"/>
@@ -23861,14 +24067,6 @@
 </ds:datastoreItem>
 </file>
 
-<file path=customXml/itemProps2.xml><?xml version="1.0" encoding="utf-8"?>
-<ds:datastoreItem xmlns:ds="http://schemas.openxmlformats.org/officeDocument/2006/customXml" ds:itemID="{5CA875DA-F9FD-4F83-A049-3B1027B542DE}">
-  <ds:schemaRefs>
-    <ds:schemaRef ds:uri="http://schemas.microsoft.com/sharepoint/v3/contenttype/forms"/>
-  </ds:schemaRefs>
-</ds:datastoreItem>
-</file>
-
 <file path=customXml/itemProps3.xml><?xml version="1.0" encoding="utf-8"?>
 <ds:datastoreItem xmlns:ds="http://schemas.openxmlformats.org/officeDocument/2006/customXml" ds:itemID="{03C7D9E6-B0D9-433E-BD46-EB60F64F4DA8}">
   <ds:schemaRefs>

--- a/lectures/14/2_Review.pptx
+++ b/lectures/14/2_Review.pptx
@@ -6,36 +6,37 @@
     <p:sldMasterId id="2147483660" r:id="rId5"/>
   </p:sldMasterIdLst>
   <p:notesMasterIdLst>
-    <p:notesMasterId r:id="rId30"/>
+    <p:notesMasterId r:id="rId31"/>
   </p:notesMasterIdLst>
   <p:handoutMasterIdLst>
-    <p:handoutMasterId r:id="rId31"/>
+    <p:handoutMasterId r:id="rId32"/>
   </p:handoutMasterIdLst>
   <p:sldIdLst>
     <p:sldId id="256" r:id="rId6"/>
     <p:sldId id="312" r:id="rId7"/>
-    <p:sldId id="266" r:id="rId8"/>
-    <p:sldId id="257" r:id="rId9"/>
-    <p:sldId id="263" r:id="rId10"/>
-    <p:sldId id="265" r:id="rId11"/>
-    <p:sldId id="314" r:id="rId12"/>
-    <p:sldId id="267" r:id="rId13"/>
-    <p:sldId id="268" r:id="rId14"/>
-    <p:sldId id="269" r:id="rId15"/>
-    <p:sldId id="281" r:id="rId16"/>
-    <p:sldId id="316" r:id="rId17"/>
-    <p:sldId id="299" r:id="rId18"/>
-    <p:sldId id="317" r:id="rId19"/>
-    <p:sldId id="300" r:id="rId20"/>
-    <p:sldId id="261" r:id="rId21"/>
-    <p:sldId id="323" r:id="rId22"/>
-    <p:sldId id="318" r:id="rId23"/>
-    <p:sldId id="313" r:id="rId24"/>
-    <p:sldId id="319" r:id="rId25"/>
-    <p:sldId id="320" r:id="rId26"/>
-    <p:sldId id="321" r:id="rId27"/>
-    <p:sldId id="322" r:id="rId28"/>
-    <p:sldId id="315" r:id="rId29"/>
+    <p:sldId id="324" r:id="rId8"/>
+    <p:sldId id="266" r:id="rId9"/>
+    <p:sldId id="257" r:id="rId10"/>
+    <p:sldId id="263" r:id="rId11"/>
+    <p:sldId id="265" r:id="rId12"/>
+    <p:sldId id="314" r:id="rId13"/>
+    <p:sldId id="267" r:id="rId14"/>
+    <p:sldId id="268" r:id="rId15"/>
+    <p:sldId id="269" r:id="rId16"/>
+    <p:sldId id="281" r:id="rId17"/>
+    <p:sldId id="316" r:id="rId18"/>
+    <p:sldId id="299" r:id="rId19"/>
+    <p:sldId id="317" r:id="rId20"/>
+    <p:sldId id="300" r:id="rId21"/>
+    <p:sldId id="261" r:id="rId22"/>
+    <p:sldId id="323" r:id="rId23"/>
+    <p:sldId id="318" r:id="rId24"/>
+    <p:sldId id="313" r:id="rId25"/>
+    <p:sldId id="319" r:id="rId26"/>
+    <p:sldId id="320" r:id="rId27"/>
+    <p:sldId id="321" r:id="rId28"/>
+    <p:sldId id="322" r:id="rId29"/>
+    <p:sldId id="315" r:id="rId30"/>
   </p:sldIdLst>
   <p:sldSz cx="12192000" cy="6858000"/>
   <p:notesSz cx="6858000" cy="9144000"/>
@@ -3227,7 +3228,7 @@
           <a:p>
             <a:fld id="{73B2889B-A0AC-4482-8592-5C96F2309420}" type="datetimeFigureOut">
               <a:rPr lang="en-US" smtClean="0"/>
-              <a:t>11/7/2021</a:t>
+              <a:t>11/28/2021</a:t>
             </a:fld>
             <a:endParaRPr lang="en-US"/>
           </a:p>
@@ -3404,7 +3405,7 @@
           <a:p>
             <a:fld id="{830EB223-FFC0-462A-A3B8-EAA7CE0F8CBD}" type="datetimeFigureOut">
               <a:rPr lang="en-US" smtClean="0"/>
-              <a:t>11/7/2021</a:t>
+              <a:t>11/28/2021</a:t>
             </a:fld>
             <a:endParaRPr lang="en-US" dirty="0"/>
           </a:p>
@@ -3717,26 +3718,79 @@
           <a:p>
             <a:r>
               <a:rPr lang="en-US" dirty="0"/>
+              <a:t>In our last survey, you indicate that you prefer more questions with each question worth less points. </a:t>
+            </a:r>
+          </a:p>
+          <a:p>
+            <a:r>
+              <a:rPr lang="en-US" dirty="0"/>
+              <a:t>Since you ask and I answer. Now we have 36 questions in total of 200 points with 3 extra credit questions in 75 mins. </a:t>
+            </a:r>
+          </a:p>
+          <a:p>
+            <a:endParaRPr lang="en-US" dirty="0"/>
+          </a:p>
+          <a:p>
+            <a:r>
+              <a:rPr lang="en-US" dirty="0"/>
+              <a:t>Average of 6 points per question, and still over 200 points. </a:t>
+            </a:r>
+          </a:p>
+          <a:p>
+            <a:endParaRPr lang="en-US" dirty="0"/>
+          </a:p>
+          <a:p>
+            <a:r>
+              <a:rPr lang="en-US" dirty="0"/>
+              <a:t>The average time for the last exam was 38 minutes for 25 questions. (about 1.5 minute per question)</a:t>
+            </a:r>
+            <a:br>
+              <a:rPr lang="en-US" dirty="0"/>
+            </a:br>
+            <a:r>
+              <a:rPr lang="en-US" dirty="0"/>
+              <a:t>For this one we will have 35 questions, and if it takes you the same amount of time, then it should take you guys about 50 minutes to finish the second exam. </a:t>
+            </a:r>
+          </a:p>
+          <a:p>
+            <a:endParaRPr lang="en-US" dirty="0"/>
+          </a:p>
+          <a:p>
+            <a:r>
+              <a:rPr lang="en-US" dirty="0"/>
+              <a:t>Again,</a:t>
+            </a:r>
+          </a:p>
+          <a:p>
+            <a:r>
+              <a:rPr lang="en-US" dirty="0"/>
               <a:t>You can either take it wherever you want. However, I strongly encourage you to come to class with your laptop to take the exam. I will be in class to answers any questions if you have during the exam. But I can’t answer it if you are elsewhere, so keep it in minds. </a:t>
             </a:r>
           </a:p>
           <a:p>
             <a:r>
               <a:rPr lang="en-US" dirty="0"/>
-              <a:t>It will be open from 7: 55 AM to 9:30 AM on </a:t>
-            </a:r>
-            <a:r>
-              <a:rPr lang="en-US"/>
-              <a:t>December 6</a:t>
-            </a:r>
-            <a:r>
-              <a:rPr lang="en-US" baseline="30000"/>
+              <a:t>It will be open from 7: 55 AM to 9:30 AM on December 6</a:t>
+            </a:r>
+            <a:r>
+              <a:rPr lang="en-US" baseline="30000" dirty="0"/>
               <a:t>th</a:t>
             </a:r>
             <a:r>
-              <a:rPr lang="en-US"/>
+              <a:rPr lang="en-US" dirty="0"/>
               <a:t>. </a:t>
             </a:r>
+          </a:p>
+          <a:p>
+            <a:r>
+              <a:rPr lang="en-US" dirty="0"/>
+              <a:t>Is there any questions?</a:t>
+            </a:r>
+          </a:p>
+          <a:p>
+            <a:endParaRPr lang="en-US" dirty="0"/>
+          </a:p>
+          <a:p>
             <a:endParaRPr lang="en-US" dirty="0"/>
           </a:p>
         </p:txBody>
@@ -3823,15 +3877,23 @@
           <a:p>
             <a:r>
               <a:rPr lang="en-US" dirty="0"/>
-              <a:t>Go to </a:t>
-            </a:r>
-            <a:r>
-              <a:rPr lang="en-US" dirty="0" err="1"/>
-              <a:t>Rscript</a:t>
-            </a:r>
-            <a:r>
+              <a:t>Before we get to the t-test, we have to know whether the two samples’ variances are equal. </a:t>
+            </a:r>
+            <a:br>
               <a:rPr lang="en-US" dirty="0"/>
-              <a:t> first, then excel</a:t>
+            </a:br>
+            <a:r>
+              <a:rPr lang="en-US" dirty="0"/>
+              <a:t>Hence, we can use the F-test for 2 variances to figure this out. </a:t>
+            </a:r>
+          </a:p>
+          <a:p>
+            <a:endParaRPr lang="en-US" dirty="0"/>
+          </a:p>
+          <a:p>
+            <a:r>
+              <a:rPr lang="en-US" dirty="0"/>
+              <a:t>The null … </a:t>
             </a:r>
           </a:p>
         </p:txBody>
@@ -3853,7 +3915,103 @@
           <a:p>
             <a:fld id="{BC849E9A-41F7-4779-A581-48A7C374A227}" type="slidenum">
               <a:rPr lang="en-US" smtClean="0"/>
-              <a:t>15</a:t>
+              <a:t>14</a:t>
+            </a:fld>
+            <a:endParaRPr lang="en-US" dirty="0"/>
+          </a:p>
+        </p:txBody>
+      </p:sp>
+    </p:spTree>
+    <p:extLst>
+      <p:ext uri="{BB962C8B-B14F-4D97-AF65-F5344CB8AC3E}">
+        <p14:creationId xmlns:p14="http://schemas.microsoft.com/office/powerpoint/2010/main" val="2434928511"/>
+      </p:ext>
+    </p:extLst>
+  </p:cSld>
+  <p:clrMapOvr>
+    <a:masterClrMapping/>
+  </p:clrMapOvr>
+</p:notes>
+</file>
+
+<file path=ppt/notesSlides/notesSlide11.xml><?xml version="1.0" encoding="utf-8"?>
+<p:notes xmlns:a="http://schemas.openxmlformats.org/drawingml/2006/main" xmlns:r="http://schemas.openxmlformats.org/officeDocument/2006/relationships" xmlns:p="http://schemas.openxmlformats.org/presentationml/2006/main">
+  <p:cSld>
+    <p:spTree>
+      <p:nvGrpSpPr>
+        <p:cNvPr id="1" name=""/>
+        <p:cNvGrpSpPr/>
+        <p:nvPr/>
+      </p:nvGrpSpPr>
+      <p:grpSpPr>
+        <a:xfrm>
+          <a:off x="0" y="0"/>
+          <a:ext cx="0" cy="0"/>
+          <a:chOff x="0" y="0"/>
+          <a:chExt cx="0" cy="0"/>
+        </a:xfrm>
+      </p:grpSpPr>
+      <p:sp>
+        <p:nvSpPr>
+          <p:cNvPr id="2" name="Slide Image Placeholder 1"/>
+          <p:cNvSpPr>
+            <a:spLocks noGrp="1" noRot="1" noChangeAspect="1"/>
+          </p:cNvSpPr>
+          <p:nvPr>
+            <p:ph type="sldImg"/>
+          </p:nvPr>
+        </p:nvSpPr>
+        <p:spPr/>
+      </p:sp>
+      <p:sp>
+        <p:nvSpPr>
+          <p:cNvPr id="3" name="Notes Placeholder 2"/>
+          <p:cNvSpPr>
+            <a:spLocks noGrp="1"/>
+          </p:cNvSpPr>
+          <p:nvPr>
+            <p:ph type="body" idx="1"/>
+          </p:nvPr>
+        </p:nvSpPr>
+        <p:spPr/>
+        <p:txBody>
+          <a:bodyPr/>
+          <a:lstStyle/>
+          <a:p>
+            <a:r>
+              <a:rPr lang="en-US" dirty="0"/>
+              <a:t>Stop here for </a:t>
+            </a:r>
+            <a:r>
+              <a:rPr lang="en-US"/>
+              <a:t>Monday clas</a:t>
+            </a:r>
+            <a:r>
+              <a:rPr lang="en-US" dirty="0"/>
+              <a:t>s</a:t>
+            </a:r>
+            <a:endParaRPr lang="en-US"/>
+          </a:p>
+        </p:txBody>
+      </p:sp>
+      <p:sp>
+        <p:nvSpPr>
+          <p:cNvPr id="4" name="Slide Number Placeholder 3"/>
+          <p:cNvSpPr>
+            <a:spLocks noGrp="1"/>
+          </p:cNvSpPr>
+          <p:nvPr>
+            <p:ph type="sldNum" sz="quarter" idx="5"/>
+          </p:nvPr>
+        </p:nvSpPr>
+        <p:spPr/>
+        <p:txBody>
+          <a:bodyPr/>
+          <a:lstStyle/>
+          <a:p>
+            <a:fld id="{BC849E9A-41F7-4779-A581-48A7C374A227}" type="slidenum">
+              <a:rPr lang="en-US" smtClean="0"/>
+              <a:t>16</a:t>
             </a:fld>
             <a:endParaRPr lang="en-US" dirty="0"/>
           </a:p>
@@ -3872,7 +4030,7 @@
 </p:notes>
 </file>
 
-<file path=ppt/notesSlides/notesSlide11.xml><?xml version="1.0" encoding="utf-8"?>
+<file path=ppt/notesSlides/notesSlide12.xml><?xml version="1.0" encoding="utf-8"?>
 <p:notes xmlns:a="http://schemas.openxmlformats.org/drawingml/2006/main" xmlns:r="http://schemas.openxmlformats.org/officeDocument/2006/relationships" xmlns:p="http://schemas.openxmlformats.org/presentationml/2006/main">
   <p:cSld>
     <p:spTree>
@@ -4047,7 +4205,7 @@
                 <a:tabLst/>
                 <a:defRPr/>
               </a:pPr>
-              <a:t>16</a:t>
+              <a:t>17</a:t>
             </a:fld>
             <a:endParaRPr kumimoji="0" lang="en-US" sz="1200" b="0" i="0" u="none" strike="noStrike" kern="1200" cap="none" spc="0" normalizeH="0" baseline="0" noProof="0" dirty="0">
               <a:ln>
@@ -4079,7 +4237,7 @@
 </p:notes>
 </file>
 
-<file path=ppt/notesSlides/notesSlide12.xml><?xml version="1.0" encoding="utf-8"?>
+<file path=ppt/notesSlides/notesSlide13.xml><?xml version="1.0" encoding="utf-8"?>
 <p:notes xmlns:a="http://schemas.openxmlformats.org/drawingml/2006/main" xmlns:r="http://schemas.openxmlformats.org/officeDocument/2006/relationships" xmlns:p="http://schemas.openxmlformats.org/presentationml/2006/main">
   <p:cSld>
     <p:spTree>
@@ -4150,7 +4308,7 @@
           <a:p>
             <a:fld id="{BC849E9A-41F7-4779-A581-48A7C374A227}" type="slidenum">
               <a:rPr lang="en-US" smtClean="0"/>
-              <a:t>19</a:t>
+              <a:t>20</a:t>
             </a:fld>
             <a:endParaRPr lang="en-US" dirty="0"/>
           </a:p>
@@ -4215,7 +4373,7 @@
           <a:p>
             <a:r>
               <a:rPr lang="en-US" dirty="0"/>
-              <a:t>These are measure of central tendency, which we covered already but I just want to remind you the definition. </a:t>
+              <a:t>These are measures of central tendency, which we already covered but I just want to remind you the definition. </a:t>
             </a:r>
           </a:p>
           <a:p>
@@ -4271,7 +4429,7 @@
           <a:p>
             <a:fld id="{BC849E9A-41F7-4779-A581-48A7C374A227}" type="slidenum">
               <a:rPr lang="en-US" smtClean="0"/>
-              <a:t>3</a:t>
+              <a:t>4</a:t>
             </a:fld>
             <a:endParaRPr lang="en-US" dirty="0"/>
           </a:p>
@@ -4336,21 +4494,16 @@
           <a:p>
             <a:r>
               <a:rPr lang="en-US" dirty="0"/>
-              <a:t>For difference </a:t>
-            </a:r>
-            <a:r>
-              <a:rPr lang="en-US" dirty="0" err="1"/>
-              <a:t>RQ</a:t>
-            </a:r>
+              <a:t>This slide reviews the level of measurement </a:t>
+            </a:r>
+          </a:p>
+          <a:p>
+            <a:endParaRPr lang="en-US" dirty="0"/>
+          </a:p>
+          <a:p>
             <a:r>
               <a:rPr lang="en-US" dirty="0"/>
-              <a:t>, you will choose the analysis method based on your analysis variable's level of measurement </a:t>
-            </a:r>
-          </a:p>
-          <a:p>
-            <a:r>
-              <a:rPr lang="en-US" dirty="0"/>
-              <a:t>The principle is to use the most succinct way to summarize the data </a:t>
+              <a:t>Talk about the table</a:t>
             </a:r>
           </a:p>
           <a:p>
@@ -4364,6 +4517,12 @@
           </a:p>
           <a:p>
             <a:endParaRPr lang="en-US" dirty="0"/>
+          </a:p>
+          <a:p>
+            <a:r>
+              <a:rPr lang="en-US" dirty="0"/>
+              <a:t>The only thing that we didn’t cover from this table is the two-way Chi-squared in which case you have both your analysis and difference variables as categorical</a:t>
+            </a:r>
           </a:p>
         </p:txBody>
       </p:sp>
@@ -4384,7 +4543,7 @@
           <a:p>
             <a:fld id="{BC849E9A-41F7-4779-A581-48A7C374A227}" type="slidenum">
               <a:rPr lang="en-US" smtClean="0"/>
-              <a:t>4</a:t>
+              <a:t>5</a:t>
             </a:fld>
             <a:endParaRPr lang="en-US" dirty="0"/>
           </a:p>
@@ -4449,29 +4608,17 @@
           <a:p>
             <a:r>
               <a:rPr lang="en-US" dirty="0"/>
-              <a:t>this is study of statistics. Formally, statistical inference is a set of …  </a:t>
+              <a:t>I also want to remind what statistical inference is </a:t>
+            </a:r>
+          </a:p>
+          <a:p>
+            <a:r>
+              <a:rPr lang="en-US" dirty="0"/>
+              <a:t>It’s a set of procedures in which the … </a:t>
             </a:r>
           </a:p>
           <a:p>
             <a:endParaRPr lang="en-US" dirty="0"/>
-          </a:p>
-          <a:p>
-            <a:r>
-              <a:rPr lang="en-US" dirty="0"/>
-              <a:t>In this preliminary class, we can only cover so much. Hence, we have sample average and standard deviation. There are more sample statistics beyond these two, such as proportion. </a:t>
-            </a:r>
-          </a:p>
-          <a:p>
-            <a:endParaRPr lang="en-US" dirty="0"/>
-          </a:p>
-          <a:p>
-            <a:endParaRPr lang="en-US" dirty="0"/>
-          </a:p>
-          <a:p>
-            <a:r>
-              <a:rPr lang="en-US" dirty="0"/>
-              <a:t>Talk about the example </a:t>
-            </a:r>
           </a:p>
           <a:p>
             <a:endParaRPr lang="en-US" dirty="0"/>
@@ -4495,7 +4642,7 @@
           <a:p>
             <a:fld id="{BC849E9A-41F7-4779-A581-48A7C374A227}" type="slidenum">
               <a:rPr lang="en-US" smtClean="0"/>
-              <a:t>5</a:t>
+              <a:t>6</a:t>
             </a:fld>
             <a:endParaRPr lang="en-US" dirty="0"/>
           </a:p>
@@ -4566,7 +4713,7 @@
           <a:p>
             <a:r>
               <a:rPr lang="en-US" dirty="0"/>
-              <a:t>As mentioned in the last slide, mean is used for continuous variables, while proportion is used for categorial variables </a:t>
+              <a:t>Mean is used for continuous variables, while proportion is used for categorial variables </a:t>
             </a:r>
           </a:p>
           <a:p>
@@ -4574,434 +4721,6 @@
               <a:rPr lang="en-US" dirty="0"/>
               <a:t>You need to be careful to choose the type of descriptive statistics that you want to report. </a:t>
             </a:r>
-          </a:p>
-          <a:p>
-            <a:endParaRPr lang="en-US" dirty="0"/>
-          </a:p>
-          <a:p>
-            <a:r>
-              <a:rPr lang="en-US" dirty="0"/>
-              <a:t>After you have your formula, you also have to decide at what level of confidence do you want to calculate </a:t>
-            </a:r>
-          </a:p>
-          <a:p>
-            <a:r>
-              <a:rPr lang="en-US" dirty="0"/>
-              <a:t>I think most of you have seen this table of translation between confidence and critical value of Z, or t</a:t>
-            </a:r>
-          </a:p>
-          <a:p>
-            <a:r>
-              <a:rPr lang="en-US" dirty="0"/>
-              <a:t>Because t with large sample resemble z distribution </a:t>
-            </a:r>
-          </a:p>
-          <a:p>
-            <a:r>
-              <a:rPr lang="en-US" dirty="0"/>
-              <a:t>In this sense, we might use the two interchangeably in some cases. But you should know the difference </a:t>
-            </a:r>
-          </a:p>
-          <a:p>
-            <a:endParaRPr lang="en-US" dirty="0"/>
-          </a:p>
-          <a:p>
-            <a:r>
-              <a:rPr lang="en-US" dirty="0"/>
-              <a:t>We will go into examples in excel. (confidence interval file) and also the excel help sheet</a:t>
-            </a:r>
-          </a:p>
-          <a:p>
-            <a:r>
-              <a:rPr lang="en-US" dirty="0"/>
-              <a:t>And also in R</a:t>
-            </a:r>
-          </a:p>
-          <a:p>
-            <a:endParaRPr lang="en-US" dirty="0"/>
-          </a:p>
-          <a:p>
-            <a:r>
-              <a:rPr lang="en-US" dirty="0"/>
-              <a:t>https://rstudio.cloud/project/2980145</a:t>
-            </a:r>
-          </a:p>
-          <a:p>
-            <a:endParaRPr lang="en-US" dirty="0"/>
-          </a:p>
-          <a:p>
-            <a:endParaRPr lang="en-US" dirty="0"/>
-          </a:p>
-          <a:p>
-            <a:endParaRPr lang="en-US" dirty="0"/>
-          </a:p>
-        </p:txBody>
-      </p:sp>
-      <p:sp>
-        <p:nvSpPr>
-          <p:cNvPr id="4" name="Slide Number Placeholder 3"/>
-          <p:cNvSpPr>
-            <a:spLocks noGrp="1"/>
-          </p:cNvSpPr>
-          <p:nvPr>
-            <p:ph type="sldNum" sz="quarter" idx="5"/>
-          </p:nvPr>
-        </p:nvSpPr>
-        <p:spPr/>
-        <p:txBody>
-          <a:bodyPr/>
-          <a:lstStyle/>
-          <a:p>
-            <a:pPr marL="0" marR="0" lvl="0" indent="0" algn="r" defTabSz="914400" rtl="0" eaLnBrk="1" fontAlgn="auto" latinLnBrk="0" hangingPunct="1">
-              <a:lnSpc>
-                <a:spcPct val="100000"/>
-              </a:lnSpc>
-              <a:spcBef>
-                <a:spcPts val="0"/>
-              </a:spcBef>
-              <a:spcAft>
-                <a:spcPts val="0"/>
-              </a:spcAft>
-              <a:buClrTx/>
-              <a:buSzTx/>
-              <a:buFontTx/>
-              <a:buNone/>
-              <a:tabLst/>
-              <a:defRPr/>
-            </a:pPr>
-            <a:fld id="{BC849E9A-41F7-4779-A581-48A7C374A227}" type="slidenum">
-              <a:rPr kumimoji="0" lang="en-US" sz="1200" b="0" i="0" u="none" strike="noStrike" kern="1200" cap="none" spc="0" normalizeH="0" baseline="0" noProof="0" smtClean="0">
-                <a:ln>
-                  <a:noFill/>
-                </a:ln>
-                <a:solidFill>
-                  <a:prstClr val="black"/>
-                </a:solidFill>
-                <a:effectLst/>
-                <a:uLnTx/>
-                <a:uFillTx/>
-                <a:latin typeface="Calibri" panose="020F0502020204030204"/>
-                <a:ea typeface="+mn-ea"/>
-                <a:cs typeface="+mn-cs"/>
-              </a:rPr>
-              <a:pPr marL="0" marR="0" lvl="0" indent="0" algn="r" defTabSz="914400" rtl="0" eaLnBrk="1" fontAlgn="auto" latinLnBrk="0" hangingPunct="1">
-                <a:lnSpc>
-                  <a:spcPct val="100000"/>
-                </a:lnSpc>
-                <a:spcBef>
-                  <a:spcPts val="0"/>
-                </a:spcBef>
-                <a:spcAft>
-                  <a:spcPts val="0"/>
-                </a:spcAft>
-                <a:buClrTx/>
-                <a:buSzTx/>
-                <a:buFontTx/>
-                <a:buNone/>
-                <a:tabLst/>
-                <a:defRPr/>
-              </a:pPr>
-              <a:t>6</a:t>
-            </a:fld>
-            <a:endParaRPr kumimoji="0" lang="en-US" sz="1200" b="0" i="0" u="none" strike="noStrike" kern="1200" cap="none" spc="0" normalizeH="0" baseline="0" noProof="0" dirty="0">
-              <a:ln>
-                <a:noFill/>
-              </a:ln>
-              <a:solidFill>
-                <a:prstClr val="black"/>
-              </a:solidFill>
-              <a:effectLst/>
-              <a:uLnTx/>
-              <a:uFillTx/>
-              <a:latin typeface="Calibri" panose="020F0502020204030204"/>
-              <a:ea typeface="+mn-ea"/>
-              <a:cs typeface="+mn-cs"/>
-            </a:endParaRPr>
-          </a:p>
-        </p:txBody>
-      </p:sp>
-    </p:spTree>
-    <p:extLst>
-      <p:ext uri="{BB962C8B-B14F-4D97-AF65-F5344CB8AC3E}">
-        <p14:creationId xmlns:p14="http://schemas.microsoft.com/office/powerpoint/2010/main" val="4109315189"/>
-      </p:ext>
-    </p:extLst>
-  </p:cSld>
-  <p:clrMapOvr>
-    <a:masterClrMapping/>
-  </p:clrMapOvr>
-</p:notes>
-</file>
-
-<file path=ppt/notesSlides/notesSlide6.xml><?xml version="1.0" encoding="utf-8"?>
-<p:notes xmlns:a="http://schemas.openxmlformats.org/drawingml/2006/main" xmlns:r="http://schemas.openxmlformats.org/officeDocument/2006/relationships" xmlns:p="http://schemas.openxmlformats.org/presentationml/2006/main">
-  <p:cSld>
-    <p:spTree>
-      <p:nvGrpSpPr>
-        <p:cNvPr id="1" name=""/>
-        <p:cNvGrpSpPr/>
-        <p:nvPr/>
-      </p:nvGrpSpPr>
-      <p:grpSpPr>
-        <a:xfrm>
-          <a:off x="0" y="0"/>
-          <a:ext cx="0" cy="0"/>
-          <a:chOff x="0" y="0"/>
-          <a:chExt cx="0" cy="0"/>
-        </a:xfrm>
-      </p:grpSpPr>
-      <p:sp>
-        <p:nvSpPr>
-          <p:cNvPr id="2" name="Slide Image Placeholder 1"/>
-          <p:cNvSpPr>
-            <a:spLocks noGrp="1" noRot="1" noChangeAspect="1"/>
-          </p:cNvSpPr>
-          <p:nvPr>
-            <p:ph type="sldImg"/>
-          </p:nvPr>
-        </p:nvSpPr>
-        <p:spPr/>
-      </p:sp>
-      <p:sp>
-        <p:nvSpPr>
-          <p:cNvPr id="3" name="Notes Placeholder 2"/>
-          <p:cNvSpPr>
-            <a:spLocks noGrp="1"/>
-          </p:cNvSpPr>
-          <p:nvPr>
-            <p:ph type="body" idx="1"/>
-          </p:nvPr>
-        </p:nvSpPr>
-        <p:spPr/>
-        <p:txBody>
-          <a:bodyPr/>
-          <a:lstStyle/>
-          <a:p>
-            <a:pPr marL="0" lvl="0" indent="0" algn="l" rtl="0">
-              <a:spcBef>
-                <a:spcPts val="0"/>
-              </a:spcBef>
-              <a:spcAft>
-                <a:spcPts val="0"/>
-              </a:spcAft>
-              <a:buSzPts val="1100"/>
-              <a:buNone/>
-            </a:pPr>
-            <a:r>
-              <a:rPr lang="en-US" sz="1200" b="1" dirty="0"/>
-              <a:t>Formula:</a:t>
-            </a:r>
-          </a:p>
-          <a:p>
-            <a:pPr marL="0" lvl="0" indent="0" algn="l" rtl="0">
-              <a:spcBef>
-                <a:spcPts val="0"/>
-              </a:spcBef>
-              <a:spcAft>
-                <a:spcPts val="0"/>
-              </a:spcAft>
-              <a:buSzPts val="1100"/>
-              <a:buNone/>
-            </a:pPr>
-            <a:r>
-              <a:rPr lang="en-US" sz="1200" dirty="0"/>
-              <a:t>For percentage, p + t*SE, p – t*SE</a:t>
-            </a:r>
-          </a:p>
-          <a:p>
-            <a:pPr marL="0" lvl="0" indent="0" algn="l" rtl="0">
-              <a:spcBef>
-                <a:spcPts val="0"/>
-              </a:spcBef>
-              <a:spcAft>
-                <a:spcPts val="0"/>
-              </a:spcAft>
-              <a:buSzPts val="1100"/>
-              <a:buNone/>
-            </a:pPr>
-            <a:r>
-              <a:rPr lang="en-US" sz="1200" dirty="0"/>
-              <a:t>For mean, </a:t>
-            </a:r>
-            <a:r>
-              <a:rPr lang="en-US" sz="1200" dirty="0" err="1"/>
-              <a:t>xbar</a:t>
-            </a:r>
-            <a:r>
-              <a:rPr lang="en-US" sz="1200" dirty="0"/>
-              <a:t> + t*SE, </a:t>
-            </a:r>
-            <a:r>
-              <a:rPr lang="en-US" sz="1200" dirty="0" err="1"/>
-              <a:t>xbar</a:t>
-            </a:r>
-            <a:r>
-              <a:rPr lang="en-US" sz="1200" dirty="0"/>
-              <a:t> – t*SE</a:t>
-            </a:r>
-          </a:p>
-          <a:p>
-            <a:pPr marL="0" lvl="0" indent="0" algn="l" rtl="0">
-              <a:spcBef>
-                <a:spcPts val="0"/>
-              </a:spcBef>
-              <a:spcAft>
-                <a:spcPts val="0"/>
-              </a:spcAft>
-              <a:buSzPts val="1100"/>
-              <a:buNone/>
-            </a:pPr>
-            <a:r>
-              <a:rPr lang="en-US" sz="1200" dirty="0"/>
-              <a:t>p is the sample percent. </a:t>
-            </a:r>
-            <a:r>
-              <a:rPr lang="en-US" sz="1200" dirty="0" err="1"/>
-              <a:t>xbar</a:t>
-            </a:r>
-            <a:r>
-              <a:rPr lang="en-US" sz="1200" dirty="0"/>
-              <a:t> is the sample mean. </a:t>
-            </a:r>
-          </a:p>
-          <a:p>
-            <a:pPr marL="0" lvl="0" indent="0" algn="l" rtl="0">
-              <a:spcBef>
-                <a:spcPts val="0"/>
-              </a:spcBef>
-              <a:spcAft>
-                <a:spcPts val="0"/>
-              </a:spcAft>
-              <a:buSzPts val="1100"/>
-              <a:buNone/>
-            </a:pPr>
-            <a:endParaRPr lang="en-US" sz="1200" dirty="0"/>
-          </a:p>
-          <a:p>
-            <a:pPr marL="0" lvl="0" indent="0" algn="l" rtl="0">
-              <a:spcBef>
-                <a:spcPts val="0"/>
-              </a:spcBef>
-              <a:spcAft>
-                <a:spcPts val="0"/>
-              </a:spcAft>
-              <a:buSzPts val="1100"/>
-              <a:buNone/>
-            </a:pPr>
-            <a:r>
-              <a:rPr lang="en-US" sz="1200" b="1" dirty="0"/>
-              <a:t>SE: standard error</a:t>
-            </a:r>
-          </a:p>
-          <a:p>
-            <a:pPr marL="0" lvl="0" indent="0" algn="l" rtl="0">
-              <a:spcBef>
-                <a:spcPts val="0"/>
-              </a:spcBef>
-              <a:spcAft>
-                <a:spcPts val="0"/>
-              </a:spcAft>
-              <a:buSzPts val="1100"/>
-              <a:buNone/>
-            </a:pPr>
-            <a:r>
-              <a:rPr lang="en-US" sz="1200" dirty="0"/>
-              <a:t>For percentage: square root (p*q/n)   note: p = 1-q </a:t>
-            </a:r>
-          </a:p>
-          <a:p>
-            <a:pPr marL="0" lvl="0" indent="0" algn="l" rtl="0">
-              <a:spcBef>
-                <a:spcPts val="0"/>
-              </a:spcBef>
-              <a:spcAft>
-                <a:spcPts val="0"/>
-              </a:spcAft>
-              <a:buSzPts val="1100"/>
-              <a:buNone/>
-            </a:pPr>
-            <a:r>
-              <a:rPr lang="en-US" sz="1200" dirty="0"/>
-              <a:t>For mean: SD/square root(n)  note: SD is standard deviation</a:t>
-            </a:r>
-          </a:p>
-          <a:p>
-            <a:pPr marL="0" lvl="0" indent="0" algn="l" rtl="0">
-              <a:spcBef>
-                <a:spcPts val="0"/>
-              </a:spcBef>
-              <a:spcAft>
-                <a:spcPts val="0"/>
-              </a:spcAft>
-              <a:buSzPts val="1100"/>
-              <a:buNone/>
-            </a:pPr>
-            <a:endParaRPr lang="en-US" sz="1200" dirty="0"/>
-          </a:p>
-          <a:p>
-            <a:pPr marL="0" lvl="0" indent="0" algn="l" rtl="0">
-              <a:spcBef>
-                <a:spcPts val="0"/>
-              </a:spcBef>
-              <a:spcAft>
-                <a:spcPts val="0"/>
-              </a:spcAft>
-              <a:buSzPts val="1100"/>
-              <a:buNone/>
-            </a:pPr>
-            <a:r>
-              <a:rPr lang="en-US" sz="1200" b="1" dirty="0"/>
-              <a:t>t value @ difference confidence level:</a:t>
-            </a:r>
-            <a:r>
-              <a:rPr lang="en-US" sz="1200" dirty="0"/>
-              <a:t>  @90%: 1.65  @95%: 1.96  @99%: 2.58</a:t>
-            </a:r>
-          </a:p>
-          <a:p>
-            <a:pPr marL="0" lvl="0" indent="0" algn="l" rtl="0">
-              <a:spcBef>
-                <a:spcPts val="0"/>
-              </a:spcBef>
-              <a:spcAft>
-                <a:spcPts val="0"/>
-              </a:spcAft>
-              <a:buSzPts val="1100"/>
-              <a:buNone/>
-            </a:pPr>
-            <a:r>
-              <a:rPr lang="en-US" sz="1200" b="1" dirty="0"/>
-              <a:t>Question:</a:t>
-            </a:r>
-            <a:r>
-              <a:rPr lang="en-US" sz="1200" dirty="0"/>
-              <a:t> a) why do we need confidence interval? why can’t we just use the descriptive statistics - mean or percent? </a:t>
-            </a:r>
-          </a:p>
-          <a:p>
-            <a:pPr marL="0" lvl="0" indent="0" algn="l" rtl="0">
-              <a:spcBef>
-                <a:spcPts val="0"/>
-              </a:spcBef>
-              <a:spcAft>
-                <a:spcPts val="0"/>
-              </a:spcAft>
-              <a:buSzPts val="1100"/>
-              <a:buNone/>
-            </a:pPr>
-            <a:endParaRPr lang="en-US" sz="1200" dirty="0"/>
-          </a:p>
-          <a:p>
-            <a:pPr marL="0" lvl="0" indent="0" algn="l" rtl="0">
-              <a:spcBef>
-                <a:spcPts val="0"/>
-              </a:spcBef>
-              <a:spcAft>
-                <a:spcPts val="0"/>
-              </a:spcAft>
-              <a:buNone/>
-            </a:pPr>
-            <a:endParaRPr lang="en-US" dirty="0"/>
           </a:p>
           <a:p>
             <a:endParaRPr lang="en-US" dirty="0"/>
@@ -5094,7 +4813,7 @@
     </p:spTree>
     <p:extLst>
       <p:ext uri="{BB962C8B-B14F-4D97-AF65-F5344CB8AC3E}">
-        <p14:creationId xmlns:p14="http://schemas.microsoft.com/office/powerpoint/2010/main" val="530617932"/>
+        <p14:creationId xmlns:p14="http://schemas.microsoft.com/office/powerpoint/2010/main" val="4109315189"/>
       </p:ext>
     </p:extLst>
   </p:cSld>
@@ -5104,7 +4823,7 @@
 </p:notes>
 </file>
 
-<file path=ppt/notesSlides/notesSlide7.xml><?xml version="1.0" encoding="utf-8"?>
+<file path=ppt/notesSlides/notesSlide6.xml><?xml version="1.0" encoding="utf-8"?>
 <p:notes xmlns:a="http://schemas.openxmlformats.org/drawingml/2006/main" xmlns:r="http://schemas.openxmlformats.org/officeDocument/2006/relationships" xmlns:p="http://schemas.openxmlformats.org/presentationml/2006/main">
   <p:cSld>
     <p:spTree>
@@ -5293,15 +5012,7 @@
             </a:pPr>
             <a:r>
               <a:rPr lang="en-US" sz="1200" dirty="0"/>
-              <a:t>For </a:t>
-            </a:r>
-            <a:r>
-              <a:rPr lang="en-US" sz="1200" dirty="0" err="1"/>
-              <a:t>mean:SD</a:t>
-            </a:r>
-            <a:r>
-              <a:rPr lang="en-US" sz="1200" dirty="0"/>
-              <a:t>/square root(n)  note: SD is standard deviation</a:t>
+              <a:t>For mean: SD/square root(n)  note: SD is standard deviation</a:t>
             </a:r>
           </a:p>
           <a:p>
@@ -5451,7 +5162,386 @@
                 <a:tabLst/>
                 <a:defRPr/>
               </a:pPr>
-              <a:t>9</a:t>
+              <a:t>8</a:t>
+            </a:fld>
+            <a:endParaRPr kumimoji="0" lang="en-US" sz="1200" b="0" i="0" u="none" strike="noStrike" kern="1200" cap="none" spc="0" normalizeH="0" baseline="0" noProof="0" dirty="0">
+              <a:ln>
+                <a:noFill/>
+              </a:ln>
+              <a:solidFill>
+                <a:prstClr val="black"/>
+              </a:solidFill>
+              <a:effectLst/>
+              <a:uLnTx/>
+              <a:uFillTx/>
+              <a:latin typeface="Calibri" panose="020F0502020204030204"/>
+              <a:ea typeface="+mn-ea"/>
+              <a:cs typeface="+mn-cs"/>
+            </a:endParaRPr>
+          </a:p>
+        </p:txBody>
+      </p:sp>
+    </p:spTree>
+    <p:extLst>
+      <p:ext uri="{BB962C8B-B14F-4D97-AF65-F5344CB8AC3E}">
+        <p14:creationId xmlns:p14="http://schemas.microsoft.com/office/powerpoint/2010/main" val="530617932"/>
+      </p:ext>
+    </p:extLst>
+  </p:cSld>
+  <p:clrMapOvr>
+    <a:masterClrMapping/>
+  </p:clrMapOvr>
+</p:notes>
+</file>
+
+<file path=ppt/notesSlides/notesSlide7.xml><?xml version="1.0" encoding="utf-8"?>
+<p:notes xmlns:a="http://schemas.openxmlformats.org/drawingml/2006/main" xmlns:r="http://schemas.openxmlformats.org/officeDocument/2006/relationships" xmlns:p="http://schemas.openxmlformats.org/presentationml/2006/main">
+  <p:cSld>
+    <p:spTree>
+      <p:nvGrpSpPr>
+        <p:cNvPr id="1" name=""/>
+        <p:cNvGrpSpPr/>
+        <p:nvPr/>
+      </p:nvGrpSpPr>
+      <p:grpSpPr>
+        <a:xfrm>
+          <a:off x="0" y="0"/>
+          <a:ext cx="0" cy="0"/>
+          <a:chOff x="0" y="0"/>
+          <a:chExt cx="0" cy="0"/>
+        </a:xfrm>
+      </p:grpSpPr>
+      <p:sp>
+        <p:nvSpPr>
+          <p:cNvPr id="2" name="Slide Image Placeholder 1"/>
+          <p:cNvSpPr>
+            <a:spLocks noGrp="1" noRot="1" noChangeAspect="1"/>
+          </p:cNvSpPr>
+          <p:nvPr>
+            <p:ph type="sldImg"/>
+          </p:nvPr>
+        </p:nvSpPr>
+        <p:spPr/>
+      </p:sp>
+      <p:sp>
+        <p:nvSpPr>
+          <p:cNvPr id="3" name="Notes Placeholder 2"/>
+          <p:cNvSpPr>
+            <a:spLocks noGrp="1"/>
+          </p:cNvSpPr>
+          <p:nvPr>
+            <p:ph type="body" idx="1"/>
+          </p:nvPr>
+        </p:nvSpPr>
+        <p:spPr/>
+        <p:txBody>
+          <a:bodyPr/>
+          <a:lstStyle/>
+          <a:p>
+            <a:pPr marL="0" lvl="0" indent="0" algn="l" rtl="0">
+              <a:spcBef>
+                <a:spcPts val="0"/>
+              </a:spcBef>
+              <a:spcAft>
+                <a:spcPts val="0"/>
+              </a:spcAft>
+              <a:buSzPts val="1100"/>
+              <a:buNone/>
+            </a:pPr>
+            <a:r>
+              <a:rPr lang="en-US" sz="1200" b="1" dirty="0"/>
+              <a:t>Formula:</a:t>
+            </a:r>
+          </a:p>
+          <a:p>
+            <a:pPr marL="0" lvl="0" indent="0" algn="l" rtl="0">
+              <a:spcBef>
+                <a:spcPts val="0"/>
+              </a:spcBef>
+              <a:spcAft>
+                <a:spcPts val="0"/>
+              </a:spcAft>
+              <a:buSzPts val="1100"/>
+              <a:buNone/>
+            </a:pPr>
+            <a:r>
+              <a:rPr lang="en-US" sz="1200" dirty="0"/>
+              <a:t>For percentage, p + t*SE, p – t*SE</a:t>
+            </a:r>
+          </a:p>
+          <a:p>
+            <a:pPr marL="0" lvl="0" indent="0" algn="l" rtl="0">
+              <a:spcBef>
+                <a:spcPts val="0"/>
+              </a:spcBef>
+              <a:spcAft>
+                <a:spcPts val="0"/>
+              </a:spcAft>
+              <a:buSzPts val="1100"/>
+              <a:buNone/>
+            </a:pPr>
+            <a:r>
+              <a:rPr lang="en-US" sz="1200" dirty="0"/>
+              <a:t>For mean, </a:t>
+            </a:r>
+            <a:r>
+              <a:rPr lang="en-US" sz="1200" dirty="0" err="1"/>
+              <a:t>xbar</a:t>
+            </a:r>
+            <a:r>
+              <a:rPr lang="en-US" sz="1200" dirty="0"/>
+              <a:t> + t*SE, </a:t>
+            </a:r>
+            <a:r>
+              <a:rPr lang="en-US" sz="1200" dirty="0" err="1"/>
+              <a:t>xbar</a:t>
+            </a:r>
+            <a:r>
+              <a:rPr lang="en-US" sz="1200" dirty="0"/>
+              <a:t> – t*SE</a:t>
+            </a:r>
+          </a:p>
+          <a:p>
+            <a:pPr marL="0" lvl="0" indent="0" algn="l" rtl="0">
+              <a:spcBef>
+                <a:spcPts val="0"/>
+              </a:spcBef>
+              <a:spcAft>
+                <a:spcPts val="0"/>
+              </a:spcAft>
+              <a:buSzPts val="1100"/>
+              <a:buNone/>
+            </a:pPr>
+            <a:r>
+              <a:rPr lang="en-US" sz="1200" dirty="0"/>
+              <a:t>p is the sample percent. </a:t>
+            </a:r>
+            <a:r>
+              <a:rPr lang="en-US" sz="1200" dirty="0" err="1"/>
+              <a:t>xbar</a:t>
+            </a:r>
+            <a:r>
+              <a:rPr lang="en-US" sz="1200" dirty="0"/>
+              <a:t> is the sample mean. </a:t>
+            </a:r>
+          </a:p>
+          <a:p>
+            <a:pPr marL="0" lvl="0" indent="0" algn="l" rtl="0">
+              <a:spcBef>
+                <a:spcPts val="0"/>
+              </a:spcBef>
+              <a:spcAft>
+                <a:spcPts val="0"/>
+              </a:spcAft>
+              <a:buSzPts val="1100"/>
+              <a:buNone/>
+            </a:pPr>
+            <a:endParaRPr lang="en-US" sz="1200" dirty="0"/>
+          </a:p>
+          <a:p>
+            <a:pPr marL="0" lvl="0" indent="0" algn="l" rtl="0">
+              <a:spcBef>
+                <a:spcPts val="0"/>
+              </a:spcBef>
+              <a:spcAft>
+                <a:spcPts val="0"/>
+              </a:spcAft>
+              <a:buSzPts val="1100"/>
+              <a:buNone/>
+            </a:pPr>
+            <a:r>
+              <a:rPr lang="en-US" sz="1200" b="1" dirty="0"/>
+              <a:t>SE: standard error</a:t>
+            </a:r>
+          </a:p>
+          <a:p>
+            <a:pPr marL="0" lvl="0" indent="0" algn="l" rtl="0">
+              <a:spcBef>
+                <a:spcPts val="0"/>
+              </a:spcBef>
+              <a:spcAft>
+                <a:spcPts val="0"/>
+              </a:spcAft>
+              <a:buSzPts val="1100"/>
+              <a:buNone/>
+            </a:pPr>
+            <a:r>
+              <a:rPr lang="en-US" sz="1200" dirty="0"/>
+              <a:t>For percentage: square root (p*q/n)   note: p = 1-q </a:t>
+            </a:r>
+          </a:p>
+          <a:p>
+            <a:pPr marL="0" lvl="0" indent="0" algn="l" rtl="0">
+              <a:spcBef>
+                <a:spcPts val="0"/>
+              </a:spcBef>
+              <a:spcAft>
+                <a:spcPts val="0"/>
+              </a:spcAft>
+              <a:buSzPts val="1100"/>
+              <a:buNone/>
+            </a:pPr>
+            <a:r>
+              <a:rPr lang="en-US" sz="1200" dirty="0"/>
+              <a:t>For </a:t>
+            </a:r>
+            <a:r>
+              <a:rPr lang="en-US" sz="1200" dirty="0" err="1"/>
+              <a:t>mean:SD</a:t>
+            </a:r>
+            <a:r>
+              <a:rPr lang="en-US" sz="1200" dirty="0"/>
+              <a:t>/square root(n)  note: SD is standard deviation</a:t>
+            </a:r>
+          </a:p>
+          <a:p>
+            <a:pPr marL="0" lvl="0" indent="0" algn="l" rtl="0">
+              <a:spcBef>
+                <a:spcPts val="0"/>
+              </a:spcBef>
+              <a:spcAft>
+                <a:spcPts val="0"/>
+              </a:spcAft>
+              <a:buSzPts val="1100"/>
+              <a:buNone/>
+            </a:pPr>
+            <a:endParaRPr lang="en-US" sz="1200" dirty="0"/>
+          </a:p>
+          <a:p>
+            <a:pPr marL="0" lvl="0" indent="0" algn="l" rtl="0">
+              <a:spcBef>
+                <a:spcPts val="0"/>
+              </a:spcBef>
+              <a:spcAft>
+                <a:spcPts val="0"/>
+              </a:spcAft>
+              <a:buSzPts val="1100"/>
+              <a:buNone/>
+            </a:pPr>
+            <a:r>
+              <a:rPr lang="en-US" sz="1200" b="1" dirty="0"/>
+              <a:t>t value @ difference confidence level:</a:t>
+            </a:r>
+            <a:r>
+              <a:rPr lang="en-US" sz="1200" dirty="0"/>
+              <a:t>  @90%: 1.65  @95%: 1.96  @99%: 2.58</a:t>
+            </a:r>
+          </a:p>
+          <a:p>
+            <a:pPr marL="0" lvl="0" indent="0" algn="l" rtl="0">
+              <a:spcBef>
+                <a:spcPts val="0"/>
+              </a:spcBef>
+              <a:spcAft>
+                <a:spcPts val="0"/>
+              </a:spcAft>
+              <a:buSzPts val="1100"/>
+              <a:buNone/>
+            </a:pPr>
+            <a:r>
+              <a:rPr lang="en-US" sz="1200" b="1" dirty="0"/>
+              <a:t>Question:</a:t>
+            </a:r>
+            <a:r>
+              <a:rPr lang="en-US" sz="1200" dirty="0"/>
+              <a:t> a) why do we need confidence interval? why can’t we just use the descriptive statistics - mean or percent? </a:t>
+            </a:r>
+          </a:p>
+          <a:p>
+            <a:pPr marL="0" lvl="0" indent="0" algn="l" rtl="0">
+              <a:spcBef>
+                <a:spcPts val="0"/>
+              </a:spcBef>
+              <a:spcAft>
+                <a:spcPts val="0"/>
+              </a:spcAft>
+              <a:buSzPts val="1100"/>
+              <a:buNone/>
+            </a:pPr>
+            <a:endParaRPr lang="en-US" sz="1200" dirty="0"/>
+          </a:p>
+          <a:p>
+            <a:pPr marL="0" lvl="0" indent="0" algn="l" rtl="0">
+              <a:spcBef>
+                <a:spcPts val="0"/>
+              </a:spcBef>
+              <a:spcAft>
+                <a:spcPts val="0"/>
+              </a:spcAft>
+              <a:buNone/>
+            </a:pPr>
+            <a:endParaRPr lang="en-US" dirty="0"/>
+          </a:p>
+          <a:p>
+            <a:endParaRPr lang="en-US" dirty="0"/>
+          </a:p>
+        </p:txBody>
+      </p:sp>
+      <p:sp>
+        <p:nvSpPr>
+          <p:cNvPr id="4" name="Slide Number Placeholder 3"/>
+          <p:cNvSpPr>
+            <a:spLocks noGrp="1"/>
+          </p:cNvSpPr>
+          <p:nvPr>
+            <p:ph type="sldNum" sz="quarter" idx="5"/>
+          </p:nvPr>
+        </p:nvSpPr>
+        <p:spPr/>
+        <p:txBody>
+          <a:bodyPr/>
+          <a:lstStyle/>
+          <a:p>
+            <a:pPr marL="0" marR="0" lvl="0" indent="0" algn="r" defTabSz="914400" rtl="0" eaLnBrk="1" fontAlgn="auto" latinLnBrk="0" hangingPunct="1">
+              <a:lnSpc>
+                <a:spcPct val="100000"/>
+              </a:lnSpc>
+              <a:spcBef>
+                <a:spcPts val="0"/>
+              </a:spcBef>
+              <a:spcAft>
+                <a:spcPts val="0"/>
+              </a:spcAft>
+              <a:buClrTx/>
+              <a:buSzTx/>
+              <a:buFontTx/>
+              <a:buNone/>
+              <a:tabLst/>
+              <a:defRPr/>
+            </a:pPr>
+            <a:fld id="{BC849E9A-41F7-4779-A581-48A7C374A227}" type="slidenum">
+              <a:rPr kumimoji="0" lang="en-US" sz="1200" b="0" i="0" u="none" strike="noStrike" kern="1200" cap="none" spc="0" normalizeH="0" baseline="0" noProof="0" smtClean="0">
+                <a:ln>
+                  <a:noFill/>
+                </a:ln>
+                <a:solidFill>
+                  <a:prstClr val="black"/>
+                </a:solidFill>
+                <a:effectLst/>
+                <a:uLnTx/>
+                <a:uFillTx/>
+                <a:latin typeface="Calibri" panose="020F0502020204030204"/>
+                <a:ea typeface="+mn-ea"/>
+                <a:cs typeface="+mn-cs"/>
+              </a:rPr>
+              <a:pPr marL="0" marR="0" lvl="0" indent="0" algn="r" defTabSz="914400" rtl="0" eaLnBrk="1" fontAlgn="auto" latinLnBrk="0" hangingPunct="1">
+                <a:lnSpc>
+                  <a:spcPct val="100000"/>
+                </a:lnSpc>
+                <a:spcBef>
+                  <a:spcPts val="0"/>
+                </a:spcBef>
+                <a:spcAft>
+                  <a:spcPts val="0"/>
+                </a:spcAft>
+                <a:buClrTx/>
+                <a:buSzTx/>
+                <a:buFontTx/>
+                <a:buNone/>
+                <a:tabLst/>
+                <a:defRPr/>
+              </a:pPr>
+              <a:t>10</a:t>
             </a:fld>
             <a:endParaRPr kumimoji="0" lang="en-US" sz="1200" b="0" i="0" u="none" strike="noStrike" kern="1200" cap="none" spc="0" normalizeH="0" baseline="0" noProof="0" dirty="0">
               <a:ln>
@@ -5527,78 +5617,6 @@
           <a:bodyPr/>
           <a:lstStyle/>
           <a:p>
-            <a:r>
-              <a:rPr lang="en-US" dirty="0"/>
-              <a:t>The one sample t-test is rarely used with mean value, because we usually don’t have a good estimate or prior knowledge. </a:t>
-            </a:r>
-          </a:p>
-          <a:p>
-            <a:r>
-              <a:rPr lang="en-US" dirty="0"/>
-              <a:t>This t-test is equivalent to the coefficient t-test that we will cover later in regression. But we know we turn our attention to 2 independent samples t-test </a:t>
-            </a:r>
-          </a:p>
-          <a:p>
-            <a:endParaRPr lang="en-US" dirty="0"/>
-          </a:p>
-          <a:p>
-            <a:r>
-              <a:rPr lang="en-US" dirty="0"/>
-              <a:t>Since all group have a difference research question between 1 categorial variable and 1 continuous variable, I’ll cover independent sample t-test</a:t>
-            </a:r>
-          </a:p>
-          <a:p>
-            <a:r>
-              <a:rPr lang="en-US" dirty="0"/>
-              <a:t>But we will not cover two-way chi-square test, which is for 2 categorical  variables. </a:t>
-            </a:r>
-          </a:p>
-          <a:p>
-            <a:r>
-              <a:rPr lang="en-US" dirty="0"/>
-              <a:t>Other sessions do not cover either but I think this test is critical for you to understand and be able to present difference research questions. </a:t>
-            </a:r>
-          </a:p>
-          <a:p>
-            <a:r>
-              <a:rPr lang="en-US" dirty="0"/>
-              <a:t>Other sessions just do descriptive statistics that I do not think yield as much value as formal statistical tests. </a:t>
-            </a:r>
-          </a:p>
-          <a:p>
-            <a:endParaRPr lang="en-US" dirty="0"/>
-          </a:p>
-          <a:p>
-            <a:r>
-              <a:rPr lang="en-US" dirty="0"/>
-              <a:t>And just a quick note for you that there is another type of t-test besides independent t-test and one sample t-test, which is paired t-test</a:t>
-            </a:r>
-          </a:p>
-          <a:p>
-            <a:r>
-              <a:rPr lang="en-US" dirty="0"/>
-              <a:t>Which is used in cases like you have before and after treatment, or twin study. </a:t>
-            </a:r>
-          </a:p>
-          <a:p>
-            <a:endParaRPr lang="en-US" dirty="0"/>
-          </a:p>
-          <a:p>
-            <a:r>
-              <a:rPr lang="en-US" dirty="0"/>
-              <a:t>Start reading the slide</a:t>
-            </a:r>
-          </a:p>
-          <a:p>
-            <a:endParaRPr lang="en-US" dirty="0"/>
-          </a:p>
-          <a:p>
-            <a:endParaRPr lang="en-US" dirty="0"/>
-          </a:p>
-          <a:p>
-            <a:endParaRPr lang="en-US" dirty="0"/>
-          </a:p>
-          <a:p>
             <a:endParaRPr lang="en-US" dirty="0"/>
           </a:p>
         </p:txBody>
@@ -5629,7 +5647,7 @@
     </p:spTree>
     <p:extLst>
       <p:ext uri="{BB962C8B-B14F-4D97-AF65-F5344CB8AC3E}">
-        <p14:creationId xmlns:p14="http://schemas.microsoft.com/office/powerpoint/2010/main" val="1270929230"/>
+        <p14:creationId xmlns:p14="http://schemas.microsoft.com/office/powerpoint/2010/main" val="492338582"/>
       </p:ext>
     </p:extLst>
   </p:cSld>
@@ -5683,29 +5701,22 @@
           <a:bodyPr/>
           <a:lstStyle/>
           <a:p>
+            <a:endParaRPr lang="en-US" dirty="0"/>
+          </a:p>
+          <a:p>
             <a:r>
               <a:rPr lang="en-US" dirty="0"/>
-              <a:t>Before we get to the t-test, we have to know whether the two samples’ variances are equal. </a:t>
-            </a:r>
-            <a:br>
-              <a:rPr lang="en-US" dirty="0"/>
-            </a:br>
-            <a:r>
-              <a:rPr lang="en-US" dirty="0"/>
-              <a:t>Hence, we can use the F-test for 2 variances to figure this out. </a:t>
-            </a:r>
-          </a:p>
-          <a:p>
-            <a:r>
-              <a:rPr lang="en-US" dirty="0"/>
-              <a:t>I do not expect you to memorize the formula, but at least know how to use the software to derive at your result. </a:t>
-            </a:r>
-          </a:p>
-          <a:p>
-            <a:r>
-              <a:rPr lang="en-US" dirty="0"/>
-              <a:t>I can give you an intuitive understanding here. </a:t>
-            </a:r>
+              <a:t>Start reading the slide</a:t>
+            </a:r>
+          </a:p>
+          <a:p>
+            <a:endParaRPr lang="en-US" dirty="0"/>
+          </a:p>
+          <a:p>
+            <a:endParaRPr lang="en-US" dirty="0"/>
+          </a:p>
+          <a:p>
+            <a:endParaRPr lang="en-US" dirty="0"/>
           </a:p>
           <a:p>
             <a:endParaRPr lang="en-US" dirty="0"/>
@@ -5729,7 +5740,7 @@
           <a:p>
             <a:fld id="{BC849E9A-41F7-4779-A581-48A7C374A227}" type="slidenum">
               <a:rPr lang="en-US" smtClean="0"/>
-              <a:t>13</a:t>
+              <a:t>12</a:t>
             </a:fld>
             <a:endParaRPr lang="en-US" dirty="0"/>
           </a:p>
@@ -5738,7 +5749,7 @@
     </p:spTree>
     <p:extLst>
       <p:ext uri="{BB962C8B-B14F-4D97-AF65-F5344CB8AC3E}">
-        <p14:creationId xmlns:p14="http://schemas.microsoft.com/office/powerpoint/2010/main" val="2434928511"/>
+        <p14:creationId xmlns:p14="http://schemas.microsoft.com/office/powerpoint/2010/main" val="1270929230"/>
       </p:ext>
     </p:extLst>
   </p:cSld>
@@ -5895,7 +5906,7 @@
           <a:p>
             <a:fld id="{C4EC3E89-068C-4484-9196-39A80941A297}" type="datetime1">
               <a:rPr lang="en-US" smtClean="0"/>
-              <a:t>11/7/2021</a:t>
+              <a:t>11/28/2021</a:t>
             </a:fld>
             <a:endParaRPr lang="en-US" dirty="0"/>
           </a:p>
@@ -6097,7 +6108,7 @@
           <a:p>
             <a:fld id="{73EFB051-9B18-4EBA-99FC-F11C30E36AD1}" type="datetime1">
               <a:rPr lang="en-US" smtClean="0"/>
-              <a:t>11/7/2021</a:t>
+              <a:t>11/28/2021</a:t>
             </a:fld>
             <a:endParaRPr lang="en-US" dirty="0"/>
           </a:p>
@@ -6309,7 +6320,7 @@
           <a:p>
             <a:fld id="{120625ED-9EF1-4810-B41C-101ECA886138}" type="datetime1">
               <a:rPr lang="en-US" smtClean="0"/>
-              <a:t>11/7/2021</a:t>
+              <a:t>11/28/2021</a:t>
             </a:fld>
             <a:endParaRPr lang="en-US" dirty="0"/>
           </a:p>
@@ -6533,7 +6544,7 @@
           <a:p>
             <a:fld id="{DECF21A4-E71B-4D3A-AF45-E989C23A7BB1}" type="datetimeFigureOut">
               <a:rPr lang="en-US" smtClean="0"/>
-              <a:t>11/7/2021</a:t>
+              <a:t>11/28/2021</a:t>
             </a:fld>
             <a:endParaRPr lang="en-US" dirty="0"/>
           </a:p>
@@ -6731,7 +6742,7 @@
           <a:p>
             <a:fld id="{DECF21A4-E71B-4D3A-AF45-E989C23A7BB1}" type="datetimeFigureOut">
               <a:rPr lang="en-US" smtClean="0"/>
-              <a:t>11/7/2021</a:t>
+              <a:t>11/28/2021</a:t>
             </a:fld>
             <a:endParaRPr lang="en-US" dirty="0"/>
           </a:p>
@@ -7006,7 +7017,7 @@
           <a:p>
             <a:fld id="{DECF21A4-E71B-4D3A-AF45-E989C23A7BB1}" type="datetimeFigureOut">
               <a:rPr lang="en-US" smtClean="0"/>
-              <a:t>11/7/2021</a:t>
+              <a:t>11/28/2021</a:t>
             </a:fld>
             <a:endParaRPr lang="en-US" dirty="0"/>
           </a:p>
@@ -7271,7 +7282,7 @@
           <a:p>
             <a:fld id="{DECF21A4-E71B-4D3A-AF45-E989C23A7BB1}" type="datetimeFigureOut">
               <a:rPr lang="en-US" smtClean="0"/>
-              <a:t>11/7/2021</a:t>
+              <a:t>11/28/2021</a:t>
             </a:fld>
             <a:endParaRPr lang="en-US" dirty="0"/>
           </a:p>
@@ -7683,7 +7694,7 @@
           <a:p>
             <a:fld id="{DECF21A4-E71B-4D3A-AF45-E989C23A7BB1}" type="datetimeFigureOut">
               <a:rPr lang="en-US" smtClean="0"/>
-              <a:t>11/7/2021</a:t>
+              <a:t>11/28/2021</a:t>
             </a:fld>
             <a:endParaRPr lang="en-US" dirty="0"/>
           </a:p>
@@ -7824,7 +7835,7 @@
           <a:p>
             <a:fld id="{DECF21A4-E71B-4D3A-AF45-E989C23A7BB1}" type="datetimeFigureOut">
               <a:rPr lang="en-US" smtClean="0"/>
-              <a:t>11/7/2021</a:t>
+              <a:t>11/28/2021</a:t>
             </a:fld>
             <a:endParaRPr lang="en-US" dirty="0"/>
           </a:p>
@@ -7937,7 +7948,7 @@
           <a:p>
             <a:fld id="{DECF21A4-E71B-4D3A-AF45-E989C23A7BB1}" type="datetimeFigureOut">
               <a:rPr lang="en-US" smtClean="0"/>
-              <a:t>11/7/2021</a:t>
+              <a:t>11/28/2021</a:t>
             </a:fld>
             <a:endParaRPr lang="en-US" dirty="0"/>
           </a:p>
@@ -8248,7 +8259,7 @@
           <a:p>
             <a:fld id="{DECF21A4-E71B-4D3A-AF45-E989C23A7BB1}" type="datetimeFigureOut">
               <a:rPr lang="en-US" smtClean="0"/>
-              <a:t>11/7/2021</a:t>
+              <a:t>11/28/2021</a:t>
             </a:fld>
             <a:endParaRPr lang="en-US" dirty="0"/>
           </a:p>
@@ -8446,7 +8457,7 @@
           <a:p>
             <a:fld id="{31CD2D0A-5039-42EF-8D8E-F064A3687C00}" type="datetime1">
               <a:rPr lang="en-US" smtClean="0"/>
-              <a:t>11/7/2021</a:t>
+              <a:t>11/28/2021</a:t>
             </a:fld>
             <a:endParaRPr lang="en-US" dirty="0"/>
           </a:p>
@@ -8742,7 +8753,7 @@
           <a:p>
             <a:fld id="{DECF21A4-E71B-4D3A-AF45-E989C23A7BB1}" type="datetimeFigureOut">
               <a:rPr lang="en-US" smtClean="0"/>
-              <a:t>11/7/2021</a:t>
+              <a:t>11/28/2021</a:t>
             </a:fld>
             <a:endParaRPr lang="en-US" dirty="0"/>
           </a:p>
@@ -8940,7 +8951,7 @@
           <a:p>
             <a:fld id="{DECF21A4-E71B-4D3A-AF45-E989C23A7BB1}" type="datetimeFigureOut">
               <a:rPr lang="en-US" smtClean="0"/>
-              <a:t>11/7/2021</a:t>
+              <a:t>11/28/2021</a:t>
             </a:fld>
             <a:endParaRPr lang="en-US" dirty="0"/>
           </a:p>
@@ -9148,7 +9159,7 @@
           <a:p>
             <a:fld id="{DECF21A4-E71B-4D3A-AF45-E989C23A7BB1}" type="datetimeFigureOut">
               <a:rPr lang="en-US" smtClean="0"/>
-              <a:t>11/7/2021</a:t>
+              <a:t>11/28/2021</a:t>
             </a:fld>
             <a:endParaRPr lang="en-US" dirty="0"/>
           </a:p>
@@ -9423,7 +9434,7 @@
           <a:p>
             <a:fld id="{8FD408BA-41E9-4BCF-9F5C-C15089E959BA}" type="datetime1">
               <a:rPr lang="en-US" smtClean="0"/>
-              <a:t>11/7/2021</a:t>
+              <a:t>11/28/2021</a:t>
             </a:fld>
             <a:endParaRPr lang="en-US" dirty="0"/>
           </a:p>
@@ -9692,7 +9703,7 @@
           <a:p>
             <a:fld id="{2BD15DB2-BF2C-46E7-9567-A1A0C8FC64A0}" type="datetime1">
               <a:rPr lang="en-US" smtClean="0"/>
-              <a:t>11/7/2021</a:t>
+              <a:t>11/28/2021</a:t>
             </a:fld>
             <a:endParaRPr lang="en-US" dirty="0"/>
           </a:p>
@@ -10108,7 +10119,7 @@
           <a:p>
             <a:fld id="{E833F933-0CF2-4BD2-9145-D3413AD5F497}" type="datetime1">
               <a:rPr lang="en-US" smtClean="0"/>
-              <a:t>11/7/2021</a:t>
+              <a:t>11/28/2021</a:t>
             </a:fld>
             <a:endParaRPr lang="en-US" dirty="0"/>
           </a:p>
@@ -10253,7 +10264,7 @@
           <a:p>
             <a:fld id="{4C51D8B2-ED70-41EF-8095-15E2AE5F160E}" type="datetime1">
               <a:rPr lang="en-US" smtClean="0"/>
-              <a:t>11/7/2021</a:t>
+              <a:t>11/28/2021</a:t>
             </a:fld>
             <a:endParaRPr lang="en-US" dirty="0"/>
           </a:p>
@@ -10370,7 +10381,7 @@
           <a:p>
             <a:fld id="{CBF21E01-DAB8-4692-879D-9B95AEAA41E6}" type="datetime1">
               <a:rPr lang="en-US" smtClean="0"/>
-              <a:t>11/7/2021</a:t>
+              <a:t>11/28/2021</a:t>
             </a:fld>
             <a:endParaRPr lang="en-US" dirty="0"/>
           </a:p>
@@ -10685,7 +10696,7 @@
           <a:p>
             <a:fld id="{0A510A22-882F-492D-9EE7-C26A7DFBC6E6}" type="datetime1">
               <a:rPr lang="en-US" smtClean="0"/>
-              <a:t>11/7/2021</a:t>
+              <a:t>11/28/2021</a:t>
             </a:fld>
             <a:endParaRPr lang="en-US" dirty="0"/>
           </a:p>
@@ -10981,7 +10992,7 @@
           <a:p>
             <a:fld id="{A1004D0D-B6F0-47E4-BBF3-1951C00F9D16}" type="datetime1">
               <a:rPr lang="en-US" smtClean="0"/>
-              <a:t>11/7/2021</a:t>
+              <a:t>11/28/2021</a:t>
             </a:fld>
             <a:endParaRPr lang="en-US" dirty="0"/>
           </a:p>
@@ -11226,7 +11237,7 @@
           <a:p>
             <a:fld id="{48D89660-51FF-4216-9F24-A2AFA2D4F958}" type="datetime1">
               <a:rPr lang="en-US" smtClean="0"/>
-              <a:t>11/7/2021</a:t>
+              <a:t>11/28/2021</a:t>
             </a:fld>
             <a:endParaRPr lang="en-US" dirty="0"/>
           </a:p>
@@ -11799,7 +11810,7 @@
           <a:p>
             <a:fld id="{DECF21A4-E71B-4D3A-AF45-E989C23A7BB1}" type="datetimeFigureOut">
               <a:rPr lang="en-US" smtClean="0"/>
-              <a:t>11/7/2021</a:t>
+              <a:t>11/28/2021</a:t>
             </a:fld>
             <a:endParaRPr lang="en-US" dirty="0"/>
           </a:p>
@@ -13826,7 +13837,7 @@
           <p:cNvPr id="2" name="Title 1">
             <a:extLst>
               <a:ext uri="{FF2B5EF4-FFF2-40B4-BE49-F238E27FC236}">
-                <a16:creationId xmlns:a16="http://schemas.microsoft.com/office/drawing/2014/main" id="{443FD6E2-9F76-4680-B322-587B571C4743}"/>
+                <a16:creationId xmlns:a16="http://schemas.microsoft.com/office/drawing/2014/main" id="{7989D8FA-325B-4902-BE94-3740F1EB8EDC}"/>
               </a:ext>
             </a:extLst>
           </p:cNvPr>
@@ -13850,8 +13861,16 @@
           <a:lstStyle/>
           <a:p>
             <a:r>
-              <a:rPr lang="en-US" sz="5400"/>
-              <a:t>Answer</a:t>
+              <a:rPr lang="en-US" sz="5400" dirty="0"/>
+              <a:t>Practice </a:t>
+            </a:r>
+            <a:r>
+              <a:rPr lang="en-US" sz="5400" dirty="0" err="1"/>
+              <a:t>Quesiton</a:t>
+            </a:r>
+            <a:r>
+              <a:rPr lang="en-US" sz="5400" dirty="0"/>
+              <a:t> 2</a:t>
             </a:r>
           </a:p>
         </p:txBody>
@@ -14528,6 +14547,888 @@
           <p:cNvPr id="3" name="Content Placeholder 2">
             <a:extLst>
               <a:ext uri="{FF2B5EF4-FFF2-40B4-BE49-F238E27FC236}">
+                <a16:creationId xmlns:a16="http://schemas.microsoft.com/office/drawing/2014/main" id="{BC31D83F-52AE-433B-BE60-965BF8024A25}"/>
+              </a:ext>
+            </a:extLst>
+          </p:cNvPr>
+          <p:cNvSpPr>
+            <a:spLocks noGrp="1"/>
+          </p:cNvSpPr>
+          <p:nvPr>
+            <p:ph idx="1"/>
+          </p:nvPr>
+        </p:nvSpPr>
+        <p:spPr>
+          <a:xfrm>
+            <a:off x="838200" y="1929384"/>
+            <a:ext cx="10515600" cy="4251960"/>
+          </a:xfrm>
+        </p:spPr>
+        <p:txBody>
+          <a:bodyPr>
+            <a:normAutofit/>
+          </a:bodyPr>
+          <a:lstStyle/>
+          <a:p>
+            <a:pPr marL="0" indent="0">
+              <a:buNone/>
+            </a:pPr>
+            <a:r>
+              <a:rPr lang="en-US" sz="2200" b="0" dirty="0">
+                <a:latin typeface="Arial"/>
+                <a:ea typeface="Arial"/>
+                <a:cs typeface="Arial"/>
+                <a:sym typeface="Arial"/>
+              </a:rPr>
+              <a:t>30% people say they dine out on Wednesday’s, n =500, </a:t>
+            </a:r>
+            <a:r>
+              <a:rPr lang="en-US" sz="2200" dirty="0"/>
+              <a:t>95% confidence (i.e., t = 1.96) </a:t>
+            </a:r>
+          </a:p>
+          <a:p>
+            <a:pPr marL="0" indent="0">
+              <a:buNone/>
+            </a:pPr>
+            <a:endParaRPr lang="en-US" sz="2200" dirty="0"/>
+          </a:p>
+        </p:txBody>
+      </p:sp>
+    </p:spTree>
+    <p:extLst>
+      <p:ext uri="{BB962C8B-B14F-4D97-AF65-F5344CB8AC3E}">
+        <p14:creationId xmlns:p14="http://schemas.microsoft.com/office/powerpoint/2010/main" val="612962761"/>
+      </p:ext>
+    </p:extLst>
+  </p:cSld>
+  <p:clrMapOvr>
+    <a:masterClrMapping/>
+  </p:clrMapOvr>
+</p:sld>
+</file>
+
+<file path=ppt/slides/slide11.xml><?xml version="1.0" encoding="utf-8"?>
+<p:sld xmlns:a="http://schemas.openxmlformats.org/drawingml/2006/main" xmlns:r="http://schemas.openxmlformats.org/officeDocument/2006/relationships" xmlns:p="http://schemas.openxmlformats.org/presentationml/2006/main">
+  <p:cSld>
+    <p:bg>
+      <p:bgPr>
+        <a:solidFill>
+          <a:schemeClr val="bg1"/>
+        </a:solidFill>
+        <a:effectLst/>
+      </p:bgPr>
+    </p:bg>
+    <p:spTree>
+      <p:nvGrpSpPr>
+        <p:cNvPr id="1" name=""/>
+        <p:cNvGrpSpPr/>
+        <p:nvPr/>
+      </p:nvGrpSpPr>
+      <p:grpSpPr>
+        <a:xfrm>
+          <a:off x="0" y="0"/>
+          <a:ext cx="0" cy="0"/>
+          <a:chOff x="0" y="0"/>
+          <a:chExt cx="0" cy="0"/>
+        </a:xfrm>
+      </p:grpSpPr>
+      <p:sp useBgFill="1">
+        <p:nvSpPr>
+          <p:cNvPr id="8" name="Rectangle 7">
+            <a:extLst>
+              <a:ext uri="{FF2B5EF4-FFF2-40B4-BE49-F238E27FC236}">
+                <a16:creationId xmlns:a16="http://schemas.microsoft.com/office/drawing/2014/main" id="{100EDD19-6802-4EC3-95CE-CFFAB042CFD6}"/>
+              </a:ext>
+              <a:ext uri="{C183D7F6-B498-43B3-948B-1728B52AA6E4}">
+                <adec:decorative xmlns:adec="http://schemas.microsoft.com/office/drawing/2017/decorative" val="1"/>
+              </a:ext>
+            </a:extLst>
+          </p:cNvPr>
+          <p:cNvSpPr>
+            <a:spLocks noGrp="1" noRot="1" noChangeAspect="1" noMove="1" noResize="1" noEditPoints="1" noAdjustHandles="1" noChangeArrowheads="1" noChangeShapeType="1" noTextEdit="1"/>
+          </p:cNvSpPr>
+          <p:nvPr>
+            <p:extLst>
+              <p:ext uri="{386F3935-93C4-4BCD-93E2-E3B085C9AB24}">
+                <p16:designElem xmlns:p16="http://schemas.microsoft.com/office/powerpoint/2015/main" val="1"/>
+              </p:ext>
+            </p:extLst>
+          </p:nvPr>
+        </p:nvSpPr>
+        <p:spPr>
+          <a:xfrm>
+            <a:off x="0" y="0"/>
+            <a:ext cx="12188952" cy="6858000"/>
+          </a:xfrm>
+          <a:prstGeom prst="rect">
+            <a:avLst/>
+          </a:prstGeom>
+          <a:ln>
+            <a:noFill/>
+          </a:ln>
+        </p:spPr>
+        <p:style>
+          <a:lnRef idx="2">
+            <a:schemeClr val="accent1">
+              <a:shade val="50000"/>
+            </a:schemeClr>
+          </a:lnRef>
+          <a:fillRef idx="1">
+            <a:schemeClr val="accent1"/>
+          </a:fillRef>
+          <a:effectRef idx="0">
+            <a:schemeClr val="accent1"/>
+          </a:effectRef>
+          <a:fontRef idx="minor">
+            <a:schemeClr val="lt1"/>
+          </a:fontRef>
+        </p:style>
+        <p:txBody>
+          <a:bodyPr rtlCol="0" anchor="ctr"/>
+          <a:lstStyle/>
+          <a:p>
+            <a:pPr marL="0" marR="0" lvl="0" indent="0" algn="ctr" defTabSz="914400" rtl="0" eaLnBrk="1" fontAlgn="auto" latinLnBrk="0" hangingPunct="1">
+              <a:lnSpc>
+                <a:spcPct val="100000"/>
+              </a:lnSpc>
+              <a:spcBef>
+                <a:spcPts val="0"/>
+              </a:spcBef>
+              <a:spcAft>
+                <a:spcPts val="0"/>
+              </a:spcAft>
+              <a:buClrTx/>
+              <a:buSzTx/>
+              <a:buFontTx/>
+              <a:buNone/>
+              <a:tabLst/>
+              <a:defRPr/>
+            </a:pPr>
+            <a:endParaRPr kumimoji="0" lang="en-US" sz="1800" b="0" i="0" u="none" strike="noStrike" kern="1200" cap="none" spc="0" normalizeH="0" baseline="0" noProof="0">
+              <a:ln>
+                <a:noFill/>
+              </a:ln>
+              <a:solidFill>
+                <a:prstClr val="white"/>
+              </a:solidFill>
+              <a:effectLst/>
+              <a:uLnTx/>
+              <a:uFillTx/>
+              <a:latin typeface="Calibri" panose="020F0502020204030204"/>
+              <a:ea typeface="+mn-ea"/>
+              <a:cs typeface="+mn-cs"/>
+            </a:endParaRPr>
+          </a:p>
+        </p:txBody>
+      </p:sp>
+      <p:sp>
+        <p:nvSpPr>
+          <p:cNvPr id="2" name="Title 1">
+            <a:extLst>
+              <a:ext uri="{FF2B5EF4-FFF2-40B4-BE49-F238E27FC236}">
+                <a16:creationId xmlns:a16="http://schemas.microsoft.com/office/drawing/2014/main" id="{443FD6E2-9F76-4680-B322-587B571C4743}"/>
+              </a:ext>
+            </a:extLst>
+          </p:cNvPr>
+          <p:cNvSpPr>
+            <a:spLocks noGrp="1"/>
+          </p:cNvSpPr>
+          <p:nvPr>
+            <p:ph type="title"/>
+          </p:nvPr>
+        </p:nvSpPr>
+        <p:spPr>
+          <a:xfrm>
+            <a:off x="838200" y="365125"/>
+            <a:ext cx="10515600" cy="1325563"/>
+          </a:xfrm>
+        </p:spPr>
+        <p:txBody>
+          <a:bodyPr>
+            <a:normAutofit/>
+          </a:bodyPr>
+          <a:lstStyle/>
+          <a:p>
+            <a:r>
+              <a:rPr lang="en-US" sz="5400"/>
+              <a:t>Answer</a:t>
+            </a:r>
+          </a:p>
+        </p:txBody>
+      </p:sp>
+      <p:sp>
+        <p:nvSpPr>
+          <p:cNvPr id="10" name="sketch line">
+            <a:extLst>
+              <a:ext uri="{FF2B5EF4-FFF2-40B4-BE49-F238E27FC236}">
+                <a16:creationId xmlns:a16="http://schemas.microsoft.com/office/drawing/2014/main" id="{DB17E863-922E-4C26-BD64-E8FD41D28661}"/>
+              </a:ext>
+              <a:ext uri="{C183D7F6-B498-43B3-948B-1728B52AA6E4}">
+                <adec:decorative xmlns:adec="http://schemas.microsoft.com/office/drawing/2017/decorative" val="1"/>
+              </a:ext>
+            </a:extLst>
+          </p:cNvPr>
+          <p:cNvSpPr>
+            <a:spLocks noGrp="1" noRot="1" noChangeAspect="1" noMove="1" noResize="1" noEditPoints="1" noAdjustHandles="1" noChangeArrowheads="1" noChangeShapeType="1" noTextEdit="1"/>
+          </p:cNvSpPr>
+          <p:nvPr>
+            <p:extLst>
+              <p:ext uri="{386F3935-93C4-4BCD-93E2-E3B085C9AB24}">
+                <p16:designElem xmlns:p16="http://schemas.microsoft.com/office/powerpoint/2015/main" val="1"/>
+              </p:ext>
+            </p:extLst>
+          </p:nvPr>
+        </p:nvSpPr>
+        <p:spPr>
+          <a:xfrm>
+            <a:off x="669036" y="1677373"/>
+            <a:ext cx="10853928" cy="18288"/>
+          </a:xfrm>
+          <a:custGeom>
+            <a:avLst/>
+            <a:gdLst>
+              <a:gd name="connsiteX0" fmla="*/ 0 w 10853928"/>
+              <a:gd name="connsiteY0" fmla="*/ 0 h 18288"/>
+              <a:gd name="connsiteX1" fmla="*/ 461292 w 10853928"/>
+              <a:gd name="connsiteY1" fmla="*/ 0 h 18288"/>
+              <a:gd name="connsiteX2" fmla="*/ 1139662 w 10853928"/>
+              <a:gd name="connsiteY2" fmla="*/ 0 h 18288"/>
+              <a:gd name="connsiteX3" fmla="*/ 1926572 w 10853928"/>
+              <a:gd name="connsiteY3" fmla="*/ 0 h 18288"/>
+              <a:gd name="connsiteX4" fmla="*/ 2279325 w 10853928"/>
+              <a:gd name="connsiteY4" fmla="*/ 0 h 18288"/>
+              <a:gd name="connsiteX5" fmla="*/ 2632078 w 10853928"/>
+              <a:gd name="connsiteY5" fmla="*/ 0 h 18288"/>
+              <a:gd name="connsiteX6" fmla="*/ 3527527 w 10853928"/>
+              <a:gd name="connsiteY6" fmla="*/ 0 h 18288"/>
+              <a:gd name="connsiteX7" fmla="*/ 4205897 w 10853928"/>
+              <a:gd name="connsiteY7" fmla="*/ 0 h 18288"/>
+              <a:gd name="connsiteX8" fmla="*/ 4558650 w 10853928"/>
+              <a:gd name="connsiteY8" fmla="*/ 0 h 18288"/>
+              <a:gd name="connsiteX9" fmla="*/ 5237020 w 10853928"/>
+              <a:gd name="connsiteY9" fmla="*/ 0 h 18288"/>
+              <a:gd name="connsiteX10" fmla="*/ 6132469 w 10853928"/>
+              <a:gd name="connsiteY10" fmla="*/ 0 h 18288"/>
+              <a:gd name="connsiteX11" fmla="*/ 6702301 w 10853928"/>
+              <a:gd name="connsiteY11" fmla="*/ 0 h 18288"/>
+              <a:gd name="connsiteX12" fmla="*/ 7272132 w 10853928"/>
+              <a:gd name="connsiteY12" fmla="*/ 0 h 18288"/>
+              <a:gd name="connsiteX13" fmla="*/ 7950502 w 10853928"/>
+              <a:gd name="connsiteY13" fmla="*/ 0 h 18288"/>
+              <a:gd name="connsiteX14" fmla="*/ 8737412 w 10853928"/>
+              <a:gd name="connsiteY14" fmla="*/ 0 h 18288"/>
+              <a:gd name="connsiteX15" fmla="*/ 9524322 w 10853928"/>
+              <a:gd name="connsiteY15" fmla="*/ 0 h 18288"/>
+              <a:gd name="connsiteX16" fmla="*/ 10853928 w 10853928"/>
+              <a:gd name="connsiteY16" fmla="*/ 0 h 18288"/>
+              <a:gd name="connsiteX17" fmla="*/ 10853928 w 10853928"/>
+              <a:gd name="connsiteY17" fmla="*/ 18288 h 18288"/>
+              <a:gd name="connsiteX18" fmla="*/ 10392636 w 10853928"/>
+              <a:gd name="connsiteY18" fmla="*/ 18288 h 18288"/>
+              <a:gd name="connsiteX19" fmla="*/ 9497187 w 10853928"/>
+              <a:gd name="connsiteY19" fmla="*/ 18288 h 18288"/>
+              <a:gd name="connsiteX20" fmla="*/ 8818817 w 10853928"/>
+              <a:gd name="connsiteY20" fmla="*/ 18288 h 18288"/>
+              <a:gd name="connsiteX21" fmla="*/ 8466064 w 10853928"/>
+              <a:gd name="connsiteY21" fmla="*/ 18288 h 18288"/>
+              <a:gd name="connsiteX22" fmla="*/ 7787693 w 10853928"/>
+              <a:gd name="connsiteY22" fmla="*/ 18288 h 18288"/>
+              <a:gd name="connsiteX23" fmla="*/ 7217862 w 10853928"/>
+              <a:gd name="connsiteY23" fmla="*/ 18288 h 18288"/>
+              <a:gd name="connsiteX24" fmla="*/ 6648031 w 10853928"/>
+              <a:gd name="connsiteY24" fmla="*/ 18288 h 18288"/>
+              <a:gd name="connsiteX25" fmla="*/ 6078200 w 10853928"/>
+              <a:gd name="connsiteY25" fmla="*/ 18288 h 18288"/>
+              <a:gd name="connsiteX26" fmla="*/ 5508368 w 10853928"/>
+              <a:gd name="connsiteY26" fmla="*/ 18288 h 18288"/>
+              <a:gd name="connsiteX27" fmla="*/ 4721459 w 10853928"/>
+              <a:gd name="connsiteY27" fmla="*/ 18288 h 18288"/>
+              <a:gd name="connsiteX28" fmla="*/ 4043088 w 10853928"/>
+              <a:gd name="connsiteY28" fmla="*/ 18288 h 18288"/>
+              <a:gd name="connsiteX29" fmla="*/ 3690336 w 10853928"/>
+              <a:gd name="connsiteY29" fmla="*/ 18288 h 18288"/>
+              <a:gd name="connsiteX30" fmla="*/ 3120504 w 10853928"/>
+              <a:gd name="connsiteY30" fmla="*/ 18288 h 18288"/>
+              <a:gd name="connsiteX31" fmla="*/ 2333595 w 10853928"/>
+              <a:gd name="connsiteY31" fmla="*/ 18288 h 18288"/>
+              <a:gd name="connsiteX32" fmla="*/ 1872303 w 10853928"/>
+              <a:gd name="connsiteY32" fmla="*/ 18288 h 18288"/>
+              <a:gd name="connsiteX33" fmla="*/ 976854 w 10853928"/>
+              <a:gd name="connsiteY33" fmla="*/ 18288 h 18288"/>
+              <a:gd name="connsiteX34" fmla="*/ 0 w 10853928"/>
+              <a:gd name="connsiteY34" fmla="*/ 18288 h 18288"/>
+              <a:gd name="connsiteX35" fmla="*/ 0 w 10853928"/>
+              <a:gd name="connsiteY35" fmla="*/ 0 h 18288"/>
+            </a:gdLst>
+            <a:ahLst/>
+            <a:cxnLst>
+              <a:cxn ang="0">
+                <a:pos x="connsiteX0" y="connsiteY0"/>
+              </a:cxn>
+              <a:cxn ang="0">
+                <a:pos x="connsiteX1" y="connsiteY1"/>
+              </a:cxn>
+              <a:cxn ang="0">
+                <a:pos x="connsiteX2" y="connsiteY2"/>
+              </a:cxn>
+              <a:cxn ang="0">
+                <a:pos x="connsiteX3" y="connsiteY3"/>
+              </a:cxn>
+              <a:cxn ang="0">
+                <a:pos x="connsiteX4" y="connsiteY4"/>
+              </a:cxn>
+              <a:cxn ang="0">
+                <a:pos x="connsiteX5" y="connsiteY5"/>
+              </a:cxn>
+              <a:cxn ang="0">
+                <a:pos x="connsiteX6" y="connsiteY6"/>
+              </a:cxn>
+              <a:cxn ang="0">
+                <a:pos x="connsiteX7" y="connsiteY7"/>
+              </a:cxn>
+              <a:cxn ang="0">
+                <a:pos x="connsiteX8" y="connsiteY8"/>
+              </a:cxn>
+              <a:cxn ang="0">
+                <a:pos x="connsiteX9" y="connsiteY9"/>
+              </a:cxn>
+              <a:cxn ang="0">
+                <a:pos x="connsiteX10" y="connsiteY10"/>
+              </a:cxn>
+              <a:cxn ang="0">
+                <a:pos x="connsiteX11" y="connsiteY11"/>
+              </a:cxn>
+              <a:cxn ang="0">
+                <a:pos x="connsiteX12" y="connsiteY12"/>
+              </a:cxn>
+              <a:cxn ang="0">
+                <a:pos x="connsiteX13" y="connsiteY13"/>
+              </a:cxn>
+              <a:cxn ang="0">
+                <a:pos x="connsiteX14" y="connsiteY14"/>
+              </a:cxn>
+              <a:cxn ang="0">
+                <a:pos x="connsiteX15" y="connsiteY15"/>
+              </a:cxn>
+              <a:cxn ang="0">
+                <a:pos x="connsiteX16" y="connsiteY16"/>
+              </a:cxn>
+              <a:cxn ang="0">
+                <a:pos x="connsiteX17" y="connsiteY17"/>
+              </a:cxn>
+              <a:cxn ang="0">
+                <a:pos x="connsiteX18" y="connsiteY18"/>
+              </a:cxn>
+              <a:cxn ang="0">
+                <a:pos x="connsiteX19" y="connsiteY19"/>
+              </a:cxn>
+              <a:cxn ang="0">
+                <a:pos x="connsiteX20" y="connsiteY20"/>
+              </a:cxn>
+              <a:cxn ang="0">
+                <a:pos x="connsiteX21" y="connsiteY21"/>
+              </a:cxn>
+              <a:cxn ang="0">
+                <a:pos x="connsiteX22" y="connsiteY22"/>
+              </a:cxn>
+              <a:cxn ang="0">
+                <a:pos x="connsiteX23" y="connsiteY23"/>
+              </a:cxn>
+              <a:cxn ang="0">
+                <a:pos x="connsiteX24" y="connsiteY24"/>
+              </a:cxn>
+              <a:cxn ang="0">
+                <a:pos x="connsiteX25" y="connsiteY25"/>
+              </a:cxn>
+              <a:cxn ang="0">
+                <a:pos x="connsiteX26" y="connsiteY26"/>
+              </a:cxn>
+              <a:cxn ang="0">
+                <a:pos x="connsiteX27" y="connsiteY27"/>
+              </a:cxn>
+              <a:cxn ang="0">
+                <a:pos x="connsiteX28" y="connsiteY28"/>
+              </a:cxn>
+              <a:cxn ang="0">
+                <a:pos x="connsiteX29" y="connsiteY29"/>
+              </a:cxn>
+              <a:cxn ang="0">
+                <a:pos x="connsiteX30" y="connsiteY30"/>
+              </a:cxn>
+              <a:cxn ang="0">
+                <a:pos x="connsiteX31" y="connsiteY31"/>
+              </a:cxn>
+              <a:cxn ang="0">
+                <a:pos x="connsiteX32" y="connsiteY32"/>
+              </a:cxn>
+              <a:cxn ang="0">
+                <a:pos x="connsiteX33" y="connsiteY33"/>
+              </a:cxn>
+              <a:cxn ang="0">
+                <a:pos x="connsiteX34" y="connsiteY34"/>
+              </a:cxn>
+              <a:cxn ang="0">
+                <a:pos x="connsiteX35" y="connsiteY35"/>
+              </a:cxn>
+            </a:cxnLst>
+            <a:rect l="l" t="t" r="r" b="b"/>
+            <a:pathLst>
+              <a:path w="10853928" h="18288" fill="none" extrusionOk="0">
+                <a:moveTo>
+                  <a:pt x="0" y="0"/>
+                </a:moveTo>
+                <a:cubicBezTo>
+                  <a:pt x="146993" y="-19076"/>
+                  <a:pt x="347684" y="-4790"/>
+                  <a:pt x="461292" y="0"/>
+                </a:cubicBezTo>
+                <a:cubicBezTo>
+                  <a:pt x="574900" y="4790"/>
+                  <a:pt x="808367" y="19821"/>
+                  <a:pt x="1139662" y="0"/>
+                </a:cubicBezTo>
+                <a:cubicBezTo>
+                  <a:pt x="1470957" y="-19821"/>
+                  <a:pt x="1627405" y="5721"/>
+                  <a:pt x="1926572" y="0"/>
+                </a:cubicBezTo>
+                <a:cubicBezTo>
+                  <a:pt x="2225739" y="-5721"/>
+                  <a:pt x="2137730" y="-3235"/>
+                  <a:pt x="2279325" y="0"/>
+                </a:cubicBezTo>
+                <a:cubicBezTo>
+                  <a:pt x="2420920" y="3235"/>
+                  <a:pt x="2456518" y="9685"/>
+                  <a:pt x="2632078" y="0"/>
+                </a:cubicBezTo>
+                <a:cubicBezTo>
+                  <a:pt x="2807638" y="-9685"/>
+                  <a:pt x="3211516" y="-43007"/>
+                  <a:pt x="3527527" y="0"/>
+                </a:cubicBezTo>
+                <a:cubicBezTo>
+                  <a:pt x="3843538" y="43007"/>
+                  <a:pt x="4058833" y="22042"/>
+                  <a:pt x="4205897" y="0"/>
+                </a:cubicBezTo>
+                <a:cubicBezTo>
+                  <a:pt x="4352961" y="-22042"/>
+                  <a:pt x="4474805" y="-11846"/>
+                  <a:pt x="4558650" y="0"/>
+                </a:cubicBezTo>
+                <a:cubicBezTo>
+                  <a:pt x="4642495" y="11846"/>
+                  <a:pt x="5041928" y="-6069"/>
+                  <a:pt x="5237020" y="0"/>
+                </a:cubicBezTo>
+                <a:cubicBezTo>
+                  <a:pt x="5432112" y="6069"/>
+                  <a:pt x="5943266" y="-17479"/>
+                  <a:pt x="6132469" y="0"/>
+                </a:cubicBezTo>
+                <a:cubicBezTo>
+                  <a:pt x="6321672" y="17479"/>
+                  <a:pt x="6483872" y="26234"/>
+                  <a:pt x="6702301" y="0"/>
+                </a:cubicBezTo>
+                <a:cubicBezTo>
+                  <a:pt x="6920730" y="-26234"/>
+                  <a:pt x="6991194" y="-15156"/>
+                  <a:pt x="7272132" y="0"/>
+                </a:cubicBezTo>
+                <a:cubicBezTo>
+                  <a:pt x="7553070" y="15156"/>
+                  <a:pt x="7684444" y="-32961"/>
+                  <a:pt x="7950502" y="0"/>
+                </a:cubicBezTo>
+                <a:cubicBezTo>
+                  <a:pt x="8216560" y="32961"/>
+                  <a:pt x="8493290" y="-10491"/>
+                  <a:pt x="8737412" y="0"/>
+                </a:cubicBezTo>
+                <a:cubicBezTo>
+                  <a:pt x="8981534" y="10491"/>
+                  <a:pt x="9191586" y="-13899"/>
+                  <a:pt x="9524322" y="0"/>
+                </a:cubicBezTo>
+                <a:cubicBezTo>
+                  <a:pt x="9857058" y="13899"/>
+                  <a:pt x="10297509" y="7485"/>
+                  <a:pt x="10853928" y="0"/>
+                </a:cubicBezTo>
+                <a:cubicBezTo>
+                  <a:pt x="10854574" y="4451"/>
+                  <a:pt x="10854418" y="9226"/>
+                  <a:pt x="10853928" y="18288"/>
+                </a:cubicBezTo>
+                <a:cubicBezTo>
+                  <a:pt x="10691638" y="28522"/>
+                  <a:pt x="10574319" y="29578"/>
+                  <a:pt x="10392636" y="18288"/>
+                </a:cubicBezTo>
+                <a:cubicBezTo>
+                  <a:pt x="10210953" y="6998"/>
+                  <a:pt x="9836277" y="-16742"/>
+                  <a:pt x="9497187" y="18288"/>
+                </a:cubicBezTo>
+                <a:cubicBezTo>
+                  <a:pt x="9158097" y="53318"/>
+                  <a:pt x="9119479" y="30714"/>
+                  <a:pt x="8818817" y="18288"/>
+                </a:cubicBezTo>
+                <a:cubicBezTo>
+                  <a:pt x="8518155" y="5863"/>
+                  <a:pt x="8640037" y="6483"/>
+                  <a:pt x="8466064" y="18288"/>
+                </a:cubicBezTo>
+                <a:cubicBezTo>
+                  <a:pt x="8292091" y="30093"/>
+                  <a:pt x="7997656" y="18914"/>
+                  <a:pt x="7787693" y="18288"/>
+                </a:cubicBezTo>
+                <a:cubicBezTo>
+                  <a:pt x="7577730" y="17662"/>
+                  <a:pt x="7412468" y="21416"/>
+                  <a:pt x="7217862" y="18288"/>
+                </a:cubicBezTo>
+                <a:cubicBezTo>
+                  <a:pt x="7023256" y="15160"/>
+                  <a:pt x="6898018" y="14824"/>
+                  <a:pt x="6648031" y="18288"/>
+                </a:cubicBezTo>
+                <a:cubicBezTo>
+                  <a:pt x="6398044" y="21752"/>
+                  <a:pt x="6254402" y="38625"/>
+                  <a:pt x="6078200" y="18288"/>
+                </a:cubicBezTo>
+                <a:cubicBezTo>
+                  <a:pt x="5901998" y="-2049"/>
+                  <a:pt x="5622886" y="3213"/>
+                  <a:pt x="5508368" y="18288"/>
+                </a:cubicBezTo>
+                <a:cubicBezTo>
+                  <a:pt x="5393850" y="33363"/>
+                  <a:pt x="5036260" y="26830"/>
+                  <a:pt x="4721459" y="18288"/>
+                </a:cubicBezTo>
+                <a:cubicBezTo>
+                  <a:pt x="4406658" y="9746"/>
+                  <a:pt x="4239221" y="41551"/>
+                  <a:pt x="4043088" y="18288"/>
+                </a:cubicBezTo>
+                <a:cubicBezTo>
+                  <a:pt x="3846955" y="-4975"/>
+                  <a:pt x="3818802" y="34658"/>
+                  <a:pt x="3690336" y="18288"/>
+                </a:cubicBezTo>
+                <a:cubicBezTo>
+                  <a:pt x="3561870" y="1918"/>
+                  <a:pt x="3265491" y="42194"/>
+                  <a:pt x="3120504" y="18288"/>
+                </a:cubicBezTo>
+                <a:cubicBezTo>
+                  <a:pt x="2975517" y="-5618"/>
+                  <a:pt x="2720254" y="36673"/>
+                  <a:pt x="2333595" y="18288"/>
+                </a:cubicBezTo>
+                <a:cubicBezTo>
+                  <a:pt x="1946936" y="-97"/>
+                  <a:pt x="2097241" y="5776"/>
+                  <a:pt x="1872303" y="18288"/>
+                </a:cubicBezTo>
+                <a:cubicBezTo>
+                  <a:pt x="1647365" y="30800"/>
+                  <a:pt x="1282708" y="45380"/>
+                  <a:pt x="976854" y="18288"/>
+                </a:cubicBezTo>
+                <a:cubicBezTo>
+                  <a:pt x="671000" y="-8804"/>
+                  <a:pt x="408401" y="-12775"/>
+                  <a:pt x="0" y="18288"/>
+                </a:cubicBezTo>
+                <a:cubicBezTo>
+                  <a:pt x="-213" y="9468"/>
+                  <a:pt x="187" y="4459"/>
+                  <a:pt x="0" y="0"/>
+                </a:cubicBezTo>
+                <a:close/>
+              </a:path>
+              <a:path w="10853928" h="18288" stroke="0" extrusionOk="0">
+                <a:moveTo>
+                  <a:pt x="0" y="0"/>
+                </a:moveTo>
+                <a:cubicBezTo>
+                  <a:pt x="267322" y="15284"/>
+                  <a:pt x="415388" y="-21048"/>
+                  <a:pt x="569831" y="0"/>
+                </a:cubicBezTo>
+                <a:cubicBezTo>
+                  <a:pt x="724274" y="21048"/>
+                  <a:pt x="769333" y="-2353"/>
+                  <a:pt x="922584" y="0"/>
+                </a:cubicBezTo>
+                <a:cubicBezTo>
+                  <a:pt x="1075835" y="2353"/>
+                  <a:pt x="1399490" y="-145"/>
+                  <a:pt x="1818033" y="0"/>
+                </a:cubicBezTo>
+                <a:cubicBezTo>
+                  <a:pt x="2236576" y="145"/>
+                  <a:pt x="2145330" y="5482"/>
+                  <a:pt x="2387864" y="0"/>
+                </a:cubicBezTo>
+                <a:cubicBezTo>
+                  <a:pt x="2630398" y="-5482"/>
+                  <a:pt x="2793207" y="18487"/>
+                  <a:pt x="2957695" y="0"/>
+                </a:cubicBezTo>
+                <a:cubicBezTo>
+                  <a:pt x="3122183" y="-18487"/>
+                  <a:pt x="3579141" y="19003"/>
+                  <a:pt x="3853144" y="0"/>
+                </a:cubicBezTo>
+                <a:cubicBezTo>
+                  <a:pt x="4127147" y="-19003"/>
+                  <a:pt x="4209857" y="12211"/>
+                  <a:pt x="4314436" y="0"/>
+                </a:cubicBezTo>
+                <a:cubicBezTo>
+                  <a:pt x="4419015" y="-12211"/>
+                  <a:pt x="4762459" y="-17220"/>
+                  <a:pt x="5209885" y="0"/>
+                </a:cubicBezTo>
+                <a:cubicBezTo>
+                  <a:pt x="5657311" y="17220"/>
+                  <a:pt x="5692663" y="-3290"/>
+                  <a:pt x="6105335" y="0"/>
+                </a:cubicBezTo>
+                <a:cubicBezTo>
+                  <a:pt x="6518007" y="3290"/>
+                  <a:pt x="6455516" y="-5124"/>
+                  <a:pt x="6783705" y="0"/>
+                </a:cubicBezTo>
+                <a:cubicBezTo>
+                  <a:pt x="7111894" y="5124"/>
+                  <a:pt x="7441941" y="-17829"/>
+                  <a:pt x="7679154" y="0"/>
+                </a:cubicBezTo>
+                <a:cubicBezTo>
+                  <a:pt x="7916367" y="17829"/>
+                  <a:pt x="8102967" y="-24363"/>
+                  <a:pt x="8248985" y="0"/>
+                </a:cubicBezTo>
+                <a:cubicBezTo>
+                  <a:pt x="8395003" y="24363"/>
+                  <a:pt x="8552393" y="25505"/>
+                  <a:pt x="8818817" y="0"/>
+                </a:cubicBezTo>
+                <a:cubicBezTo>
+                  <a:pt x="9085241" y="-25505"/>
+                  <a:pt x="9411308" y="38000"/>
+                  <a:pt x="9605726" y="0"/>
+                </a:cubicBezTo>
+                <a:cubicBezTo>
+                  <a:pt x="9800144" y="-38000"/>
+                  <a:pt x="10006468" y="-25741"/>
+                  <a:pt x="10175558" y="0"/>
+                </a:cubicBezTo>
+                <a:cubicBezTo>
+                  <a:pt x="10344648" y="25741"/>
+                  <a:pt x="10696282" y="695"/>
+                  <a:pt x="10853928" y="0"/>
+                </a:cubicBezTo>
+                <a:cubicBezTo>
+                  <a:pt x="10853521" y="8690"/>
+                  <a:pt x="10853774" y="14141"/>
+                  <a:pt x="10853928" y="18288"/>
+                </a:cubicBezTo>
+                <a:cubicBezTo>
+                  <a:pt x="10608124" y="24255"/>
+                  <a:pt x="10343415" y="22307"/>
+                  <a:pt x="10067018" y="18288"/>
+                </a:cubicBezTo>
+                <a:cubicBezTo>
+                  <a:pt x="9790621" y="14270"/>
+                  <a:pt x="9843266" y="3564"/>
+                  <a:pt x="9714266" y="18288"/>
+                </a:cubicBezTo>
+                <a:cubicBezTo>
+                  <a:pt x="9585266" y="33012"/>
+                  <a:pt x="9379484" y="1875"/>
+                  <a:pt x="9252974" y="18288"/>
+                </a:cubicBezTo>
+                <a:cubicBezTo>
+                  <a:pt x="9126464" y="34701"/>
+                  <a:pt x="8580678" y="-4904"/>
+                  <a:pt x="8357525" y="18288"/>
+                </a:cubicBezTo>
+                <a:cubicBezTo>
+                  <a:pt x="8134372" y="41480"/>
+                  <a:pt x="7903199" y="26458"/>
+                  <a:pt x="7679154" y="18288"/>
+                </a:cubicBezTo>
+                <a:cubicBezTo>
+                  <a:pt x="7455109" y="10118"/>
+                  <a:pt x="7435944" y="27109"/>
+                  <a:pt x="7217862" y="18288"/>
+                </a:cubicBezTo>
+                <a:cubicBezTo>
+                  <a:pt x="6999780" y="9467"/>
+                  <a:pt x="6680409" y="18985"/>
+                  <a:pt x="6539492" y="18288"/>
+                </a:cubicBezTo>
+                <a:cubicBezTo>
+                  <a:pt x="6398575" y="17592"/>
+                  <a:pt x="6312077" y="33018"/>
+                  <a:pt x="6186739" y="18288"/>
+                </a:cubicBezTo>
+                <a:cubicBezTo>
+                  <a:pt x="6061401" y="3558"/>
+                  <a:pt x="5947033" y="12075"/>
+                  <a:pt x="5833986" y="18288"/>
+                </a:cubicBezTo>
+                <a:cubicBezTo>
+                  <a:pt x="5720939" y="24501"/>
+                  <a:pt x="5482226" y="8586"/>
+                  <a:pt x="5155616" y="18288"/>
+                </a:cubicBezTo>
+                <a:cubicBezTo>
+                  <a:pt x="4829006" y="27991"/>
+                  <a:pt x="4841274" y="29316"/>
+                  <a:pt x="4694324" y="18288"/>
+                </a:cubicBezTo>
+                <a:cubicBezTo>
+                  <a:pt x="4547374" y="7260"/>
+                  <a:pt x="4077675" y="7013"/>
+                  <a:pt x="3907414" y="18288"/>
+                </a:cubicBezTo>
+                <a:cubicBezTo>
+                  <a:pt x="3737153" y="29564"/>
+                  <a:pt x="3538393" y="21630"/>
+                  <a:pt x="3446122" y="18288"/>
+                </a:cubicBezTo>
+                <a:cubicBezTo>
+                  <a:pt x="3353851" y="14946"/>
+                  <a:pt x="2990320" y="-8091"/>
+                  <a:pt x="2659212" y="18288"/>
+                </a:cubicBezTo>
+                <a:cubicBezTo>
+                  <a:pt x="2328104" y="44667"/>
+                  <a:pt x="2427653" y="9607"/>
+                  <a:pt x="2306460" y="18288"/>
+                </a:cubicBezTo>
+                <a:cubicBezTo>
+                  <a:pt x="2185267" y="26969"/>
+                  <a:pt x="1719763" y="3717"/>
+                  <a:pt x="1519550" y="18288"/>
+                </a:cubicBezTo>
+                <a:cubicBezTo>
+                  <a:pt x="1319337" y="32860"/>
+                  <a:pt x="1167371" y="17040"/>
+                  <a:pt x="1058258" y="18288"/>
+                </a:cubicBezTo>
+                <a:cubicBezTo>
+                  <a:pt x="949145" y="19536"/>
+                  <a:pt x="780234" y="31447"/>
+                  <a:pt x="705505" y="18288"/>
+                </a:cubicBezTo>
+                <a:cubicBezTo>
+                  <a:pt x="630776" y="5129"/>
+                  <a:pt x="215796" y="30056"/>
+                  <a:pt x="0" y="18288"/>
+                </a:cubicBezTo>
+                <a:cubicBezTo>
+                  <a:pt x="-53" y="11301"/>
+                  <a:pt x="-649" y="7756"/>
+                  <a:pt x="0" y="0"/>
+                </a:cubicBezTo>
+                <a:close/>
+              </a:path>
+            </a:pathLst>
+          </a:custGeom>
+          <a:solidFill>
+            <a:schemeClr val="accent2"/>
+          </a:solidFill>
+          <a:ln w="41275" cap="rnd">
+            <a:solidFill>
+              <a:schemeClr val="accent2"/>
+            </a:solidFill>
+            <a:round/>
+            <a:extLst>
+              <a:ext uri="{C807C97D-BFC1-408E-A445-0C87EB9F89A2}">
+                <ask:lineSketchStyleProps xmlns:ask="http://schemas.microsoft.com/office/drawing/2018/sketchyshapes" sd="1219033472">
+                  <a:prstGeom prst="rect">
+                    <a:avLst/>
+                  </a:prstGeom>
+                  <ask:type>
+                    <ask:lineSketchFreehand/>
+                  </ask:type>
+                </ask:lineSketchStyleProps>
+              </a:ext>
+            </a:extLst>
+          </a:ln>
+        </p:spPr>
+        <p:style>
+          <a:lnRef idx="2">
+            <a:schemeClr val="accent1">
+              <a:shade val="50000"/>
+            </a:schemeClr>
+          </a:lnRef>
+          <a:fillRef idx="1">
+            <a:schemeClr val="accent1"/>
+          </a:fillRef>
+          <a:effectRef idx="0">
+            <a:schemeClr val="accent1"/>
+          </a:effectRef>
+          <a:fontRef idx="minor">
+            <a:schemeClr val="lt1"/>
+          </a:fontRef>
+        </p:style>
+        <p:txBody>
+          <a:bodyPr rtlCol="0" anchor="ctr"/>
+          <a:lstStyle/>
+          <a:p>
+            <a:pPr marL="0" marR="0" lvl="0" indent="0" algn="ctr" defTabSz="914400" rtl="0" eaLnBrk="1" fontAlgn="auto" latinLnBrk="0" hangingPunct="1">
+              <a:lnSpc>
+                <a:spcPct val="100000"/>
+              </a:lnSpc>
+              <a:spcBef>
+                <a:spcPts val="0"/>
+              </a:spcBef>
+              <a:spcAft>
+                <a:spcPts val="0"/>
+              </a:spcAft>
+              <a:buClrTx/>
+              <a:buSzTx/>
+              <a:buFontTx/>
+              <a:buNone/>
+              <a:tabLst/>
+              <a:defRPr/>
+            </a:pPr>
+            <a:endParaRPr kumimoji="0" lang="en-US" sz="1800" b="0" i="0" u="none" strike="noStrike" kern="1200" cap="none" spc="0" normalizeH="0" baseline="0" noProof="0">
+              <a:ln>
+                <a:noFill/>
+              </a:ln>
+              <a:solidFill>
+                <a:prstClr val="white"/>
+              </a:solidFill>
+              <a:effectLst/>
+              <a:uLnTx/>
+              <a:uFillTx/>
+              <a:latin typeface="Calibri" panose="020F0502020204030204"/>
+              <a:ea typeface="+mn-ea"/>
+              <a:cs typeface="+mn-cs"/>
+            </a:endParaRPr>
+          </a:p>
+        </p:txBody>
+      </p:sp>
+      <p:sp>
+        <p:nvSpPr>
+          <p:cNvPr id="3" name="Content Placeholder 2">
+            <a:extLst>
+              <a:ext uri="{FF2B5EF4-FFF2-40B4-BE49-F238E27FC236}">
                 <a16:creationId xmlns:a16="http://schemas.microsoft.com/office/drawing/2014/main" id="{B6D0C8E6-B88C-4631-984B-D7D33993F604}"/>
               </a:ext>
             </a:extLst>
@@ -14720,9 +15621,17 @@
 </p:sld>
 </file>
 
-<file path=ppt/slides/slide11.xml><?xml version="1.0" encoding="utf-8"?>
+<file path=ppt/slides/slide12.xml><?xml version="1.0" encoding="utf-8"?>
 <p:sld xmlns:a="http://schemas.openxmlformats.org/drawingml/2006/main" xmlns:r="http://schemas.openxmlformats.org/officeDocument/2006/relationships" xmlns:p="http://schemas.openxmlformats.org/presentationml/2006/main">
   <p:cSld>
+    <p:bg>
+      <p:bgPr>
+        <a:solidFill>
+          <a:schemeClr val="bg1"/>
+        </a:solidFill>
+        <a:effectLst/>
+      </p:bgPr>
+    </p:bg>
     <p:spTree>
       <p:nvGrpSpPr>
         <p:cNvPr id="1" name=""/>
@@ -14737,6 +15646,66 @@
           <a:chExt cx="0" cy="0"/>
         </a:xfrm>
       </p:grpSpPr>
+      <p:sp useBgFill="1">
+        <p:nvSpPr>
+          <p:cNvPr id="8" name="Rectangle 7">
+            <a:extLst>
+              <a:ext uri="{FF2B5EF4-FFF2-40B4-BE49-F238E27FC236}">
+                <a16:creationId xmlns:a16="http://schemas.microsoft.com/office/drawing/2014/main" id="{100EDD19-6802-4EC3-95CE-CFFAB042CFD6}"/>
+              </a:ext>
+              <a:ext uri="{C183D7F6-B498-43B3-948B-1728B52AA6E4}">
+                <adec:decorative xmlns:adec="http://schemas.microsoft.com/office/drawing/2017/decorative" val="1"/>
+              </a:ext>
+            </a:extLst>
+          </p:cNvPr>
+          <p:cNvSpPr>
+            <a:spLocks noGrp="1" noRot="1" noChangeAspect="1" noMove="1" noResize="1" noEditPoints="1" noAdjustHandles="1" noChangeArrowheads="1" noChangeShapeType="1" noTextEdit="1"/>
+          </p:cNvSpPr>
+          <p:nvPr>
+            <p:extLst>
+              <p:ext uri="{386F3935-93C4-4BCD-93E2-E3B085C9AB24}">
+                <p16:designElem xmlns:p16="http://schemas.microsoft.com/office/powerpoint/2015/main" val="1"/>
+              </p:ext>
+            </p:extLst>
+          </p:nvPr>
+        </p:nvSpPr>
+        <p:spPr>
+          <a:xfrm>
+            <a:off x="0" y="0"/>
+            <a:ext cx="12188952" cy="6858000"/>
+          </a:xfrm>
+          <a:prstGeom prst="rect">
+            <a:avLst/>
+          </a:prstGeom>
+          <a:ln>
+            <a:noFill/>
+          </a:ln>
+        </p:spPr>
+        <p:style>
+          <a:lnRef idx="2">
+            <a:schemeClr val="accent1">
+              <a:shade val="50000"/>
+            </a:schemeClr>
+          </a:lnRef>
+          <a:fillRef idx="1">
+            <a:schemeClr val="accent1"/>
+          </a:fillRef>
+          <a:effectRef idx="0">
+            <a:schemeClr val="accent1"/>
+          </a:effectRef>
+          <a:fontRef idx="minor">
+            <a:schemeClr val="lt1"/>
+          </a:fontRef>
+        </p:style>
+        <p:txBody>
+          <a:bodyPr rtlCol="0" anchor="ctr"/>
+          <a:lstStyle/>
+          <a:p>
+            <a:pPr algn="ctr"/>
+            <a:endParaRPr lang="en-US"/>
+          </a:p>
+        </p:txBody>
+      </p:sp>
       <p:sp>
         <p:nvSpPr>
           <p:cNvPr id="2" name="Title 1">
@@ -14774,6 +15743,644 @@
       </p:sp>
       <p:sp>
         <p:nvSpPr>
+          <p:cNvPr id="10" name="sketch line">
+            <a:extLst>
+              <a:ext uri="{FF2B5EF4-FFF2-40B4-BE49-F238E27FC236}">
+                <a16:creationId xmlns:a16="http://schemas.microsoft.com/office/drawing/2014/main" id="{DB17E863-922E-4C26-BD64-E8FD41D28661}"/>
+              </a:ext>
+              <a:ext uri="{C183D7F6-B498-43B3-948B-1728B52AA6E4}">
+                <adec:decorative xmlns:adec="http://schemas.microsoft.com/office/drawing/2017/decorative" val="1"/>
+              </a:ext>
+            </a:extLst>
+          </p:cNvPr>
+          <p:cNvSpPr>
+            <a:spLocks noGrp="1" noRot="1" noChangeAspect="1" noMove="1" noResize="1" noEditPoints="1" noAdjustHandles="1" noChangeArrowheads="1" noChangeShapeType="1" noTextEdit="1"/>
+          </p:cNvSpPr>
+          <p:nvPr>
+            <p:extLst>
+              <p:ext uri="{386F3935-93C4-4BCD-93E2-E3B085C9AB24}">
+                <p16:designElem xmlns:p16="http://schemas.microsoft.com/office/powerpoint/2015/main" val="1"/>
+              </p:ext>
+            </p:extLst>
+          </p:nvPr>
+        </p:nvSpPr>
+        <p:spPr>
+          <a:xfrm>
+            <a:off x="669036" y="1677373"/>
+            <a:ext cx="10853928" cy="18288"/>
+          </a:xfrm>
+          <a:custGeom>
+            <a:avLst/>
+            <a:gdLst>
+              <a:gd name="connsiteX0" fmla="*/ 0 w 10853928"/>
+              <a:gd name="connsiteY0" fmla="*/ 0 h 18288"/>
+              <a:gd name="connsiteX1" fmla="*/ 461292 w 10853928"/>
+              <a:gd name="connsiteY1" fmla="*/ 0 h 18288"/>
+              <a:gd name="connsiteX2" fmla="*/ 1139662 w 10853928"/>
+              <a:gd name="connsiteY2" fmla="*/ 0 h 18288"/>
+              <a:gd name="connsiteX3" fmla="*/ 1926572 w 10853928"/>
+              <a:gd name="connsiteY3" fmla="*/ 0 h 18288"/>
+              <a:gd name="connsiteX4" fmla="*/ 2279325 w 10853928"/>
+              <a:gd name="connsiteY4" fmla="*/ 0 h 18288"/>
+              <a:gd name="connsiteX5" fmla="*/ 2632078 w 10853928"/>
+              <a:gd name="connsiteY5" fmla="*/ 0 h 18288"/>
+              <a:gd name="connsiteX6" fmla="*/ 3527527 w 10853928"/>
+              <a:gd name="connsiteY6" fmla="*/ 0 h 18288"/>
+              <a:gd name="connsiteX7" fmla="*/ 4205897 w 10853928"/>
+              <a:gd name="connsiteY7" fmla="*/ 0 h 18288"/>
+              <a:gd name="connsiteX8" fmla="*/ 4558650 w 10853928"/>
+              <a:gd name="connsiteY8" fmla="*/ 0 h 18288"/>
+              <a:gd name="connsiteX9" fmla="*/ 5237020 w 10853928"/>
+              <a:gd name="connsiteY9" fmla="*/ 0 h 18288"/>
+              <a:gd name="connsiteX10" fmla="*/ 6132469 w 10853928"/>
+              <a:gd name="connsiteY10" fmla="*/ 0 h 18288"/>
+              <a:gd name="connsiteX11" fmla="*/ 6702301 w 10853928"/>
+              <a:gd name="connsiteY11" fmla="*/ 0 h 18288"/>
+              <a:gd name="connsiteX12" fmla="*/ 7272132 w 10853928"/>
+              <a:gd name="connsiteY12" fmla="*/ 0 h 18288"/>
+              <a:gd name="connsiteX13" fmla="*/ 7950502 w 10853928"/>
+              <a:gd name="connsiteY13" fmla="*/ 0 h 18288"/>
+              <a:gd name="connsiteX14" fmla="*/ 8737412 w 10853928"/>
+              <a:gd name="connsiteY14" fmla="*/ 0 h 18288"/>
+              <a:gd name="connsiteX15" fmla="*/ 9524322 w 10853928"/>
+              <a:gd name="connsiteY15" fmla="*/ 0 h 18288"/>
+              <a:gd name="connsiteX16" fmla="*/ 10853928 w 10853928"/>
+              <a:gd name="connsiteY16" fmla="*/ 0 h 18288"/>
+              <a:gd name="connsiteX17" fmla="*/ 10853928 w 10853928"/>
+              <a:gd name="connsiteY17" fmla="*/ 18288 h 18288"/>
+              <a:gd name="connsiteX18" fmla="*/ 10392636 w 10853928"/>
+              <a:gd name="connsiteY18" fmla="*/ 18288 h 18288"/>
+              <a:gd name="connsiteX19" fmla="*/ 9497187 w 10853928"/>
+              <a:gd name="connsiteY19" fmla="*/ 18288 h 18288"/>
+              <a:gd name="connsiteX20" fmla="*/ 8818817 w 10853928"/>
+              <a:gd name="connsiteY20" fmla="*/ 18288 h 18288"/>
+              <a:gd name="connsiteX21" fmla="*/ 8466064 w 10853928"/>
+              <a:gd name="connsiteY21" fmla="*/ 18288 h 18288"/>
+              <a:gd name="connsiteX22" fmla="*/ 7787693 w 10853928"/>
+              <a:gd name="connsiteY22" fmla="*/ 18288 h 18288"/>
+              <a:gd name="connsiteX23" fmla="*/ 7217862 w 10853928"/>
+              <a:gd name="connsiteY23" fmla="*/ 18288 h 18288"/>
+              <a:gd name="connsiteX24" fmla="*/ 6648031 w 10853928"/>
+              <a:gd name="connsiteY24" fmla="*/ 18288 h 18288"/>
+              <a:gd name="connsiteX25" fmla="*/ 6078200 w 10853928"/>
+              <a:gd name="connsiteY25" fmla="*/ 18288 h 18288"/>
+              <a:gd name="connsiteX26" fmla="*/ 5508368 w 10853928"/>
+              <a:gd name="connsiteY26" fmla="*/ 18288 h 18288"/>
+              <a:gd name="connsiteX27" fmla="*/ 4721459 w 10853928"/>
+              <a:gd name="connsiteY27" fmla="*/ 18288 h 18288"/>
+              <a:gd name="connsiteX28" fmla="*/ 4043088 w 10853928"/>
+              <a:gd name="connsiteY28" fmla="*/ 18288 h 18288"/>
+              <a:gd name="connsiteX29" fmla="*/ 3690336 w 10853928"/>
+              <a:gd name="connsiteY29" fmla="*/ 18288 h 18288"/>
+              <a:gd name="connsiteX30" fmla="*/ 3120504 w 10853928"/>
+              <a:gd name="connsiteY30" fmla="*/ 18288 h 18288"/>
+              <a:gd name="connsiteX31" fmla="*/ 2333595 w 10853928"/>
+              <a:gd name="connsiteY31" fmla="*/ 18288 h 18288"/>
+              <a:gd name="connsiteX32" fmla="*/ 1872303 w 10853928"/>
+              <a:gd name="connsiteY32" fmla="*/ 18288 h 18288"/>
+              <a:gd name="connsiteX33" fmla="*/ 976854 w 10853928"/>
+              <a:gd name="connsiteY33" fmla="*/ 18288 h 18288"/>
+              <a:gd name="connsiteX34" fmla="*/ 0 w 10853928"/>
+              <a:gd name="connsiteY34" fmla="*/ 18288 h 18288"/>
+              <a:gd name="connsiteX35" fmla="*/ 0 w 10853928"/>
+              <a:gd name="connsiteY35" fmla="*/ 0 h 18288"/>
+            </a:gdLst>
+            <a:ahLst/>
+            <a:cxnLst>
+              <a:cxn ang="0">
+                <a:pos x="connsiteX0" y="connsiteY0"/>
+              </a:cxn>
+              <a:cxn ang="0">
+                <a:pos x="connsiteX1" y="connsiteY1"/>
+              </a:cxn>
+              <a:cxn ang="0">
+                <a:pos x="connsiteX2" y="connsiteY2"/>
+              </a:cxn>
+              <a:cxn ang="0">
+                <a:pos x="connsiteX3" y="connsiteY3"/>
+              </a:cxn>
+              <a:cxn ang="0">
+                <a:pos x="connsiteX4" y="connsiteY4"/>
+              </a:cxn>
+              <a:cxn ang="0">
+                <a:pos x="connsiteX5" y="connsiteY5"/>
+              </a:cxn>
+              <a:cxn ang="0">
+                <a:pos x="connsiteX6" y="connsiteY6"/>
+              </a:cxn>
+              <a:cxn ang="0">
+                <a:pos x="connsiteX7" y="connsiteY7"/>
+              </a:cxn>
+              <a:cxn ang="0">
+                <a:pos x="connsiteX8" y="connsiteY8"/>
+              </a:cxn>
+              <a:cxn ang="0">
+                <a:pos x="connsiteX9" y="connsiteY9"/>
+              </a:cxn>
+              <a:cxn ang="0">
+                <a:pos x="connsiteX10" y="connsiteY10"/>
+              </a:cxn>
+              <a:cxn ang="0">
+                <a:pos x="connsiteX11" y="connsiteY11"/>
+              </a:cxn>
+              <a:cxn ang="0">
+                <a:pos x="connsiteX12" y="connsiteY12"/>
+              </a:cxn>
+              <a:cxn ang="0">
+                <a:pos x="connsiteX13" y="connsiteY13"/>
+              </a:cxn>
+              <a:cxn ang="0">
+                <a:pos x="connsiteX14" y="connsiteY14"/>
+              </a:cxn>
+              <a:cxn ang="0">
+                <a:pos x="connsiteX15" y="connsiteY15"/>
+              </a:cxn>
+              <a:cxn ang="0">
+                <a:pos x="connsiteX16" y="connsiteY16"/>
+              </a:cxn>
+              <a:cxn ang="0">
+                <a:pos x="connsiteX17" y="connsiteY17"/>
+              </a:cxn>
+              <a:cxn ang="0">
+                <a:pos x="connsiteX18" y="connsiteY18"/>
+              </a:cxn>
+              <a:cxn ang="0">
+                <a:pos x="connsiteX19" y="connsiteY19"/>
+              </a:cxn>
+              <a:cxn ang="0">
+                <a:pos x="connsiteX20" y="connsiteY20"/>
+              </a:cxn>
+              <a:cxn ang="0">
+                <a:pos x="connsiteX21" y="connsiteY21"/>
+              </a:cxn>
+              <a:cxn ang="0">
+                <a:pos x="connsiteX22" y="connsiteY22"/>
+              </a:cxn>
+              <a:cxn ang="0">
+                <a:pos x="connsiteX23" y="connsiteY23"/>
+              </a:cxn>
+              <a:cxn ang="0">
+                <a:pos x="connsiteX24" y="connsiteY24"/>
+              </a:cxn>
+              <a:cxn ang="0">
+                <a:pos x="connsiteX25" y="connsiteY25"/>
+              </a:cxn>
+              <a:cxn ang="0">
+                <a:pos x="connsiteX26" y="connsiteY26"/>
+              </a:cxn>
+              <a:cxn ang="0">
+                <a:pos x="connsiteX27" y="connsiteY27"/>
+              </a:cxn>
+              <a:cxn ang="0">
+                <a:pos x="connsiteX28" y="connsiteY28"/>
+              </a:cxn>
+              <a:cxn ang="0">
+                <a:pos x="connsiteX29" y="connsiteY29"/>
+              </a:cxn>
+              <a:cxn ang="0">
+                <a:pos x="connsiteX30" y="connsiteY30"/>
+              </a:cxn>
+              <a:cxn ang="0">
+                <a:pos x="connsiteX31" y="connsiteY31"/>
+              </a:cxn>
+              <a:cxn ang="0">
+                <a:pos x="connsiteX32" y="connsiteY32"/>
+              </a:cxn>
+              <a:cxn ang="0">
+                <a:pos x="connsiteX33" y="connsiteY33"/>
+              </a:cxn>
+              <a:cxn ang="0">
+                <a:pos x="connsiteX34" y="connsiteY34"/>
+              </a:cxn>
+              <a:cxn ang="0">
+                <a:pos x="connsiteX35" y="connsiteY35"/>
+              </a:cxn>
+            </a:cxnLst>
+            <a:rect l="l" t="t" r="r" b="b"/>
+            <a:pathLst>
+              <a:path w="10853928" h="18288" fill="none" extrusionOk="0">
+                <a:moveTo>
+                  <a:pt x="0" y="0"/>
+                </a:moveTo>
+                <a:cubicBezTo>
+                  <a:pt x="146993" y="-19076"/>
+                  <a:pt x="347684" y="-4790"/>
+                  <a:pt x="461292" y="0"/>
+                </a:cubicBezTo>
+                <a:cubicBezTo>
+                  <a:pt x="574900" y="4790"/>
+                  <a:pt x="808367" y="19821"/>
+                  <a:pt x="1139662" y="0"/>
+                </a:cubicBezTo>
+                <a:cubicBezTo>
+                  <a:pt x="1470957" y="-19821"/>
+                  <a:pt x="1627405" y="5721"/>
+                  <a:pt x="1926572" y="0"/>
+                </a:cubicBezTo>
+                <a:cubicBezTo>
+                  <a:pt x="2225739" y="-5721"/>
+                  <a:pt x="2137730" y="-3235"/>
+                  <a:pt x="2279325" y="0"/>
+                </a:cubicBezTo>
+                <a:cubicBezTo>
+                  <a:pt x="2420920" y="3235"/>
+                  <a:pt x="2456518" y="9685"/>
+                  <a:pt x="2632078" y="0"/>
+                </a:cubicBezTo>
+                <a:cubicBezTo>
+                  <a:pt x="2807638" y="-9685"/>
+                  <a:pt x="3211516" y="-43007"/>
+                  <a:pt x="3527527" y="0"/>
+                </a:cubicBezTo>
+                <a:cubicBezTo>
+                  <a:pt x="3843538" y="43007"/>
+                  <a:pt x="4058833" y="22042"/>
+                  <a:pt x="4205897" y="0"/>
+                </a:cubicBezTo>
+                <a:cubicBezTo>
+                  <a:pt x="4352961" y="-22042"/>
+                  <a:pt x="4474805" y="-11846"/>
+                  <a:pt x="4558650" y="0"/>
+                </a:cubicBezTo>
+                <a:cubicBezTo>
+                  <a:pt x="4642495" y="11846"/>
+                  <a:pt x="5041928" y="-6069"/>
+                  <a:pt x="5237020" y="0"/>
+                </a:cubicBezTo>
+                <a:cubicBezTo>
+                  <a:pt x="5432112" y="6069"/>
+                  <a:pt x="5943266" y="-17479"/>
+                  <a:pt x="6132469" y="0"/>
+                </a:cubicBezTo>
+                <a:cubicBezTo>
+                  <a:pt x="6321672" y="17479"/>
+                  <a:pt x="6483872" y="26234"/>
+                  <a:pt x="6702301" y="0"/>
+                </a:cubicBezTo>
+                <a:cubicBezTo>
+                  <a:pt x="6920730" y="-26234"/>
+                  <a:pt x="6991194" y="-15156"/>
+                  <a:pt x="7272132" y="0"/>
+                </a:cubicBezTo>
+                <a:cubicBezTo>
+                  <a:pt x="7553070" y="15156"/>
+                  <a:pt x="7684444" y="-32961"/>
+                  <a:pt x="7950502" y="0"/>
+                </a:cubicBezTo>
+                <a:cubicBezTo>
+                  <a:pt x="8216560" y="32961"/>
+                  <a:pt x="8493290" y="-10491"/>
+                  <a:pt x="8737412" y="0"/>
+                </a:cubicBezTo>
+                <a:cubicBezTo>
+                  <a:pt x="8981534" y="10491"/>
+                  <a:pt x="9191586" y="-13899"/>
+                  <a:pt x="9524322" y="0"/>
+                </a:cubicBezTo>
+                <a:cubicBezTo>
+                  <a:pt x="9857058" y="13899"/>
+                  <a:pt x="10297509" y="7485"/>
+                  <a:pt x="10853928" y="0"/>
+                </a:cubicBezTo>
+                <a:cubicBezTo>
+                  <a:pt x="10854574" y="4451"/>
+                  <a:pt x="10854418" y="9226"/>
+                  <a:pt x="10853928" y="18288"/>
+                </a:cubicBezTo>
+                <a:cubicBezTo>
+                  <a:pt x="10691638" y="28522"/>
+                  <a:pt x="10574319" y="29578"/>
+                  <a:pt x="10392636" y="18288"/>
+                </a:cubicBezTo>
+                <a:cubicBezTo>
+                  <a:pt x="10210953" y="6998"/>
+                  <a:pt x="9836277" y="-16742"/>
+                  <a:pt x="9497187" y="18288"/>
+                </a:cubicBezTo>
+                <a:cubicBezTo>
+                  <a:pt x="9158097" y="53318"/>
+                  <a:pt x="9119479" y="30714"/>
+                  <a:pt x="8818817" y="18288"/>
+                </a:cubicBezTo>
+                <a:cubicBezTo>
+                  <a:pt x="8518155" y="5863"/>
+                  <a:pt x="8640037" y="6483"/>
+                  <a:pt x="8466064" y="18288"/>
+                </a:cubicBezTo>
+                <a:cubicBezTo>
+                  <a:pt x="8292091" y="30093"/>
+                  <a:pt x="7997656" y="18914"/>
+                  <a:pt x="7787693" y="18288"/>
+                </a:cubicBezTo>
+                <a:cubicBezTo>
+                  <a:pt x="7577730" y="17662"/>
+                  <a:pt x="7412468" y="21416"/>
+                  <a:pt x="7217862" y="18288"/>
+                </a:cubicBezTo>
+                <a:cubicBezTo>
+                  <a:pt x="7023256" y="15160"/>
+                  <a:pt x="6898018" y="14824"/>
+                  <a:pt x="6648031" y="18288"/>
+                </a:cubicBezTo>
+                <a:cubicBezTo>
+                  <a:pt x="6398044" y="21752"/>
+                  <a:pt x="6254402" y="38625"/>
+                  <a:pt x="6078200" y="18288"/>
+                </a:cubicBezTo>
+                <a:cubicBezTo>
+                  <a:pt x="5901998" y="-2049"/>
+                  <a:pt x="5622886" y="3213"/>
+                  <a:pt x="5508368" y="18288"/>
+                </a:cubicBezTo>
+                <a:cubicBezTo>
+                  <a:pt x="5393850" y="33363"/>
+                  <a:pt x="5036260" y="26830"/>
+                  <a:pt x="4721459" y="18288"/>
+                </a:cubicBezTo>
+                <a:cubicBezTo>
+                  <a:pt x="4406658" y="9746"/>
+                  <a:pt x="4239221" y="41551"/>
+                  <a:pt x="4043088" y="18288"/>
+                </a:cubicBezTo>
+                <a:cubicBezTo>
+                  <a:pt x="3846955" y="-4975"/>
+                  <a:pt x="3818802" y="34658"/>
+                  <a:pt x="3690336" y="18288"/>
+                </a:cubicBezTo>
+                <a:cubicBezTo>
+                  <a:pt x="3561870" y="1918"/>
+                  <a:pt x="3265491" y="42194"/>
+                  <a:pt x="3120504" y="18288"/>
+                </a:cubicBezTo>
+                <a:cubicBezTo>
+                  <a:pt x="2975517" y="-5618"/>
+                  <a:pt x="2720254" y="36673"/>
+                  <a:pt x="2333595" y="18288"/>
+                </a:cubicBezTo>
+                <a:cubicBezTo>
+                  <a:pt x="1946936" y="-97"/>
+                  <a:pt x="2097241" y="5776"/>
+                  <a:pt x="1872303" y="18288"/>
+                </a:cubicBezTo>
+                <a:cubicBezTo>
+                  <a:pt x="1647365" y="30800"/>
+                  <a:pt x="1282708" y="45380"/>
+                  <a:pt x="976854" y="18288"/>
+                </a:cubicBezTo>
+                <a:cubicBezTo>
+                  <a:pt x="671000" y="-8804"/>
+                  <a:pt x="408401" y="-12775"/>
+                  <a:pt x="0" y="18288"/>
+                </a:cubicBezTo>
+                <a:cubicBezTo>
+                  <a:pt x="-213" y="9468"/>
+                  <a:pt x="187" y="4459"/>
+                  <a:pt x="0" y="0"/>
+                </a:cubicBezTo>
+                <a:close/>
+              </a:path>
+              <a:path w="10853928" h="18288" stroke="0" extrusionOk="0">
+                <a:moveTo>
+                  <a:pt x="0" y="0"/>
+                </a:moveTo>
+                <a:cubicBezTo>
+                  <a:pt x="267322" y="15284"/>
+                  <a:pt x="415388" y="-21048"/>
+                  <a:pt x="569831" y="0"/>
+                </a:cubicBezTo>
+                <a:cubicBezTo>
+                  <a:pt x="724274" y="21048"/>
+                  <a:pt x="769333" y="-2353"/>
+                  <a:pt x="922584" y="0"/>
+                </a:cubicBezTo>
+                <a:cubicBezTo>
+                  <a:pt x="1075835" y="2353"/>
+                  <a:pt x="1399490" y="-145"/>
+                  <a:pt x="1818033" y="0"/>
+                </a:cubicBezTo>
+                <a:cubicBezTo>
+                  <a:pt x="2236576" y="145"/>
+                  <a:pt x="2145330" y="5482"/>
+                  <a:pt x="2387864" y="0"/>
+                </a:cubicBezTo>
+                <a:cubicBezTo>
+                  <a:pt x="2630398" y="-5482"/>
+                  <a:pt x="2793207" y="18487"/>
+                  <a:pt x="2957695" y="0"/>
+                </a:cubicBezTo>
+                <a:cubicBezTo>
+                  <a:pt x="3122183" y="-18487"/>
+                  <a:pt x="3579141" y="19003"/>
+                  <a:pt x="3853144" y="0"/>
+                </a:cubicBezTo>
+                <a:cubicBezTo>
+                  <a:pt x="4127147" y="-19003"/>
+                  <a:pt x="4209857" y="12211"/>
+                  <a:pt x="4314436" y="0"/>
+                </a:cubicBezTo>
+                <a:cubicBezTo>
+                  <a:pt x="4419015" y="-12211"/>
+                  <a:pt x="4762459" y="-17220"/>
+                  <a:pt x="5209885" y="0"/>
+                </a:cubicBezTo>
+                <a:cubicBezTo>
+                  <a:pt x="5657311" y="17220"/>
+                  <a:pt x="5692663" y="-3290"/>
+                  <a:pt x="6105335" y="0"/>
+                </a:cubicBezTo>
+                <a:cubicBezTo>
+                  <a:pt x="6518007" y="3290"/>
+                  <a:pt x="6455516" y="-5124"/>
+                  <a:pt x="6783705" y="0"/>
+                </a:cubicBezTo>
+                <a:cubicBezTo>
+                  <a:pt x="7111894" y="5124"/>
+                  <a:pt x="7441941" y="-17829"/>
+                  <a:pt x="7679154" y="0"/>
+                </a:cubicBezTo>
+                <a:cubicBezTo>
+                  <a:pt x="7916367" y="17829"/>
+                  <a:pt x="8102967" y="-24363"/>
+                  <a:pt x="8248985" y="0"/>
+                </a:cubicBezTo>
+                <a:cubicBezTo>
+                  <a:pt x="8395003" y="24363"/>
+                  <a:pt x="8552393" y="25505"/>
+                  <a:pt x="8818817" y="0"/>
+                </a:cubicBezTo>
+                <a:cubicBezTo>
+                  <a:pt x="9085241" y="-25505"/>
+                  <a:pt x="9411308" y="38000"/>
+                  <a:pt x="9605726" y="0"/>
+                </a:cubicBezTo>
+                <a:cubicBezTo>
+                  <a:pt x="9800144" y="-38000"/>
+                  <a:pt x="10006468" y="-25741"/>
+                  <a:pt x="10175558" y="0"/>
+                </a:cubicBezTo>
+                <a:cubicBezTo>
+                  <a:pt x="10344648" y="25741"/>
+                  <a:pt x="10696282" y="695"/>
+                  <a:pt x="10853928" y="0"/>
+                </a:cubicBezTo>
+                <a:cubicBezTo>
+                  <a:pt x="10853521" y="8690"/>
+                  <a:pt x="10853774" y="14141"/>
+                  <a:pt x="10853928" y="18288"/>
+                </a:cubicBezTo>
+                <a:cubicBezTo>
+                  <a:pt x="10608124" y="24255"/>
+                  <a:pt x="10343415" y="22307"/>
+                  <a:pt x="10067018" y="18288"/>
+                </a:cubicBezTo>
+                <a:cubicBezTo>
+                  <a:pt x="9790621" y="14270"/>
+                  <a:pt x="9843266" y="3564"/>
+                  <a:pt x="9714266" y="18288"/>
+                </a:cubicBezTo>
+                <a:cubicBezTo>
+                  <a:pt x="9585266" y="33012"/>
+                  <a:pt x="9379484" y="1875"/>
+                  <a:pt x="9252974" y="18288"/>
+                </a:cubicBezTo>
+                <a:cubicBezTo>
+                  <a:pt x="9126464" y="34701"/>
+                  <a:pt x="8580678" y="-4904"/>
+                  <a:pt x="8357525" y="18288"/>
+                </a:cubicBezTo>
+                <a:cubicBezTo>
+                  <a:pt x="8134372" y="41480"/>
+                  <a:pt x="7903199" y="26458"/>
+                  <a:pt x="7679154" y="18288"/>
+                </a:cubicBezTo>
+                <a:cubicBezTo>
+                  <a:pt x="7455109" y="10118"/>
+                  <a:pt x="7435944" y="27109"/>
+                  <a:pt x="7217862" y="18288"/>
+                </a:cubicBezTo>
+                <a:cubicBezTo>
+                  <a:pt x="6999780" y="9467"/>
+                  <a:pt x="6680409" y="18985"/>
+                  <a:pt x="6539492" y="18288"/>
+                </a:cubicBezTo>
+                <a:cubicBezTo>
+                  <a:pt x="6398575" y="17592"/>
+                  <a:pt x="6312077" y="33018"/>
+                  <a:pt x="6186739" y="18288"/>
+                </a:cubicBezTo>
+                <a:cubicBezTo>
+                  <a:pt x="6061401" y="3558"/>
+                  <a:pt x="5947033" y="12075"/>
+                  <a:pt x="5833986" y="18288"/>
+                </a:cubicBezTo>
+                <a:cubicBezTo>
+                  <a:pt x="5720939" y="24501"/>
+                  <a:pt x="5482226" y="8586"/>
+                  <a:pt x="5155616" y="18288"/>
+                </a:cubicBezTo>
+                <a:cubicBezTo>
+                  <a:pt x="4829006" y="27991"/>
+                  <a:pt x="4841274" y="29316"/>
+                  <a:pt x="4694324" y="18288"/>
+                </a:cubicBezTo>
+                <a:cubicBezTo>
+                  <a:pt x="4547374" y="7260"/>
+                  <a:pt x="4077675" y="7013"/>
+                  <a:pt x="3907414" y="18288"/>
+                </a:cubicBezTo>
+                <a:cubicBezTo>
+                  <a:pt x="3737153" y="29564"/>
+                  <a:pt x="3538393" y="21630"/>
+                  <a:pt x="3446122" y="18288"/>
+                </a:cubicBezTo>
+                <a:cubicBezTo>
+                  <a:pt x="3353851" y="14946"/>
+                  <a:pt x="2990320" y="-8091"/>
+                  <a:pt x="2659212" y="18288"/>
+                </a:cubicBezTo>
+                <a:cubicBezTo>
+                  <a:pt x="2328104" y="44667"/>
+                  <a:pt x="2427653" y="9607"/>
+                  <a:pt x="2306460" y="18288"/>
+                </a:cubicBezTo>
+                <a:cubicBezTo>
+                  <a:pt x="2185267" y="26969"/>
+                  <a:pt x="1719763" y="3717"/>
+                  <a:pt x="1519550" y="18288"/>
+                </a:cubicBezTo>
+                <a:cubicBezTo>
+                  <a:pt x="1319337" y="32860"/>
+                  <a:pt x="1167371" y="17040"/>
+                  <a:pt x="1058258" y="18288"/>
+                </a:cubicBezTo>
+                <a:cubicBezTo>
+                  <a:pt x="949145" y="19536"/>
+                  <a:pt x="780234" y="31447"/>
+                  <a:pt x="705505" y="18288"/>
+                </a:cubicBezTo>
+                <a:cubicBezTo>
+                  <a:pt x="630776" y="5129"/>
+                  <a:pt x="215796" y="30056"/>
+                  <a:pt x="0" y="18288"/>
+                </a:cubicBezTo>
+                <a:cubicBezTo>
+                  <a:pt x="-53" y="11301"/>
+                  <a:pt x="-649" y="7756"/>
+                  <a:pt x="0" y="0"/>
+                </a:cubicBezTo>
+                <a:close/>
+              </a:path>
+            </a:pathLst>
+          </a:custGeom>
+          <a:solidFill>
+            <a:schemeClr val="accent2"/>
+          </a:solidFill>
+          <a:ln w="41275" cap="rnd">
+            <a:solidFill>
+              <a:schemeClr val="accent2"/>
+            </a:solidFill>
+            <a:round/>
+            <a:extLst>
+              <a:ext uri="{C807C97D-BFC1-408E-A445-0C87EB9F89A2}">
+                <ask:lineSketchStyleProps xmlns:ask="http://schemas.microsoft.com/office/drawing/2018/sketchyshapes" sd="1219033472">
+                  <a:prstGeom prst="rect">
+                    <a:avLst/>
+                  </a:prstGeom>
+                  <ask:type>
+                    <ask:lineSketchFreehand/>
+                  </ask:type>
+                </ask:lineSketchStyleProps>
+              </a:ext>
+            </a:extLst>
+          </a:ln>
+        </p:spPr>
+        <p:style>
+          <a:lnRef idx="2">
+            <a:schemeClr val="accent1">
+              <a:shade val="50000"/>
+            </a:schemeClr>
+          </a:lnRef>
+          <a:fillRef idx="1">
+            <a:schemeClr val="accent1"/>
+          </a:fillRef>
+          <a:effectRef idx="0">
+            <a:schemeClr val="accent1"/>
+          </a:effectRef>
+          <a:fontRef idx="minor">
+            <a:schemeClr val="lt1"/>
+          </a:fontRef>
+        </p:style>
+        <p:txBody>
+          <a:bodyPr rtlCol="0" anchor="ctr"/>
+          <a:lstStyle/>
+          <a:p>
+            <a:pPr algn="ctr"/>
+            <a:endParaRPr lang="en-US"/>
+          </a:p>
+        </p:txBody>
+      </p:sp>
+      <p:sp>
+        <p:nvSpPr>
           <p:cNvPr id="3" name="Content Placeholder 2">
             <a:extLst>
               <a:ext uri="{FF2B5EF4-FFF2-40B4-BE49-F238E27FC236}">
@@ -14796,92 +16403,108 @@
         </p:spPr>
         <p:txBody>
           <a:bodyPr>
-            <a:normAutofit fontScale="92500" lnSpcReduction="10000"/>
+            <a:normAutofit/>
           </a:bodyPr>
           <a:lstStyle/>
           <a:p>
             <a:r>
-              <a:rPr lang="en-US" sz="2200" dirty="0"/>
+              <a:rPr lang="en-US" sz="1700" dirty="0"/>
               <a:t>Hypothesis tests use samples to infer properties of entire population </a:t>
             </a:r>
           </a:p>
           <a:p>
             <a:r>
-              <a:rPr lang="en-US" sz="2200" dirty="0"/>
+              <a:rPr lang="en-US" sz="1700" dirty="0"/>
               <a:t>T-test compare means </a:t>
             </a:r>
           </a:p>
           <a:p>
             <a:r>
-              <a:rPr lang="en-US" sz="2200" dirty="0"/>
+              <a:rPr lang="en-US" sz="1700" dirty="0"/>
               <a:t>2 sample t-tests compare the means of 2 groups </a:t>
             </a:r>
           </a:p>
           <a:p>
             <a:pPr lvl="1"/>
             <a:r>
-              <a:rPr lang="en-US" sz="2200" dirty="0"/>
+              <a:rPr lang="en-US" sz="1700" dirty="0"/>
               <a:t>Are two population means different?</a:t>
             </a:r>
           </a:p>
           <a:p>
             <a:r>
-              <a:rPr lang="en-US" sz="2200" dirty="0"/>
+              <a:rPr lang="en-US" sz="1700" dirty="0"/>
               <a:t>Null and Alternative Hypotheses</a:t>
             </a:r>
           </a:p>
           <a:p>
             <a:pPr lvl="1"/>
             <a:r>
-              <a:rPr lang="en-US" sz="2200" dirty="0"/>
-              <a:t>Null: The two-group means are equal </a:t>
+              <a:rPr lang="en-US" sz="1700" dirty="0"/>
+              <a:t>Null: The two-group means </a:t>
+            </a:r>
+            <a:r>
+              <a:rPr lang="en-US" sz="1700" b="1" dirty="0"/>
+              <a:t>are</a:t>
+            </a:r>
+            <a:r>
+              <a:rPr lang="en-US" sz="1700" dirty="0"/>
+              <a:t> equal </a:t>
             </a:r>
           </a:p>
           <a:p>
             <a:pPr lvl="1"/>
             <a:r>
-              <a:rPr lang="en-US" sz="2200" dirty="0"/>
-              <a:t>Alternative: The two-group means are NOT equal </a:t>
-            </a:r>
-          </a:p>
-          <a:p>
-            <a:r>
-              <a:rPr lang="en-US" sz="2200" dirty="0"/>
+              <a:rPr lang="en-US" sz="1700" dirty="0"/>
+              <a:t>Alternative: The two-group means are </a:t>
+            </a:r>
+            <a:r>
+              <a:rPr lang="en-US" sz="1700" b="1" dirty="0"/>
+              <a:t>NOT</a:t>
+            </a:r>
+            <a:r>
+              <a:rPr lang="en-US" sz="1700" dirty="0"/>
+              <a:t> equal </a:t>
+            </a:r>
+          </a:p>
+          <a:p>
+            <a:r>
+              <a:rPr lang="en-US" sz="1700" dirty="0"/>
               <a:t>Statistically results: Reject the null hypothesis when the p-value &lt; significance level </a:t>
             </a:r>
           </a:p>
           <a:p>
             <a:r>
-              <a:rPr lang="en-US" sz="2200" dirty="0"/>
+              <a:rPr lang="en-US" sz="1700" dirty="0"/>
               <a:t>The formula for the independent t-test depends on the two samples’ variances </a:t>
             </a:r>
           </a:p>
           <a:p>
             <a:pPr lvl="1"/>
             <a:r>
-              <a:rPr lang="en-US" sz="1800" dirty="0"/>
+              <a:rPr lang="en-US" sz="1700" dirty="0"/>
               <a:t>Equal variance</a:t>
             </a:r>
           </a:p>
           <a:p>
             <a:pPr lvl="1"/>
             <a:r>
-              <a:rPr lang="en-US" sz="1800" dirty="0"/>
+              <a:rPr lang="en-US" sz="1700" dirty="0"/>
               <a:t>Unequal variance</a:t>
             </a:r>
           </a:p>
           <a:p>
             <a:r>
-              <a:rPr lang="en-US" sz="2200" dirty="0"/>
+              <a:rPr lang="en-US" sz="1700" dirty="0"/>
               <a:t>For formal formulas: visit </a:t>
             </a:r>
             <a:r>
-              <a:rPr lang="en-US" sz="2200" dirty="0">
+              <a:rPr lang="en-US" sz="1700" dirty="0">
                 <a:hlinkClick r:id="rId3"/>
               </a:rPr>
               <a:t>here</a:t>
             </a:r>
-            <a:endParaRPr lang="en-US" sz="2200" dirty="0"/>
+            <a:endParaRPr lang="en-US" sz="1700" dirty="0"/>
           </a:p>
         </p:txBody>
       </p:sp>
@@ -14898,9 +16521,17 @@
 </p:sld>
 </file>
 
-<file path=ppt/slides/slide12.xml><?xml version="1.0" encoding="utf-8"?>
+<file path=ppt/slides/slide13.xml><?xml version="1.0" encoding="utf-8"?>
 <p:sld xmlns:a="http://schemas.openxmlformats.org/drawingml/2006/main" xmlns:r="http://schemas.openxmlformats.org/officeDocument/2006/relationships" xmlns:p="http://schemas.openxmlformats.org/presentationml/2006/main">
   <p:cSld>
+    <p:bg>
+      <p:bgPr>
+        <a:solidFill>
+          <a:schemeClr val="bg1"/>
+        </a:solidFill>
+        <a:effectLst/>
+      </p:bgPr>
+    </p:bg>
     <p:spTree>
       <p:nvGrpSpPr>
         <p:cNvPr id="1" name=""/>
@@ -14915,6 +16546,66 @@
           <a:chExt cx="0" cy="0"/>
         </a:xfrm>
       </p:grpSpPr>
+      <p:sp useBgFill="1">
+        <p:nvSpPr>
+          <p:cNvPr id="9" name="Rectangle 8">
+            <a:extLst>
+              <a:ext uri="{FF2B5EF4-FFF2-40B4-BE49-F238E27FC236}">
+                <a16:creationId xmlns:a16="http://schemas.microsoft.com/office/drawing/2014/main" id="{2C61293E-6EBE-43EF-A52C-9BEBFD7679D4}"/>
+              </a:ext>
+              <a:ext uri="{C183D7F6-B498-43B3-948B-1728B52AA6E4}">
+                <adec:decorative xmlns:adec="http://schemas.microsoft.com/office/drawing/2017/decorative" val="1"/>
+              </a:ext>
+            </a:extLst>
+          </p:cNvPr>
+          <p:cNvSpPr>
+            <a:spLocks noGrp="1" noRot="1" noChangeAspect="1" noMove="1" noResize="1" noEditPoints="1" noAdjustHandles="1" noChangeArrowheads="1" noChangeShapeType="1" noTextEdit="1"/>
+          </p:cNvSpPr>
+          <p:nvPr>
+            <p:extLst>
+              <p:ext uri="{386F3935-93C4-4BCD-93E2-E3B085C9AB24}">
+                <p16:designElem xmlns:p16="http://schemas.microsoft.com/office/powerpoint/2015/main" val="1"/>
+              </p:ext>
+            </p:extLst>
+          </p:nvPr>
+        </p:nvSpPr>
+        <p:spPr>
+          <a:xfrm>
+            <a:off x="0" y="0"/>
+            <a:ext cx="12188952" cy="6858000"/>
+          </a:xfrm>
+          <a:prstGeom prst="rect">
+            <a:avLst/>
+          </a:prstGeom>
+          <a:ln>
+            <a:noFill/>
+          </a:ln>
+        </p:spPr>
+        <p:style>
+          <a:lnRef idx="2">
+            <a:schemeClr val="accent1">
+              <a:shade val="50000"/>
+            </a:schemeClr>
+          </a:lnRef>
+          <a:fillRef idx="1">
+            <a:schemeClr val="accent1"/>
+          </a:fillRef>
+          <a:effectRef idx="0">
+            <a:schemeClr val="accent1"/>
+          </a:effectRef>
+          <a:fontRef idx="minor">
+            <a:schemeClr val="lt1"/>
+          </a:fontRef>
+        </p:style>
+        <p:txBody>
+          <a:bodyPr rtlCol="0" anchor="ctr"/>
+          <a:lstStyle/>
+          <a:p>
+            <a:pPr algn="ctr"/>
+            <a:endParaRPr lang="en-US"/>
+          </a:p>
+        </p:txBody>
+      </p:sp>
       <p:sp>
         <p:nvSpPr>
           <p:cNvPr id="2" name="Title 1">
@@ -14931,15 +16622,506 @@
             <p:ph type="title"/>
           </p:nvPr>
         </p:nvSpPr>
-        <p:spPr/>
+        <p:spPr>
+          <a:xfrm>
+            <a:off x="5297762" y="329184"/>
+            <a:ext cx="6251110" cy="1783080"/>
+          </a:xfrm>
+        </p:spPr>
         <p:txBody>
-          <a:bodyPr/>
+          <a:bodyPr anchor="b">
+            <a:normAutofit/>
+          </a:bodyPr>
           <a:lstStyle/>
           <a:p>
             <a:r>
-              <a:rPr lang="en-US" dirty="0"/>
+              <a:rPr lang="en-US" sz="5400"/>
               <a:t>iClicker</a:t>
             </a:r>
+          </a:p>
+        </p:txBody>
+      </p:sp>
+      <p:pic>
+        <p:nvPicPr>
+          <p:cNvPr id="5" name="Picture 4" descr="Close up of ruler">
+            <a:extLst>
+              <a:ext uri="{FF2B5EF4-FFF2-40B4-BE49-F238E27FC236}">
+                <a16:creationId xmlns:a16="http://schemas.microsoft.com/office/drawing/2014/main" id="{1B472B30-F4B2-45FD-BB5B-0DC379A04501}"/>
+              </a:ext>
+            </a:extLst>
+          </p:cNvPr>
+          <p:cNvPicPr>
+            <a:picLocks noChangeAspect="1"/>
+          </p:cNvPicPr>
+          <p:nvPr/>
+        </p:nvPicPr>
+        <p:blipFill rotWithShape="1">
+          <a:blip r:embed="rId2"/>
+          <a:srcRect l="24640" r="30028" b="-1"/>
+          <a:stretch/>
+        </p:blipFill>
+        <p:spPr>
+          <a:xfrm>
+            <a:off x="1" y="10"/>
+            <a:ext cx="4657344" cy="6857990"/>
+          </a:xfrm>
+          <a:custGeom>
+            <a:avLst/>
+            <a:gdLst/>
+            <a:ahLst/>
+            <a:cxnLst/>
+            <a:rect l="l" t="t" r="r" b="b"/>
+            <a:pathLst>
+              <a:path w="4657344" h="6858000">
+                <a:moveTo>
+                  <a:pt x="0" y="0"/>
+                </a:moveTo>
+                <a:lnTo>
+                  <a:pt x="3429755" y="0"/>
+                </a:lnTo>
+                <a:lnTo>
+                  <a:pt x="3526016" y="148742"/>
+                </a:lnTo>
+                <a:cubicBezTo>
+                  <a:pt x="3657740" y="365513"/>
+                  <a:pt x="3777402" y="589569"/>
+                  <a:pt x="3886489" y="819975"/>
+                </a:cubicBezTo>
+                <a:cubicBezTo>
+                  <a:pt x="3891856" y="833492"/>
+                  <a:pt x="3900663" y="845393"/>
+                  <a:pt x="3912049" y="854514"/>
+                </a:cubicBezTo>
+                <a:cubicBezTo>
+                  <a:pt x="3897352" y="819849"/>
+                  <a:pt x="3883037" y="784928"/>
+                  <a:pt x="3868083" y="750263"/>
+                </a:cubicBezTo>
+                <a:cubicBezTo>
+                  <a:pt x="3806989" y="608712"/>
+                  <a:pt x="3742478" y="469145"/>
+                  <a:pt x="3674155" y="331786"/>
+                </a:cubicBezTo>
+                <a:lnTo>
+                  <a:pt x="3496656" y="0"/>
+                </a:lnTo>
+                <a:lnTo>
+                  <a:pt x="3554371" y="0"/>
+                </a:lnTo>
+                <a:lnTo>
+                  <a:pt x="3661621" y="196614"/>
+                </a:lnTo>
+                <a:cubicBezTo>
+                  <a:pt x="3856899" y="573253"/>
+                  <a:pt x="4021071" y="966066"/>
+                  <a:pt x="4161279" y="1371196"/>
+                </a:cubicBezTo>
+                <a:cubicBezTo>
+                  <a:pt x="4379525" y="2007265"/>
+                  <a:pt x="4530141" y="2664286"/>
+                  <a:pt x="4610660" y="3331516"/>
+                </a:cubicBezTo>
+                <a:cubicBezTo>
+                  <a:pt x="4652837" y="3672965"/>
+                  <a:pt x="4671625" y="4013908"/>
+                  <a:pt x="4645040" y="4357388"/>
+                </a:cubicBezTo>
+                <a:cubicBezTo>
+                  <a:pt x="4613599" y="4758899"/>
+                  <a:pt x="4566181" y="5157998"/>
+                  <a:pt x="4485789" y="5552906"/>
+                </a:cubicBezTo>
+                <a:cubicBezTo>
+                  <a:pt x="4397121" y="5988893"/>
+                  <a:pt x="4276748" y="6414594"/>
+                  <a:pt x="4117769" y="6828295"/>
+                </a:cubicBezTo>
+                <a:lnTo>
+                  <a:pt x="4105288" y="6858000"/>
+                </a:lnTo>
+                <a:lnTo>
+                  <a:pt x="4052520" y="6858000"/>
+                </a:lnTo>
+                <a:lnTo>
+                  <a:pt x="4059369" y="6841549"/>
+                </a:lnTo>
+                <a:cubicBezTo>
+                  <a:pt x="4147276" y="6614016"/>
+                  <a:pt x="4224193" y="6380817"/>
+                  <a:pt x="4291518" y="6142729"/>
+                </a:cubicBezTo>
+                <a:cubicBezTo>
+                  <a:pt x="4350055" y="5935370"/>
+                  <a:pt x="4393256" y="5723695"/>
+                  <a:pt x="4443357" y="5513923"/>
+                </a:cubicBezTo>
+                <a:cubicBezTo>
+                  <a:pt x="4444541" y="5502788"/>
+                  <a:pt x="4445137" y="5491601"/>
+                  <a:pt x="4445146" y="5480401"/>
+                </a:cubicBezTo>
+                <a:cubicBezTo>
+                  <a:pt x="4408465" y="5607635"/>
+                  <a:pt x="4379196" y="5719759"/>
+                  <a:pt x="4344559" y="5830359"/>
+                </a:cubicBezTo>
+                <a:cubicBezTo>
+                  <a:pt x="4254261" y="6118381"/>
+                  <a:pt x="4150112" y="6398531"/>
+                  <a:pt x="4031702" y="6670527"/>
+                </a:cubicBezTo>
+                <a:lnTo>
+                  <a:pt x="3943824" y="6858000"/>
+                </a:lnTo>
+                <a:lnTo>
+                  <a:pt x="0" y="6858000"/>
+                </a:lnTo>
+                <a:close/>
+              </a:path>
+            </a:pathLst>
+          </a:custGeom>
+        </p:spPr>
+      </p:pic>
+      <p:sp>
+        <p:nvSpPr>
+          <p:cNvPr id="11" name="sketchy line">
+            <a:extLst>
+              <a:ext uri="{FF2B5EF4-FFF2-40B4-BE49-F238E27FC236}">
+                <a16:creationId xmlns:a16="http://schemas.microsoft.com/office/drawing/2014/main" id="{21540236-BFD5-4A9D-8840-4703E7F76825}"/>
+              </a:ext>
+              <a:ext uri="{C183D7F6-B498-43B3-948B-1728B52AA6E4}">
+                <adec:decorative xmlns:adec="http://schemas.microsoft.com/office/drawing/2017/decorative" val="1"/>
+              </a:ext>
+            </a:extLst>
+          </p:cNvPr>
+          <p:cNvSpPr>
+            <a:spLocks noGrp="1" noRot="1" noChangeAspect="1" noMove="1" noResize="1" noEditPoints="1" noAdjustHandles="1" noChangeArrowheads="1" noChangeShapeType="1" noTextEdit="1"/>
+          </p:cNvSpPr>
+          <p:nvPr>
+            <p:extLst>
+              <p:ext uri="{386F3935-93C4-4BCD-93E2-E3B085C9AB24}">
+                <p16:designElem xmlns:p16="http://schemas.microsoft.com/office/powerpoint/2015/main" val="1"/>
+              </p:ext>
+            </p:extLst>
+          </p:nvPr>
+        </p:nvSpPr>
+        <p:spPr>
+          <a:xfrm>
+            <a:off x="5297762" y="2374947"/>
+            <a:ext cx="4243589" cy="18288"/>
+          </a:xfrm>
+          <a:custGeom>
+            <a:avLst/>
+            <a:gdLst>
+              <a:gd name="connsiteX0" fmla="*/ 0 w 4243589"/>
+              <a:gd name="connsiteY0" fmla="*/ 0 h 18288"/>
+              <a:gd name="connsiteX1" fmla="*/ 478919 w 4243589"/>
+              <a:gd name="connsiteY1" fmla="*/ 0 h 18288"/>
+              <a:gd name="connsiteX2" fmla="*/ 957839 w 4243589"/>
+              <a:gd name="connsiteY2" fmla="*/ 0 h 18288"/>
+              <a:gd name="connsiteX3" fmla="*/ 1521630 w 4243589"/>
+              <a:gd name="connsiteY3" fmla="*/ 0 h 18288"/>
+              <a:gd name="connsiteX4" fmla="*/ 2212729 w 4243589"/>
+              <a:gd name="connsiteY4" fmla="*/ 0 h 18288"/>
+              <a:gd name="connsiteX5" fmla="*/ 2734084 w 4243589"/>
+              <a:gd name="connsiteY5" fmla="*/ 0 h 18288"/>
+              <a:gd name="connsiteX6" fmla="*/ 3255439 w 4243589"/>
+              <a:gd name="connsiteY6" fmla="*/ 0 h 18288"/>
+              <a:gd name="connsiteX7" fmla="*/ 4243589 w 4243589"/>
+              <a:gd name="connsiteY7" fmla="*/ 0 h 18288"/>
+              <a:gd name="connsiteX8" fmla="*/ 4243589 w 4243589"/>
+              <a:gd name="connsiteY8" fmla="*/ 18288 h 18288"/>
+              <a:gd name="connsiteX9" fmla="*/ 3594926 w 4243589"/>
+              <a:gd name="connsiteY9" fmla="*/ 18288 h 18288"/>
+              <a:gd name="connsiteX10" fmla="*/ 3073571 w 4243589"/>
+              <a:gd name="connsiteY10" fmla="*/ 18288 h 18288"/>
+              <a:gd name="connsiteX11" fmla="*/ 2552216 w 4243589"/>
+              <a:gd name="connsiteY11" fmla="*/ 18288 h 18288"/>
+              <a:gd name="connsiteX12" fmla="*/ 1903553 w 4243589"/>
+              <a:gd name="connsiteY12" fmla="*/ 18288 h 18288"/>
+              <a:gd name="connsiteX13" fmla="*/ 1212454 w 4243589"/>
+              <a:gd name="connsiteY13" fmla="*/ 18288 h 18288"/>
+              <a:gd name="connsiteX14" fmla="*/ 733535 w 4243589"/>
+              <a:gd name="connsiteY14" fmla="*/ 18288 h 18288"/>
+              <a:gd name="connsiteX15" fmla="*/ 0 w 4243589"/>
+              <a:gd name="connsiteY15" fmla="*/ 18288 h 18288"/>
+              <a:gd name="connsiteX16" fmla="*/ 0 w 4243589"/>
+              <a:gd name="connsiteY16" fmla="*/ 0 h 18288"/>
+            </a:gdLst>
+            <a:ahLst/>
+            <a:cxnLst>
+              <a:cxn ang="0">
+                <a:pos x="connsiteX0" y="connsiteY0"/>
+              </a:cxn>
+              <a:cxn ang="0">
+                <a:pos x="connsiteX1" y="connsiteY1"/>
+              </a:cxn>
+              <a:cxn ang="0">
+                <a:pos x="connsiteX2" y="connsiteY2"/>
+              </a:cxn>
+              <a:cxn ang="0">
+                <a:pos x="connsiteX3" y="connsiteY3"/>
+              </a:cxn>
+              <a:cxn ang="0">
+                <a:pos x="connsiteX4" y="connsiteY4"/>
+              </a:cxn>
+              <a:cxn ang="0">
+                <a:pos x="connsiteX5" y="connsiteY5"/>
+              </a:cxn>
+              <a:cxn ang="0">
+                <a:pos x="connsiteX6" y="connsiteY6"/>
+              </a:cxn>
+              <a:cxn ang="0">
+                <a:pos x="connsiteX7" y="connsiteY7"/>
+              </a:cxn>
+              <a:cxn ang="0">
+                <a:pos x="connsiteX8" y="connsiteY8"/>
+              </a:cxn>
+              <a:cxn ang="0">
+                <a:pos x="connsiteX9" y="connsiteY9"/>
+              </a:cxn>
+              <a:cxn ang="0">
+                <a:pos x="connsiteX10" y="connsiteY10"/>
+              </a:cxn>
+              <a:cxn ang="0">
+                <a:pos x="connsiteX11" y="connsiteY11"/>
+              </a:cxn>
+              <a:cxn ang="0">
+                <a:pos x="connsiteX12" y="connsiteY12"/>
+              </a:cxn>
+              <a:cxn ang="0">
+                <a:pos x="connsiteX13" y="connsiteY13"/>
+              </a:cxn>
+              <a:cxn ang="0">
+                <a:pos x="connsiteX14" y="connsiteY14"/>
+              </a:cxn>
+              <a:cxn ang="0">
+                <a:pos x="connsiteX15" y="connsiteY15"/>
+              </a:cxn>
+              <a:cxn ang="0">
+                <a:pos x="connsiteX16" y="connsiteY16"/>
+              </a:cxn>
+            </a:cxnLst>
+            <a:rect l="l" t="t" r="r" b="b"/>
+            <a:pathLst>
+              <a:path w="4243589" h="18288" fill="none" extrusionOk="0">
+                <a:moveTo>
+                  <a:pt x="0" y="0"/>
+                </a:moveTo>
+                <a:cubicBezTo>
+                  <a:pt x="213395" y="-21006"/>
+                  <a:pt x="307421" y="-18116"/>
+                  <a:pt x="478919" y="0"/>
+                </a:cubicBezTo>
+                <a:cubicBezTo>
+                  <a:pt x="650417" y="18116"/>
+                  <a:pt x="831092" y="-21237"/>
+                  <a:pt x="957839" y="0"/>
+                </a:cubicBezTo>
+                <a:cubicBezTo>
+                  <a:pt x="1084586" y="21237"/>
+                  <a:pt x="1301682" y="25124"/>
+                  <a:pt x="1521630" y="0"/>
+                </a:cubicBezTo>
+                <a:cubicBezTo>
+                  <a:pt x="1741578" y="-25124"/>
+                  <a:pt x="1970269" y="-29139"/>
+                  <a:pt x="2212729" y="0"/>
+                </a:cubicBezTo>
+                <a:cubicBezTo>
+                  <a:pt x="2455189" y="29139"/>
+                  <a:pt x="2558847" y="-4796"/>
+                  <a:pt x="2734084" y="0"/>
+                </a:cubicBezTo>
+                <a:cubicBezTo>
+                  <a:pt x="2909321" y="4796"/>
+                  <a:pt x="3097217" y="-13409"/>
+                  <a:pt x="3255439" y="0"/>
+                </a:cubicBezTo>
+                <a:cubicBezTo>
+                  <a:pt x="3413662" y="13409"/>
+                  <a:pt x="3979999" y="-10121"/>
+                  <a:pt x="4243589" y="0"/>
+                </a:cubicBezTo>
+                <a:cubicBezTo>
+                  <a:pt x="4244484" y="8974"/>
+                  <a:pt x="4243043" y="9359"/>
+                  <a:pt x="4243589" y="18288"/>
+                </a:cubicBezTo>
+                <a:cubicBezTo>
+                  <a:pt x="4058777" y="31246"/>
+                  <a:pt x="3910348" y="3158"/>
+                  <a:pt x="3594926" y="18288"/>
+                </a:cubicBezTo>
+                <a:cubicBezTo>
+                  <a:pt x="3279504" y="33418"/>
+                  <a:pt x="3319955" y="-3977"/>
+                  <a:pt x="3073571" y="18288"/>
+                </a:cubicBezTo>
+                <a:cubicBezTo>
+                  <a:pt x="2827187" y="40553"/>
+                  <a:pt x="2767387" y="1863"/>
+                  <a:pt x="2552216" y="18288"/>
+                </a:cubicBezTo>
+                <a:cubicBezTo>
+                  <a:pt x="2337046" y="34713"/>
+                  <a:pt x="2181871" y="19527"/>
+                  <a:pt x="1903553" y="18288"/>
+                </a:cubicBezTo>
+                <a:cubicBezTo>
+                  <a:pt x="1625235" y="17049"/>
+                  <a:pt x="1557672" y="24174"/>
+                  <a:pt x="1212454" y="18288"/>
+                </a:cubicBezTo>
+                <a:cubicBezTo>
+                  <a:pt x="867236" y="12402"/>
+                  <a:pt x="874382" y="15627"/>
+                  <a:pt x="733535" y="18288"/>
+                </a:cubicBezTo>
+                <a:cubicBezTo>
+                  <a:pt x="592688" y="20949"/>
+                  <a:pt x="183477" y="14753"/>
+                  <a:pt x="0" y="18288"/>
+                </a:cubicBezTo>
+                <a:cubicBezTo>
+                  <a:pt x="-229" y="14222"/>
+                  <a:pt x="509" y="5816"/>
+                  <a:pt x="0" y="0"/>
+                </a:cubicBezTo>
+                <a:close/>
+              </a:path>
+              <a:path w="4243589" h="18288" stroke="0" extrusionOk="0">
+                <a:moveTo>
+                  <a:pt x="0" y="0"/>
+                </a:moveTo>
+                <a:cubicBezTo>
+                  <a:pt x="143690" y="16630"/>
+                  <a:pt x="266667" y="14847"/>
+                  <a:pt x="521355" y="0"/>
+                </a:cubicBezTo>
+                <a:cubicBezTo>
+                  <a:pt x="776043" y="-14847"/>
+                  <a:pt x="814491" y="-17363"/>
+                  <a:pt x="1000275" y="0"/>
+                </a:cubicBezTo>
+                <a:cubicBezTo>
+                  <a:pt x="1186059" y="17363"/>
+                  <a:pt x="1352504" y="-23507"/>
+                  <a:pt x="1521630" y="0"/>
+                </a:cubicBezTo>
+                <a:cubicBezTo>
+                  <a:pt x="1690756" y="23507"/>
+                  <a:pt x="1889525" y="5871"/>
+                  <a:pt x="2127857" y="0"/>
+                </a:cubicBezTo>
+                <a:cubicBezTo>
+                  <a:pt x="2366189" y="-5871"/>
+                  <a:pt x="2620628" y="-27997"/>
+                  <a:pt x="2776520" y="0"/>
+                </a:cubicBezTo>
+                <a:cubicBezTo>
+                  <a:pt x="2932412" y="27997"/>
+                  <a:pt x="3131683" y="-25073"/>
+                  <a:pt x="3467618" y="0"/>
+                </a:cubicBezTo>
+                <a:cubicBezTo>
+                  <a:pt x="3803553" y="25073"/>
+                  <a:pt x="4017371" y="3071"/>
+                  <a:pt x="4243589" y="0"/>
+                </a:cubicBezTo>
+                <a:cubicBezTo>
+                  <a:pt x="4243134" y="6162"/>
+                  <a:pt x="4243492" y="11775"/>
+                  <a:pt x="4243589" y="18288"/>
+                </a:cubicBezTo>
+                <a:cubicBezTo>
+                  <a:pt x="4017834" y="-5779"/>
+                  <a:pt x="3834586" y="13376"/>
+                  <a:pt x="3594926" y="18288"/>
+                </a:cubicBezTo>
+                <a:cubicBezTo>
+                  <a:pt x="3355266" y="23200"/>
+                  <a:pt x="3204179" y="2869"/>
+                  <a:pt x="2903827" y="18288"/>
+                </a:cubicBezTo>
+                <a:cubicBezTo>
+                  <a:pt x="2603475" y="33707"/>
+                  <a:pt x="2526187" y="46187"/>
+                  <a:pt x="2212729" y="18288"/>
+                </a:cubicBezTo>
+                <a:cubicBezTo>
+                  <a:pt x="1899271" y="-9611"/>
+                  <a:pt x="1966289" y="29692"/>
+                  <a:pt x="1733809" y="18288"/>
+                </a:cubicBezTo>
+                <a:cubicBezTo>
+                  <a:pt x="1501329" y="6884"/>
+                  <a:pt x="1343612" y="12492"/>
+                  <a:pt x="1085146" y="18288"/>
+                </a:cubicBezTo>
+                <a:cubicBezTo>
+                  <a:pt x="826680" y="24084"/>
+                  <a:pt x="778184" y="35607"/>
+                  <a:pt x="521355" y="18288"/>
+                </a:cubicBezTo>
+                <a:cubicBezTo>
+                  <a:pt x="264526" y="969"/>
+                  <a:pt x="120277" y="4268"/>
+                  <a:pt x="0" y="18288"/>
+                </a:cubicBezTo>
+                <a:cubicBezTo>
+                  <a:pt x="766" y="10800"/>
+                  <a:pt x="-457" y="8180"/>
+                  <a:pt x="0" y="0"/>
+                </a:cubicBezTo>
+                <a:close/>
+              </a:path>
+            </a:pathLst>
+          </a:custGeom>
+          <a:solidFill>
+            <a:schemeClr val="accent2"/>
+          </a:solidFill>
+          <a:ln w="44450" cap="rnd">
+            <a:solidFill>
+              <a:schemeClr val="accent2"/>
+            </a:solidFill>
+            <a:round/>
+            <a:extLst>
+              <a:ext uri="{C807C97D-BFC1-408E-A445-0C87EB9F89A2}">
+                <ask:lineSketchStyleProps xmlns:ask="http://schemas.microsoft.com/office/drawing/2018/sketchyshapes" sd="2727557108">
+                  <a:prstGeom prst="rect">
+                    <a:avLst/>
+                  </a:prstGeom>
+                  <ask:type>
+                    <ask:lineSketchFreehand/>
+                  </ask:type>
+                </ask:lineSketchStyleProps>
+              </a:ext>
+            </a:extLst>
+          </a:ln>
+        </p:spPr>
+        <p:style>
+          <a:lnRef idx="2">
+            <a:schemeClr val="accent1">
+              <a:shade val="50000"/>
+            </a:schemeClr>
+          </a:lnRef>
+          <a:fillRef idx="1">
+            <a:schemeClr val="accent1"/>
+          </a:fillRef>
+          <a:effectRef idx="0">
+            <a:schemeClr val="accent1"/>
+          </a:effectRef>
+          <a:fontRef idx="minor">
+            <a:schemeClr val="lt1"/>
+          </a:fontRef>
+        </p:style>
+        <p:txBody>
+          <a:bodyPr rtlCol="0" anchor="ctr"/>
+          <a:lstStyle/>
+          <a:p>
+            <a:pPr algn="ctr"/>
+            <a:endParaRPr lang="en-US"/>
           </a:p>
         </p:txBody>
       </p:sp>
@@ -14959,12 +17141,55 @@
             <p:ph idx="1"/>
           </p:nvPr>
         </p:nvSpPr>
-        <p:spPr/>
+        <p:spPr>
+          <a:xfrm>
+            <a:off x="5297762" y="2706624"/>
+            <a:ext cx="6251110" cy="3483864"/>
+          </a:xfrm>
+        </p:spPr>
         <p:txBody>
-          <a:bodyPr/>
+          <a:bodyPr>
+            <a:normAutofit/>
+          </a:bodyPr>
           <a:lstStyle/>
           <a:p>
-            <a:endParaRPr lang="en-US"/>
+            <a:pPr marL="0" indent="0">
+              <a:buNone/>
+            </a:pPr>
+            <a:r>
+              <a:rPr lang="en-US" sz="2200"/>
+              <a:t>How do we test if the two samples’ variances are equal? </a:t>
+            </a:r>
+          </a:p>
+          <a:p>
+            <a:pPr marL="514350" indent="-514350">
+              <a:buFont typeface="+mj-lt"/>
+              <a:buAutoNum type="alphaUcPeriod"/>
+            </a:pPr>
+            <a:r>
+              <a:rPr lang="en-US" sz="2200"/>
+              <a:t>Two-way Chi-square test</a:t>
+            </a:r>
+          </a:p>
+          <a:p>
+            <a:pPr marL="514350" indent="-514350">
+              <a:buFont typeface="+mj-lt"/>
+              <a:buAutoNum type="alphaUcPeriod"/>
+            </a:pPr>
+            <a:r>
+              <a:rPr lang="en-US" sz="2200"/>
+              <a:t>One-sample t-test</a:t>
+            </a:r>
+          </a:p>
+          <a:p>
+            <a:pPr marL="514350" indent="-514350">
+              <a:buFont typeface="+mj-lt"/>
+              <a:buAutoNum type="alphaUcPeriod"/>
+            </a:pPr>
+            <a:r>
+              <a:rPr lang="en-US" sz="2200"/>
+              <a:t>F-test</a:t>
+            </a:r>
           </a:p>
         </p:txBody>
       </p:sp>
@@ -14981,7 +17206,7 @@
 </p:sld>
 </file>
 
-<file path=ppt/slides/slide13.xml><?xml version="1.0" encoding="utf-8"?>
+<file path=ppt/slides/slide14.xml><?xml version="1.0" encoding="utf-8"?>
 <p:sld xmlns:a="http://schemas.openxmlformats.org/drawingml/2006/main" xmlns:r="http://schemas.openxmlformats.org/officeDocument/2006/relationships" xmlns:p="http://schemas.openxmlformats.org/presentationml/2006/main">
   <p:cSld>
     <p:spTree>
@@ -15349,9 +17574,17 @@
 </p:sld>
 </file>
 
-<file path=ppt/slides/slide14.xml><?xml version="1.0" encoding="utf-8"?>
+<file path=ppt/slides/slide15.xml><?xml version="1.0" encoding="utf-8"?>
 <p:sld xmlns:a="http://schemas.openxmlformats.org/drawingml/2006/main" xmlns:r="http://schemas.openxmlformats.org/officeDocument/2006/relationships" xmlns:p="http://schemas.openxmlformats.org/presentationml/2006/main">
   <p:cSld>
+    <p:bg>
+      <p:bgPr>
+        <a:solidFill>
+          <a:schemeClr val="bg1"/>
+        </a:solidFill>
+        <a:effectLst/>
+      </p:bgPr>
+    </p:bg>
     <p:spTree>
       <p:nvGrpSpPr>
         <p:cNvPr id="1" name=""/>
@@ -15366,6 +17599,66 @@
           <a:chExt cx="0" cy="0"/>
         </a:xfrm>
       </p:grpSpPr>
+      <p:sp useBgFill="1">
+        <p:nvSpPr>
+          <p:cNvPr id="9" name="Rectangle 8">
+            <a:extLst>
+              <a:ext uri="{FF2B5EF4-FFF2-40B4-BE49-F238E27FC236}">
+                <a16:creationId xmlns:a16="http://schemas.microsoft.com/office/drawing/2014/main" id="{2C61293E-6EBE-43EF-A52C-9BEBFD7679D4}"/>
+              </a:ext>
+              <a:ext uri="{C183D7F6-B498-43B3-948B-1728B52AA6E4}">
+                <adec:decorative xmlns:adec="http://schemas.microsoft.com/office/drawing/2017/decorative" val="1"/>
+              </a:ext>
+            </a:extLst>
+          </p:cNvPr>
+          <p:cNvSpPr>
+            <a:spLocks noGrp="1" noRot="1" noChangeAspect="1" noMove="1" noResize="1" noEditPoints="1" noAdjustHandles="1" noChangeArrowheads="1" noChangeShapeType="1" noTextEdit="1"/>
+          </p:cNvSpPr>
+          <p:nvPr>
+            <p:extLst>
+              <p:ext uri="{386F3935-93C4-4BCD-93E2-E3B085C9AB24}">
+                <p16:designElem xmlns:p16="http://schemas.microsoft.com/office/powerpoint/2015/main" val="1"/>
+              </p:ext>
+            </p:extLst>
+          </p:nvPr>
+        </p:nvSpPr>
+        <p:spPr>
+          <a:xfrm>
+            <a:off x="0" y="0"/>
+            <a:ext cx="12188952" cy="6858000"/>
+          </a:xfrm>
+          <a:prstGeom prst="rect">
+            <a:avLst/>
+          </a:prstGeom>
+          <a:ln>
+            <a:noFill/>
+          </a:ln>
+        </p:spPr>
+        <p:style>
+          <a:lnRef idx="2">
+            <a:schemeClr val="accent1">
+              <a:shade val="50000"/>
+            </a:schemeClr>
+          </a:lnRef>
+          <a:fillRef idx="1">
+            <a:schemeClr val="accent1"/>
+          </a:fillRef>
+          <a:effectRef idx="0">
+            <a:schemeClr val="accent1"/>
+          </a:effectRef>
+          <a:fontRef idx="minor">
+            <a:schemeClr val="lt1"/>
+          </a:fontRef>
+        </p:style>
+        <p:txBody>
+          <a:bodyPr rtlCol="0" anchor="ctr"/>
+          <a:lstStyle/>
+          <a:p>
+            <a:pPr algn="ctr"/>
+            <a:endParaRPr lang="en-US"/>
+          </a:p>
+        </p:txBody>
+      </p:sp>
       <p:sp>
         <p:nvSpPr>
           <p:cNvPr id="2" name="Title 1">
@@ -15382,15 +17675,506 @@
             <p:ph type="title"/>
           </p:nvPr>
         </p:nvSpPr>
-        <p:spPr/>
+        <p:spPr>
+          <a:xfrm>
+            <a:off x="5297762" y="329184"/>
+            <a:ext cx="6251110" cy="1783080"/>
+          </a:xfrm>
+        </p:spPr>
         <p:txBody>
-          <a:bodyPr/>
+          <a:bodyPr anchor="b">
+            <a:normAutofit/>
+          </a:bodyPr>
           <a:lstStyle/>
           <a:p>
             <a:r>
-              <a:rPr lang="en-US" dirty="0"/>
+              <a:rPr lang="en-US" sz="5400"/>
               <a:t>iClicker</a:t>
             </a:r>
+          </a:p>
+        </p:txBody>
+      </p:sp>
+      <p:pic>
+        <p:nvPicPr>
+          <p:cNvPr id="5" name="Picture 4" descr="Question mark on green pastel background">
+            <a:extLst>
+              <a:ext uri="{FF2B5EF4-FFF2-40B4-BE49-F238E27FC236}">
+                <a16:creationId xmlns:a16="http://schemas.microsoft.com/office/drawing/2014/main" id="{C87CB9D7-22CB-4B5F-9227-D0B974C110D4}"/>
+              </a:ext>
+            </a:extLst>
+          </p:cNvPr>
+          <p:cNvPicPr>
+            <a:picLocks noChangeAspect="1"/>
+          </p:cNvPicPr>
+          <p:nvPr/>
+        </p:nvPicPr>
+        <p:blipFill rotWithShape="1">
+          <a:blip r:embed="rId2"/>
+          <a:srcRect l="44529" r="4537"/>
+          <a:stretch/>
+        </p:blipFill>
+        <p:spPr>
+          <a:xfrm>
+            <a:off x="1" y="10"/>
+            <a:ext cx="4657344" cy="6857990"/>
+          </a:xfrm>
+          <a:custGeom>
+            <a:avLst/>
+            <a:gdLst/>
+            <a:ahLst/>
+            <a:cxnLst/>
+            <a:rect l="l" t="t" r="r" b="b"/>
+            <a:pathLst>
+              <a:path w="4657344" h="6858000">
+                <a:moveTo>
+                  <a:pt x="0" y="0"/>
+                </a:moveTo>
+                <a:lnTo>
+                  <a:pt x="3429755" y="0"/>
+                </a:lnTo>
+                <a:lnTo>
+                  <a:pt x="3526016" y="148742"/>
+                </a:lnTo>
+                <a:cubicBezTo>
+                  <a:pt x="3657740" y="365513"/>
+                  <a:pt x="3777402" y="589569"/>
+                  <a:pt x="3886489" y="819975"/>
+                </a:cubicBezTo>
+                <a:cubicBezTo>
+                  <a:pt x="3891856" y="833492"/>
+                  <a:pt x="3900663" y="845393"/>
+                  <a:pt x="3912049" y="854514"/>
+                </a:cubicBezTo>
+                <a:cubicBezTo>
+                  <a:pt x="3897352" y="819849"/>
+                  <a:pt x="3883037" y="784928"/>
+                  <a:pt x="3868083" y="750263"/>
+                </a:cubicBezTo>
+                <a:cubicBezTo>
+                  <a:pt x="3806989" y="608712"/>
+                  <a:pt x="3742478" y="469145"/>
+                  <a:pt x="3674155" y="331786"/>
+                </a:cubicBezTo>
+                <a:lnTo>
+                  <a:pt x="3496656" y="0"/>
+                </a:lnTo>
+                <a:lnTo>
+                  <a:pt x="3554371" y="0"/>
+                </a:lnTo>
+                <a:lnTo>
+                  <a:pt x="3661621" y="196614"/>
+                </a:lnTo>
+                <a:cubicBezTo>
+                  <a:pt x="3856899" y="573253"/>
+                  <a:pt x="4021071" y="966066"/>
+                  <a:pt x="4161279" y="1371196"/>
+                </a:cubicBezTo>
+                <a:cubicBezTo>
+                  <a:pt x="4379525" y="2007265"/>
+                  <a:pt x="4530141" y="2664286"/>
+                  <a:pt x="4610660" y="3331516"/>
+                </a:cubicBezTo>
+                <a:cubicBezTo>
+                  <a:pt x="4652837" y="3672965"/>
+                  <a:pt x="4671625" y="4013908"/>
+                  <a:pt x="4645040" y="4357388"/>
+                </a:cubicBezTo>
+                <a:cubicBezTo>
+                  <a:pt x="4613599" y="4758899"/>
+                  <a:pt x="4566181" y="5157998"/>
+                  <a:pt x="4485789" y="5552906"/>
+                </a:cubicBezTo>
+                <a:cubicBezTo>
+                  <a:pt x="4397121" y="5988893"/>
+                  <a:pt x="4276748" y="6414594"/>
+                  <a:pt x="4117769" y="6828295"/>
+                </a:cubicBezTo>
+                <a:lnTo>
+                  <a:pt x="4105288" y="6858000"/>
+                </a:lnTo>
+                <a:lnTo>
+                  <a:pt x="4052520" y="6858000"/>
+                </a:lnTo>
+                <a:lnTo>
+                  <a:pt x="4059369" y="6841549"/>
+                </a:lnTo>
+                <a:cubicBezTo>
+                  <a:pt x="4147276" y="6614016"/>
+                  <a:pt x="4224193" y="6380817"/>
+                  <a:pt x="4291518" y="6142729"/>
+                </a:cubicBezTo>
+                <a:cubicBezTo>
+                  <a:pt x="4350055" y="5935370"/>
+                  <a:pt x="4393256" y="5723695"/>
+                  <a:pt x="4443357" y="5513923"/>
+                </a:cubicBezTo>
+                <a:cubicBezTo>
+                  <a:pt x="4444541" y="5502788"/>
+                  <a:pt x="4445137" y="5491601"/>
+                  <a:pt x="4445146" y="5480401"/>
+                </a:cubicBezTo>
+                <a:cubicBezTo>
+                  <a:pt x="4408465" y="5607635"/>
+                  <a:pt x="4379196" y="5719759"/>
+                  <a:pt x="4344559" y="5830359"/>
+                </a:cubicBezTo>
+                <a:cubicBezTo>
+                  <a:pt x="4254261" y="6118381"/>
+                  <a:pt x="4150112" y="6398531"/>
+                  <a:pt x="4031702" y="6670527"/>
+                </a:cubicBezTo>
+                <a:lnTo>
+                  <a:pt x="3943824" y="6858000"/>
+                </a:lnTo>
+                <a:lnTo>
+                  <a:pt x="0" y="6858000"/>
+                </a:lnTo>
+                <a:close/>
+              </a:path>
+            </a:pathLst>
+          </a:custGeom>
+        </p:spPr>
+      </p:pic>
+      <p:sp>
+        <p:nvSpPr>
+          <p:cNvPr id="11" name="sketchy line">
+            <a:extLst>
+              <a:ext uri="{FF2B5EF4-FFF2-40B4-BE49-F238E27FC236}">
+                <a16:creationId xmlns:a16="http://schemas.microsoft.com/office/drawing/2014/main" id="{21540236-BFD5-4A9D-8840-4703E7F76825}"/>
+              </a:ext>
+              <a:ext uri="{C183D7F6-B498-43B3-948B-1728B52AA6E4}">
+                <adec:decorative xmlns:adec="http://schemas.microsoft.com/office/drawing/2017/decorative" val="1"/>
+              </a:ext>
+            </a:extLst>
+          </p:cNvPr>
+          <p:cNvSpPr>
+            <a:spLocks noGrp="1" noRot="1" noChangeAspect="1" noMove="1" noResize="1" noEditPoints="1" noAdjustHandles="1" noChangeArrowheads="1" noChangeShapeType="1" noTextEdit="1"/>
+          </p:cNvSpPr>
+          <p:nvPr>
+            <p:extLst>
+              <p:ext uri="{386F3935-93C4-4BCD-93E2-E3B085C9AB24}">
+                <p16:designElem xmlns:p16="http://schemas.microsoft.com/office/powerpoint/2015/main" val="1"/>
+              </p:ext>
+            </p:extLst>
+          </p:nvPr>
+        </p:nvSpPr>
+        <p:spPr>
+          <a:xfrm>
+            <a:off x="5297762" y="2374947"/>
+            <a:ext cx="4243589" cy="18288"/>
+          </a:xfrm>
+          <a:custGeom>
+            <a:avLst/>
+            <a:gdLst>
+              <a:gd name="connsiteX0" fmla="*/ 0 w 4243589"/>
+              <a:gd name="connsiteY0" fmla="*/ 0 h 18288"/>
+              <a:gd name="connsiteX1" fmla="*/ 478919 w 4243589"/>
+              <a:gd name="connsiteY1" fmla="*/ 0 h 18288"/>
+              <a:gd name="connsiteX2" fmla="*/ 957839 w 4243589"/>
+              <a:gd name="connsiteY2" fmla="*/ 0 h 18288"/>
+              <a:gd name="connsiteX3" fmla="*/ 1521630 w 4243589"/>
+              <a:gd name="connsiteY3" fmla="*/ 0 h 18288"/>
+              <a:gd name="connsiteX4" fmla="*/ 2212729 w 4243589"/>
+              <a:gd name="connsiteY4" fmla="*/ 0 h 18288"/>
+              <a:gd name="connsiteX5" fmla="*/ 2734084 w 4243589"/>
+              <a:gd name="connsiteY5" fmla="*/ 0 h 18288"/>
+              <a:gd name="connsiteX6" fmla="*/ 3255439 w 4243589"/>
+              <a:gd name="connsiteY6" fmla="*/ 0 h 18288"/>
+              <a:gd name="connsiteX7" fmla="*/ 4243589 w 4243589"/>
+              <a:gd name="connsiteY7" fmla="*/ 0 h 18288"/>
+              <a:gd name="connsiteX8" fmla="*/ 4243589 w 4243589"/>
+              <a:gd name="connsiteY8" fmla="*/ 18288 h 18288"/>
+              <a:gd name="connsiteX9" fmla="*/ 3594926 w 4243589"/>
+              <a:gd name="connsiteY9" fmla="*/ 18288 h 18288"/>
+              <a:gd name="connsiteX10" fmla="*/ 3073571 w 4243589"/>
+              <a:gd name="connsiteY10" fmla="*/ 18288 h 18288"/>
+              <a:gd name="connsiteX11" fmla="*/ 2552216 w 4243589"/>
+              <a:gd name="connsiteY11" fmla="*/ 18288 h 18288"/>
+              <a:gd name="connsiteX12" fmla="*/ 1903553 w 4243589"/>
+              <a:gd name="connsiteY12" fmla="*/ 18288 h 18288"/>
+              <a:gd name="connsiteX13" fmla="*/ 1212454 w 4243589"/>
+              <a:gd name="connsiteY13" fmla="*/ 18288 h 18288"/>
+              <a:gd name="connsiteX14" fmla="*/ 733535 w 4243589"/>
+              <a:gd name="connsiteY14" fmla="*/ 18288 h 18288"/>
+              <a:gd name="connsiteX15" fmla="*/ 0 w 4243589"/>
+              <a:gd name="connsiteY15" fmla="*/ 18288 h 18288"/>
+              <a:gd name="connsiteX16" fmla="*/ 0 w 4243589"/>
+              <a:gd name="connsiteY16" fmla="*/ 0 h 18288"/>
+            </a:gdLst>
+            <a:ahLst/>
+            <a:cxnLst>
+              <a:cxn ang="0">
+                <a:pos x="connsiteX0" y="connsiteY0"/>
+              </a:cxn>
+              <a:cxn ang="0">
+                <a:pos x="connsiteX1" y="connsiteY1"/>
+              </a:cxn>
+              <a:cxn ang="0">
+                <a:pos x="connsiteX2" y="connsiteY2"/>
+              </a:cxn>
+              <a:cxn ang="0">
+                <a:pos x="connsiteX3" y="connsiteY3"/>
+              </a:cxn>
+              <a:cxn ang="0">
+                <a:pos x="connsiteX4" y="connsiteY4"/>
+              </a:cxn>
+              <a:cxn ang="0">
+                <a:pos x="connsiteX5" y="connsiteY5"/>
+              </a:cxn>
+              <a:cxn ang="0">
+                <a:pos x="connsiteX6" y="connsiteY6"/>
+              </a:cxn>
+              <a:cxn ang="0">
+                <a:pos x="connsiteX7" y="connsiteY7"/>
+              </a:cxn>
+              <a:cxn ang="0">
+                <a:pos x="connsiteX8" y="connsiteY8"/>
+              </a:cxn>
+              <a:cxn ang="0">
+                <a:pos x="connsiteX9" y="connsiteY9"/>
+              </a:cxn>
+              <a:cxn ang="0">
+                <a:pos x="connsiteX10" y="connsiteY10"/>
+              </a:cxn>
+              <a:cxn ang="0">
+                <a:pos x="connsiteX11" y="connsiteY11"/>
+              </a:cxn>
+              <a:cxn ang="0">
+                <a:pos x="connsiteX12" y="connsiteY12"/>
+              </a:cxn>
+              <a:cxn ang="0">
+                <a:pos x="connsiteX13" y="connsiteY13"/>
+              </a:cxn>
+              <a:cxn ang="0">
+                <a:pos x="connsiteX14" y="connsiteY14"/>
+              </a:cxn>
+              <a:cxn ang="0">
+                <a:pos x="connsiteX15" y="connsiteY15"/>
+              </a:cxn>
+              <a:cxn ang="0">
+                <a:pos x="connsiteX16" y="connsiteY16"/>
+              </a:cxn>
+            </a:cxnLst>
+            <a:rect l="l" t="t" r="r" b="b"/>
+            <a:pathLst>
+              <a:path w="4243589" h="18288" fill="none" extrusionOk="0">
+                <a:moveTo>
+                  <a:pt x="0" y="0"/>
+                </a:moveTo>
+                <a:cubicBezTo>
+                  <a:pt x="213395" y="-21006"/>
+                  <a:pt x="307421" y="-18116"/>
+                  <a:pt x="478919" y="0"/>
+                </a:cubicBezTo>
+                <a:cubicBezTo>
+                  <a:pt x="650417" y="18116"/>
+                  <a:pt x="831092" y="-21237"/>
+                  <a:pt x="957839" y="0"/>
+                </a:cubicBezTo>
+                <a:cubicBezTo>
+                  <a:pt x="1084586" y="21237"/>
+                  <a:pt x="1301682" y="25124"/>
+                  <a:pt x="1521630" y="0"/>
+                </a:cubicBezTo>
+                <a:cubicBezTo>
+                  <a:pt x="1741578" y="-25124"/>
+                  <a:pt x="1970269" y="-29139"/>
+                  <a:pt x="2212729" y="0"/>
+                </a:cubicBezTo>
+                <a:cubicBezTo>
+                  <a:pt x="2455189" y="29139"/>
+                  <a:pt x="2558847" y="-4796"/>
+                  <a:pt x="2734084" y="0"/>
+                </a:cubicBezTo>
+                <a:cubicBezTo>
+                  <a:pt x="2909321" y="4796"/>
+                  <a:pt x="3097217" y="-13409"/>
+                  <a:pt x="3255439" y="0"/>
+                </a:cubicBezTo>
+                <a:cubicBezTo>
+                  <a:pt x="3413662" y="13409"/>
+                  <a:pt x="3979999" y="-10121"/>
+                  <a:pt x="4243589" y="0"/>
+                </a:cubicBezTo>
+                <a:cubicBezTo>
+                  <a:pt x="4244484" y="8974"/>
+                  <a:pt x="4243043" y="9359"/>
+                  <a:pt x="4243589" y="18288"/>
+                </a:cubicBezTo>
+                <a:cubicBezTo>
+                  <a:pt x="4058777" y="31246"/>
+                  <a:pt x="3910348" y="3158"/>
+                  <a:pt x="3594926" y="18288"/>
+                </a:cubicBezTo>
+                <a:cubicBezTo>
+                  <a:pt x="3279504" y="33418"/>
+                  <a:pt x="3319955" y="-3977"/>
+                  <a:pt x="3073571" y="18288"/>
+                </a:cubicBezTo>
+                <a:cubicBezTo>
+                  <a:pt x="2827187" y="40553"/>
+                  <a:pt x="2767387" y="1863"/>
+                  <a:pt x="2552216" y="18288"/>
+                </a:cubicBezTo>
+                <a:cubicBezTo>
+                  <a:pt x="2337046" y="34713"/>
+                  <a:pt x="2181871" y="19527"/>
+                  <a:pt x="1903553" y="18288"/>
+                </a:cubicBezTo>
+                <a:cubicBezTo>
+                  <a:pt x="1625235" y="17049"/>
+                  <a:pt x="1557672" y="24174"/>
+                  <a:pt x="1212454" y="18288"/>
+                </a:cubicBezTo>
+                <a:cubicBezTo>
+                  <a:pt x="867236" y="12402"/>
+                  <a:pt x="874382" y="15627"/>
+                  <a:pt x="733535" y="18288"/>
+                </a:cubicBezTo>
+                <a:cubicBezTo>
+                  <a:pt x="592688" y="20949"/>
+                  <a:pt x="183477" y="14753"/>
+                  <a:pt x="0" y="18288"/>
+                </a:cubicBezTo>
+                <a:cubicBezTo>
+                  <a:pt x="-229" y="14222"/>
+                  <a:pt x="509" y="5816"/>
+                  <a:pt x="0" y="0"/>
+                </a:cubicBezTo>
+                <a:close/>
+              </a:path>
+              <a:path w="4243589" h="18288" stroke="0" extrusionOk="0">
+                <a:moveTo>
+                  <a:pt x="0" y="0"/>
+                </a:moveTo>
+                <a:cubicBezTo>
+                  <a:pt x="143690" y="16630"/>
+                  <a:pt x="266667" y="14847"/>
+                  <a:pt x="521355" y="0"/>
+                </a:cubicBezTo>
+                <a:cubicBezTo>
+                  <a:pt x="776043" y="-14847"/>
+                  <a:pt x="814491" y="-17363"/>
+                  <a:pt x="1000275" y="0"/>
+                </a:cubicBezTo>
+                <a:cubicBezTo>
+                  <a:pt x="1186059" y="17363"/>
+                  <a:pt x="1352504" y="-23507"/>
+                  <a:pt x="1521630" y="0"/>
+                </a:cubicBezTo>
+                <a:cubicBezTo>
+                  <a:pt x="1690756" y="23507"/>
+                  <a:pt x="1889525" y="5871"/>
+                  <a:pt x="2127857" y="0"/>
+                </a:cubicBezTo>
+                <a:cubicBezTo>
+                  <a:pt x="2366189" y="-5871"/>
+                  <a:pt x="2620628" y="-27997"/>
+                  <a:pt x="2776520" y="0"/>
+                </a:cubicBezTo>
+                <a:cubicBezTo>
+                  <a:pt x="2932412" y="27997"/>
+                  <a:pt x="3131683" y="-25073"/>
+                  <a:pt x="3467618" y="0"/>
+                </a:cubicBezTo>
+                <a:cubicBezTo>
+                  <a:pt x="3803553" y="25073"/>
+                  <a:pt x="4017371" y="3071"/>
+                  <a:pt x="4243589" y="0"/>
+                </a:cubicBezTo>
+                <a:cubicBezTo>
+                  <a:pt x="4243134" y="6162"/>
+                  <a:pt x="4243492" y="11775"/>
+                  <a:pt x="4243589" y="18288"/>
+                </a:cubicBezTo>
+                <a:cubicBezTo>
+                  <a:pt x="4017834" y="-5779"/>
+                  <a:pt x="3834586" y="13376"/>
+                  <a:pt x="3594926" y="18288"/>
+                </a:cubicBezTo>
+                <a:cubicBezTo>
+                  <a:pt x="3355266" y="23200"/>
+                  <a:pt x="3204179" y="2869"/>
+                  <a:pt x="2903827" y="18288"/>
+                </a:cubicBezTo>
+                <a:cubicBezTo>
+                  <a:pt x="2603475" y="33707"/>
+                  <a:pt x="2526187" y="46187"/>
+                  <a:pt x="2212729" y="18288"/>
+                </a:cubicBezTo>
+                <a:cubicBezTo>
+                  <a:pt x="1899271" y="-9611"/>
+                  <a:pt x="1966289" y="29692"/>
+                  <a:pt x="1733809" y="18288"/>
+                </a:cubicBezTo>
+                <a:cubicBezTo>
+                  <a:pt x="1501329" y="6884"/>
+                  <a:pt x="1343612" y="12492"/>
+                  <a:pt x="1085146" y="18288"/>
+                </a:cubicBezTo>
+                <a:cubicBezTo>
+                  <a:pt x="826680" y="24084"/>
+                  <a:pt x="778184" y="35607"/>
+                  <a:pt x="521355" y="18288"/>
+                </a:cubicBezTo>
+                <a:cubicBezTo>
+                  <a:pt x="264526" y="969"/>
+                  <a:pt x="120277" y="4268"/>
+                  <a:pt x="0" y="18288"/>
+                </a:cubicBezTo>
+                <a:cubicBezTo>
+                  <a:pt x="766" y="10800"/>
+                  <a:pt x="-457" y="8180"/>
+                  <a:pt x="0" y="0"/>
+                </a:cubicBezTo>
+                <a:close/>
+              </a:path>
+            </a:pathLst>
+          </a:custGeom>
+          <a:solidFill>
+            <a:schemeClr val="accent2"/>
+          </a:solidFill>
+          <a:ln w="44450" cap="rnd">
+            <a:solidFill>
+              <a:schemeClr val="accent2"/>
+            </a:solidFill>
+            <a:round/>
+            <a:extLst>
+              <a:ext uri="{C807C97D-BFC1-408E-A445-0C87EB9F89A2}">
+                <ask:lineSketchStyleProps xmlns:ask="http://schemas.microsoft.com/office/drawing/2018/sketchyshapes" sd="2727557108">
+                  <a:prstGeom prst="rect">
+                    <a:avLst/>
+                  </a:prstGeom>
+                  <ask:type>
+                    <ask:lineSketchFreehand/>
+                  </ask:type>
+                </ask:lineSketchStyleProps>
+              </a:ext>
+            </a:extLst>
+          </a:ln>
+        </p:spPr>
+        <p:style>
+          <a:lnRef idx="2">
+            <a:schemeClr val="accent1">
+              <a:shade val="50000"/>
+            </a:schemeClr>
+          </a:lnRef>
+          <a:fillRef idx="1">
+            <a:schemeClr val="accent1"/>
+          </a:fillRef>
+          <a:effectRef idx="0">
+            <a:schemeClr val="accent1"/>
+          </a:effectRef>
+          <a:fontRef idx="minor">
+            <a:schemeClr val="lt1"/>
+          </a:fontRef>
+        </p:style>
+        <p:txBody>
+          <a:bodyPr rtlCol="0" anchor="ctr"/>
+          <a:lstStyle/>
+          <a:p>
+            <a:pPr algn="ctr"/>
+            <a:endParaRPr lang="en-US"/>
           </a:p>
         </p:txBody>
       </p:sp>
@@ -15410,12 +18194,45 @@
             <p:ph idx="1"/>
           </p:nvPr>
         </p:nvSpPr>
-        <p:spPr/>
+        <p:spPr>
+          <a:xfrm>
+            <a:off x="5297762" y="2706624"/>
+            <a:ext cx="6251110" cy="3483864"/>
+          </a:xfrm>
+        </p:spPr>
         <p:txBody>
-          <a:bodyPr/>
+          <a:bodyPr>
+            <a:normAutofit/>
+          </a:bodyPr>
           <a:lstStyle/>
           <a:p>
-            <a:endParaRPr lang="en-US"/>
+            <a:pPr marL="0" indent="0">
+              <a:buNone/>
+            </a:pPr>
+            <a:r>
+              <a:rPr lang="en-US" sz="2200"/>
+              <a:t>What is the null hypothesis for the independent t-test?</a:t>
+            </a:r>
+          </a:p>
+          <a:p>
+            <a:pPr marL="514350" indent="-514350">
+              <a:buFont typeface="+mj-lt"/>
+              <a:buAutoNum type="alphaUcPeriod"/>
+            </a:pPr>
+            <a:r>
+              <a:rPr lang="en-US" sz="2200"/>
+              <a:t>The two means are equal </a:t>
+            </a:r>
+          </a:p>
+          <a:p>
+            <a:pPr marL="514350" indent="-514350">
+              <a:buFont typeface="+mj-lt"/>
+              <a:buAutoNum type="alphaUcPeriod"/>
+            </a:pPr>
+            <a:r>
+              <a:rPr lang="en-US" sz="2200"/>
+              <a:t>The two means are not equal </a:t>
+            </a:r>
           </a:p>
         </p:txBody>
       </p:sp>
@@ -15432,9 +18249,17 @@
 </p:sld>
 </file>
 
-<file path=ppt/slides/slide15.xml><?xml version="1.0" encoding="utf-8"?>
+<file path=ppt/slides/slide16.xml><?xml version="1.0" encoding="utf-8"?>
 <p:sld xmlns:a="http://schemas.openxmlformats.org/drawingml/2006/main" xmlns:r="http://schemas.openxmlformats.org/officeDocument/2006/relationships" xmlns:p="http://schemas.openxmlformats.org/presentationml/2006/main">
   <p:cSld>
+    <p:bg>
+      <p:bgPr>
+        <a:solidFill>
+          <a:schemeClr val="bg1"/>
+        </a:solidFill>
+        <a:effectLst/>
+      </p:bgPr>
+    </p:bg>
     <p:spTree>
       <p:nvGrpSpPr>
         <p:cNvPr id="1" name=""/>
@@ -15449,6 +18274,66 @@
           <a:chExt cx="0" cy="0"/>
         </a:xfrm>
       </p:grpSpPr>
+      <p:sp useBgFill="1">
+        <p:nvSpPr>
+          <p:cNvPr id="10" name="Rectangle 9">
+            <a:extLst>
+              <a:ext uri="{FF2B5EF4-FFF2-40B4-BE49-F238E27FC236}">
+                <a16:creationId xmlns:a16="http://schemas.microsoft.com/office/drawing/2014/main" id="{743AA782-23D1-4521-8CAD-47662984AA08}"/>
+              </a:ext>
+              <a:ext uri="{C183D7F6-B498-43B3-948B-1728B52AA6E4}">
+                <adec:decorative xmlns:adec="http://schemas.microsoft.com/office/drawing/2017/decorative" val="1"/>
+              </a:ext>
+            </a:extLst>
+          </p:cNvPr>
+          <p:cNvSpPr>
+            <a:spLocks noGrp="1" noRot="1" noChangeAspect="1" noMove="1" noResize="1" noEditPoints="1" noAdjustHandles="1" noChangeArrowheads="1" noChangeShapeType="1" noTextEdit="1"/>
+          </p:cNvSpPr>
+          <p:nvPr>
+            <p:extLst>
+              <p:ext uri="{386F3935-93C4-4BCD-93E2-E3B085C9AB24}">
+                <p16:designElem xmlns:p16="http://schemas.microsoft.com/office/powerpoint/2015/main" val="1"/>
+              </p:ext>
+            </p:extLst>
+          </p:nvPr>
+        </p:nvSpPr>
+        <p:spPr>
+          <a:xfrm>
+            <a:off x="0" y="0"/>
+            <a:ext cx="12192000" cy="6858000"/>
+          </a:xfrm>
+          <a:prstGeom prst="rect">
+            <a:avLst/>
+          </a:prstGeom>
+          <a:ln>
+            <a:noFill/>
+          </a:ln>
+        </p:spPr>
+        <p:style>
+          <a:lnRef idx="2">
+            <a:schemeClr val="accent1">
+              <a:shade val="50000"/>
+            </a:schemeClr>
+          </a:lnRef>
+          <a:fillRef idx="1">
+            <a:schemeClr val="accent1"/>
+          </a:fillRef>
+          <a:effectRef idx="0">
+            <a:schemeClr val="accent1"/>
+          </a:effectRef>
+          <a:fontRef idx="minor">
+            <a:schemeClr val="lt1"/>
+          </a:fontRef>
+        </p:style>
+        <p:txBody>
+          <a:bodyPr rtlCol="0" anchor="ctr"/>
+          <a:lstStyle/>
+          <a:p>
+            <a:pPr algn="ctr"/>
+            <a:endParaRPr lang="en-US"/>
+          </a:p>
+        </p:txBody>
+      </p:sp>
       <p:sp>
         <p:nvSpPr>
           <p:cNvPr id="2" name="Title 1">
@@ -15467,8 +18352,8 @@
         </p:nvSpPr>
         <p:spPr>
           <a:xfrm>
-            <a:off x="630936" y="639520"/>
-            <a:ext cx="3429000" cy="1719072"/>
+            <a:off x="630936" y="640080"/>
+            <a:ext cx="4818888" cy="1481328"/>
           </a:xfrm>
         </p:spPr>
         <p:txBody>
@@ -15478,9 +18363,282 @@
           <a:lstStyle/>
           <a:p>
             <a:r>
-              <a:rPr lang="en-US" sz="3800"/>
+              <a:rPr lang="en-US" sz="4600"/>
               <a:t>Two-sample independent t-test</a:t>
             </a:r>
+          </a:p>
+        </p:txBody>
+      </p:sp>
+      <p:sp>
+        <p:nvSpPr>
+          <p:cNvPr id="12" name="sketch line">
+            <a:extLst>
+              <a:ext uri="{FF2B5EF4-FFF2-40B4-BE49-F238E27FC236}">
+                <a16:creationId xmlns:a16="http://schemas.microsoft.com/office/drawing/2014/main" id="{650D18FE-0824-4A46-B22C-A86B52E5780A}"/>
+              </a:ext>
+              <a:ext uri="{C183D7F6-B498-43B3-948B-1728B52AA6E4}">
+                <adec:decorative xmlns:adec="http://schemas.microsoft.com/office/drawing/2017/decorative" val="1"/>
+              </a:ext>
+            </a:extLst>
+          </p:cNvPr>
+          <p:cNvSpPr>
+            <a:spLocks noGrp="1" noRot="1" noChangeAspect="1" noMove="1" noResize="1" noEditPoints="1" noAdjustHandles="1" noChangeArrowheads="1" noChangeShapeType="1" noTextEdit="1"/>
+          </p:cNvSpPr>
+          <p:nvPr>
+            <p:extLst>
+              <p:ext uri="{386F3935-93C4-4BCD-93E2-E3B085C9AB24}">
+                <p16:designElem xmlns:p16="http://schemas.microsoft.com/office/powerpoint/2015/main" val="1"/>
+              </p:ext>
+            </p:extLst>
+          </p:nvPr>
+        </p:nvSpPr>
+        <p:spPr>
+          <a:xfrm>
+            <a:off x="643278" y="2372868"/>
+            <a:ext cx="3255095" cy="18288"/>
+          </a:xfrm>
+          <a:custGeom>
+            <a:avLst/>
+            <a:gdLst>
+              <a:gd name="connsiteX0" fmla="*/ 0 w 3255095"/>
+              <a:gd name="connsiteY0" fmla="*/ 0 h 18288"/>
+              <a:gd name="connsiteX1" fmla="*/ 618468 w 3255095"/>
+              <a:gd name="connsiteY1" fmla="*/ 0 h 18288"/>
+              <a:gd name="connsiteX2" fmla="*/ 1269487 w 3255095"/>
+              <a:gd name="connsiteY2" fmla="*/ 0 h 18288"/>
+              <a:gd name="connsiteX3" fmla="*/ 1953057 w 3255095"/>
+              <a:gd name="connsiteY3" fmla="*/ 0 h 18288"/>
+              <a:gd name="connsiteX4" fmla="*/ 2636627 w 3255095"/>
+              <a:gd name="connsiteY4" fmla="*/ 0 h 18288"/>
+              <a:gd name="connsiteX5" fmla="*/ 3255095 w 3255095"/>
+              <a:gd name="connsiteY5" fmla="*/ 0 h 18288"/>
+              <a:gd name="connsiteX6" fmla="*/ 3255095 w 3255095"/>
+              <a:gd name="connsiteY6" fmla="*/ 18288 h 18288"/>
+              <a:gd name="connsiteX7" fmla="*/ 2538974 w 3255095"/>
+              <a:gd name="connsiteY7" fmla="*/ 18288 h 18288"/>
+              <a:gd name="connsiteX8" fmla="*/ 1822853 w 3255095"/>
+              <a:gd name="connsiteY8" fmla="*/ 18288 h 18288"/>
+              <a:gd name="connsiteX9" fmla="*/ 1171834 w 3255095"/>
+              <a:gd name="connsiteY9" fmla="*/ 18288 h 18288"/>
+              <a:gd name="connsiteX10" fmla="*/ 0 w 3255095"/>
+              <a:gd name="connsiteY10" fmla="*/ 18288 h 18288"/>
+              <a:gd name="connsiteX11" fmla="*/ 0 w 3255095"/>
+              <a:gd name="connsiteY11" fmla="*/ 0 h 18288"/>
+            </a:gdLst>
+            <a:ahLst/>
+            <a:cxnLst>
+              <a:cxn ang="0">
+                <a:pos x="connsiteX0" y="connsiteY0"/>
+              </a:cxn>
+              <a:cxn ang="0">
+                <a:pos x="connsiteX1" y="connsiteY1"/>
+              </a:cxn>
+              <a:cxn ang="0">
+                <a:pos x="connsiteX2" y="connsiteY2"/>
+              </a:cxn>
+              <a:cxn ang="0">
+                <a:pos x="connsiteX3" y="connsiteY3"/>
+              </a:cxn>
+              <a:cxn ang="0">
+                <a:pos x="connsiteX4" y="connsiteY4"/>
+              </a:cxn>
+              <a:cxn ang="0">
+                <a:pos x="connsiteX5" y="connsiteY5"/>
+              </a:cxn>
+              <a:cxn ang="0">
+                <a:pos x="connsiteX6" y="connsiteY6"/>
+              </a:cxn>
+              <a:cxn ang="0">
+                <a:pos x="connsiteX7" y="connsiteY7"/>
+              </a:cxn>
+              <a:cxn ang="0">
+                <a:pos x="connsiteX8" y="connsiteY8"/>
+              </a:cxn>
+              <a:cxn ang="0">
+                <a:pos x="connsiteX9" y="connsiteY9"/>
+              </a:cxn>
+              <a:cxn ang="0">
+                <a:pos x="connsiteX10" y="connsiteY10"/>
+              </a:cxn>
+              <a:cxn ang="0">
+                <a:pos x="connsiteX11" y="connsiteY11"/>
+              </a:cxn>
+            </a:cxnLst>
+            <a:rect l="l" t="t" r="r" b="b"/>
+            <a:pathLst>
+              <a:path w="3255095" h="18288" fill="none" extrusionOk="0">
+                <a:moveTo>
+                  <a:pt x="0" y="0"/>
+                </a:moveTo>
+                <a:cubicBezTo>
+                  <a:pt x="240201" y="-22123"/>
+                  <a:pt x="462021" y="-19623"/>
+                  <a:pt x="618468" y="0"/>
+                </a:cubicBezTo>
+                <a:cubicBezTo>
+                  <a:pt x="774915" y="19623"/>
+                  <a:pt x="974734" y="2035"/>
+                  <a:pt x="1269487" y="0"/>
+                </a:cubicBezTo>
+                <a:cubicBezTo>
+                  <a:pt x="1564240" y="-2035"/>
+                  <a:pt x="1733579" y="10639"/>
+                  <a:pt x="1953057" y="0"/>
+                </a:cubicBezTo>
+                <a:cubicBezTo>
+                  <a:pt x="2172535" y="-10639"/>
+                  <a:pt x="2453962" y="14018"/>
+                  <a:pt x="2636627" y="0"/>
+                </a:cubicBezTo>
+                <a:cubicBezTo>
+                  <a:pt x="2819292" y="-14018"/>
+                  <a:pt x="3121375" y="5399"/>
+                  <a:pt x="3255095" y="0"/>
+                </a:cubicBezTo>
+                <a:cubicBezTo>
+                  <a:pt x="3254386" y="8157"/>
+                  <a:pt x="3254682" y="12125"/>
+                  <a:pt x="3255095" y="18288"/>
+                </a:cubicBezTo>
+                <a:cubicBezTo>
+                  <a:pt x="3088545" y="23203"/>
+                  <a:pt x="2687475" y="7419"/>
+                  <a:pt x="2538974" y="18288"/>
+                </a:cubicBezTo>
+                <a:cubicBezTo>
+                  <a:pt x="2390473" y="29157"/>
+                  <a:pt x="2137381" y="-8959"/>
+                  <a:pt x="1822853" y="18288"/>
+                </a:cubicBezTo>
+                <a:cubicBezTo>
+                  <a:pt x="1508325" y="45535"/>
+                  <a:pt x="1466437" y="20385"/>
+                  <a:pt x="1171834" y="18288"/>
+                </a:cubicBezTo>
+                <a:cubicBezTo>
+                  <a:pt x="877231" y="16191"/>
+                  <a:pt x="561097" y="37643"/>
+                  <a:pt x="0" y="18288"/>
+                </a:cubicBezTo>
+                <a:cubicBezTo>
+                  <a:pt x="-46" y="12483"/>
+                  <a:pt x="-203" y="6491"/>
+                  <a:pt x="0" y="0"/>
+                </a:cubicBezTo>
+                <a:close/>
+              </a:path>
+              <a:path w="3255095" h="18288" stroke="0" extrusionOk="0">
+                <a:moveTo>
+                  <a:pt x="0" y="0"/>
+                </a:moveTo>
+                <a:cubicBezTo>
+                  <a:pt x="291965" y="19429"/>
+                  <a:pt x="363155" y="8568"/>
+                  <a:pt x="618468" y="0"/>
+                </a:cubicBezTo>
+                <a:cubicBezTo>
+                  <a:pt x="873781" y="-8568"/>
+                  <a:pt x="904459" y="-19505"/>
+                  <a:pt x="1171834" y="0"/>
+                </a:cubicBezTo>
+                <a:cubicBezTo>
+                  <a:pt x="1439209" y="19505"/>
+                  <a:pt x="1744369" y="9790"/>
+                  <a:pt x="1887955" y="0"/>
+                </a:cubicBezTo>
+                <a:cubicBezTo>
+                  <a:pt x="2031541" y="-9790"/>
+                  <a:pt x="2346378" y="21240"/>
+                  <a:pt x="2506423" y="0"/>
+                </a:cubicBezTo>
+                <a:cubicBezTo>
+                  <a:pt x="2666468" y="-21240"/>
+                  <a:pt x="2990257" y="30414"/>
+                  <a:pt x="3255095" y="0"/>
+                </a:cubicBezTo>
+                <a:cubicBezTo>
+                  <a:pt x="3254831" y="4493"/>
+                  <a:pt x="3255479" y="9472"/>
+                  <a:pt x="3255095" y="18288"/>
+                </a:cubicBezTo>
+                <a:cubicBezTo>
+                  <a:pt x="3120743" y="16690"/>
+                  <a:pt x="2759628" y="42462"/>
+                  <a:pt x="2604076" y="18288"/>
+                </a:cubicBezTo>
+                <a:cubicBezTo>
+                  <a:pt x="2448524" y="-5886"/>
+                  <a:pt x="2184336" y="19599"/>
+                  <a:pt x="1887955" y="18288"/>
+                </a:cubicBezTo>
+                <a:cubicBezTo>
+                  <a:pt x="1591574" y="16977"/>
+                  <a:pt x="1548845" y="6870"/>
+                  <a:pt x="1334589" y="18288"/>
+                </a:cubicBezTo>
+                <a:cubicBezTo>
+                  <a:pt x="1120333" y="29706"/>
+                  <a:pt x="996014" y="9662"/>
+                  <a:pt x="683570" y="18288"/>
+                </a:cubicBezTo>
+                <a:cubicBezTo>
+                  <a:pt x="371126" y="26914"/>
+                  <a:pt x="198687" y="16167"/>
+                  <a:pt x="0" y="18288"/>
+                </a:cubicBezTo>
+                <a:cubicBezTo>
+                  <a:pt x="843" y="9577"/>
+                  <a:pt x="371" y="6900"/>
+                  <a:pt x="0" y="0"/>
+                </a:cubicBezTo>
+                <a:close/>
+              </a:path>
+            </a:pathLst>
+          </a:custGeom>
+          <a:solidFill>
+            <a:schemeClr val="accent2"/>
+          </a:solidFill>
+          <a:ln w="38100" cap="rnd">
+            <a:solidFill>
+              <a:schemeClr val="accent2"/>
+            </a:solidFill>
+            <a:round/>
+            <a:extLst>
+              <a:ext uri="{C807C97D-BFC1-408E-A445-0C87EB9F89A2}">
+                <ask:lineSketchStyleProps xmlns:ask="http://schemas.microsoft.com/office/drawing/2018/sketchyshapes" sd="1219033472">
+                  <a:prstGeom prst="rect">
+                    <a:avLst/>
+                  </a:prstGeom>
+                  <ask:type>
+                    <ask:lineSketchFreehand/>
+                  </ask:type>
+                </ask:lineSketchStyleProps>
+              </a:ext>
+            </a:extLst>
+          </a:ln>
+        </p:spPr>
+        <p:style>
+          <a:lnRef idx="2">
+            <a:schemeClr val="accent1">
+              <a:shade val="50000"/>
+            </a:schemeClr>
+          </a:lnRef>
+          <a:fillRef idx="1">
+            <a:schemeClr val="accent1"/>
+          </a:fillRef>
+          <a:effectRef idx="0">
+            <a:schemeClr val="accent1"/>
+          </a:effectRef>
+          <a:fontRef idx="minor">
+            <a:schemeClr val="lt1"/>
+          </a:fontRef>
+        </p:style>
+        <p:txBody>
+          <a:bodyPr rtlCol="0" anchor="ctr"/>
+          <a:lstStyle/>
+          <a:p>
+            <a:pPr algn="ctr"/>
+            <a:endParaRPr lang="en-US"/>
           </a:p>
         </p:txBody>
       </p:sp>
@@ -15504,8 +18662,8 @@
             </p:nvSpPr>
             <p:spPr>
               <a:xfrm>
-                <a:off x="630936" y="2807208"/>
-                <a:ext cx="3429000" cy="3410712"/>
+                <a:off x="630936" y="2660904"/>
+                <a:ext cx="4818888" cy="3547872"/>
               </a:xfrm>
             </p:spPr>
             <p:txBody>
@@ -15675,13 +18833,13 @@
             </p:nvSpPr>
             <p:spPr>
               <a:xfrm>
-                <a:off x="630936" y="2807208"/>
-                <a:ext cx="3429000" cy="3410712"/>
+                <a:off x="630936" y="2660904"/>
+                <a:ext cx="4818888" cy="3547872"/>
               </a:xfrm>
               <a:blipFill>
                 <a:blip r:embed="rId3"/>
                 <a:stretch>
-                  <a:fillRect l="-2135" t="-1968" r="-2313"/>
+                  <a:fillRect l="-1519" t="-1890" r="-2278"/>
                 </a:stretch>
               </a:blipFill>
             </p:spPr>
@@ -15731,8 +18889,8 @@
         </p:blipFill>
         <p:spPr>
           <a:xfrm>
-            <a:off x="4654296" y="1754848"/>
-            <a:ext cx="6903720" cy="3348304"/>
+            <a:off x="6099048" y="2105200"/>
+            <a:ext cx="5458968" cy="2647599"/>
           </a:xfrm>
           <a:prstGeom prst="rect">
             <a:avLst/>
@@ -15752,7 +18910,7 @@
 </p:sld>
 </file>
 
-<file path=ppt/slides/slide16.xml><?xml version="1.0" encoding="utf-8"?>
+<file path=ppt/slides/slide17.xml><?xml version="1.0" encoding="utf-8"?>
 <p:sld xmlns:a="http://schemas.openxmlformats.org/drawingml/2006/main" xmlns:r="http://schemas.openxmlformats.org/officeDocument/2006/relationships" xmlns:p="http://schemas.openxmlformats.org/presentationml/2006/main">
   <p:cSld>
     <p:bg>
@@ -16847,113 +20005,6 @@
 </p:sld>
 </file>
 
-<file path=ppt/slides/slide17.xml><?xml version="1.0" encoding="utf-8"?>
-<p:sld xmlns:a="http://schemas.openxmlformats.org/drawingml/2006/main" xmlns:r="http://schemas.openxmlformats.org/officeDocument/2006/relationships" xmlns:p="http://schemas.openxmlformats.org/presentationml/2006/main">
-  <p:cSld>
-    <p:spTree>
-      <p:nvGrpSpPr>
-        <p:cNvPr id="1" name=""/>
-        <p:cNvGrpSpPr/>
-        <p:nvPr/>
-      </p:nvGrpSpPr>
-      <p:grpSpPr>
-        <a:xfrm>
-          <a:off x="0" y="0"/>
-          <a:ext cx="0" cy="0"/>
-          <a:chOff x="0" y="0"/>
-          <a:chExt cx="0" cy="0"/>
-        </a:xfrm>
-      </p:grpSpPr>
-      <p:sp>
-        <p:nvSpPr>
-          <p:cNvPr id="2" name="Title 1">
-            <a:extLst>
-              <a:ext uri="{FF2B5EF4-FFF2-40B4-BE49-F238E27FC236}">
-                <a16:creationId xmlns:a16="http://schemas.microsoft.com/office/drawing/2014/main" id="{8ADD8ADF-D473-4829-9D7E-F9AC2DABBE1D}"/>
-              </a:ext>
-            </a:extLst>
-          </p:cNvPr>
-          <p:cNvSpPr>
-            <a:spLocks noGrp="1"/>
-          </p:cNvSpPr>
-          <p:nvPr>
-            <p:ph type="title"/>
-          </p:nvPr>
-        </p:nvSpPr>
-        <p:spPr/>
-        <p:txBody>
-          <a:bodyPr/>
-          <a:lstStyle/>
-          <a:p>
-            <a:r>
-              <a:rPr lang="en-US" dirty="0"/>
-              <a:t>Correlation</a:t>
-            </a:r>
-          </a:p>
-        </p:txBody>
-      </p:sp>
-      <p:sp>
-        <p:nvSpPr>
-          <p:cNvPr id="3" name="Content Placeholder 2">
-            <a:extLst>
-              <a:ext uri="{FF2B5EF4-FFF2-40B4-BE49-F238E27FC236}">
-                <a16:creationId xmlns:a16="http://schemas.microsoft.com/office/drawing/2014/main" id="{9FCFCB80-A413-4E63-BC85-519BC6ACECF1}"/>
-              </a:ext>
-            </a:extLst>
-          </p:cNvPr>
-          <p:cNvSpPr>
-            <a:spLocks noGrp="1"/>
-          </p:cNvSpPr>
-          <p:nvPr>
-            <p:ph idx="1"/>
-          </p:nvPr>
-        </p:nvSpPr>
-        <p:spPr/>
-        <p:txBody>
-          <a:bodyPr/>
-          <a:lstStyle/>
-          <a:p>
-            <a:r>
-              <a:rPr lang="en-US" dirty="0"/>
-              <a:t>a)	what a scatter plot looks like and what it represents</a:t>
-            </a:r>
-          </a:p>
-          <a:p>
-            <a:r>
-              <a:rPr lang="en-US" dirty="0"/>
-              <a:t>b)	what a nonlinear relationship looks like on a scatter plot</a:t>
-            </a:r>
-          </a:p>
-          <a:p>
-            <a:r>
-              <a:rPr lang="en-US" dirty="0"/>
-              <a:t>c)	how to interpret correlation coefficients when there is a positive association, negative association, or no association between two variables</a:t>
-            </a:r>
-          </a:p>
-          <a:p>
-            <a:r>
-              <a:rPr lang="en-US" dirty="0"/>
-              <a:t>d)	why correlation does not indicate causation</a:t>
-            </a:r>
-          </a:p>
-          <a:p>
-            <a:endParaRPr lang="en-US" dirty="0"/>
-          </a:p>
-        </p:txBody>
-      </p:sp>
-    </p:spTree>
-    <p:extLst>
-      <p:ext uri="{BB962C8B-B14F-4D97-AF65-F5344CB8AC3E}">
-        <p14:creationId xmlns:p14="http://schemas.microsoft.com/office/powerpoint/2010/main" val="4267668659"/>
-      </p:ext>
-    </p:extLst>
-  </p:cSld>
-  <p:clrMapOvr>
-    <a:masterClrMapping/>
-  </p:clrMapOvr>
-</p:sld>
-</file>
-
 <file path=ppt/slides/slide18.xml><?xml version="1.0" encoding="utf-8"?>
 <p:sld xmlns:a="http://schemas.openxmlformats.org/drawingml/2006/main" xmlns:r="http://schemas.openxmlformats.org/officeDocument/2006/relationships" xmlns:p="http://schemas.openxmlformats.org/presentationml/2006/main">
   <p:cSld>
@@ -16976,7 +20027,7 @@
           <p:cNvPr id="2" name="Title 1">
             <a:extLst>
               <a:ext uri="{FF2B5EF4-FFF2-40B4-BE49-F238E27FC236}">
-                <a16:creationId xmlns:a16="http://schemas.microsoft.com/office/drawing/2014/main" id="{3D9BA234-56A6-49E2-9A15-2A406AB3A914}"/>
+                <a16:creationId xmlns:a16="http://schemas.microsoft.com/office/drawing/2014/main" id="{8ADD8ADF-D473-4829-9D7E-F9AC2DABBE1D}"/>
               </a:ext>
             </a:extLst>
           </p:cNvPr>
@@ -16994,7 +20045,7 @@
           <a:p>
             <a:r>
               <a:rPr lang="en-US" dirty="0"/>
-              <a:t>iClicker</a:t>
+              <a:t>Correlation</a:t>
             </a:r>
           </a:p>
         </p:txBody>
@@ -17004,7 +20055,7 @@
           <p:cNvPr id="3" name="Content Placeholder 2">
             <a:extLst>
               <a:ext uri="{FF2B5EF4-FFF2-40B4-BE49-F238E27FC236}">
-                <a16:creationId xmlns:a16="http://schemas.microsoft.com/office/drawing/2014/main" id="{0D84E982-12F8-4BAE-9F81-30587EE1162B}"/>
+                <a16:creationId xmlns:a16="http://schemas.microsoft.com/office/drawing/2014/main" id="{9FCFCB80-A413-4E63-BC85-519BC6ACECF1}"/>
               </a:ext>
             </a:extLst>
           </p:cNvPr>
@@ -17020,14 +20071,38 @@
           <a:bodyPr/>
           <a:lstStyle/>
           <a:p>
-            <a:endParaRPr lang="en-US"/>
+            <a:r>
+              <a:rPr lang="en-US" dirty="0"/>
+              <a:t>What a scatter plot looks like and what it represents</a:t>
+            </a:r>
+          </a:p>
+          <a:p>
+            <a:r>
+              <a:rPr lang="en-US" dirty="0"/>
+              <a:t>What a nonlinear relationship looks like on a scatter plot</a:t>
+            </a:r>
+          </a:p>
+          <a:p>
+            <a:r>
+              <a:rPr lang="en-US" dirty="0"/>
+              <a:t>How to interpret correlation coefficients when there is a positive association, negative association, or no association between two variables</a:t>
+            </a:r>
+          </a:p>
+          <a:p>
+            <a:r>
+              <a:rPr lang="en-US" dirty="0"/>
+              <a:t>Why correlation does not indicate causation</a:t>
+            </a:r>
+          </a:p>
+          <a:p>
+            <a:endParaRPr lang="en-US" dirty="0"/>
           </a:p>
         </p:txBody>
       </p:sp>
     </p:spTree>
     <p:extLst>
       <p:ext uri="{BB962C8B-B14F-4D97-AF65-F5344CB8AC3E}">
-        <p14:creationId xmlns:p14="http://schemas.microsoft.com/office/powerpoint/2010/main" val="2649204256"/>
+        <p14:creationId xmlns:p14="http://schemas.microsoft.com/office/powerpoint/2010/main" val="4267668659"/>
       </p:ext>
     </p:extLst>
   </p:cSld>
@@ -17059,7 +20134,7 @@
           <p:cNvPr id="2" name="Title 1">
             <a:extLst>
               <a:ext uri="{FF2B5EF4-FFF2-40B4-BE49-F238E27FC236}">
-                <a16:creationId xmlns:a16="http://schemas.microsoft.com/office/drawing/2014/main" id="{173747B3-2073-4EC2-B75C-C2411686D7EB}"/>
+                <a16:creationId xmlns:a16="http://schemas.microsoft.com/office/drawing/2014/main" id="{3D9BA234-56A6-49E2-9A15-2A406AB3A914}"/>
               </a:ext>
             </a:extLst>
           </p:cNvPr>
@@ -17077,7 +20152,7 @@
           <a:p>
             <a:r>
               <a:rPr lang="en-US" dirty="0"/>
-              <a:t>Simple Regression</a:t>
+              <a:t>iClicker</a:t>
             </a:r>
           </a:p>
         </p:txBody>
@@ -17087,7 +20162,7 @@
           <p:cNvPr id="3" name="Content Placeholder 2">
             <a:extLst>
               <a:ext uri="{FF2B5EF4-FFF2-40B4-BE49-F238E27FC236}">
-                <a16:creationId xmlns:a16="http://schemas.microsoft.com/office/drawing/2014/main" id="{E92122FD-93EF-4647-BA1E-056C7A41D815}"/>
+                <a16:creationId xmlns:a16="http://schemas.microsoft.com/office/drawing/2014/main" id="{0D84E982-12F8-4BAE-9F81-30587EE1162B}"/>
               </a:ext>
             </a:extLst>
           </p:cNvPr>
@@ -17100,125 +20175,17 @@
         </p:nvSpPr>
         <p:spPr/>
         <p:txBody>
-          <a:bodyPr>
-            <a:normAutofit fontScale="85000" lnSpcReduction="10000"/>
-          </a:bodyPr>
-          <a:lstStyle/>
-          <a:p>
-            <a:r>
-              <a:rPr lang="en-US" dirty="0"/>
-              <a:t>e)	what the dependent and independent variables are in a regression model</a:t>
-            </a:r>
-          </a:p>
-          <a:p>
-            <a:r>
-              <a:rPr lang="en-US" dirty="0"/>
-              <a:t>f)	what a regression line is, and what it means that a regression line is “best fitting”</a:t>
-            </a:r>
-          </a:p>
-          <a:p>
-            <a:r>
-              <a:rPr lang="en-US" dirty="0"/>
-              <a:t>g)	what the intercept and slope coefficient in a regression model represent </a:t>
-            </a:r>
-          </a:p>
-          <a:p>
-            <a:r>
-              <a:rPr lang="en-US" dirty="0"/>
-              <a:t>h)	how to interpret the slope coefficient in a regression model </a:t>
-            </a:r>
-          </a:p>
-          <a:p>
-            <a:r>
-              <a:rPr lang="en-US" dirty="0"/>
-              <a:t>i)	understand that regression models don’t predict anything, but instead describe something that has already happened</a:t>
-            </a:r>
-          </a:p>
-          <a:p>
-            <a:r>
-              <a:rPr lang="en-US" dirty="0"/>
-              <a:t>j)	what the requirements are for a valid regression model </a:t>
-            </a:r>
-          </a:p>
-          <a:p>
-            <a:r>
-              <a:rPr lang="en-US" dirty="0"/>
-              <a:t>k)	why the relevant range for a model is important, and how it is determined</a:t>
-            </a:r>
-          </a:p>
-          <a:p>
-            <a:r>
-              <a:rPr lang="en-US" dirty="0"/>
-              <a:t>l)	what “error” is in a regression model, and how you can tell whether a model fits the actual data well</a:t>
-            </a:r>
-          </a:p>
-          <a:p>
-            <a:endParaRPr lang="en-US" dirty="0"/>
-          </a:p>
-        </p:txBody>
-      </p:sp>
-      <p:sp>
-        <p:nvSpPr>
-          <p:cNvPr id="4" name="Footer Placeholder 3">
-            <a:extLst>
-              <a:ext uri="{FF2B5EF4-FFF2-40B4-BE49-F238E27FC236}">
-                <a16:creationId xmlns:a16="http://schemas.microsoft.com/office/drawing/2014/main" id="{7F1E192C-031B-4E4A-A8F2-984EC547DC83}"/>
-              </a:ext>
-            </a:extLst>
-          </p:cNvPr>
-          <p:cNvSpPr>
-            <a:spLocks noGrp="1"/>
-          </p:cNvSpPr>
-          <p:nvPr>
-            <p:ph type="ftr" sz="quarter" idx="11"/>
-          </p:nvPr>
-        </p:nvSpPr>
-        <p:spPr/>
-        <p:txBody>
           <a:bodyPr/>
           <a:lstStyle/>
           <a:p>
-            <a:r>
-              <a:rPr lang="en-US"/>
-              <a:t>Mike Nguyen</a:t>
-            </a:r>
-            <a:endParaRPr lang="en-US" dirty="0"/>
-          </a:p>
-        </p:txBody>
-      </p:sp>
-      <p:sp>
-        <p:nvSpPr>
-          <p:cNvPr id="5" name="Slide Number Placeholder 4">
-            <a:extLst>
-              <a:ext uri="{FF2B5EF4-FFF2-40B4-BE49-F238E27FC236}">
-                <a16:creationId xmlns:a16="http://schemas.microsoft.com/office/drawing/2014/main" id="{A950C673-CF10-4B05-975D-D3F53922BADC}"/>
-              </a:ext>
-            </a:extLst>
-          </p:cNvPr>
-          <p:cNvSpPr>
-            <a:spLocks noGrp="1"/>
-          </p:cNvSpPr>
-          <p:nvPr>
-            <p:ph type="sldNum" sz="quarter" idx="12"/>
-          </p:nvPr>
-        </p:nvSpPr>
-        <p:spPr/>
-        <p:txBody>
-          <a:bodyPr/>
-          <a:lstStyle/>
-          <a:p>
-            <a:fld id="{A6AF1B4E-90EC-4A51-B6E5-B702C054ECB0}" type="slidenum">
-              <a:rPr lang="en-US" smtClean="0"/>
-              <a:t>19</a:t>
-            </a:fld>
-            <a:endParaRPr lang="en-US" dirty="0"/>
+            <a:endParaRPr lang="en-US"/>
           </a:p>
         </p:txBody>
       </p:sp>
     </p:spTree>
     <p:extLst>
       <p:ext uri="{BB962C8B-B14F-4D97-AF65-F5344CB8AC3E}">
-        <p14:creationId xmlns:p14="http://schemas.microsoft.com/office/powerpoint/2010/main" val="507336661"/>
+        <p14:creationId xmlns:p14="http://schemas.microsoft.com/office/powerpoint/2010/main" val="2649204256"/>
       </p:ext>
     </p:extLst>
   </p:cSld>
@@ -17637,7 +20604,7 @@
           <a:p>
             <a:r>
               <a:rPr lang="en-US" sz="2600" dirty="0"/>
-              <a:t>25 questions (200 points) with 2 extra credit questions (16 points) in 75 mins</a:t>
+              <a:t>36 questions (200 points) with 3 extra credit questions in 75 mins</a:t>
             </a:r>
           </a:p>
           <a:p>
@@ -17759,7 +20726,7 @@
           <p:cNvPr id="2" name="Title 1">
             <a:extLst>
               <a:ext uri="{FF2B5EF4-FFF2-40B4-BE49-F238E27FC236}">
-                <a16:creationId xmlns:a16="http://schemas.microsoft.com/office/drawing/2014/main" id="{3D9BA234-56A6-49E2-9A15-2A406AB3A914}"/>
+                <a16:creationId xmlns:a16="http://schemas.microsoft.com/office/drawing/2014/main" id="{173747B3-2073-4EC2-B75C-C2411686D7EB}"/>
               </a:ext>
             </a:extLst>
           </p:cNvPr>
@@ -17777,7 +20744,7 @@
           <a:p>
             <a:r>
               <a:rPr lang="en-US" dirty="0"/>
-              <a:t>iClicker</a:t>
+              <a:t>Simple Regression</a:t>
             </a:r>
           </a:p>
         </p:txBody>
@@ -17787,7 +20754,7 @@
           <p:cNvPr id="3" name="Content Placeholder 2">
             <a:extLst>
               <a:ext uri="{FF2B5EF4-FFF2-40B4-BE49-F238E27FC236}">
-                <a16:creationId xmlns:a16="http://schemas.microsoft.com/office/drawing/2014/main" id="{0D84E982-12F8-4BAE-9F81-30587EE1162B}"/>
+                <a16:creationId xmlns:a16="http://schemas.microsoft.com/office/drawing/2014/main" id="{E92122FD-93EF-4647-BA1E-056C7A41D815}"/>
               </a:ext>
             </a:extLst>
           </p:cNvPr>
@@ -17800,17 +20767,125 @@
         </p:nvSpPr>
         <p:spPr/>
         <p:txBody>
+          <a:bodyPr>
+            <a:normAutofit fontScale="85000" lnSpcReduction="10000"/>
+          </a:bodyPr>
+          <a:lstStyle/>
+          <a:p>
+            <a:r>
+              <a:rPr lang="en-US" dirty="0"/>
+              <a:t>e)	what the dependent and independent variables are in a regression model</a:t>
+            </a:r>
+          </a:p>
+          <a:p>
+            <a:r>
+              <a:rPr lang="en-US" dirty="0"/>
+              <a:t>f)	what a regression line is, and what it means that a regression line is “best fitting”</a:t>
+            </a:r>
+          </a:p>
+          <a:p>
+            <a:r>
+              <a:rPr lang="en-US" dirty="0"/>
+              <a:t>g)	what the intercept and slope coefficient in a regression model represent </a:t>
+            </a:r>
+          </a:p>
+          <a:p>
+            <a:r>
+              <a:rPr lang="en-US" dirty="0"/>
+              <a:t>h)	how to interpret the slope coefficient in a regression model </a:t>
+            </a:r>
+          </a:p>
+          <a:p>
+            <a:r>
+              <a:rPr lang="en-US" dirty="0"/>
+              <a:t>i)	understand that regression models don’t predict anything, but instead describe something that has already happened</a:t>
+            </a:r>
+          </a:p>
+          <a:p>
+            <a:r>
+              <a:rPr lang="en-US" dirty="0"/>
+              <a:t>j)	what the requirements are for a valid regression model </a:t>
+            </a:r>
+          </a:p>
+          <a:p>
+            <a:r>
+              <a:rPr lang="en-US" dirty="0"/>
+              <a:t>k)	why the relevant range for a model is important, and how it is determined</a:t>
+            </a:r>
+          </a:p>
+          <a:p>
+            <a:r>
+              <a:rPr lang="en-US" dirty="0"/>
+              <a:t>l)	what “error” is in a regression model, and how you can tell whether a model fits the actual data well</a:t>
+            </a:r>
+          </a:p>
+          <a:p>
+            <a:endParaRPr lang="en-US" dirty="0"/>
+          </a:p>
+        </p:txBody>
+      </p:sp>
+      <p:sp>
+        <p:nvSpPr>
+          <p:cNvPr id="4" name="Footer Placeholder 3">
+            <a:extLst>
+              <a:ext uri="{FF2B5EF4-FFF2-40B4-BE49-F238E27FC236}">
+                <a16:creationId xmlns:a16="http://schemas.microsoft.com/office/drawing/2014/main" id="{7F1E192C-031B-4E4A-A8F2-984EC547DC83}"/>
+              </a:ext>
+            </a:extLst>
+          </p:cNvPr>
+          <p:cNvSpPr>
+            <a:spLocks noGrp="1"/>
+          </p:cNvSpPr>
+          <p:nvPr>
+            <p:ph type="ftr" sz="quarter" idx="11"/>
+          </p:nvPr>
+        </p:nvSpPr>
+        <p:spPr/>
+        <p:txBody>
           <a:bodyPr/>
           <a:lstStyle/>
           <a:p>
-            <a:endParaRPr lang="en-US"/>
+            <a:r>
+              <a:rPr lang="en-US"/>
+              <a:t>Mike Nguyen</a:t>
+            </a:r>
+            <a:endParaRPr lang="en-US" dirty="0"/>
+          </a:p>
+        </p:txBody>
+      </p:sp>
+      <p:sp>
+        <p:nvSpPr>
+          <p:cNvPr id="5" name="Slide Number Placeholder 4">
+            <a:extLst>
+              <a:ext uri="{FF2B5EF4-FFF2-40B4-BE49-F238E27FC236}">
+                <a16:creationId xmlns:a16="http://schemas.microsoft.com/office/drawing/2014/main" id="{A950C673-CF10-4B05-975D-D3F53922BADC}"/>
+              </a:ext>
+            </a:extLst>
+          </p:cNvPr>
+          <p:cNvSpPr>
+            <a:spLocks noGrp="1"/>
+          </p:cNvSpPr>
+          <p:nvPr>
+            <p:ph type="sldNum" sz="quarter" idx="12"/>
+          </p:nvPr>
+        </p:nvSpPr>
+        <p:spPr/>
+        <p:txBody>
+          <a:bodyPr/>
+          <a:lstStyle/>
+          <a:p>
+            <a:fld id="{A6AF1B4E-90EC-4A51-B6E5-B702C054ECB0}" type="slidenum">
+              <a:rPr lang="en-US" smtClean="0"/>
+              <a:t>20</a:t>
+            </a:fld>
+            <a:endParaRPr lang="en-US" dirty="0"/>
           </a:p>
         </p:txBody>
       </p:sp>
     </p:spTree>
     <p:extLst>
       <p:ext uri="{BB962C8B-B14F-4D97-AF65-F5344CB8AC3E}">
-        <p14:creationId xmlns:p14="http://schemas.microsoft.com/office/powerpoint/2010/main" val="3026458527"/>
+        <p14:creationId xmlns:p14="http://schemas.microsoft.com/office/powerpoint/2010/main" val="507336661"/>
       </p:ext>
     </p:extLst>
   </p:cSld>
@@ -17842,7 +20917,7 @@
           <p:cNvPr id="2" name="Title 1">
             <a:extLst>
               <a:ext uri="{FF2B5EF4-FFF2-40B4-BE49-F238E27FC236}">
-                <a16:creationId xmlns:a16="http://schemas.microsoft.com/office/drawing/2014/main" id="{EA77BBD8-F37F-45BC-A7BC-69AFBA242602}"/>
+                <a16:creationId xmlns:a16="http://schemas.microsoft.com/office/drawing/2014/main" id="{3D9BA234-56A6-49E2-9A15-2A406AB3A914}"/>
               </a:ext>
             </a:extLst>
           </p:cNvPr>
@@ -17860,7 +20935,7 @@
           <a:p>
             <a:r>
               <a:rPr lang="en-US" dirty="0"/>
-              <a:t>Multiple Regression</a:t>
+              <a:t>iClicker</a:t>
             </a:r>
           </a:p>
         </p:txBody>
@@ -17870,7 +20945,7 @@
           <p:cNvPr id="3" name="Content Placeholder 2">
             <a:extLst>
               <a:ext uri="{FF2B5EF4-FFF2-40B4-BE49-F238E27FC236}">
-                <a16:creationId xmlns:a16="http://schemas.microsoft.com/office/drawing/2014/main" id="{5B5E27C4-613E-4B50-975E-834B9B716EE3}"/>
+                <a16:creationId xmlns:a16="http://schemas.microsoft.com/office/drawing/2014/main" id="{0D84E982-12F8-4BAE-9F81-30587EE1162B}"/>
               </a:ext>
             </a:extLst>
           </p:cNvPr>
@@ -17883,115 +20958,17 @@
         </p:nvSpPr>
         <p:spPr/>
         <p:txBody>
-          <a:bodyPr>
-            <a:normAutofit lnSpcReduction="10000"/>
-          </a:bodyPr>
-          <a:lstStyle/>
-          <a:p>
-            <a:r>
-              <a:rPr lang="en-US" dirty="0"/>
-              <a:t>m)	what kind of variables (based on level of measurement) are eligible for inclusion in a regression model</a:t>
-            </a:r>
-          </a:p>
-          <a:p>
-            <a:r>
-              <a:rPr lang="en-US" dirty="0"/>
-              <a:t>n)	how to create estimates from a multiple regression model</a:t>
-            </a:r>
-          </a:p>
-          <a:p>
-            <a:r>
-              <a:rPr lang="en-US" dirty="0"/>
-              <a:t>o)	how to interpret multiple regression slope coefficients</a:t>
-            </a:r>
-          </a:p>
-          <a:p>
-            <a:r>
-              <a:rPr lang="en-US" dirty="0"/>
-              <a:t>p)	interpreting intercepts can be a little tricky sometimes—information about intercept interpretation has been provided, but it isn’t always easy to tell when it is or is not meaningful to interpret the intercept, so you won’t be tested on this</a:t>
-            </a:r>
-          </a:p>
-          <a:p>
-            <a:r>
-              <a:rPr lang="en-US" dirty="0"/>
-              <a:t>q)	how to interpret </a:t>
-            </a:r>
-            <a:r>
-              <a:rPr lang="en-US" dirty="0" err="1"/>
-              <a:t>R2</a:t>
-            </a:r>
-            <a:r>
-              <a:rPr lang="en-US" dirty="0"/>
-              <a:t> and “percentage of variation explained” means</a:t>
-            </a:r>
-          </a:p>
-          <a:p>
-            <a:endParaRPr lang="en-US" dirty="0"/>
-          </a:p>
-        </p:txBody>
-      </p:sp>
-      <p:sp>
-        <p:nvSpPr>
-          <p:cNvPr id="4" name="Footer Placeholder 3">
-            <a:extLst>
-              <a:ext uri="{FF2B5EF4-FFF2-40B4-BE49-F238E27FC236}">
-                <a16:creationId xmlns:a16="http://schemas.microsoft.com/office/drawing/2014/main" id="{4587F4FF-020D-43D7-9C9D-F71D44D9A585}"/>
-              </a:ext>
-            </a:extLst>
-          </p:cNvPr>
-          <p:cNvSpPr>
-            <a:spLocks noGrp="1"/>
-          </p:cNvSpPr>
-          <p:nvPr>
-            <p:ph type="ftr" sz="quarter" idx="11"/>
-          </p:nvPr>
-        </p:nvSpPr>
-        <p:spPr/>
-        <p:txBody>
           <a:bodyPr/>
           <a:lstStyle/>
           <a:p>
-            <a:r>
-              <a:rPr lang="en-US"/>
-              <a:t>Mike Nguyen</a:t>
-            </a:r>
-            <a:endParaRPr lang="en-US" dirty="0"/>
-          </a:p>
-        </p:txBody>
-      </p:sp>
-      <p:sp>
-        <p:nvSpPr>
-          <p:cNvPr id="5" name="Slide Number Placeholder 4">
-            <a:extLst>
-              <a:ext uri="{FF2B5EF4-FFF2-40B4-BE49-F238E27FC236}">
-                <a16:creationId xmlns:a16="http://schemas.microsoft.com/office/drawing/2014/main" id="{F2F05B5D-EE4A-4E54-8AD2-3CF6EB8BFAC4}"/>
-              </a:ext>
-            </a:extLst>
-          </p:cNvPr>
-          <p:cNvSpPr>
-            <a:spLocks noGrp="1"/>
-          </p:cNvSpPr>
-          <p:nvPr>
-            <p:ph type="sldNum" sz="quarter" idx="12"/>
-          </p:nvPr>
-        </p:nvSpPr>
-        <p:spPr/>
-        <p:txBody>
-          <a:bodyPr/>
-          <a:lstStyle/>
-          <a:p>
-            <a:fld id="{A6AF1B4E-90EC-4A51-B6E5-B702C054ECB0}" type="slidenum">
-              <a:rPr lang="en-US" smtClean="0"/>
-              <a:t>21</a:t>
-            </a:fld>
-            <a:endParaRPr lang="en-US" dirty="0"/>
+            <a:endParaRPr lang="en-US"/>
           </a:p>
         </p:txBody>
       </p:sp>
     </p:spTree>
     <p:extLst>
       <p:ext uri="{BB962C8B-B14F-4D97-AF65-F5344CB8AC3E}">
-        <p14:creationId xmlns:p14="http://schemas.microsoft.com/office/powerpoint/2010/main" val="3533767477"/>
+        <p14:creationId xmlns:p14="http://schemas.microsoft.com/office/powerpoint/2010/main" val="3026458527"/>
       </p:ext>
     </p:extLst>
   </p:cSld>
@@ -18023,7 +21000,7 @@
           <p:cNvPr id="2" name="Title 1">
             <a:extLst>
               <a:ext uri="{FF2B5EF4-FFF2-40B4-BE49-F238E27FC236}">
-                <a16:creationId xmlns:a16="http://schemas.microsoft.com/office/drawing/2014/main" id="{926C5A68-3D4F-41F0-B846-BF0C72EC2410}"/>
+                <a16:creationId xmlns:a16="http://schemas.microsoft.com/office/drawing/2014/main" id="{EA77BBD8-F37F-45BC-A7BC-69AFBA242602}"/>
               </a:ext>
             </a:extLst>
           </p:cNvPr>
@@ -18039,7 +21016,10 @@
           <a:bodyPr/>
           <a:lstStyle/>
           <a:p>
-            <a:endParaRPr lang="en-US" dirty="0"/>
+            <a:r>
+              <a:rPr lang="en-US" dirty="0"/>
+              <a:t>Multiple Regression</a:t>
+            </a:r>
           </a:p>
         </p:txBody>
       </p:sp>
@@ -18048,7 +21028,7 @@
           <p:cNvPr id="3" name="Content Placeholder 2">
             <a:extLst>
               <a:ext uri="{FF2B5EF4-FFF2-40B4-BE49-F238E27FC236}">
-                <a16:creationId xmlns:a16="http://schemas.microsoft.com/office/drawing/2014/main" id="{CAE80E34-1510-4468-BF98-28AC62D722D4}"/>
+                <a16:creationId xmlns:a16="http://schemas.microsoft.com/office/drawing/2014/main" id="{5B5E27C4-613E-4B50-975E-834B9B716EE3}"/>
               </a:ext>
             </a:extLst>
           </p:cNvPr>
@@ -18061,10 +21041,50 @@
         </p:nvSpPr>
         <p:spPr/>
         <p:txBody>
-          <a:bodyPr/>
+          <a:bodyPr>
+            <a:normAutofit lnSpcReduction="10000"/>
+          </a:bodyPr>
           <a:lstStyle/>
           <a:p>
-            <a:endParaRPr lang="en-US"/>
+            <a:r>
+              <a:rPr lang="en-US" dirty="0"/>
+              <a:t>m)	what kind of variables (based on level of measurement) are eligible for inclusion in a regression model</a:t>
+            </a:r>
+          </a:p>
+          <a:p>
+            <a:r>
+              <a:rPr lang="en-US" dirty="0"/>
+              <a:t>n)	how to create estimates from a multiple regression model</a:t>
+            </a:r>
+          </a:p>
+          <a:p>
+            <a:r>
+              <a:rPr lang="en-US" dirty="0"/>
+              <a:t>o)	how to interpret multiple regression slope coefficients</a:t>
+            </a:r>
+          </a:p>
+          <a:p>
+            <a:r>
+              <a:rPr lang="en-US" dirty="0"/>
+              <a:t>p)	interpreting intercepts can be a little tricky sometimes—information about intercept interpretation has been provided, but it isn’t always easy to tell when it is or is not meaningful to interpret the intercept, so you won’t be tested on this</a:t>
+            </a:r>
+          </a:p>
+          <a:p>
+            <a:r>
+              <a:rPr lang="en-US" dirty="0"/>
+              <a:t>q)	how to interpret </a:t>
+            </a:r>
+            <a:r>
+              <a:rPr lang="en-US" dirty="0" err="1"/>
+              <a:t>R2</a:t>
+            </a:r>
+            <a:r>
+              <a:rPr lang="en-US" dirty="0"/>
+              <a:t> and “percentage of variation explained” means</a:t>
+            </a:r>
+          </a:p>
+          <a:p>
+            <a:endParaRPr lang="en-US" dirty="0"/>
           </a:p>
         </p:txBody>
       </p:sp>
@@ -18073,7 +21093,7 @@
           <p:cNvPr id="4" name="Footer Placeholder 3">
             <a:extLst>
               <a:ext uri="{FF2B5EF4-FFF2-40B4-BE49-F238E27FC236}">
-                <a16:creationId xmlns:a16="http://schemas.microsoft.com/office/drawing/2014/main" id="{5CDFF294-B3BE-47A6-BA04-616905313231}"/>
+                <a16:creationId xmlns:a16="http://schemas.microsoft.com/office/drawing/2014/main" id="{4587F4FF-020D-43D7-9C9D-F71D44D9A585}"/>
               </a:ext>
             </a:extLst>
           </p:cNvPr>
@@ -18102,7 +21122,7 @@
           <p:cNvPr id="5" name="Slide Number Placeholder 4">
             <a:extLst>
               <a:ext uri="{FF2B5EF4-FFF2-40B4-BE49-F238E27FC236}">
-                <a16:creationId xmlns:a16="http://schemas.microsoft.com/office/drawing/2014/main" id="{C07B6458-99E4-4C14-83CD-6FA1F050F13D}"/>
+                <a16:creationId xmlns:a16="http://schemas.microsoft.com/office/drawing/2014/main" id="{F2F05B5D-EE4A-4E54-8AD2-3CF6EB8BFAC4}"/>
               </a:ext>
             </a:extLst>
           </p:cNvPr>
@@ -18129,7 +21149,7 @@
     </p:spTree>
     <p:extLst>
       <p:ext uri="{BB962C8B-B14F-4D97-AF65-F5344CB8AC3E}">
-        <p14:creationId xmlns:p14="http://schemas.microsoft.com/office/powerpoint/2010/main" val="2417500520"/>
+        <p14:creationId xmlns:p14="http://schemas.microsoft.com/office/powerpoint/2010/main" val="3533767477"/>
       </p:ext>
     </p:extLst>
   </p:cSld>
@@ -18161,6 +21181,144 @@
           <p:cNvPr id="2" name="Title 1">
             <a:extLst>
               <a:ext uri="{FF2B5EF4-FFF2-40B4-BE49-F238E27FC236}">
+                <a16:creationId xmlns:a16="http://schemas.microsoft.com/office/drawing/2014/main" id="{926C5A68-3D4F-41F0-B846-BF0C72EC2410}"/>
+              </a:ext>
+            </a:extLst>
+          </p:cNvPr>
+          <p:cNvSpPr>
+            <a:spLocks noGrp="1"/>
+          </p:cNvSpPr>
+          <p:nvPr>
+            <p:ph type="title"/>
+          </p:nvPr>
+        </p:nvSpPr>
+        <p:spPr/>
+        <p:txBody>
+          <a:bodyPr/>
+          <a:lstStyle/>
+          <a:p>
+            <a:endParaRPr lang="en-US" dirty="0"/>
+          </a:p>
+        </p:txBody>
+      </p:sp>
+      <p:sp>
+        <p:nvSpPr>
+          <p:cNvPr id="3" name="Content Placeholder 2">
+            <a:extLst>
+              <a:ext uri="{FF2B5EF4-FFF2-40B4-BE49-F238E27FC236}">
+                <a16:creationId xmlns:a16="http://schemas.microsoft.com/office/drawing/2014/main" id="{CAE80E34-1510-4468-BF98-28AC62D722D4}"/>
+              </a:ext>
+            </a:extLst>
+          </p:cNvPr>
+          <p:cNvSpPr>
+            <a:spLocks noGrp="1"/>
+          </p:cNvSpPr>
+          <p:nvPr>
+            <p:ph idx="1"/>
+          </p:nvPr>
+        </p:nvSpPr>
+        <p:spPr/>
+        <p:txBody>
+          <a:bodyPr/>
+          <a:lstStyle/>
+          <a:p>
+            <a:endParaRPr lang="en-US"/>
+          </a:p>
+        </p:txBody>
+      </p:sp>
+      <p:sp>
+        <p:nvSpPr>
+          <p:cNvPr id="4" name="Footer Placeholder 3">
+            <a:extLst>
+              <a:ext uri="{FF2B5EF4-FFF2-40B4-BE49-F238E27FC236}">
+                <a16:creationId xmlns:a16="http://schemas.microsoft.com/office/drawing/2014/main" id="{5CDFF294-B3BE-47A6-BA04-616905313231}"/>
+              </a:ext>
+            </a:extLst>
+          </p:cNvPr>
+          <p:cNvSpPr>
+            <a:spLocks noGrp="1"/>
+          </p:cNvSpPr>
+          <p:nvPr>
+            <p:ph type="ftr" sz="quarter" idx="11"/>
+          </p:nvPr>
+        </p:nvSpPr>
+        <p:spPr/>
+        <p:txBody>
+          <a:bodyPr/>
+          <a:lstStyle/>
+          <a:p>
+            <a:r>
+              <a:rPr lang="en-US"/>
+              <a:t>Mike Nguyen</a:t>
+            </a:r>
+            <a:endParaRPr lang="en-US" dirty="0"/>
+          </a:p>
+        </p:txBody>
+      </p:sp>
+      <p:sp>
+        <p:nvSpPr>
+          <p:cNvPr id="5" name="Slide Number Placeholder 4">
+            <a:extLst>
+              <a:ext uri="{FF2B5EF4-FFF2-40B4-BE49-F238E27FC236}">
+                <a16:creationId xmlns:a16="http://schemas.microsoft.com/office/drawing/2014/main" id="{C07B6458-99E4-4C14-83CD-6FA1F050F13D}"/>
+              </a:ext>
+            </a:extLst>
+          </p:cNvPr>
+          <p:cNvSpPr>
+            <a:spLocks noGrp="1"/>
+          </p:cNvSpPr>
+          <p:nvPr>
+            <p:ph type="sldNum" sz="quarter" idx="12"/>
+          </p:nvPr>
+        </p:nvSpPr>
+        <p:spPr/>
+        <p:txBody>
+          <a:bodyPr/>
+          <a:lstStyle/>
+          <a:p>
+            <a:fld id="{A6AF1B4E-90EC-4A51-B6E5-B702C054ECB0}" type="slidenum">
+              <a:rPr lang="en-US" smtClean="0"/>
+              <a:t>23</a:t>
+            </a:fld>
+            <a:endParaRPr lang="en-US" dirty="0"/>
+          </a:p>
+        </p:txBody>
+      </p:sp>
+    </p:spTree>
+    <p:extLst>
+      <p:ext uri="{BB962C8B-B14F-4D97-AF65-F5344CB8AC3E}">
+        <p14:creationId xmlns:p14="http://schemas.microsoft.com/office/powerpoint/2010/main" val="2417500520"/>
+      </p:ext>
+    </p:extLst>
+  </p:cSld>
+  <p:clrMapOvr>
+    <a:masterClrMapping/>
+  </p:clrMapOvr>
+</p:sld>
+</file>
+
+<file path=ppt/slides/slide24.xml><?xml version="1.0" encoding="utf-8"?>
+<p:sld xmlns:a="http://schemas.openxmlformats.org/drawingml/2006/main" xmlns:r="http://schemas.openxmlformats.org/officeDocument/2006/relationships" xmlns:p="http://schemas.openxmlformats.org/presentationml/2006/main">
+  <p:cSld>
+    <p:spTree>
+      <p:nvGrpSpPr>
+        <p:cNvPr id="1" name=""/>
+        <p:cNvGrpSpPr/>
+        <p:nvPr/>
+      </p:nvGrpSpPr>
+      <p:grpSpPr>
+        <a:xfrm>
+          <a:off x="0" y="0"/>
+          <a:ext cx="0" cy="0"/>
+          <a:chOff x="0" y="0"/>
+          <a:chExt cx="0" cy="0"/>
+        </a:xfrm>
+      </p:grpSpPr>
+      <p:sp>
+        <p:nvSpPr>
+          <p:cNvPr id="2" name="Title 1">
+            <a:extLst>
+              <a:ext uri="{FF2B5EF4-FFF2-40B4-BE49-F238E27FC236}">
                 <a16:creationId xmlns:a16="http://schemas.microsoft.com/office/drawing/2014/main" id="{3D9BA234-56A6-49E2-9A15-2A406AB3A914}"/>
               </a:ext>
             </a:extLst>
@@ -18222,7 +21380,7 @@
 </p:sld>
 </file>
 
-<file path=ppt/slides/slide24.xml><?xml version="1.0" encoding="utf-8"?>
+<file path=ppt/slides/slide25.xml><?xml version="1.0" encoding="utf-8"?>
 <p:sld xmlns:a="http://schemas.openxmlformats.org/drawingml/2006/main" xmlns:r="http://schemas.openxmlformats.org/officeDocument/2006/relationships" xmlns:p="http://schemas.openxmlformats.org/presentationml/2006/main">
   <p:cSld>
     <p:bg>
@@ -18824,7 +21982,7 @@
                   <a:spcPts val="600"/>
                 </a:spcAft>
               </a:pPr>
-              <a:t>24</a:t>
+              <a:t>25</a:t>
             </a:fld>
             <a:endParaRPr lang="en-US"/>
           </a:p>
@@ -18846,6 +22004,14 @@
 <file path=ppt/slides/slide3.xml><?xml version="1.0" encoding="utf-8"?>
 <p:sld xmlns:a="http://schemas.openxmlformats.org/drawingml/2006/main" xmlns:r="http://schemas.openxmlformats.org/officeDocument/2006/relationships" xmlns:p="http://schemas.openxmlformats.org/presentationml/2006/main">
   <p:cSld>
+    <p:bg>
+      <p:bgPr>
+        <a:solidFill>
+          <a:schemeClr val="bg1"/>
+        </a:solidFill>
+        <a:effectLst/>
+      </p:bgPr>
+    </p:bg>
     <p:spTree>
       <p:nvGrpSpPr>
         <p:cNvPr id="1" name=""/>
@@ -18865,6 +22031,375 @@
           <p:cNvPr id="2" name="Title 1">
             <a:extLst>
               <a:ext uri="{FF2B5EF4-FFF2-40B4-BE49-F238E27FC236}">
+                <a16:creationId xmlns:a16="http://schemas.microsoft.com/office/drawing/2014/main" id="{A8597A41-AE8A-446F-8131-3A9B94FE786E}"/>
+              </a:ext>
+            </a:extLst>
+          </p:cNvPr>
+          <p:cNvSpPr>
+            <a:spLocks noGrp="1"/>
+          </p:cNvSpPr>
+          <p:nvPr>
+            <p:ph type="title"/>
+          </p:nvPr>
+        </p:nvSpPr>
+        <p:spPr>
+          <a:xfrm>
+            <a:off x="4965430" y="629268"/>
+            <a:ext cx="6586491" cy="1286160"/>
+          </a:xfrm>
+        </p:spPr>
+        <p:txBody>
+          <a:bodyPr anchor="b">
+            <a:normAutofit/>
+          </a:bodyPr>
+          <a:lstStyle/>
+          <a:p>
+            <a:r>
+              <a:rPr lang="en-US" dirty="0"/>
+              <a:t>Poll</a:t>
+            </a:r>
+          </a:p>
+        </p:txBody>
+      </p:sp>
+      <p:sp>
+        <p:nvSpPr>
+          <p:cNvPr id="3" name="Content Placeholder 2">
+            <a:extLst>
+              <a:ext uri="{FF2B5EF4-FFF2-40B4-BE49-F238E27FC236}">
+                <a16:creationId xmlns:a16="http://schemas.microsoft.com/office/drawing/2014/main" id="{D080623D-3526-4190-83D5-D8257529337A}"/>
+              </a:ext>
+            </a:extLst>
+          </p:cNvPr>
+          <p:cNvSpPr>
+            <a:spLocks noGrp="1"/>
+          </p:cNvSpPr>
+          <p:nvPr>
+            <p:ph idx="1"/>
+          </p:nvPr>
+        </p:nvSpPr>
+        <p:spPr>
+          <a:xfrm>
+            <a:off x="4965431" y="2438400"/>
+            <a:ext cx="6586489" cy="3785419"/>
+          </a:xfrm>
+        </p:spPr>
+        <p:txBody>
+          <a:bodyPr>
+            <a:normAutofit/>
+          </a:bodyPr>
+          <a:lstStyle/>
+          <a:p>
+            <a:pPr marL="0" indent="0">
+              <a:buNone/>
+            </a:pPr>
+            <a:r>
+              <a:rPr lang="en-US" sz="2000"/>
+              <a:t>Do you prefer to have the second exam before the presentation? </a:t>
+            </a:r>
+          </a:p>
+          <a:p>
+            <a:pPr marL="514350" indent="-514350">
+              <a:buFont typeface="+mj-lt"/>
+              <a:buAutoNum type="alphaUcPeriod"/>
+            </a:pPr>
+            <a:r>
+              <a:rPr lang="en-US" sz="2000"/>
+              <a:t>I prefer to take the exam first </a:t>
+            </a:r>
+          </a:p>
+          <a:p>
+            <a:pPr marL="514350" indent="-514350">
+              <a:buFont typeface="+mj-lt"/>
+              <a:buAutoNum type="alphaUcPeriod"/>
+            </a:pPr>
+            <a:r>
+              <a:rPr lang="en-US" sz="2000"/>
+              <a:t>I prefer to present first </a:t>
+            </a:r>
+          </a:p>
+          <a:p>
+            <a:pPr marL="514350" indent="-514350">
+              <a:buFont typeface="+mj-lt"/>
+              <a:buAutoNum type="alphaUcPeriod"/>
+            </a:pPr>
+            <a:r>
+              <a:rPr lang="en-US" sz="2000"/>
+              <a:t>I have no preference </a:t>
+            </a:r>
+          </a:p>
+        </p:txBody>
+      </p:sp>
+      <p:pic>
+        <p:nvPicPr>
+          <p:cNvPr id="7" name="Picture 6" descr="Desks in empty classroom">
+            <a:extLst>
+              <a:ext uri="{FF2B5EF4-FFF2-40B4-BE49-F238E27FC236}">
+                <a16:creationId xmlns:a16="http://schemas.microsoft.com/office/drawing/2014/main" id="{41D43807-29B1-4A52-91AB-3F725DC6F0E1}"/>
+              </a:ext>
+            </a:extLst>
+          </p:cNvPr>
+          <p:cNvPicPr>
+            <a:picLocks noChangeAspect="1"/>
+          </p:cNvPicPr>
+          <p:nvPr/>
+        </p:nvPicPr>
+        <p:blipFill rotWithShape="1">
+          <a:blip r:embed="rId2"/>
+          <a:srcRect l="26340" r="22964"/>
+          <a:stretch/>
+        </p:blipFill>
+        <p:spPr>
+          <a:xfrm>
+            <a:off x="20" y="10"/>
+            <a:ext cx="4635571" cy="6857990"/>
+          </a:xfrm>
+          <a:prstGeom prst="rect">
+            <a:avLst/>
+          </a:prstGeom>
+          <a:effectLst/>
+        </p:spPr>
+      </p:pic>
+      <p:cxnSp>
+        <p:nvCxnSpPr>
+          <p:cNvPr id="11" name="Straight Connector 10">
+            <a:extLst>
+              <a:ext uri="{FF2B5EF4-FFF2-40B4-BE49-F238E27FC236}">
+                <a16:creationId xmlns:a16="http://schemas.microsoft.com/office/drawing/2014/main" id="{A7F400EE-A8A5-48AF-B4D6-291B52C6F0B0}"/>
+              </a:ext>
+              <a:ext uri="{C183D7F6-B498-43B3-948B-1728B52AA6E4}">
+                <adec:decorative xmlns:adec="http://schemas.microsoft.com/office/drawing/2017/decorative" val="1"/>
+              </a:ext>
+            </a:extLst>
+          </p:cNvPr>
+          <p:cNvCxnSpPr>
+            <a:cxnSpLocks noGrp="1" noRot="1" noChangeAspect="1" noMove="1" noResize="1" noEditPoints="1" noAdjustHandles="1" noChangeArrowheads="1" noChangeShapeType="1"/>
+          </p:cNvCxnSpPr>
+          <p:nvPr>
+            <p:extLst>
+              <p:ext uri="{386F3935-93C4-4BCD-93E2-E3B085C9AB24}">
+                <p16:designElem xmlns:p16="http://schemas.microsoft.com/office/powerpoint/2015/main" val="1"/>
+              </p:ext>
+            </p:extLst>
+          </p:nvPr>
+        </p:nvCxnSpPr>
+        <p:spPr>
+          <a:xfrm>
+            <a:off x="5080934" y="2115117"/>
+            <a:ext cx="6309360" cy="0"/>
+          </a:xfrm>
+          <a:prstGeom prst="line">
+            <a:avLst/>
+          </a:prstGeom>
+          <a:ln w="19050">
+            <a:solidFill>
+              <a:srgbClr val="E3AB4E"/>
+            </a:solidFill>
+          </a:ln>
+        </p:spPr>
+        <p:style>
+          <a:lnRef idx="1">
+            <a:schemeClr val="accent1"/>
+          </a:lnRef>
+          <a:fillRef idx="0">
+            <a:schemeClr val="accent1"/>
+          </a:fillRef>
+          <a:effectRef idx="0">
+            <a:schemeClr val="accent1"/>
+          </a:effectRef>
+          <a:fontRef idx="minor">
+            <a:schemeClr val="tx1"/>
+          </a:fontRef>
+        </p:style>
+      </p:cxnSp>
+      <p:sp>
+        <p:nvSpPr>
+          <p:cNvPr id="4" name="Footer Placeholder 3">
+            <a:extLst>
+              <a:ext uri="{FF2B5EF4-FFF2-40B4-BE49-F238E27FC236}">
+                <a16:creationId xmlns:a16="http://schemas.microsoft.com/office/drawing/2014/main" id="{1645FA9A-6149-4188-8B26-3971A83FA5B1}"/>
+              </a:ext>
+            </a:extLst>
+          </p:cNvPr>
+          <p:cNvSpPr>
+            <a:spLocks noGrp="1"/>
+          </p:cNvSpPr>
+          <p:nvPr>
+            <p:ph type="ftr" sz="quarter" idx="11"/>
+          </p:nvPr>
+        </p:nvSpPr>
+        <p:spPr>
+          <a:xfrm>
+            <a:off x="4965430" y="6356350"/>
+            <a:ext cx="4139134" cy="365125"/>
+          </a:xfrm>
+        </p:spPr>
+        <p:txBody>
+          <a:bodyPr>
+            <a:normAutofit/>
+          </a:bodyPr>
+          <a:lstStyle/>
+          <a:p>
+            <a:pPr algn="l">
+              <a:spcAft>
+                <a:spcPts val="600"/>
+              </a:spcAft>
+            </a:pPr>
+            <a:r>
+              <a:rPr lang="en-US"/>
+              <a:t>Mike Nguyen</a:t>
+            </a:r>
+          </a:p>
+        </p:txBody>
+      </p:sp>
+      <p:sp>
+        <p:nvSpPr>
+          <p:cNvPr id="5" name="Slide Number Placeholder 4">
+            <a:extLst>
+              <a:ext uri="{FF2B5EF4-FFF2-40B4-BE49-F238E27FC236}">
+                <a16:creationId xmlns:a16="http://schemas.microsoft.com/office/drawing/2014/main" id="{43F3E213-013D-4DF3-BED3-DB3C535A303D}"/>
+              </a:ext>
+            </a:extLst>
+          </p:cNvPr>
+          <p:cNvSpPr>
+            <a:spLocks noGrp="1"/>
+          </p:cNvSpPr>
+          <p:nvPr>
+            <p:ph type="sldNum" sz="quarter" idx="12"/>
+          </p:nvPr>
+        </p:nvSpPr>
+        <p:spPr>
+          <a:xfrm>
+            <a:off x="10167042" y="6356350"/>
+            <a:ext cx="1186758" cy="365125"/>
+          </a:xfrm>
+        </p:spPr>
+        <p:txBody>
+          <a:bodyPr>
+            <a:normAutofit/>
+          </a:bodyPr>
+          <a:lstStyle/>
+          <a:p>
+            <a:pPr>
+              <a:spcAft>
+                <a:spcPts val="600"/>
+              </a:spcAft>
+            </a:pPr>
+            <a:fld id="{A6AF1B4E-90EC-4A51-B6E5-B702C054ECB0}" type="slidenum">
+              <a:rPr lang="en-US" smtClean="0"/>
+              <a:pPr>
+                <a:spcAft>
+                  <a:spcPts val="600"/>
+                </a:spcAft>
+              </a:pPr>
+              <a:t>3</a:t>
+            </a:fld>
+            <a:endParaRPr lang="en-US"/>
+          </a:p>
+        </p:txBody>
+      </p:sp>
+    </p:spTree>
+    <p:extLst>
+      <p:ext uri="{BB962C8B-B14F-4D97-AF65-F5344CB8AC3E}">
+        <p14:creationId xmlns:p14="http://schemas.microsoft.com/office/powerpoint/2010/main" val="3858204709"/>
+      </p:ext>
+    </p:extLst>
+  </p:cSld>
+  <p:clrMapOvr>
+    <a:masterClrMapping/>
+  </p:clrMapOvr>
+</p:sld>
+</file>
+
+<file path=ppt/slides/slide4.xml><?xml version="1.0" encoding="utf-8"?>
+<p:sld xmlns:a="http://schemas.openxmlformats.org/drawingml/2006/main" xmlns:r="http://schemas.openxmlformats.org/officeDocument/2006/relationships" xmlns:p="http://schemas.openxmlformats.org/presentationml/2006/main">
+  <p:cSld>
+    <p:bg>
+      <p:bgPr>
+        <a:solidFill>
+          <a:schemeClr val="bg1"/>
+        </a:solidFill>
+        <a:effectLst/>
+      </p:bgPr>
+    </p:bg>
+    <p:spTree>
+      <p:nvGrpSpPr>
+        <p:cNvPr id="1" name=""/>
+        <p:cNvGrpSpPr/>
+        <p:nvPr/>
+      </p:nvGrpSpPr>
+      <p:grpSpPr>
+        <a:xfrm>
+          <a:off x="0" y="0"/>
+          <a:ext cx="0" cy="0"/>
+          <a:chOff x="0" y="0"/>
+          <a:chExt cx="0" cy="0"/>
+        </a:xfrm>
+      </p:grpSpPr>
+      <p:sp useBgFill="1">
+        <p:nvSpPr>
+          <p:cNvPr id="71" name="Rectangle 70">
+            <a:extLst>
+              <a:ext uri="{FF2B5EF4-FFF2-40B4-BE49-F238E27FC236}">
+                <a16:creationId xmlns:a16="http://schemas.microsoft.com/office/drawing/2014/main" id="{743AA782-23D1-4521-8CAD-47662984AA08}"/>
+              </a:ext>
+              <a:ext uri="{C183D7F6-B498-43B3-948B-1728B52AA6E4}">
+                <adec:decorative xmlns:adec="http://schemas.microsoft.com/office/drawing/2017/decorative" val="1"/>
+              </a:ext>
+            </a:extLst>
+          </p:cNvPr>
+          <p:cNvSpPr>
+            <a:spLocks noGrp="1" noRot="1" noChangeAspect="1" noMove="1" noResize="1" noEditPoints="1" noAdjustHandles="1" noChangeArrowheads="1" noChangeShapeType="1" noTextEdit="1"/>
+          </p:cNvSpPr>
+          <p:nvPr>
+            <p:extLst>
+              <p:ext uri="{386F3935-93C4-4BCD-93E2-E3B085C9AB24}">
+                <p16:designElem xmlns:p16="http://schemas.microsoft.com/office/powerpoint/2015/main" val="1"/>
+              </p:ext>
+            </p:extLst>
+          </p:nvPr>
+        </p:nvSpPr>
+        <p:spPr>
+          <a:xfrm>
+            <a:off x="0" y="0"/>
+            <a:ext cx="12192000" cy="6858000"/>
+          </a:xfrm>
+          <a:prstGeom prst="rect">
+            <a:avLst/>
+          </a:prstGeom>
+          <a:ln>
+            <a:noFill/>
+          </a:ln>
+        </p:spPr>
+        <p:style>
+          <a:lnRef idx="2">
+            <a:schemeClr val="accent1">
+              <a:shade val="50000"/>
+            </a:schemeClr>
+          </a:lnRef>
+          <a:fillRef idx="1">
+            <a:schemeClr val="accent1"/>
+          </a:fillRef>
+          <a:effectRef idx="0">
+            <a:schemeClr val="accent1"/>
+          </a:effectRef>
+          <a:fontRef idx="minor">
+            <a:schemeClr val="lt1"/>
+          </a:fontRef>
+        </p:style>
+        <p:txBody>
+          <a:bodyPr rtlCol="0" anchor="ctr"/>
+          <a:lstStyle/>
+          <a:p>
+            <a:pPr algn="ctr"/>
+            <a:endParaRPr lang="en-US"/>
+          </a:p>
+        </p:txBody>
+      </p:sp>
+      <p:sp>
+        <p:nvSpPr>
+          <p:cNvPr id="2" name="Title 1">
+            <a:extLst>
+              <a:ext uri="{FF2B5EF4-FFF2-40B4-BE49-F238E27FC236}">
                 <a16:creationId xmlns:a16="http://schemas.microsoft.com/office/drawing/2014/main" id="{CF417171-07AC-40B0-8116-E9876AE5AE0B}"/>
               </a:ext>
             </a:extLst>
@@ -18892,6 +22427,279 @@
               <a:rPr lang="en-US" sz="5000"/>
               <a:t>Measures of Central Tendency</a:t>
             </a:r>
+          </a:p>
+        </p:txBody>
+      </p:sp>
+      <p:sp>
+        <p:nvSpPr>
+          <p:cNvPr id="73" name="sketch line">
+            <a:extLst>
+              <a:ext uri="{FF2B5EF4-FFF2-40B4-BE49-F238E27FC236}">
+                <a16:creationId xmlns:a16="http://schemas.microsoft.com/office/drawing/2014/main" id="{650D18FE-0824-4A46-B22C-A86B52E5780A}"/>
+              </a:ext>
+              <a:ext uri="{C183D7F6-B498-43B3-948B-1728B52AA6E4}">
+                <adec:decorative xmlns:adec="http://schemas.microsoft.com/office/drawing/2017/decorative" val="1"/>
+              </a:ext>
+            </a:extLst>
+          </p:cNvPr>
+          <p:cNvSpPr>
+            <a:spLocks noGrp="1" noRot="1" noChangeAspect="1" noMove="1" noResize="1" noEditPoints="1" noAdjustHandles="1" noChangeArrowheads="1" noChangeShapeType="1" noTextEdit="1"/>
+          </p:cNvSpPr>
+          <p:nvPr>
+            <p:extLst>
+              <p:ext uri="{386F3935-93C4-4BCD-93E2-E3B085C9AB24}">
+                <p16:designElem xmlns:p16="http://schemas.microsoft.com/office/powerpoint/2015/main" val="1"/>
+              </p:ext>
+            </p:extLst>
+          </p:nvPr>
+        </p:nvSpPr>
+        <p:spPr>
+          <a:xfrm>
+            <a:off x="643278" y="2372868"/>
+            <a:ext cx="3255095" cy="18288"/>
+          </a:xfrm>
+          <a:custGeom>
+            <a:avLst/>
+            <a:gdLst>
+              <a:gd name="connsiteX0" fmla="*/ 0 w 3255095"/>
+              <a:gd name="connsiteY0" fmla="*/ 0 h 18288"/>
+              <a:gd name="connsiteX1" fmla="*/ 618468 w 3255095"/>
+              <a:gd name="connsiteY1" fmla="*/ 0 h 18288"/>
+              <a:gd name="connsiteX2" fmla="*/ 1269487 w 3255095"/>
+              <a:gd name="connsiteY2" fmla="*/ 0 h 18288"/>
+              <a:gd name="connsiteX3" fmla="*/ 1953057 w 3255095"/>
+              <a:gd name="connsiteY3" fmla="*/ 0 h 18288"/>
+              <a:gd name="connsiteX4" fmla="*/ 2636627 w 3255095"/>
+              <a:gd name="connsiteY4" fmla="*/ 0 h 18288"/>
+              <a:gd name="connsiteX5" fmla="*/ 3255095 w 3255095"/>
+              <a:gd name="connsiteY5" fmla="*/ 0 h 18288"/>
+              <a:gd name="connsiteX6" fmla="*/ 3255095 w 3255095"/>
+              <a:gd name="connsiteY6" fmla="*/ 18288 h 18288"/>
+              <a:gd name="connsiteX7" fmla="*/ 2538974 w 3255095"/>
+              <a:gd name="connsiteY7" fmla="*/ 18288 h 18288"/>
+              <a:gd name="connsiteX8" fmla="*/ 1822853 w 3255095"/>
+              <a:gd name="connsiteY8" fmla="*/ 18288 h 18288"/>
+              <a:gd name="connsiteX9" fmla="*/ 1171834 w 3255095"/>
+              <a:gd name="connsiteY9" fmla="*/ 18288 h 18288"/>
+              <a:gd name="connsiteX10" fmla="*/ 0 w 3255095"/>
+              <a:gd name="connsiteY10" fmla="*/ 18288 h 18288"/>
+              <a:gd name="connsiteX11" fmla="*/ 0 w 3255095"/>
+              <a:gd name="connsiteY11" fmla="*/ 0 h 18288"/>
+            </a:gdLst>
+            <a:ahLst/>
+            <a:cxnLst>
+              <a:cxn ang="0">
+                <a:pos x="connsiteX0" y="connsiteY0"/>
+              </a:cxn>
+              <a:cxn ang="0">
+                <a:pos x="connsiteX1" y="connsiteY1"/>
+              </a:cxn>
+              <a:cxn ang="0">
+                <a:pos x="connsiteX2" y="connsiteY2"/>
+              </a:cxn>
+              <a:cxn ang="0">
+                <a:pos x="connsiteX3" y="connsiteY3"/>
+              </a:cxn>
+              <a:cxn ang="0">
+                <a:pos x="connsiteX4" y="connsiteY4"/>
+              </a:cxn>
+              <a:cxn ang="0">
+                <a:pos x="connsiteX5" y="connsiteY5"/>
+              </a:cxn>
+              <a:cxn ang="0">
+                <a:pos x="connsiteX6" y="connsiteY6"/>
+              </a:cxn>
+              <a:cxn ang="0">
+                <a:pos x="connsiteX7" y="connsiteY7"/>
+              </a:cxn>
+              <a:cxn ang="0">
+                <a:pos x="connsiteX8" y="connsiteY8"/>
+              </a:cxn>
+              <a:cxn ang="0">
+                <a:pos x="connsiteX9" y="connsiteY9"/>
+              </a:cxn>
+              <a:cxn ang="0">
+                <a:pos x="connsiteX10" y="connsiteY10"/>
+              </a:cxn>
+              <a:cxn ang="0">
+                <a:pos x="connsiteX11" y="connsiteY11"/>
+              </a:cxn>
+            </a:cxnLst>
+            <a:rect l="l" t="t" r="r" b="b"/>
+            <a:pathLst>
+              <a:path w="3255095" h="18288" fill="none" extrusionOk="0">
+                <a:moveTo>
+                  <a:pt x="0" y="0"/>
+                </a:moveTo>
+                <a:cubicBezTo>
+                  <a:pt x="240201" y="-22123"/>
+                  <a:pt x="462021" y="-19623"/>
+                  <a:pt x="618468" y="0"/>
+                </a:cubicBezTo>
+                <a:cubicBezTo>
+                  <a:pt x="774915" y="19623"/>
+                  <a:pt x="974734" y="2035"/>
+                  <a:pt x="1269487" y="0"/>
+                </a:cubicBezTo>
+                <a:cubicBezTo>
+                  <a:pt x="1564240" y="-2035"/>
+                  <a:pt x="1733579" y="10639"/>
+                  <a:pt x="1953057" y="0"/>
+                </a:cubicBezTo>
+                <a:cubicBezTo>
+                  <a:pt x="2172535" y="-10639"/>
+                  <a:pt x="2453962" y="14018"/>
+                  <a:pt x="2636627" y="0"/>
+                </a:cubicBezTo>
+                <a:cubicBezTo>
+                  <a:pt x="2819292" y="-14018"/>
+                  <a:pt x="3121375" y="5399"/>
+                  <a:pt x="3255095" y="0"/>
+                </a:cubicBezTo>
+                <a:cubicBezTo>
+                  <a:pt x="3254386" y="8157"/>
+                  <a:pt x="3254682" y="12125"/>
+                  <a:pt x="3255095" y="18288"/>
+                </a:cubicBezTo>
+                <a:cubicBezTo>
+                  <a:pt x="3088545" y="23203"/>
+                  <a:pt x="2687475" y="7419"/>
+                  <a:pt x="2538974" y="18288"/>
+                </a:cubicBezTo>
+                <a:cubicBezTo>
+                  <a:pt x="2390473" y="29157"/>
+                  <a:pt x="2137381" y="-8959"/>
+                  <a:pt x="1822853" y="18288"/>
+                </a:cubicBezTo>
+                <a:cubicBezTo>
+                  <a:pt x="1508325" y="45535"/>
+                  <a:pt x="1466437" y="20385"/>
+                  <a:pt x="1171834" y="18288"/>
+                </a:cubicBezTo>
+                <a:cubicBezTo>
+                  <a:pt x="877231" y="16191"/>
+                  <a:pt x="561097" y="37643"/>
+                  <a:pt x="0" y="18288"/>
+                </a:cubicBezTo>
+                <a:cubicBezTo>
+                  <a:pt x="-46" y="12483"/>
+                  <a:pt x="-203" y="6491"/>
+                  <a:pt x="0" y="0"/>
+                </a:cubicBezTo>
+                <a:close/>
+              </a:path>
+              <a:path w="3255095" h="18288" stroke="0" extrusionOk="0">
+                <a:moveTo>
+                  <a:pt x="0" y="0"/>
+                </a:moveTo>
+                <a:cubicBezTo>
+                  <a:pt x="291965" y="19429"/>
+                  <a:pt x="363155" y="8568"/>
+                  <a:pt x="618468" y="0"/>
+                </a:cubicBezTo>
+                <a:cubicBezTo>
+                  <a:pt x="873781" y="-8568"/>
+                  <a:pt x="904459" y="-19505"/>
+                  <a:pt x="1171834" y="0"/>
+                </a:cubicBezTo>
+                <a:cubicBezTo>
+                  <a:pt x="1439209" y="19505"/>
+                  <a:pt x="1744369" y="9790"/>
+                  <a:pt x="1887955" y="0"/>
+                </a:cubicBezTo>
+                <a:cubicBezTo>
+                  <a:pt x="2031541" y="-9790"/>
+                  <a:pt x="2346378" y="21240"/>
+                  <a:pt x="2506423" y="0"/>
+                </a:cubicBezTo>
+                <a:cubicBezTo>
+                  <a:pt x="2666468" y="-21240"/>
+                  <a:pt x="2990257" y="30414"/>
+                  <a:pt x="3255095" y="0"/>
+                </a:cubicBezTo>
+                <a:cubicBezTo>
+                  <a:pt x="3254831" y="4493"/>
+                  <a:pt x="3255479" y="9472"/>
+                  <a:pt x="3255095" y="18288"/>
+                </a:cubicBezTo>
+                <a:cubicBezTo>
+                  <a:pt x="3120743" y="16690"/>
+                  <a:pt x="2759628" y="42462"/>
+                  <a:pt x="2604076" y="18288"/>
+                </a:cubicBezTo>
+                <a:cubicBezTo>
+                  <a:pt x="2448524" y="-5886"/>
+                  <a:pt x="2184336" y="19599"/>
+                  <a:pt x="1887955" y="18288"/>
+                </a:cubicBezTo>
+                <a:cubicBezTo>
+                  <a:pt x="1591574" y="16977"/>
+                  <a:pt x="1548845" y="6870"/>
+                  <a:pt x="1334589" y="18288"/>
+                </a:cubicBezTo>
+                <a:cubicBezTo>
+                  <a:pt x="1120333" y="29706"/>
+                  <a:pt x="996014" y="9662"/>
+                  <a:pt x="683570" y="18288"/>
+                </a:cubicBezTo>
+                <a:cubicBezTo>
+                  <a:pt x="371126" y="26914"/>
+                  <a:pt x="198687" y="16167"/>
+                  <a:pt x="0" y="18288"/>
+                </a:cubicBezTo>
+                <a:cubicBezTo>
+                  <a:pt x="843" y="9577"/>
+                  <a:pt x="371" y="6900"/>
+                  <a:pt x="0" y="0"/>
+                </a:cubicBezTo>
+                <a:close/>
+              </a:path>
+            </a:pathLst>
+          </a:custGeom>
+          <a:solidFill>
+            <a:schemeClr val="accent2"/>
+          </a:solidFill>
+          <a:ln w="38100" cap="rnd">
+            <a:solidFill>
+              <a:schemeClr val="accent2"/>
+            </a:solidFill>
+            <a:round/>
+            <a:extLst>
+              <a:ext uri="{C807C97D-BFC1-408E-A445-0C87EB9F89A2}">
+                <ask:lineSketchStyleProps xmlns:ask="http://schemas.microsoft.com/office/drawing/2018/sketchyshapes" sd="1219033472">
+                  <a:prstGeom prst="rect">
+                    <a:avLst/>
+                  </a:prstGeom>
+                  <ask:type>
+                    <ask:lineSketchFreehand/>
+                  </ask:type>
+                </ask:lineSketchStyleProps>
+              </a:ext>
+            </a:extLst>
+          </a:ln>
+        </p:spPr>
+        <p:style>
+          <a:lnRef idx="2">
+            <a:schemeClr val="accent1">
+              <a:shade val="50000"/>
+            </a:schemeClr>
+          </a:lnRef>
+          <a:fillRef idx="1">
+            <a:schemeClr val="accent1"/>
+          </a:fillRef>
+          <a:effectRef idx="0">
+            <a:schemeClr val="accent1"/>
+          </a:effectRef>
+          <a:fontRef idx="minor">
+            <a:schemeClr val="lt1"/>
+          </a:fontRef>
+        </p:style>
+        <p:txBody>
+          <a:bodyPr rtlCol="0" anchor="ctr"/>
+          <a:lstStyle/>
+          <a:p>
+            <a:pPr algn="ctr"/>
+            <a:endParaRPr lang="en-US"/>
           </a:p>
         </p:txBody>
       </p:sp>
@@ -19099,13 +22907,13 @@
               </a:spcAft>
             </a:pPr>
             <a:fld id="{A6AF1B4E-90EC-4A51-B6E5-B702C054ECB0}" type="slidenum">
-              <a:rPr lang="en-US"/>
+              <a:rPr lang="en-US" smtClean="0"/>
               <a:pPr>
                 <a:spcAft>
                   <a:spcPts val="600"/>
                 </a:spcAft>
               </a:pPr>
-              <a:t>3</a:t>
+              <a:t>4</a:t>
             </a:fld>
             <a:endParaRPr lang="en-US"/>
           </a:p>
@@ -19124,7 +22932,7 @@
 </p:sld>
 </file>
 
-<file path=ppt/slides/slide4.xml><?xml version="1.0" encoding="utf-8"?>
+<file path=ppt/slides/slide5.xml><?xml version="1.0" encoding="utf-8"?>
 <p:sld xmlns:a="http://schemas.openxmlformats.org/drawingml/2006/main" xmlns:r="http://schemas.openxmlformats.org/officeDocument/2006/relationships" xmlns:p="http://schemas.openxmlformats.org/presentationml/2006/main">
   <p:cSld>
     <p:spTree>
@@ -19170,8 +22978,8 @@
           <a:lstStyle/>
           <a:p>
             <a:r>
-              <a:rPr lang="en-US" sz="4600"/>
-              <a:t>Level of Measurement for analysis variable</a:t>
+              <a:rPr lang="en-US" sz="4600" dirty="0"/>
+              <a:t>Level of Measurement</a:t>
             </a:r>
           </a:p>
         </p:txBody>
@@ -19460,7 +23268,7 @@
           <a:p>
             <a:fld id="{A6AF1B4E-90EC-4A51-B6E5-B702C054ECB0}" type="slidenum">
               <a:rPr lang="en-US" smtClean="0"/>
-              <a:t>4</a:t>
+              <a:t>5</a:t>
             </a:fld>
             <a:endParaRPr lang="en-US" dirty="0"/>
           </a:p>
@@ -19479,7 +23287,7 @@
 </p:sld>
 </file>
 
-<file path=ppt/slides/slide5.xml><?xml version="1.0" encoding="utf-8"?>
+<file path=ppt/slides/slide6.xml><?xml version="1.0" encoding="utf-8"?>
 <p:sld xmlns:a="http://schemas.openxmlformats.org/drawingml/2006/main" xmlns:r="http://schemas.openxmlformats.org/officeDocument/2006/relationships" xmlns:p="http://schemas.openxmlformats.org/presentationml/2006/main">
   <p:cSld>
     <p:spTree>
@@ -19621,7 +23429,7 @@
 </p:sld>
 </file>
 
-<file path=ppt/slides/slide6.xml><?xml version="1.0" encoding="utf-8"?>
+<file path=ppt/slides/slide7.xml><?xml version="1.0" encoding="utf-8"?>
 <p:sld xmlns:a="http://schemas.openxmlformats.org/drawingml/2006/main" xmlns:r="http://schemas.openxmlformats.org/officeDocument/2006/relationships" xmlns:p="http://schemas.openxmlformats.org/presentationml/2006/main">
   <p:cSld>
     <p:spTree>
@@ -19861,7 +23669,7 @@
 </p:sld>
 </file>
 
-<file path=ppt/slides/slide7.xml><?xml version="1.0" encoding="utf-8"?>
+<file path=ppt/slides/slide8.xml><?xml version="1.0" encoding="utf-8"?>
 <p:sld xmlns:a="http://schemas.openxmlformats.org/drawingml/2006/main" xmlns:r="http://schemas.openxmlformats.org/officeDocument/2006/relationships" xmlns:p="http://schemas.openxmlformats.org/presentationml/2006/main">
   <p:cSld>
     <p:bg>
@@ -20005,7 +23813,7 @@
           <a:p>
             <a:r>
               <a:rPr lang="en-US" sz="5400" dirty="0"/>
-              <a:t>iClicker 1</a:t>
+              <a:t>Practice Question 1</a:t>
             </a:r>
           </a:p>
         </p:txBody>
@@ -20753,7 +24561,7 @@
 </p:sld>
 </file>
 
-<file path=ppt/slides/slide8.xml><?xml version="1.0" encoding="utf-8"?>
+<file path=ppt/slides/slide9.xml><?xml version="1.0" encoding="utf-8"?>
 <p:sld xmlns:a="http://schemas.openxmlformats.org/drawingml/2006/main" xmlns:r="http://schemas.openxmlformats.org/officeDocument/2006/relationships" xmlns:p="http://schemas.openxmlformats.org/presentationml/2006/main">
   <p:cSld>
     <p:bg>
@@ -21741,888 +25549,6 @@
     <p:extLst>
       <p:ext uri="{BB962C8B-B14F-4D97-AF65-F5344CB8AC3E}">
         <p14:creationId xmlns:p14="http://schemas.microsoft.com/office/powerpoint/2010/main" val="2967654368"/>
-      </p:ext>
-    </p:extLst>
-  </p:cSld>
-  <p:clrMapOvr>
-    <a:masterClrMapping/>
-  </p:clrMapOvr>
-</p:sld>
-</file>
-
-<file path=ppt/slides/slide9.xml><?xml version="1.0" encoding="utf-8"?>
-<p:sld xmlns:a="http://schemas.openxmlformats.org/drawingml/2006/main" xmlns:r="http://schemas.openxmlformats.org/officeDocument/2006/relationships" xmlns:p="http://schemas.openxmlformats.org/presentationml/2006/main">
-  <p:cSld>
-    <p:bg>
-      <p:bgPr>
-        <a:solidFill>
-          <a:schemeClr val="bg1"/>
-        </a:solidFill>
-        <a:effectLst/>
-      </p:bgPr>
-    </p:bg>
-    <p:spTree>
-      <p:nvGrpSpPr>
-        <p:cNvPr id="1" name=""/>
-        <p:cNvGrpSpPr/>
-        <p:nvPr/>
-      </p:nvGrpSpPr>
-      <p:grpSpPr>
-        <a:xfrm>
-          <a:off x="0" y="0"/>
-          <a:ext cx="0" cy="0"/>
-          <a:chOff x="0" y="0"/>
-          <a:chExt cx="0" cy="0"/>
-        </a:xfrm>
-      </p:grpSpPr>
-      <p:sp useBgFill="1">
-        <p:nvSpPr>
-          <p:cNvPr id="8" name="Rectangle 7">
-            <a:extLst>
-              <a:ext uri="{FF2B5EF4-FFF2-40B4-BE49-F238E27FC236}">
-                <a16:creationId xmlns:a16="http://schemas.microsoft.com/office/drawing/2014/main" id="{100EDD19-6802-4EC3-95CE-CFFAB042CFD6}"/>
-              </a:ext>
-              <a:ext uri="{C183D7F6-B498-43B3-948B-1728B52AA6E4}">
-                <adec:decorative xmlns:adec="http://schemas.microsoft.com/office/drawing/2017/decorative" val="1"/>
-              </a:ext>
-            </a:extLst>
-          </p:cNvPr>
-          <p:cNvSpPr>
-            <a:spLocks noGrp="1" noRot="1" noChangeAspect="1" noMove="1" noResize="1" noEditPoints="1" noAdjustHandles="1" noChangeArrowheads="1" noChangeShapeType="1" noTextEdit="1"/>
-          </p:cNvSpPr>
-          <p:nvPr>
-            <p:extLst>
-              <p:ext uri="{386F3935-93C4-4BCD-93E2-E3B085C9AB24}">
-                <p16:designElem xmlns:p16="http://schemas.microsoft.com/office/powerpoint/2015/main" val="1"/>
-              </p:ext>
-            </p:extLst>
-          </p:nvPr>
-        </p:nvSpPr>
-        <p:spPr>
-          <a:xfrm>
-            <a:off x="0" y="0"/>
-            <a:ext cx="12188952" cy="6858000"/>
-          </a:xfrm>
-          <a:prstGeom prst="rect">
-            <a:avLst/>
-          </a:prstGeom>
-          <a:ln>
-            <a:noFill/>
-          </a:ln>
-        </p:spPr>
-        <p:style>
-          <a:lnRef idx="2">
-            <a:schemeClr val="accent1">
-              <a:shade val="50000"/>
-            </a:schemeClr>
-          </a:lnRef>
-          <a:fillRef idx="1">
-            <a:schemeClr val="accent1"/>
-          </a:fillRef>
-          <a:effectRef idx="0">
-            <a:schemeClr val="accent1"/>
-          </a:effectRef>
-          <a:fontRef idx="minor">
-            <a:schemeClr val="lt1"/>
-          </a:fontRef>
-        </p:style>
-        <p:txBody>
-          <a:bodyPr rtlCol="0" anchor="ctr"/>
-          <a:lstStyle/>
-          <a:p>
-            <a:pPr marL="0" marR="0" lvl="0" indent="0" algn="ctr" defTabSz="914400" rtl="0" eaLnBrk="1" fontAlgn="auto" latinLnBrk="0" hangingPunct="1">
-              <a:lnSpc>
-                <a:spcPct val="100000"/>
-              </a:lnSpc>
-              <a:spcBef>
-                <a:spcPts val="0"/>
-              </a:spcBef>
-              <a:spcAft>
-                <a:spcPts val="0"/>
-              </a:spcAft>
-              <a:buClrTx/>
-              <a:buSzTx/>
-              <a:buFontTx/>
-              <a:buNone/>
-              <a:tabLst/>
-              <a:defRPr/>
-            </a:pPr>
-            <a:endParaRPr kumimoji="0" lang="en-US" sz="1800" b="0" i="0" u="none" strike="noStrike" kern="1200" cap="none" spc="0" normalizeH="0" baseline="0" noProof="0">
-              <a:ln>
-                <a:noFill/>
-              </a:ln>
-              <a:solidFill>
-                <a:prstClr val="white"/>
-              </a:solidFill>
-              <a:effectLst/>
-              <a:uLnTx/>
-              <a:uFillTx/>
-              <a:latin typeface="Calibri" panose="020F0502020204030204"/>
-              <a:ea typeface="+mn-ea"/>
-              <a:cs typeface="+mn-cs"/>
-            </a:endParaRPr>
-          </a:p>
-        </p:txBody>
-      </p:sp>
-      <p:sp>
-        <p:nvSpPr>
-          <p:cNvPr id="2" name="Title 1">
-            <a:extLst>
-              <a:ext uri="{FF2B5EF4-FFF2-40B4-BE49-F238E27FC236}">
-                <a16:creationId xmlns:a16="http://schemas.microsoft.com/office/drawing/2014/main" id="{7989D8FA-325B-4902-BE94-3740F1EB8EDC}"/>
-              </a:ext>
-            </a:extLst>
-          </p:cNvPr>
-          <p:cNvSpPr>
-            <a:spLocks noGrp="1"/>
-          </p:cNvSpPr>
-          <p:nvPr>
-            <p:ph type="title"/>
-          </p:nvPr>
-        </p:nvSpPr>
-        <p:spPr>
-          <a:xfrm>
-            <a:off x="838200" y="365125"/>
-            <a:ext cx="10515600" cy="1325563"/>
-          </a:xfrm>
-        </p:spPr>
-        <p:txBody>
-          <a:bodyPr>
-            <a:normAutofit/>
-          </a:bodyPr>
-          <a:lstStyle/>
-          <a:p>
-            <a:r>
-              <a:rPr lang="en-US" sz="5400" dirty="0"/>
-              <a:t>iClicker 2</a:t>
-            </a:r>
-          </a:p>
-        </p:txBody>
-      </p:sp>
-      <p:sp>
-        <p:nvSpPr>
-          <p:cNvPr id="10" name="sketch line">
-            <a:extLst>
-              <a:ext uri="{FF2B5EF4-FFF2-40B4-BE49-F238E27FC236}">
-                <a16:creationId xmlns:a16="http://schemas.microsoft.com/office/drawing/2014/main" id="{DB17E863-922E-4C26-BD64-E8FD41D28661}"/>
-              </a:ext>
-              <a:ext uri="{C183D7F6-B498-43B3-948B-1728B52AA6E4}">
-                <adec:decorative xmlns:adec="http://schemas.microsoft.com/office/drawing/2017/decorative" val="1"/>
-              </a:ext>
-            </a:extLst>
-          </p:cNvPr>
-          <p:cNvSpPr>
-            <a:spLocks noGrp="1" noRot="1" noChangeAspect="1" noMove="1" noResize="1" noEditPoints="1" noAdjustHandles="1" noChangeArrowheads="1" noChangeShapeType="1" noTextEdit="1"/>
-          </p:cNvSpPr>
-          <p:nvPr>
-            <p:extLst>
-              <p:ext uri="{386F3935-93C4-4BCD-93E2-E3B085C9AB24}">
-                <p16:designElem xmlns:p16="http://schemas.microsoft.com/office/powerpoint/2015/main" val="1"/>
-              </p:ext>
-            </p:extLst>
-          </p:nvPr>
-        </p:nvSpPr>
-        <p:spPr>
-          <a:xfrm>
-            <a:off x="669036" y="1677373"/>
-            <a:ext cx="10853928" cy="18288"/>
-          </a:xfrm>
-          <a:custGeom>
-            <a:avLst/>
-            <a:gdLst>
-              <a:gd name="connsiteX0" fmla="*/ 0 w 10853928"/>
-              <a:gd name="connsiteY0" fmla="*/ 0 h 18288"/>
-              <a:gd name="connsiteX1" fmla="*/ 461292 w 10853928"/>
-              <a:gd name="connsiteY1" fmla="*/ 0 h 18288"/>
-              <a:gd name="connsiteX2" fmla="*/ 1139662 w 10853928"/>
-              <a:gd name="connsiteY2" fmla="*/ 0 h 18288"/>
-              <a:gd name="connsiteX3" fmla="*/ 1926572 w 10853928"/>
-              <a:gd name="connsiteY3" fmla="*/ 0 h 18288"/>
-              <a:gd name="connsiteX4" fmla="*/ 2279325 w 10853928"/>
-              <a:gd name="connsiteY4" fmla="*/ 0 h 18288"/>
-              <a:gd name="connsiteX5" fmla="*/ 2632078 w 10853928"/>
-              <a:gd name="connsiteY5" fmla="*/ 0 h 18288"/>
-              <a:gd name="connsiteX6" fmla="*/ 3527527 w 10853928"/>
-              <a:gd name="connsiteY6" fmla="*/ 0 h 18288"/>
-              <a:gd name="connsiteX7" fmla="*/ 4205897 w 10853928"/>
-              <a:gd name="connsiteY7" fmla="*/ 0 h 18288"/>
-              <a:gd name="connsiteX8" fmla="*/ 4558650 w 10853928"/>
-              <a:gd name="connsiteY8" fmla="*/ 0 h 18288"/>
-              <a:gd name="connsiteX9" fmla="*/ 5237020 w 10853928"/>
-              <a:gd name="connsiteY9" fmla="*/ 0 h 18288"/>
-              <a:gd name="connsiteX10" fmla="*/ 6132469 w 10853928"/>
-              <a:gd name="connsiteY10" fmla="*/ 0 h 18288"/>
-              <a:gd name="connsiteX11" fmla="*/ 6702301 w 10853928"/>
-              <a:gd name="connsiteY11" fmla="*/ 0 h 18288"/>
-              <a:gd name="connsiteX12" fmla="*/ 7272132 w 10853928"/>
-              <a:gd name="connsiteY12" fmla="*/ 0 h 18288"/>
-              <a:gd name="connsiteX13" fmla="*/ 7950502 w 10853928"/>
-              <a:gd name="connsiteY13" fmla="*/ 0 h 18288"/>
-              <a:gd name="connsiteX14" fmla="*/ 8737412 w 10853928"/>
-              <a:gd name="connsiteY14" fmla="*/ 0 h 18288"/>
-              <a:gd name="connsiteX15" fmla="*/ 9524322 w 10853928"/>
-              <a:gd name="connsiteY15" fmla="*/ 0 h 18288"/>
-              <a:gd name="connsiteX16" fmla="*/ 10853928 w 10853928"/>
-              <a:gd name="connsiteY16" fmla="*/ 0 h 18288"/>
-              <a:gd name="connsiteX17" fmla="*/ 10853928 w 10853928"/>
-              <a:gd name="connsiteY17" fmla="*/ 18288 h 18288"/>
-              <a:gd name="connsiteX18" fmla="*/ 10392636 w 10853928"/>
-              <a:gd name="connsiteY18" fmla="*/ 18288 h 18288"/>
-              <a:gd name="connsiteX19" fmla="*/ 9497187 w 10853928"/>
-              <a:gd name="connsiteY19" fmla="*/ 18288 h 18288"/>
-              <a:gd name="connsiteX20" fmla="*/ 8818817 w 10853928"/>
-              <a:gd name="connsiteY20" fmla="*/ 18288 h 18288"/>
-              <a:gd name="connsiteX21" fmla="*/ 8466064 w 10853928"/>
-              <a:gd name="connsiteY21" fmla="*/ 18288 h 18288"/>
-              <a:gd name="connsiteX22" fmla="*/ 7787693 w 10853928"/>
-              <a:gd name="connsiteY22" fmla="*/ 18288 h 18288"/>
-              <a:gd name="connsiteX23" fmla="*/ 7217862 w 10853928"/>
-              <a:gd name="connsiteY23" fmla="*/ 18288 h 18288"/>
-              <a:gd name="connsiteX24" fmla="*/ 6648031 w 10853928"/>
-              <a:gd name="connsiteY24" fmla="*/ 18288 h 18288"/>
-              <a:gd name="connsiteX25" fmla="*/ 6078200 w 10853928"/>
-              <a:gd name="connsiteY25" fmla="*/ 18288 h 18288"/>
-              <a:gd name="connsiteX26" fmla="*/ 5508368 w 10853928"/>
-              <a:gd name="connsiteY26" fmla="*/ 18288 h 18288"/>
-              <a:gd name="connsiteX27" fmla="*/ 4721459 w 10853928"/>
-              <a:gd name="connsiteY27" fmla="*/ 18288 h 18288"/>
-              <a:gd name="connsiteX28" fmla="*/ 4043088 w 10853928"/>
-              <a:gd name="connsiteY28" fmla="*/ 18288 h 18288"/>
-              <a:gd name="connsiteX29" fmla="*/ 3690336 w 10853928"/>
-              <a:gd name="connsiteY29" fmla="*/ 18288 h 18288"/>
-              <a:gd name="connsiteX30" fmla="*/ 3120504 w 10853928"/>
-              <a:gd name="connsiteY30" fmla="*/ 18288 h 18288"/>
-              <a:gd name="connsiteX31" fmla="*/ 2333595 w 10853928"/>
-              <a:gd name="connsiteY31" fmla="*/ 18288 h 18288"/>
-              <a:gd name="connsiteX32" fmla="*/ 1872303 w 10853928"/>
-              <a:gd name="connsiteY32" fmla="*/ 18288 h 18288"/>
-              <a:gd name="connsiteX33" fmla="*/ 976854 w 10853928"/>
-              <a:gd name="connsiteY33" fmla="*/ 18288 h 18288"/>
-              <a:gd name="connsiteX34" fmla="*/ 0 w 10853928"/>
-              <a:gd name="connsiteY34" fmla="*/ 18288 h 18288"/>
-              <a:gd name="connsiteX35" fmla="*/ 0 w 10853928"/>
-              <a:gd name="connsiteY35" fmla="*/ 0 h 18288"/>
-            </a:gdLst>
-            <a:ahLst/>
-            <a:cxnLst>
-              <a:cxn ang="0">
-                <a:pos x="connsiteX0" y="connsiteY0"/>
-              </a:cxn>
-              <a:cxn ang="0">
-                <a:pos x="connsiteX1" y="connsiteY1"/>
-              </a:cxn>
-              <a:cxn ang="0">
-                <a:pos x="connsiteX2" y="connsiteY2"/>
-              </a:cxn>
-              <a:cxn ang="0">
-                <a:pos x="connsiteX3" y="connsiteY3"/>
-              </a:cxn>
-              <a:cxn ang="0">
-                <a:pos x="connsiteX4" y="connsiteY4"/>
-              </a:cxn>
-              <a:cxn ang="0">
-                <a:pos x="connsiteX5" y="connsiteY5"/>
-              </a:cxn>
-              <a:cxn ang="0">
-                <a:pos x="connsiteX6" y="connsiteY6"/>
-              </a:cxn>
-              <a:cxn ang="0">
-                <a:pos x="connsiteX7" y="connsiteY7"/>
-              </a:cxn>
-              <a:cxn ang="0">
-                <a:pos x="connsiteX8" y="connsiteY8"/>
-              </a:cxn>
-              <a:cxn ang="0">
-                <a:pos x="connsiteX9" y="connsiteY9"/>
-              </a:cxn>
-              <a:cxn ang="0">
-                <a:pos x="connsiteX10" y="connsiteY10"/>
-              </a:cxn>
-              <a:cxn ang="0">
-                <a:pos x="connsiteX11" y="connsiteY11"/>
-              </a:cxn>
-              <a:cxn ang="0">
-                <a:pos x="connsiteX12" y="connsiteY12"/>
-              </a:cxn>
-              <a:cxn ang="0">
-                <a:pos x="connsiteX13" y="connsiteY13"/>
-              </a:cxn>
-              <a:cxn ang="0">
-                <a:pos x="connsiteX14" y="connsiteY14"/>
-              </a:cxn>
-              <a:cxn ang="0">
-                <a:pos x="connsiteX15" y="connsiteY15"/>
-              </a:cxn>
-              <a:cxn ang="0">
-                <a:pos x="connsiteX16" y="connsiteY16"/>
-              </a:cxn>
-              <a:cxn ang="0">
-                <a:pos x="connsiteX17" y="connsiteY17"/>
-              </a:cxn>
-              <a:cxn ang="0">
-                <a:pos x="connsiteX18" y="connsiteY18"/>
-              </a:cxn>
-              <a:cxn ang="0">
-                <a:pos x="connsiteX19" y="connsiteY19"/>
-              </a:cxn>
-              <a:cxn ang="0">
-                <a:pos x="connsiteX20" y="connsiteY20"/>
-              </a:cxn>
-              <a:cxn ang="0">
-                <a:pos x="connsiteX21" y="connsiteY21"/>
-              </a:cxn>
-              <a:cxn ang="0">
-                <a:pos x="connsiteX22" y="connsiteY22"/>
-              </a:cxn>
-              <a:cxn ang="0">
-                <a:pos x="connsiteX23" y="connsiteY23"/>
-              </a:cxn>
-              <a:cxn ang="0">
-                <a:pos x="connsiteX24" y="connsiteY24"/>
-              </a:cxn>
-              <a:cxn ang="0">
-                <a:pos x="connsiteX25" y="connsiteY25"/>
-              </a:cxn>
-              <a:cxn ang="0">
-                <a:pos x="connsiteX26" y="connsiteY26"/>
-              </a:cxn>
-              <a:cxn ang="0">
-                <a:pos x="connsiteX27" y="connsiteY27"/>
-              </a:cxn>
-              <a:cxn ang="0">
-                <a:pos x="connsiteX28" y="connsiteY28"/>
-              </a:cxn>
-              <a:cxn ang="0">
-                <a:pos x="connsiteX29" y="connsiteY29"/>
-              </a:cxn>
-              <a:cxn ang="0">
-                <a:pos x="connsiteX30" y="connsiteY30"/>
-              </a:cxn>
-              <a:cxn ang="0">
-                <a:pos x="connsiteX31" y="connsiteY31"/>
-              </a:cxn>
-              <a:cxn ang="0">
-                <a:pos x="connsiteX32" y="connsiteY32"/>
-              </a:cxn>
-              <a:cxn ang="0">
-                <a:pos x="connsiteX33" y="connsiteY33"/>
-              </a:cxn>
-              <a:cxn ang="0">
-                <a:pos x="connsiteX34" y="connsiteY34"/>
-              </a:cxn>
-              <a:cxn ang="0">
-                <a:pos x="connsiteX35" y="connsiteY35"/>
-              </a:cxn>
-            </a:cxnLst>
-            <a:rect l="l" t="t" r="r" b="b"/>
-            <a:pathLst>
-              <a:path w="10853928" h="18288" fill="none" extrusionOk="0">
-                <a:moveTo>
-                  <a:pt x="0" y="0"/>
-                </a:moveTo>
-                <a:cubicBezTo>
-                  <a:pt x="146993" y="-19076"/>
-                  <a:pt x="347684" y="-4790"/>
-                  <a:pt x="461292" y="0"/>
-                </a:cubicBezTo>
-                <a:cubicBezTo>
-                  <a:pt x="574900" y="4790"/>
-                  <a:pt x="808367" y="19821"/>
-                  <a:pt x="1139662" y="0"/>
-                </a:cubicBezTo>
-                <a:cubicBezTo>
-                  <a:pt x="1470957" y="-19821"/>
-                  <a:pt x="1627405" y="5721"/>
-                  <a:pt x="1926572" y="0"/>
-                </a:cubicBezTo>
-                <a:cubicBezTo>
-                  <a:pt x="2225739" y="-5721"/>
-                  <a:pt x="2137730" y="-3235"/>
-                  <a:pt x="2279325" y="0"/>
-                </a:cubicBezTo>
-                <a:cubicBezTo>
-                  <a:pt x="2420920" y="3235"/>
-                  <a:pt x="2456518" y="9685"/>
-                  <a:pt x="2632078" y="0"/>
-                </a:cubicBezTo>
-                <a:cubicBezTo>
-                  <a:pt x="2807638" y="-9685"/>
-                  <a:pt x="3211516" y="-43007"/>
-                  <a:pt x="3527527" y="0"/>
-                </a:cubicBezTo>
-                <a:cubicBezTo>
-                  <a:pt x="3843538" y="43007"/>
-                  <a:pt x="4058833" y="22042"/>
-                  <a:pt x="4205897" y="0"/>
-                </a:cubicBezTo>
-                <a:cubicBezTo>
-                  <a:pt x="4352961" y="-22042"/>
-                  <a:pt x="4474805" y="-11846"/>
-                  <a:pt x="4558650" y="0"/>
-                </a:cubicBezTo>
-                <a:cubicBezTo>
-                  <a:pt x="4642495" y="11846"/>
-                  <a:pt x="5041928" y="-6069"/>
-                  <a:pt x="5237020" y="0"/>
-                </a:cubicBezTo>
-                <a:cubicBezTo>
-                  <a:pt x="5432112" y="6069"/>
-                  <a:pt x="5943266" y="-17479"/>
-                  <a:pt x="6132469" y="0"/>
-                </a:cubicBezTo>
-                <a:cubicBezTo>
-                  <a:pt x="6321672" y="17479"/>
-                  <a:pt x="6483872" y="26234"/>
-                  <a:pt x="6702301" y="0"/>
-                </a:cubicBezTo>
-                <a:cubicBezTo>
-                  <a:pt x="6920730" y="-26234"/>
-                  <a:pt x="6991194" y="-15156"/>
-                  <a:pt x="7272132" y="0"/>
-                </a:cubicBezTo>
-                <a:cubicBezTo>
-                  <a:pt x="7553070" y="15156"/>
-                  <a:pt x="7684444" y="-32961"/>
-                  <a:pt x="7950502" y="0"/>
-                </a:cubicBezTo>
-                <a:cubicBezTo>
-                  <a:pt x="8216560" y="32961"/>
-                  <a:pt x="8493290" y="-10491"/>
-                  <a:pt x="8737412" y="0"/>
-                </a:cubicBezTo>
-                <a:cubicBezTo>
-                  <a:pt x="8981534" y="10491"/>
-                  <a:pt x="9191586" y="-13899"/>
-                  <a:pt x="9524322" y="0"/>
-                </a:cubicBezTo>
-                <a:cubicBezTo>
-                  <a:pt x="9857058" y="13899"/>
-                  <a:pt x="10297509" y="7485"/>
-                  <a:pt x="10853928" y="0"/>
-                </a:cubicBezTo>
-                <a:cubicBezTo>
-                  <a:pt x="10854574" y="4451"/>
-                  <a:pt x="10854418" y="9226"/>
-                  <a:pt x="10853928" y="18288"/>
-                </a:cubicBezTo>
-                <a:cubicBezTo>
-                  <a:pt x="10691638" y="28522"/>
-                  <a:pt x="10574319" y="29578"/>
-                  <a:pt x="10392636" y="18288"/>
-                </a:cubicBezTo>
-                <a:cubicBezTo>
-                  <a:pt x="10210953" y="6998"/>
-                  <a:pt x="9836277" y="-16742"/>
-                  <a:pt x="9497187" y="18288"/>
-                </a:cubicBezTo>
-                <a:cubicBezTo>
-                  <a:pt x="9158097" y="53318"/>
-                  <a:pt x="9119479" y="30714"/>
-                  <a:pt x="8818817" y="18288"/>
-                </a:cubicBezTo>
-                <a:cubicBezTo>
-                  <a:pt x="8518155" y="5863"/>
-                  <a:pt x="8640037" y="6483"/>
-                  <a:pt x="8466064" y="18288"/>
-                </a:cubicBezTo>
-                <a:cubicBezTo>
-                  <a:pt x="8292091" y="30093"/>
-                  <a:pt x="7997656" y="18914"/>
-                  <a:pt x="7787693" y="18288"/>
-                </a:cubicBezTo>
-                <a:cubicBezTo>
-                  <a:pt x="7577730" y="17662"/>
-                  <a:pt x="7412468" y="21416"/>
-                  <a:pt x="7217862" y="18288"/>
-                </a:cubicBezTo>
-                <a:cubicBezTo>
-                  <a:pt x="7023256" y="15160"/>
-                  <a:pt x="6898018" y="14824"/>
-                  <a:pt x="6648031" y="18288"/>
-                </a:cubicBezTo>
-                <a:cubicBezTo>
-                  <a:pt x="6398044" y="21752"/>
-                  <a:pt x="6254402" y="38625"/>
-                  <a:pt x="6078200" y="18288"/>
-                </a:cubicBezTo>
-                <a:cubicBezTo>
-                  <a:pt x="5901998" y="-2049"/>
-                  <a:pt x="5622886" y="3213"/>
-                  <a:pt x="5508368" y="18288"/>
-                </a:cubicBezTo>
-                <a:cubicBezTo>
-                  <a:pt x="5393850" y="33363"/>
-                  <a:pt x="5036260" y="26830"/>
-                  <a:pt x="4721459" y="18288"/>
-                </a:cubicBezTo>
-                <a:cubicBezTo>
-                  <a:pt x="4406658" y="9746"/>
-                  <a:pt x="4239221" y="41551"/>
-                  <a:pt x="4043088" y="18288"/>
-                </a:cubicBezTo>
-                <a:cubicBezTo>
-                  <a:pt x="3846955" y="-4975"/>
-                  <a:pt x="3818802" y="34658"/>
-                  <a:pt x="3690336" y="18288"/>
-                </a:cubicBezTo>
-                <a:cubicBezTo>
-                  <a:pt x="3561870" y="1918"/>
-                  <a:pt x="3265491" y="42194"/>
-                  <a:pt x="3120504" y="18288"/>
-                </a:cubicBezTo>
-                <a:cubicBezTo>
-                  <a:pt x="2975517" y="-5618"/>
-                  <a:pt x="2720254" y="36673"/>
-                  <a:pt x="2333595" y="18288"/>
-                </a:cubicBezTo>
-                <a:cubicBezTo>
-                  <a:pt x="1946936" y="-97"/>
-                  <a:pt x="2097241" y="5776"/>
-                  <a:pt x="1872303" y="18288"/>
-                </a:cubicBezTo>
-                <a:cubicBezTo>
-                  <a:pt x="1647365" y="30800"/>
-                  <a:pt x="1282708" y="45380"/>
-                  <a:pt x="976854" y="18288"/>
-                </a:cubicBezTo>
-                <a:cubicBezTo>
-                  <a:pt x="671000" y="-8804"/>
-                  <a:pt x="408401" y="-12775"/>
-                  <a:pt x="0" y="18288"/>
-                </a:cubicBezTo>
-                <a:cubicBezTo>
-                  <a:pt x="-213" y="9468"/>
-                  <a:pt x="187" y="4459"/>
-                  <a:pt x="0" y="0"/>
-                </a:cubicBezTo>
-                <a:close/>
-              </a:path>
-              <a:path w="10853928" h="18288" stroke="0" extrusionOk="0">
-                <a:moveTo>
-                  <a:pt x="0" y="0"/>
-                </a:moveTo>
-                <a:cubicBezTo>
-                  <a:pt x="267322" y="15284"/>
-                  <a:pt x="415388" y="-21048"/>
-                  <a:pt x="569831" y="0"/>
-                </a:cubicBezTo>
-                <a:cubicBezTo>
-                  <a:pt x="724274" y="21048"/>
-                  <a:pt x="769333" y="-2353"/>
-                  <a:pt x="922584" y="0"/>
-                </a:cubicBezTo>
-                <a:cubicBezTo>
-                  <a:pt x="1075835" y="2353"/>
-                  <a:pt x="1399490" y="-145"/>
-                  <a:pt x="1818033" y="0"/>
-                </a:cubicBezTo>
-                <a:cubicBezTo>
-                  <a:pt x="2236576" y="145"/>
-                  <a:pt x="2145330" y="5482"/>
-                  <a:pt x="2387864" y="0"/>
-                </a:cubicBezTo>
-                <a:cubicBezTo>
-                  <a:pt x="2630398" y="-5482"/>
-                  <a:pt x="2793207" y="18487"/>
-                  <a:pt x="2957695" y="0"/>
-                </a:cubicBezTo>
-                <a:cubicBezTo>
-                  <a:pt x="3122183" y="-18487"/>
-                  <a:pt x="3579141" y="19003"/>
-                  <a:pt x="3853144" y="0"/>
-                </a:cubicBezTo>
-                <a:cubicBezTo>
-                  <a:pt x="4127147" y="-19003"/>
-                  <a:pt x="4209857" y="12211"/>
-                  <a:pt x="4314436" y="0"/>
-                </a:cubicBezTo>
-                <a:cubicBezTo>
-                  <a:pt x="4419015" y="-12211"/>
-                  <a:pt x="4762459" y="-17220"/>
-                  <a:pt x="5209885" y="0"/>
-                </a:cubicBezTo>
-                <a:cubicBezTo>
-                  <a:pt x="5657311" y="17220"/>
-                  <a:pt x="5692663" y="-3290"/>
-                  <a:pt x="6105335" y="0"/>
-                </a:cubicBezTo>
-                <a:cubicBezTo>
-                  <a:pt x="6518007" y="3290"/>
-                  <a:pt x="6455516" y="-5124"/>
-                  <a:pt x="6783705" y="0"/>
-                </a:cubicBezTo>
-                <a:cubicBezTo>
-                  <a:pt x="7111894" y="5124"/>
-                  <a:pt x="7441941" y="-17829"/>
-                  <a:pt x="7679154" y="0"/>
-                </a:cubicBezTo>
-                <a:cubicBezTo>
-                  <a:pt x="7916367" y="17829"/>
-                  <a:pt x="8102967" y="-24363"/>
-                  <a:pt x="8248985" y="0"/>
-                </a:cubicBezTo>
-                <a:cubicBezTo>
-                  <a:pt x="8395003" y="24363"/>
-                  <a:pt x="8552393" y="25505"/>
-                  <a:pt x="8818817" y="0"/>
-                </a:cubicBezTo>
-                <a:cubicBezTo>
-                  <a:pt x="9085241" y="-25505"/>
-                  <a:pt x="9411308" y="38000"/>
-                  <a:pt x="9605726" y="0"/>
-                </a:cubicBezTo>
-                <a:cubicBezTo>
-                  <a:pt x="9800144" y="-38000"/>
-                  <a:pt x="10006468" y="-25741"/>
-                  <a:pt x="10175558" y="0"/>
-                </a:cubicBezTo>
-                <a:cubicBezTo>
-                  <a:pt x="10344648" y="25741"/>
-                  <a:pt x="10696282" y="695"/>
-                  <a:pt x="10853928" y="0"/>
-                </a:cubicBezTo>
-                <a:cubicBezTo>
-                  <a:pt x="10853521" y="8690"/>
-                  <a:pt x="10853774" y="14141"/>
-                  <a:pt x="10853928" y="18288"/>
-                </a:cubicBezTo>
-                <a:cubicBezTo>
-                  <a:pt x="10608124" y="24255"/>
-                  <a:pt x="10343415" y="22307"/>
-                  <a:pt x="10067018" y="18288"/>
-                </a:cubicBezTo>
-                <a:cubicBezTo>
-                  <a:pt x="9790621" y="14270"/>
-                  <a:pt x="9843266" y="3564"/>
-                  <a:pt x="9714266" y="18288"/>
-                </a:cubicBezTo>
-                <a:cubicBezTo>
-                  <a:pt x="9585266" y="33012"/>
-                  <a:pt x="9379484" y="1875"/>
-                  <a:pt x="9252974" y="18288"/>
-                </a:cubicBezTo>
-                <a:cubicBezTo>
-                  <a:pt x="9126464" y="34701"/>
-                  <a:pt x="8580678" y="-4904"/>
-                  <a:pt x="8357525" y="18288"/>
-                </a:cubicBezTo>
-                <a:cubicBezTo>
-                  <a:pt x="8134372" y="41480"/>
-                  <a:pt x="7903199" y="26458"/>
-                  <a:pt x="7679154" y="18288"/>
-                </a:cubicBezTo>
-                <a:cubicBezTo>
-                  <a:pt x="7455109" y="10118"/>
-                  <a:pt x="7435944" y="27109"/>
-                  <a:pt x="7217862" y="18288"/>
-                </a:cubicBezTo>
-                <a:cubicBezTo>
-                  <a:pt x="6999780" y="9467"/>
-                  <a:pt x="6680409" y="18985"/>
-                  <a:pt x="6539492" y="18288"/>
-                </a:cubicBezTo>
-                <a:cubicBezTo>
-                  <a:pt x="6398575" y="17592"/>
-                  <a:pt x="6312077" y="33018"/>
-                  <a:pt x="6186739" y="18288"/>
-                </a:cubicBezTo>
-                <a:cubicBezTo>
-                  <a:pt x="6061401" y="3558"/>
-                  <a:pt x="5947033" y="12075"/>
-                  <a:pt x="5833986" y="18288"/>
-                </a:cubicBezTo>
-                <a:cubicBezTo>
-                  <a:pt x="5720939" y="24501"/>
-                  <a:pt x="5482226" y="8586"/>
-                  <a:pt x="5155616" y="18288"/>
-                </a:cubicBezTo>
-                <a:cubicBezTo>
-                  <a:pt x="4829006" y="27991"/>
-                  <a:pt x="4841274" y="29316"/>
-                  <a:pt x="4694324" y="18288"/>
-                </a:cubicBezTo>
-                <a:cubicBezTo>
-                  <a:pt x="4547374" y="7260"/>
-                  <a:pt x="4077675" y="7013"/>
-                  <a:pt x="3907414" y="18288"/>
-                </a:cubicBezTo>
-                <a:cubicBezTo>
-                  <a:pt x="3737153" y="29564"/>
-                  <a:pt x="3538393" y="21630"/>
-                  <a:pt x="3446122" y="18288"/>
-                </a:cubicBezTo>
-                <a:cubicBezTo>
-                  <a:pt x="3353851" y="14946"/>
-                  <a:pt x="2990320" y="-8091"/>
-                  <a:pt x="2659212" y="18288"/>
-                </a:cubicBezTo>
-                <a:cubicBezTo>
-                  <a:pt x="2328104" y="44667"/>
-                  <a:pt x="2427653" y="9607"/>
-                  <a:pt x="2306460" y="18288"/>
-                </a:cubicBezTo>
-                <a:cubicBezTo>
-                  <a:pt x="2185267" y="26969"/>
-                  <a:pt x="1719763" y="3717"/>
-                  <a:pt x="1519550" y="18288"/>
-                </a:cubicBezTo>
-                <a:cubicBezTo>
-                  <a:pt x="1319337" y="32860"/>
-                  <a:pt x="1167371" y="17040"/>
-                  <a:pt x="1058258" y="18288"/>
-                </a:cubicBezTo>
-                <a:cubicBezTo>
-                  <a:pt x="949145" y="19536"/>
-                  <a:pt x="780234" y="31447"/>
-                  <a:pt x="705505" y="18288"/>
-                </a:cubicBezTo>
-                <a:cubicBezTo>
-                  <a:pt x="630776" y="5129"/>
-                  <a:pt x="215796" y="30056"/>
-                  <a:pt x="0" y="18288"/>
-                </a:cubicBezTo>
-                <a:cubicBezTo>
-                  <a:pt x="-53" y="11301"/>
-                  <a:pt x="-649" y="7756"/>
-                  <a:pt x="0" y="0"/>
-                </a:cubicBezTo>
-                <a:close/>
-              </a:path>
-            </a:pathLst>
-          </a:custGeom>
-          <a:solidFill>
-            <a:schemeClr val="accent2"/>
-          </a:solidFill>
-          <a:ln w="41275" cap="rnd">
-            <a:solidFill>
-              <a:schemeClr val="accent2"/>
-            </a:solidFill>
-            <a:round/>
-            <a:extLst>
-              <a:ext uri="{C807C97D-BFC1-408E-A445-0C87EB9F89A2}">
-                <ask:lineSketchStyleProps xmlns:ask="http://schemas.microsoft.com/office/drawing/2018/sketchyshapes" sd="1219033472">
-                  <a:prstGeom prst="rect">
-                    <a:avLst/>
-                  </a:prstGeom>
-                  <ask:type>
-                    <ask:lineSketchFreehand/>
-                  </ask:type>
-                </ask:lineSketchStyleProps>
-              </a:ext>
-            </a:extLst>
-          </a:ln>
-        </p:spPr>
-        <p:style>
-          <a:lnRef idx="2">
-            <a:schemeClr val="accent1">
-              <a:shade val="50000"/>
-            </a:schemeClr>
-          </a:lnRef>
-          <a:fillRef idx="1">
-            <a:schemeClr val="accent1"/>
-          </a:fillRef>
-          <a:effectRef idx="0">
-            <a:schemeClr val="accent1"/>
-          </a:effectRef>
-          <a:fontRef idx="minor">
-            <a:schemeClr val="lt1"/>
-          </a:fontRef>
-        </p:style>
-        <p:txBody>
-          <a:bodyPr rtlCol="0" anchor="ctr"/>
-          <a:lstStyle/>
-          <a:p>
-            <a:pPr marL="0" marR="0" lvl="0" indent="0" algn="ctr" defTabSz="914400" rtl="0" eaLnBrk="1" fontAlgn="auto" latinLnBrk="0" hangingPunct="1">
-              <a:lnSpc>
-                <a:spcPct val="100000"/>
-              </a:lnSpc>
-              <a:spcBef>
-                <a:spcPts val="0"/>
-              </a:spcBef>
-              <a:spcAft>
-                <a:spcPts val="0"/>
-              </a:spcAft>
-              <a:buClrTx/>
-              <a:buSzTx/>
-              <a:buFontTx/>
-              <a:buNone/>
-              <a:tabLst/>
-              <a:defRPr/>
-            </a:pPr>
-            <a:endParaRPr kumimoji="0" lang="en-US" sz="1800" b="0" i="0" u="none" strike="noStrike" kern="1200" cap="none" spc="0" normalizeH="0" baseline="0" noProof="0">
-              <a:ln>
-                <a:noFill/>
-              </a:ln>
-              <a:solidFill>
-                <a:prstClr val="white"/>
-              </a:solidFill>
-              <a:effectLst/>
-              <a:uLnTx/>
-              <a:uFillTx/>
-              <a:latin typeface="Calibri" panose="020F0502020204030204"/>
-              <a:ea typeface="+mn-ea"/>
-              <a:cs typeface="+mn-cs"/>
-            </a:endParaRPr>
-          </a:p>
-        </p:txBody>
-      </p:sp>
-      <p:sp>
-        <p:nvSpPr>
-          <p:cNvPr id="3" name="Content Placeholder 2">
-            <a:extLst>
-              <a:ext uri="{FF2B5EF4-FFF2-40B4-BE49-F238E27FC236}">
-                <a16:creationId xmlns:a16="http://schemas.microsoft.com/office/drawing/2014/main" id="{BC31D83F-52AE-433B-BE60-965BF8024A25}"/>
-              </a:ext>
-            </a:extLst>
-          </p:cNvPr>
-          <p:cNvSpPr>
-            <a:spLocks noGrp="1"/>
-          </p:cNvSpPr>
-          <p:nvPr>
-            <p:ph idx="1"/>
-          </p:nvPr>
-        </p:nvSpPr>
-        <p:spPr>
-          <a:xfrm>
-            <a:off x="838200" y="1929384"/>
-            <a:ext cx="10515600" cy="4251960"/>
-          </a:xfrm>
-        </p:spPr>
-        <p:txBody>
-          <a:bodyPr>
-            <a:normAutofit/>
-          </a:bodyPr>
-          <a:lstStyle/>
-          <a:p>
-            <a:pPr marL="0" indent="0">
-              <a:buNone/>
-            </a:pPr>
-            <a:r>
-              <a:rPr lang="en-US" sz="2200" b="0">
-                <a:latin typeface="Arial"/>
-                <a:ea typeface="Arial"/>
-                <a:cs typeface="Arial"/>
-                <a:sym typeface="Arial"/>
-              </a:rPr>
-              <a:t>30% people say they dine out on Wednesday’s, n =500, </a:t>
-            </a:r>
-            <a:r>
-              <a:rPr lang="en-US" sz="2200"/>
-              <a:t>95% confidence (i.e., t = 1.96) </a:t>
-            </a:r>
-          </a:p>
-          <a:p>
-            <a:pPr marL="0" indent="0">
-              <a:buNone/>
-            </a:pPr>
-            <a:endParaRPr lang="en-US" sz="2200"/>
-          </a:p>
-        </p:txBody>
-      </p:sp>
-    </p:spTree>
-    <p:extLst>
-      <p:ext uri="{BB962C8B-B14F-4D97-AF65-F5344CB8AC3E}">
-        <p14:creationId xmlns:p14="http://schemas.microsoft.com/office/powerpoint/2010/main" val="612962761"/>
       </p:ext>
     </p:extLst>
   </p:cSld>
